--- a/企画/企画書/PurgeVer2.pptx
+++ b/企画/企画書/PurgeVer2.pptx
@@ -5,16 +5,18 @@
     <p:sldMasterId id="2147483660" r:id="rId1"/>
   </p:sldMasterIdLst>
   <p:notesMasterIdLst>
-    <p:notesMasterId r:id="rId9"/>
+    <p:notesMasterId r:id="rId11"/>
   </p:notesMasterIdLst>
   <p:sldIdLst>
     <p:sldId id="256" r:id="rId2"/>
     <p:sldId id="263" r:id="rId3"/>
     <p:sldId id="261" r:id="rId4"/>
-    <p:sldId id="260" r:id="rId5"/>
+    <p:sldId id="266" r:id="rId5"/>
     <p:sldId id="262" r:id="rId6"/>
-    <p:sldId id="258" r:id="rId7"/>
-    <p:sldId id="259" r:id="rId8"/>
+    <p:sldId id="265" r:id="rId7"/>
+    <p:sldId id="264" r:id="rId8"/>
+    <p:sldId id="258" r:id="rId9"/>
+    <p:sldId id="259" r:id="rId10"/>
   </p:sldIdLst>
   <p:sldSz cx="9144000" cy="6858000" type="screen4x3"/>
   <p:notesSz cx="6858000" cy="9144000"/>
@@ -116,7 +118,7 @@
   <p:extLst>
     <p:ext uri="{EFAFB233-063F-42B5-8137-9DF3F51BA10A}">
       <p15:sldGuideLst xmlns:p15="http://schemas.microsoft.com/office/powerpoint/2012/main">
-        <p15:guide id="1" orient="horz" pos="2160" userDrawn="1">
+        <p15:guide id="1" orient="horz" pos="2183" userDrawn="1">
           <p15:clr>
             <a:srgbClr val="A4A3A4"/>
           </p15:clr>
@@ -214,7 +216,7 @@
           <a:p>
             <a:fld id="{3AF58804-1989-4928-AC3A-7D8C261CE1C6}" type="datetimeFigureOut">
               <a:rPr kumimoji="1" lang="ja-JP" altLang="en-US" smtClean="0"/>
-              <a:t>2017/11/20</a:t>
+              <a:t>2017/11/28</a:t>
             </a:fld>
             <a:endParaRPr kumimoji="1" lang="ja-JP" altLang="en-US"/>
           </a:p>
@@ -973,7 +975,7 @@
     </p:spTree>
     <p:extLst>
       <p:ext uri="{BB962C8B-B14F-4D97-AF65-F5344CB8AC3E}">
-        <p14:creationId xmlns:p14="http://schemas.microsoft.com/office/powerpoint/2010/main" val="3507440823"/>
+        <p14:creationId xmlns:p14="http://schemas.microsoft.com/office/powerpoint/2010/main" val="92695700"/>
       </p:ext>
     </p:extLst>
   </p:cSld>
@@ -1151,24 +1153,31 @@
           <a:p>
             <a:r>
               <a:rPr kumimoji="1" lang="ja-JP" altLang="en-US" dirty="0" smtClean="0"/>
-              <a:t>プレイヤー装着の装着例といたしまして</a:t>
+              <a:t>入手したパーツを装着し強化していくのですが、</a:t>
             </a:r>
             <a:endParaRPr kumimoji="1" lang="en-US" altLang="ja-JP" dirty="0" smtClean="0"/>
           </a:p>
           <a:p>
+            <a:r>
+              <a:rPr kumimoji="1" lang="ja-JP" altLang="en-US" dirty="0" smtClean="0"/>
+              <a:t>ただ強化されるのではなく、見た目やアクションの変化も起こります</a:t>
+            </a:r>
             <a:endParaRPr kumimoji="1" lang="en-US" altLang="ja-JP" dirty="0" smtClean="0"/>
           </a:p>
           <a:p>
+            <a:endParaRPr kumimoji="1" lang="en-US" altLang="ja-JP" dirty="0" smtClean="0"/>
+          </a:p>
+          <a:p>
             <a:r>
               <a:rPr kumimoji="1" lang="ja-JP" altLang="en-US" dirty="0" smtClean="0"/>
-              <a:t>全身をバランスよく強化していく</a:t>
+              <a:t>例えば、敵の腕を破壊し、自身に装着していくことで、</a:t>
             </a:r>
             <a:endParaRPr kumimoji="1" lang="en-US" altLang="ja-JP" dirty="0" smtClean="0"/>
           </a:p>
           <a:p>
             <a:r>
               <a:rPr kumimoji="1" lang="ja-JP" altLang="en-US" dirty="0" smtClean="0"/>
-              <a:t>こちらは長時間安定した戦闘が楽しめるように操作性にもメリットがでます</a:t>
+              <a:t>腕の機能が特化した装備になっていきます</a:t>
             </a:r>
             <a:endParaRPr kumimoji="1" lang="en-US" altLang="ja-JP" dirty="0" smtClean="0"/>
           </a:p>
@@ -1178,21 +1187,7 @@
           <a:p>
             <a:r>
               <a:rPr kumimoji="1" lang="ja-JP" altLang="en-US" dirty="0" smtClean="0"/>
-              <a:t>反対に一部分だけの強化は</a:t>
-            </a:r>
-            <a:endParaRPr kumimoji="1" lang="en-US" altLang="ja-JP" dirty="0" smtClean="0"/>
-          </a:p>
-          <a:p>
-            <a:r>
-              <a:rPr kumimoji="1" lang="ja-JP" altLang="en-US" dirty="0" smtClean="0"/>
-              <a:t>重さの偏りで操作がしにくくなり、敵の攻撃に当たりやすくなってしまいますが</a:t>
-            </a:r>
-            <a:endParaRPr kumimoji="1" lang="en-US" altLang="ja-JP" dirty="0" smtClean="0"/>
-          </a:p>
-          <a:p>
-            <a:r>
-              <a:rPr kumimoji="1" lang="ja-JP" altLang="en-US" dirty="0" smtClean="0"/>
-              <a:t>強化している部分をパージすることで強力な必殺技を使うことができます</a:t>
+              <a:t>組み合わせ次第で性能が変化していくことがポイントです</a:t>
             </a:r>
             <a:endParaRPr kumimoji="1" lang="ja-JP" altLang="en-US" dirty="0"/>
           </a:p>
@@ -1224,7 +1219,7 @@
     </p:spTree>
     <p:extLst>
       <p:ext uri="{BB962C8B-B14F-4D97-AF65-F5344CB8AC3E}">
-        <p14:creationId xmlns:p14="http://schemas.microsoft.com/office/powerpoint/2010/main" val="2984410150"/>
+        <p14:creationId xmlns:p14="http://schemas.microsoft.com/office/powerpoint/2010/main" val="1363447064"/>
       </p:ext>
     </p:extLst>
   </p:cSld>
@@ -1280,14 +1275,14 @@
           <a:p>
             <a:r>
               <a:rPr kumimoji="1" lang="ja-JP" altLang="en-US" dirty="0" smtClean="0"/>
-              <a:t>基本となるパージは、装備しているパーツの耐久力を０（ゼロ）にして、装備を勢いよく飛ばす</a:t>
+              <a:t>入手したパーツを装着し強化していくのですが、</a:t>
             </a:r>
             <a:endParaRPr kumimoji="1" lang="en-US" altLang="ja-JP" dirty="0" smtClean="0"/>
           </a:p>
           <a:p>
             <a:r>
               <a:rPr kumimoji="1" lang="ja-JP" altLang="en-US" dirty="0" smtClean="0"/>
-              <a:t>攻撃と回避を兼ねそろえた技になります</a:t>
+              <a:t>ただ強化されるのではなく、見た目やアクションの変化も起こります</a:t>
             </a:r>
             <a:endParaRPr kumimoji="1" lang="en-US" altLang="ja-JP" dirty="0" smtClean="0"/>
           </a:p>
@@ -1297,16 +1292,26 @@
           <a:p>
             <a:r>
               <a:rPr kumimoji="1" lang="ja-JP" altLang="en-US" dirty="0" smtClean="0"/>
-              <a:t>それとは別に集中型で強化した場合、強化した部位、装備しているパーツから</a:t>
+              <a:t>例えば、敵の腕を破壊し、自身に装着していくことで、</a:t>
             </a:r>
             <a:endParaRPr kumimoji="1" lang="en-US" altLang="ja-JP" dirty="0" smtClean="0"/>
           </a:p>
           <a:p>
             <a:r>
               <a:rPr kumimoji="1" lang="ja-JP" altLang="en-US" dirty="0" smtClean="0"/>
-              <a:t>様々な必殺技を発動できます</a:t>
+              <a:t>腕の機能が特化した装備になっていきます</a:t>
             </a:r>
             <a:endParaRPr kumimoji="1" lang="en-US" altLang="ja-JP" dirty="0" smtClean="0"/>
+          </a:p>
+          <a:p>
+            <a:endParaRPr kumimoji="1" lang="en-US" altLang="ja-JP" dirty="0" smtClean="0"/>
+          </a:p>
+          <a:p>
+            <a:r>
+              <a:rPr kumimoji="1" lang="ja-JP" altLang="en-US" dirty="0" smtClean="0"/>
+              <a:t>組み合わせ次第で性能が変化していくことがポイントです</a:t>
+            </a:r>
+            <a:endParaRPr kumimoji="1" lang="ja-JP" altLang="en-US" dirty="0"/>
           </a:p>
         </p:txBody>
       </p:sp>
@@ -1328,6 +1333,247 @@
             <a:fld id="{F265A846-F532-4297-9892-23519271022F}" type="slidenum">
               <a:rPr kumimoji="1" lang="ja-JP" altLang="en-US" smtClean="0"/>
               <a:t>7</a:t>
+            </a:fld>
+            <a:endParaRPr kumimoji="1" lang="ja-JP" altLang="en-US"/>
+          </a:p>
+        </p:txBody>
+      </p:sp>
+    </p:spTree>
+    <p:extLst>
+      <p:ext uri="{BB962C8B-B14F-4D97-AF65-F5344CB8AC3E}">
+        <p14:creationId xmlns:p14="http://schemas.microsoft.com/office/powerpoint/2010/main" val="2951251896"/>
+      </p:ext>
+    </p:extLst>
+  </p:cSld>
+  <p:clrMapOvr>
+    <a:masterClrMapping/>
+  </p:clrMapOvr>
+</p:notes>
+</file>
+
+<file path=ppt/notesSlides/notesSlide8.xml><?xml version="1.0" encoding="utf-8"?>
+<p:notes xmlns:a="http://schemas.openxmlformats.org/drawingml/2006/main" xmlns:r="http://schemas.openxmlformats.org/officeDocument/2006/relationships" xmlns:p="http://schemas.openxmlformats.org/presentationml/2006/main">
+  <p:cSld>
+    <p:spTree>
+      <p:nvGrpSpPr>
+        <p:cNvPr id="1" name=""/>
+        <p:cNvGrpSpPr/>
+        <p:nvPr/>
+      </p:nvGrpSpPr>
+      <p:grpSpPr>
+        <a:xfrm>
+          <a:off x="0" y="0"/>
+          <a:ext cx="0" cy="0"/>
+          <a:chOff x="0" y="0"/>
+          <a:chExt cx="0" cy="0"/>
+        </a:xfrm>
+      </p:grpSpPr>
+      <p:sp>
+        <p:nvSpPr>
+          <p:cNvPr id="2" name="スライド イメージ プレースホルダー 1"/>
+          <p:cNvSpPr>
+            <a:spLocks noGrp="1" noRot="1" noChangeAspect="1"/>
+          </p:cNvSpPr>
+          <p:nvPr>
+            <p:ph type="sldImg"/>
+          </p:nvPr>
+        </p:nvSpPr>
+        <p:spPr/>
+      </p:sp>
+      <p:sp>
+        <p:nvSpPr>
+          <p:cNvPr id="3" name="ノート プレースホルダー 2"/>
+          <p:cNvSpPr>
+            <a:spLocks noGrp="1"/>
+          </p:cNvSpPr>
+          <p:nvPr>
+            <p:ph type="body" idx="1"/>
+          </p:nvPr>
+        </p:nvSpPr>
+        <p:spPr/>
+        <p:txBody>
+          <a:bodyPr/>
+          <a:lstStyle/>
+          <a:p>
+            <a:r>
+              <a:rPr kumimoji="1" lang="ja-JP" altLang="en-US" dirty="0" smtClean="0"/>
+              <a:t>プレイヤー装着の装着例といたしまして</a:t>
+            </a:r>
+            <a:endParaRPr kumimoji="1" lang="en-US" altLang="ja-JP" dirty="0" smtClean="0"/>
+          </a:p>
+          <a:p>
+            <a:endParaRPr kumimoji="1" lang="en-US" altLang="ja-JP" dirty="0" smtClean="0"/>
+          </a:p>
+          <a:p>
+            <a:r>
+              <a:rPr kumimoji="1" lang="ja-JP" altLang="en-US" dirty="0" smtClean="0"/>
+              <a:t>全身をバランスよく強化していく</a:t>
+            </a:r>
+            <a:endParaRPr kumimoji="1" lang="en-US" altLang="ja-JP" dirty="0" smtClean="0"/>
+          </a:p>
+          <a:p>
+            <a:r>
+              <a:rPr kumimoji="1" lang="ja-JP" altLang="en-US" dirty="0" smtClean="0"/>
+              <a:t>こちらは長時間安定した戦闘が楽しめるように操作性にもメリットがでます</a:t>
+            </a:r>
+            <a:endParaRPr kumimoji="1" lang="en-US" altLang="ja-JP" dirty="0" smtClean="0"/>
+          </a:p>
+          <a:p>
+            <a:endParaRPr kumimoji="1" lang="en-US" altLang="ja-JP" dirty="0" smtClean="0"/>
+          </a:p>
+          <a:p>
+            <a:r>
+              <a:rPr kumimoji="1" lang="ja-JP" altLang="en-US" dirty="0" smtClean="0"/>
+              <a:t>反対に一部分だけの強化は</a:t>
+            </a:r>
+            <a:endParaRPr kumimoji="1" lang="en-US" altLang="ja-JP" dirty="0" smtClean="0"/>
+          </a:p>
+          <a:p>
+            <a:r>
+              <a:rPr kumimoji="1" lang="ja-JP" altLang="en-US" dirty="0" smtClean="0"/>
+              <a:t>重さの偏りで操作がしにくくなり、敵の攻撃に当たりやすくなってしまいますが</a:t>
+            </a:r>
+            <a:endParaRPr kumimoji="1" lang="en-US" altLang="ja-JP" dirty="0" smtClean="0"/>
+          </a:p>
+          <a:p>
+            <a:r>
+              <a:rPr kumimoji="1" lang="ja-JP" altLang="en-US" dirty="0" smtClean="0"/>
+              <a:t>強化している部分をパージすることで強力な必殺技を使うことができます</a:t>
+            </a:r>
+            <a:endParaRPr kumimoji="1" lang="ja-JP" altLang="en-US" dirty="0"/>
+          </a:p>
+        </p:txBody>
+      </p:sp>
+      <p:sp>
+        <p:nvSpPr>
+          <p:cNvPr id="4" name="スライド番号プレースホルダー 3"/>
+          <p:cNvSpPr>
+            <a:spLocks noGrp="1"/>
+          </p:cNvSpPr>
+          <p:nvPr>
+            <p:ph type="sldNum" sz="quarter" idx="10"/>
+          </p:nvPr>
+        </p:nvSpPr>
+        <p:spPr/>
+        <p:txBody>
+          <a:bodyPr/>
+          <a:lstStyle/>
+          <a:p>
+            <a:fld id="{F265A846-F532-4297-9892-23519271022F}" type="slidenum">
+              <a:rPr kumimoji="1" lang="ja-JP" altLang="en-US" smtClean="0"/>
+              <a:t>8</a:t>
+            </a:fld>
+            <a:endParaRPr kumimoji="1" lang="ja-JP" altLang="en-US"/>
+          </a:p>
+        </p:txBody>
+      </p:sp>
+    </p:spTree>
+    <p:extLst>
+      <p:ext uri="{BB962C8B-B14F-4D97-AF65-F5344CB8AC3E}">
+        <p14:creationId xmlns:p14="http://schemas.microsoft.com/office/powerpoint/2010/main" val="2984410150"/>
+      </p:ext>
+    </p:extLst>
+  </p:cSld>
+  <p:clrMapOvr>
+    <a:masterClrMapping/>
+  </p:clrMapOvr>
+</p:notes>
+</file>
+
+<file path=ppt/notesSlides/notesSlide9.xml><?xml version="1.0" encoding="utf-8"?>
+<p:notes xmlns:a="http://schemas.openxmlformats.org/drawingml/2006/main" xmlns:r="http://schemas.openxmlformats.org/officeDocument/2006/relationships" xmlns:p="http://schemas.openxmlformats.org/presentationml/2006/main">
+  <p:cSld>
+    <p:spTree>
+      <p:nvGrpSpPr>
+        <p:cNvPr id="1" name=""/>
+        <p:cNvGrpSpPr/>
+        <p:nvPr/>
+      </p:nvGrpSpPr>
+      <p:grpSpPr>
+        <a:xfrm>
+          <a:off x="0" y="0"/>
+          <a:ext cx="0" cy="0"/>
+          <a:chOff x="0" y="0"/>
+          <a:chExt cx="0" cy="0"/>
+        </a:xfrm>
+      </p:grpSpPr>
+      <p:sp>
+        <p:nvSpPr>
+          <p:cNvPr id="2" name="スライド イメージ プレースホルダー 1"/>
+          <p:cNvSpPr>
+            <a:spLocks noGrp="1" noRot="1" noChangeAspect="1"/>
+          </p:cNvSpPr>
+          <p:nvPr>
+            <p:ph type="sldImg"/>
+          </p:nvPr>
+        </p:nvSpPr>
+        <p:spPr/>
+      </p:sp>
+      <p:sp>
+        <p:nvSpPr>
+          <p:cNvPr id="3" name="ノート プレースホルダー 2"/>
+          <p:cNvSpPr>
+            <a:spLocks noGrp="1"/>
+          </p:cNvSpPr>
+          <p:nvPr>
+            <p:ph type="body" idx="1"/>
+          </p:nvPr>
+        </p:nvSpPr>
+        <p:spPr/>
+        <p:txBody>
+          <a:bodyPr/>
+          <a:lstStyle/>
+          <a:p>
+            <a:r>
+              <a:rPr kumimoji="1" lang="ja-JP" altLang="en-US" dirty="0" smtClean="0"/>
+              <a:t>基本となるパージは、装備しているパーツの耐久力を０（ゼロ）にして、装備を勢いよく飛ばす</a:t>
+            </a:r>
+            <a:endParaRPr kumimoji="1" lang="en-US" altLang="ja-JP" dirty="0" smtClean="0"/>
+          </a:p>
+          <a:p>
+            <a:r>
+              <a:rPr kumimoji="1" lang="ja-JP" altLang="en-US" dirty="0" smtClean="0"/>
+              <a:t>攻撃と回避を兼ねそろえた技になります</a:t>
+            </a:r>
+            <a:endParaRPr kumimoji="1" lang="en-US" altLang="ja-JP" dirty="0" smtClean="0"/>
+          </a:p>
+          <a:p>
+            <a:endParaRPr kumimoji="1" lang="en-US" altLang="ja-JP" dirty="0" smtClean="0"/>
+          </a:p>
+          <a:p>
+            <a:r>
+              <a:rPr kumimoji="1" lang="ja-JP" altLang="en-US" dirty="0" smtClean="0"/>
+              <a:t>それとは別に集中型で強化した場合、強化した部位、装備しているパーツから</a:t>
+            </a:r>
+            <a:endParaRPr kumimoji="1" lang="en-US" altLang="ja-JP" dirty="0" smtClean="0"/>
+          </a:p>
+          <a:p>
+            <a:r>
+              <a:rPr kumimoji="1" lang="ja-JP" altLang="en-US" dirty="0" smtClean="0"/>
+              <a:t>様々な必殺技を発動できます</a:t>
+            </a:r>
+            <a:endParaRPr kumimoji="1" lang="en-US" altLang="ja-JP" dirty="0" smtClean="0"/>
+          </a:p>
+        </p:txBody>
+      </p:sp>
+      <p:sp>
+        <p:nvSpPr>
+          <p:cNvPr id="4" name="スライド番号プレースホルダー 3"/>
+          <p:cNvSpPr>
+            <a:spLocks noGrp="1"/>
+          </p:cNvSpPr>
+          <p:nvPr>
+            <p:ph type="sldNum" sz="quarter" idx="10"/>
+          </p:nvPr>
+        </p:nvSpPr>
+        <p:spPr/>
+        <p:txBody>
+          <a:bodyPr/>
+          <a:lstStyle/>
+          <a:p>
+            <a:fld id="{F265A846-F532-4297-9892-23519271022F}" type="slidenum">
+              <a:rPr kumimoji="1" lang="ja-JP" altLang="en-US" smtClean="0"/>
+              <a:t>9</a:t>
             </a:fld>
             <a:endParaRPr kumimoji="1" lang="ja-JP" altLang="en-US"/>
           </a:p>
@@ -1477,7 +1723,7 @@
           <a:p>
             <a:fld id="{F37D479E-B6B9-4720-8E8B-C8A4A95AA0E5}" type="datetimeFigureOut">
               <a:rPr kumimoji="1" lang="ja-JP" altLang="en-US" smtClean="0"/>
-              <a:t>2017/11/20</a:t>
+              <a:t>2017/11/28</a:t>
             </a:fld>
             <a:endParaRPr kumimoji="1" lang="ja-JP" altLang="en-US"/>
           </a:p>
@@ -1679,7 +1925,7 @@
           <a:p>
             <a:fld id="{F37D479E-B6B9-4720-8E8B-C8A4A95AA0E5}" type="datetimeFigureOut">
               <a:rPr kumimoji="1" lang="ja-JP" altLang="en-US" smtClean="0"/>
-              <a:t>2017/11/20</a:t>
+              <a:t>2017/11/28</a:t>
             </a:fld>
             <a:endParaRPr kumimoji="1" lang="ja-JP" altLang="en-US"/>
           </a:p>
@@ -1891,7 +2137,7 @@
           <a:p>
             <a:fld id="{F37D479E-B6B9-4720-8E8B-C8A4A95AA0E5}" type="datetimeFigureOut">
               <a:rPr kumimoji="1" lang="ja-JP" altLang="en-US" smtClean="0"/>
-              <a:t>2017/11/20</a:t>
+              <a:t>2017/11/28</a:t>
             </a:fld>
             <a:endParaRPr kumimoji="1" lang="ja-JP" altLang="en-US"/>
           </a:p>
@@ -2315,7 +2561,7 @@
           <a:p>
             <a:fld id="{F37D479E-B6B9-4720-8E8B-C8A4A95AA0E5}" type="datetimeFigureOut">
               <a:rPr kumimoji="1" lang="ja-JP" altLang="en-US" smtClean="0"/>
-              <a:t>2017/11/20</a:t>
+              <a:t>2017/11/28</a:t>
             </a:fld>
             <a:endParaRPr kumimoji="1" lang="ja-JP" altLang="en-US"/>
           </a:p>
@@ -2559,7 +2805,7 @@
           <a:p>
             <a:fld id="{F37D479E-B6B9-4720-8E8B-C8A4A95AA0E5}" type="datetimeFigureOut">
               <a:rPr kumimoji="1" lang="ja-JP" altLang="en-US" smtClean="0"/>
-              <a:t>2017/11/20</a:t>
+              <a:t>2017/11/28</a:t>
             </a:fld>
             <a:endParaRPr kumimoji="1" lang="ja-JP" altLang="en-US"/>
           </a:p>
@@ -2855,7 +3101,7 @@
           <a:p>
             <a:fld id="{F37D479E-B6B9-4720-8E8B-C8A4A95AA0E5}" type="datetimeFigureOut">
               <a:rPr kumimoji="1" lang="ja-JP" altLang="en-US" smtClean="0"/>
-              <a:t>2017/11/20</a:t>
+              <a:t>2017/11/28</a:t>
             </a:fld>
             <a:endParaRPr kumimoji="1" lang="ja-JP" altLang="en-US"/>
           </a:p>
@@ -3286,7 +3532,7 @@
           <a:p>
             <a:fld id="{F37D479E-B6B9-4720-8E8B-C8A4A95AA0E5}" type="datetimeFigureOut">
               <a:rPr kumimoji="1" lang="ja-JP" altLang="en-US" smtClean="0"/>
-              <a:t>2017/11/20</a:t>
+              <a:t>2017/11/28</a:t>
             </a:fld>
             <a:endParaRPr kumimoji="1" lang="ja-JP" altLang="en-US"/>
           </a:p>
@@ -3404,7 +3650,7 @@
           <a:p>
             <a:fld id="{F37D479E-B6B9-4720-8E8B-C8A4A95AA0E5}" type="datetimeFigureOut">
               <a:rPr kumimoji="1" lang="ja-JP" altLang="en-US" smtClean="0"/>
-              <a:t>2017/11/20</a:t>
+              <a:t>2017/11/28</a:t>
             </a:fld>
             <a:endParaRPr kumimoji="1" lang="ja-JP" altLang="en-US"/>
           </a:p>
@@ -3499,7 +3745,7 @@
           <a:p>
             <a:fld id="{F37D479E-B6B9-4720-8E8B-C8A4A95AA0E5}" type="datetimeFigureOut">
               <a:rPr kumimoji="1" lang="ja-JP" altLang="en-US" smtClean="0"/>
-              <a:t>2017/11/20</a:t>
+              <a:t>2017/11/28</a:t>
             </a:fld>
             <a:endParaRPr kumimoji="1" lang="ja-JP" altLang="en-US"/>
           </a:p>
@@ -3808,7 +4054,7 @@
           <a:p>
             <a:fld id="{F37D479E-B6B9-4720-8E8B-C8A4A95AA0E5}" type="datetimeFigureOut">
               <a:rPr kumimoji="1" lang="ja-JP" altLang="en-US" smtClean="0"/>
-              <a:t>2017/11/20</a:t>
+              <a:t>2017/11/28</a:t>
             </a:fld>
             <a:endParaRPr kumimoji="1" lang="ja-JP" altLang="en-US"/>
           </a:p>
@@ -4065,7 +4311,7 @@
           <a:p>
             <a:fld id="{F37D479E-B6B9-4720-8E8B-C8A4A95AA0E5}" type="datetimeFigureOut">
               <a:rPr kumimoji="1" lang="ja-JP" altLang="en-US" smtClean="0"/>
-              <a:t>2017/11/20</a:t>
+              <a:t>2017/11/28</a:t>
             </a:fld>
             <a:endParaRPr kumimoji="1" lang="ja-JP" altLang="en-US"/>
           </a:p>
@@ -4310,7 +4556,7 @@
           <a:p>
             <a:fld id="{F37D479E-B6B9-4720-8E8B-C8A4A95AA0E5}" type="datetimeFigureOut">
               <a:rPr kumimoji="1" lang="ja-JP" altLang="en-US" smtClean="0"/>
-              <a:t>2017/11/20</a:t>
+              <a:t>2017/11/28</a:t>
             </a:fld>
             <a:endParaRPr kumimoji="1" lang="ja-JP" altLang="en-US"/>
           </a:p>
@@ -5342,11 +5588,7 @@
             </a:r>
             <a:r>
               <a:rPr lang="ja-JP" altLang="en-US" sz="1400" dirty="0" smtClean="0"/>
-              <a:t>画像</a:t>
-            </a:r>
-            <a:r>
-              <a:rPr lang="ja-JP" altLang="en-US" sz="1400" dirty="0" smtClean="0"/>
-              <a:t>はインターネットから引用</a:t>
+              <a:t>画像はインターネットから引用</a:t>
             </a:r>
             <a:endParaRPr lang="en-US" altLang="ja-JP" sz="1400" dirty="0"/>
           </a:p>
@@ -5475,6 +5717,13 @@
   <p:clrMapOvr>
     <a:masterClrMapping/>
   </p:clrMapOvr>
+  <p:timing>
+    <p:tnLst>
+      <p:par>
+        <p:cTn id="1" dur="indefinite" restart="never" nodeType="tmRoot"/>
+      </p:par>
+    </p:tnLst>
+  </p:timing>
 </p:sld>
 </file>
 
@@ -5495,6 +5744,73 @@
           <a:chExt cx="0" cy="0"/>
         </a:xfrm>
       </p:grpSpPr>
+      <p:sp>
+        <p:nvSpPr>
+          <p:cNvPr id="5" name="二等辺三角形 4"/>
+          <p:cNvSpPr/>
+          <p:nvPr/>
+        </p:nvSpPr>
+        <p:spPr>
+          <a:xfrm rot="16200000">
+            <a:off x="1663095" y="-885781"/>
+            <a:ext cx="5775022" cy="8567137"/>
+          </a:xfrm>
+          <a:prstGeom prst="triangle">
+            <a:avLst>
+              <a:gd name="adj" fmla="val 0"/>
+            </a:avLst>
+          </a:prstGeom>
+          <a:solidFill>
+            <a:schemeClr val="bg2">
+              <a:lumMod val="75000"/>
+            </a:schemeClr>
+          </a:solidFill>
+          <a:ln w="12700">
+            <a:solidFill>
+              <a:schemeClr val="bg2">
+                <a:lumMod val="75000"/>
+              </a:schemeClr>
+            </a:solidFill>
+          </a:ln>
+        </p:spPr>
+        <p:style>
+          <a:lnRef idx="2">
+            <a:schemeClr val="accent1">
+              <a:shade val="50000"/>
+            </a:schemeClr>
+          </a:lnRef>
+          <a:fillRef idx="1">
+            <a:schemeClr val="accent1"/>
+          </a:fillRef>
+          <a:effectRef idx="0">
+            <a:schemeClr val="accent1"/>
+          </a:effectRef>
+          <a:fontRef idx="minor">
+            <a:schemeClr val="lt1"/>
+          </a:fontRef>
+        </p:style>
+        <p:txBody>
+          <a:bodyPr rtlCol="0" anchor="ctr"/>
+          <a:lstStyle/>
+          <a:p>
+            <a:pPr algn="ctr"/>
+            <a:endParaRPr kumimoji="1" lang="ja-JP" altLang="en-US">
+              <a:ln w="3175">
+                <a:solidFill>
+                  <a:schemeClr val="bg2">
+                    <a:lumMod val="75000"/>
+                  </a:schemeClr>
+                </a:solidFill>
+              </a:ln>
+              <a:solidFill>
+                <a:schemeClr val="bg2">
+                  <a:lumMod val="75000"/>
+                </a:schemeClr>
+              </a:solidFill>
+            </a:endParaRPr>
+          </a:p>
+        </p:txBody>
+      </p:sp>
       <p:pic>
         <p:nvPicPr>
           <p:cNvPr id="3" name="図 2"/>
@@ -5557,7 +5873,7 @@
         </p:nvSpPr>
         <p:spPr>
           <a:xfrm>
-            <a:off x="391811" y="4262718"/>
+            <a:off x="267037" y="4103595"/>
             <a:ext cx="5057795" cy="1692771"/>
           </a:xfrm>
           <a:prstGeom prst="rect">
@@ -5584,12 +5900,17 @@
             </a:r>
             <a:r>
               <a:rPr kumimoji="1" lang="ja-JP" altLang="en-US" sz="2400" b="1" dirty="0" smtClean="0"/>
-              <a:t>超大型機械兵器</a:t>
+              <a:t>機械兵器</a:t>
+            </a:r>
+            <a:r>
+              <a:rPr lang="ja-JP" altLang="en-US" sz="2400" b="1" dirty="0" smtClean="0"/>
+              <a:t>の侵略</a:t>
             </a:r>
             <a:r>
               <a:rPr kumimoji="1" lang="en-US" altLang="ja-JP" sz="2400" dirty="0" smtClean="0"/>
               <a:t>】</a:t>
             </a:r>
+            <a:endParaRPr kumimoji="1" lang="en-US" altLang="ja-JP" sz="2400" dirty="0" smtClean="0"/>
           </a:p>
           <a:p>
             <a:r>
@@ -5647,7 +5968,9 @@
           <a:prstGeom prst="rect">
             <a:avLst/>
           </a:prstGeom>
-          <a:noFill/>
+          <a:solidFill>
+            <a:schemeClr val="bg1"/>
+          </a:solidFill>
           <a:ln w="38100">
             <a:solidFill>
               <a:schemeClr val="tx1"/>
@@ -5783,9 +6106,748 @@
           <a:chExt cx="0" cy="0"/>
         </a:xfrm>
       </p:grpSpPr>
+      <p:sp>
+        <p:nvSpPr>
+          <p:cNvPr id="2" name="タイトル 1"/>
+          <p:cNvSpPr>
+            <a:spLocks noGrp="1"/>
+          </p:cNvSpPr>
+          <p:nvPr>
+            <p:ph type="title"/>
+          </p:nvPr>
+        </p:nvSpPr>
+        <p:spPr/>
+        <p:txBody>
+          <a:bodyPr>
+            <a:normAutofit fontScale="90000"/>
+          </a:bodyPr>
+          <a:lstStyle/>
+          <a:p>
+            <a:r>
+              <a:rPr kumimoji="1" lang="ja-JP" altLang="en-US" dirty="0" smtClean="0"/>
+              <a:t>ゲームフロー</a:t>
+            </a:r>
+            <a:endParaRPr kumimoji="1" lang="ja-JP" altLang="en-US" dirty="0"/>
+          </a:p>
+        </p:txBody>
+      </p:sp>
+      <p:grpSp>
+        <p:nvGrpSpPr>
+          <p:cNvPr id="7" name="グループ化 6"/>
+          <p:cNvGrpSpPr/>
+          <p:nvPr/>
+        </p:nvGrpSpPr>
+        <p:grpSpPr>
+          <a:xfrm>
+            <a:off x="409090" y="1030103"/>
+            <a:ext cx="8369507" cy="4913293"/>
+            <a:chOff x="409090" y="1030103"/>
+            <a:chExt cx="8369507" cy="4913293"/>
+          </a:xfrm>
+        </p:grpSpPr>
+        <p:grpSp>
+          <p:nvGrpSpPr>
+            <p:cNvPr id="48" name="グループ化 47"/>
+            <p:cNvGrpSpPr/>
+            <p:nvPr/>
+          </p:nvGrpSpPr>
+          <p:grpSpPr>
+            <a:xfrm>
+              <a:off x="409090" y="1030103"/>
+              <a:ext cx="8325820" cy="4913293"/>
+              <a:chOff x="609614" y="1223843"/>
+              <a:chExt cx="7948247" cy="4690477"/>
+            </a:xfrm>
+          </p:grpSpPr>
+          <p:sp>
+            <p:nvSpPr>
+              <p:cNvPr id="49" name="角丸四角形 48"/>
+              <p:cNvSpPr/>
+              <p:nvPr/>
+            </p:nvSpPr>
+            <p:spPr>
+              <a:xfrm>
+                <a:off x="4770721" y="1223843"/>
+                <a:ext cx="3787140" cy="2166657"/>
+              </a:xfrm>
+              <a:prstGeom prst="roundRect">
+                <a:avLst>
+                  <a:gd name="adj" fmla="val 0"/>
+                </a:avLst>
+              </a:prstGeom>
+              <a:solidFill>
+                <a:schemeClr val="bg1"/>
+              </a:solidFill>
+              <a:ln w="76200">
+                <a:solidFill>
+                  <a:schemeClr val="tx1"/>
+                </a:solidFill>
+              </a:ln>
+            </p:spPr>
+            <p:style>
+              <a:lnRef idx="2">
+                <a:schemeClr val="accent1">
+                  <a:shade val="50000"/>
+                </a:schemeClr>
+              </a:lnRef>
+              <a:fillRef idx="1">
+                <a:schemeClr val="accent1"/>
+              </a:fillRef>
+              <a:effectRef idx="0">
+                <a:schemeClr val="accent1"/>
+              </a:effectRef>
+              <a:fontRef idx="minor">
+                <a:schemeClr val="lt1"/>
+              </a:fontRef>
+            </p:style>
+            <p:txBody>
+              <a:bodyPr rtlCol="0" anchor="ctr"/>
+              <a:lstStyle/>
+              <a:p>
+                <a:pPr algn="ctr"/>
+                <a:endParaRPr kumimoji="1" lang="ja-JP" altLang="en-US"/>
+              </a:p>
+            </p:txBody>
+          </p:sp>
+          <p:sp>
+            <p:nvSpPr>
+              <p:cNvPr id="50" name="角丸四角形 49"/>
+              <p:cNvSpPr/>
+              <p:nvPr/>
+            </p:nvSpPr>
+            <p:spPr>
+              <a:xfrm>
+                <a:off x="609614" y="3747663"/>
+                <a:ext cx="3787140" cy="2166657"/>
+              </a:xfrm>
+              <a:prstGeom prst="roundRect">
+                <a:avLst>
+                  <a:gd name="adj" fmla="val 0"/>
+                </a:avLst>
+              </a:prstGeom>
+              <a:solidFill>
+                <a:schemeClr val="bg1"/>
+              </a:solidFill>
+              <a:ln w="76200">
+                <a:solidFill>
+                  <a:schemeClr val="tx1"/>
+                </a:solidFill>
+              </a:ln>
+            </p:spPr>
+            <p:style>
+              <a:lnRef idx="2">
+                <a:schemeClr val="accent1">
+                  <a:shade val="50000"/>
+                </a:schemeClr>
+              </a:lnRef>
+              <a:fillRef idx="1">
+                <a:schemeClr val="accent1"/>
+              </a:fillRef>
+              <a:effectRef idx="0">
+                <a:schemeClr val="accent1"/>
+              </a:effectRef>
+              <a:fontRef idx="minor">
+                <a:schemeClr val="lt1"/>
+              </a:fontRef>
+            </p:style>
+            <p:txBody>
+              <a:bodyPr rtlCol="0" anchor="ctr"/>
+              <a:lstStyle/>
+              <a:p>
+                <a:pPr algn="ctr"/>
+                <a:endParaRPr kumimoji="1" lang="ja-JP" altLang="en-US"/>
+              </a:p>
+            </p:txBody>
+          </p:sp>
+          <p:sp>
+            <p:nvSpPr>
+              <p:cNvPr id="51" name="角丸四角形 50"/>
+              <p:cNvSpPr/>
+              <p:nvPr/>
+            </p:nvSpPr>
+            <p:spPr>
+              <a:xfrm>
+                <a:off x="4770721" y="3746860"/>
+                <a:ext cx="3787140" cy="2166657"/>
+              </a:xfrm>
+              <a:prstGeom prst="roundRect">
+                <a:avLst>
+                  <a:gd name="adj" fmla="val 0"/>
+                </a:avLst>
+              </a:prstGeom>
+              <a:solidFill>
+                <a:schemeClr val="bg1"/>
+              </a:solidFill>
+              <a:ln w="76200">
+                <a:solidFill>
+                  <a:schemeClr val="tx1"/>
+                </a:solidFill>
+              </a:ln>
+            </p:spPr>
+            <p:style>
+              <a:lnRef idx="2">
+                <a:schemeClr val="accent1">
+                  <a:shade val="50000"/>
+                </a:schemeClr>
+              </a:lnRef>
+              <a:fillRef idx="1">
+                <a:schemeClr val="accent1"/>
+              </a:fillRef>
+              <a:effectRef idx="0">
+                <a:schemeClr val="accent1"/>
+              </a:effectRef>
+              <a:fontRef idx="minor">
+                <a:schemeClr val="lt1"/>
+              </a:fontRef>
+            </p:style>
+            <p:txBody>
+              <a:bodyPr rtlCol="0" anchor="ctr"/>
+              <a:lstStyle/>
+              <a:p>
+                <a:pPr algn="ctr"/>
+                <a:endParaRPr kumimoji="1" lang="ja-JP" altLang="en-US"/>
+              </a:p>
+            </p:txBody>
+          </p:sp>
+          <p:sp>
+            <p:nvSpPr>
+              <p:cNvPr id="52" name="角丸四角形 51"/>
+              <p:cNvSpPr/>
+              <p:nvPr/>
+            </p:nvSpPr>
+            <p:spPr>
+              <a:xfrm>
+                <a:off x="609614" y="1223843"/>
+                <a:ext cx="3787140" cy="2166657"/>
+              </a:xfrm>
+              <a:prstGeom prst="roundRect">
+                <a:avLst>
+                  <a:gd name="adj" fmla="val 0"/>
+                </a:avLst>
+              </a:prstGeom>
+              <a:solidFill>
+                <a:schemeClr val="bg1"/>
+              </a:solidFill>
+              <a:ln w="76200">
+                <a:solidFill>
+                  <a:schemeClr val="tx1"/>
+                </a:solidFill>
+              </a:ln>
+            </p:spPr>
+            <p:style>
+              <a:lnRef idx="2">
+                <a:schemeClr val="accent1">
+                  <a:shade val="50000"/>
+                </a:schemeClr>
+              </a:lnRef>
+              <a:fillRef idx="1">
+                <a:schemeClr val="accent1"/>
+              </a:fillRef>
+              <a:effectRef idx="0">
+                <a:schemeClr val="accent1"/>
+              </a:effectRef>
+              <a:fontRef idx="minor">
+                <a:schemeClr val="lt1"/>
+              </a:fontRef>
+            </p:style>
+            <p:txBody>
+              <a:bodyPr rtlCol="0" anchor="ctr"/>
+              <a:lstStyle/>
+              <a:p>
+                <a:pPr algn="ctr"/>
+                <a:endParaRPr kumimoji="1" lang="ja-JP" altLang="en-US" dirty="0">
+                  <a:solidFill>
+                    <a:schemeClr val="tx1"/>
+                  </a:solidFill>
+                </a:endParaRPr>
+              </a:p>
+            </p:txBody>
+          </p:sp>
+          <p:sp>
+            <p:nvSpPr>
+              <p:cNvPr id="53" name="二等辺三角形 52"/>
+              <p:cNvSpPr/>
+              <p:nvPr/>
+            </p:nvSpPr>
+            <p:spPr>
+              <a:xfrm rot="10800000">
+                <a:off x="1807319" y="3429456"/>
+                <a:ext cx="1391730" cy="279549"/>
+              </a:xfrm>
+              <a:prstGeom prst="triangle">
+                <a:avLst/>
+              </a:prstGeom>
+              <a:solidFill>
+                <a:schemeClr val="tx1"/>
+              </a:solidFill>
+              <a:ln>
+                <a:solidFill>
+                  <a:schemeClr val="tx1"/>
+                </a:solidFill>
+              </a:ln>
+            </p:spPr>
+            <p:style>
+              <a:lnRef idx="2">
+                <a:schemeClr val="accent1">
+                  <a:shade val="50000"/>
+                </a:schemeClr>
+              </a:lnRef>
+              <a:fillRef idx="1">
+                <a:schemeClr val="accent1"/>
+              </a:fillRef>
+              <a:effectRef idx="0">
+                <a:schemeClr val="accent1"/>
+              </a:effectRef>
+              <a:fontRef idx="minor">
+                <a:schemeClr val="lt1"/>
+              </a:fontRef>
+            </p:style>
+            <p:txBody>
+              <a:bodyPr rtlCol="0" anchor="ctr"/>
+              <a:lstStyle/>
+              <a:p>
+                <a:pPr algn="ctr"/>
+                <a:endParaRPr kumimoji="1" lang="ja-JP" altLang="en-US"/>
+              </a:p>
+            </p:txBody>
+          </p:sp>
+          <p:sp>
+            <p:nvSpPr>
+              <p:cNvPr id="54" name="二等辺三角形 53"/>
+              <p:cNvSpPr/>
+              <p:nvPr/>
+            </p:nvSpPr>
+            <p:spPr>
+              <a:xfrm rot="5400000">
+                <a:off x="3876945" y="4690414"/>
+                <a:ext cx="1391730" cy="279549"/>
+              </a:xfrm>
+              <a:prstGeom prst="triangle">
+                <a:avLst/>
+              </a:prstGeom>
+              <a:solidFill>
+                <a:schemeClr val="tx1"/>
+              </a:solidFill>
+              <a:ln>
+                <a:solidFill>
+                  <a:schemeClr val="tx1"/>
+                </a:solidFill>
+              </a:ln>
+            </p:spPr>
+            <p:style>
+              <a:lnRef idx="2">
+                <a:schemeClr val="accent1">
+                  <a:shade val="50000"/>
+                </a:schemeClr>
+              </a:lnRef>
+              <a:fillRef idx="1">
+                <a:schemeClr val="accent1"/>
+              </a:fillRef>
+              <a:effectRef idx="0">
+                <a:schemeClr val="accent1"/>
+              </a:effectRef>
+              <a:fontRef idx="minor">
+                <a:schemeClr val="lt1"/>
+              </a:fontRef>
+            </p:style>
+            <p:txBody>
+              <a:bodyPr rtlCol="0" anchor="ctr"/>
+              <a:lstStyle/>
+              <a:p>
+                <a:pPr algn="ctr"/>
+                <a:endParaRPr kumimoji="1" lang="ja-JP" altLang="en-US"/>
+              </a:p>
+            </p:txBody>
+          </p:sp>
+          <p:sp>
+            <p:nvSpPr>
+              <p:cNvPr id="55" name="二等辺三角形 54"/>
+              <p:cNvSpPr/>
+              <p:nvPr/>
+            </p:nvSpPr>
+            <p:spPr>
+              <a:xfrm>
+                <a:off x="5968425" y="3427614"/>
+                <a:ext cx="1391730" cy="279549"/>
+              </a:xfrm>
+              <a:prstGeom prst="triangle">
+                <a:avLst/>
+              </a:prstGeom>
+              <a:solidFill>
+                <a:schemeClr val="tx1"/>
+              </a:solidFill>
+              <a:ln>
+                <a:solidFill>
+                  <a:schemeClr val="tx1"/>
+                </a:solidFill>
+              </a:ln>
+            </p:spPr>
+            <p:style>
+              <a:lnRef idx="2">
+                <a:schemeClr val="accent1">
+                  <a:shade val="50000"/>
+                </a:schemeClr>
+              </a:lnRef>
+              <a:fillRef idx="1">
+                <a:schemeClr val="accent1"/>
+              </a:fillRef>
+              <a:effectRef idx="0">
+                <a:schemeClr val="accent1"/>
+              </a:effectRef>
+              <a:fontRef idx="minor">
+                <a:schemeClr val="lt1"/>
+              </a:fontRef>
+            </p:style>
+            <p:txBody>
+              <a:bodyPr rtlCol="0" anchor="ctr"/>
+              <a:lstStyle/>
+              <a:p>
+                <a:pPr algn="ctr"/>
+                <a:endParaRPr kumimoji="1" lang="ja-JP" altLang="en-US"/>
+              </a:p>
+            </p:txBody>
+          </p:sp>
+          <p:sp>
+            <p:nvSpPr>
+              <p:cNvPr id="56" name="二等辺三角形 55"/>
+              <p:cNvSpPr/>
+              <p:nvPr/>
+            </p:nvSpPr>
+            <p:spPr>
+              <a:xfrm rot="16200000">
+                <a:off x="3895131" y="2167397"/>
+                <a:ext cx="1391730" cy="279549"/>
+              </a:xfrm>
+              <a:prstGeom prst="triangle">
+                <a:avLst/>
+              </a:prstGeom>
+              <a:solidFill>
+                <a:schemeClr val="tx1"/>
+              </a:solidFill>
+              <a:ln>
+                <a:solidFill>
+                  <a:schemeClr val="tx1"/>
+                </a:solidFill>
+              </a:ln>
+            </p:spPr>
+            <p:style>
+              <a:lnRef idx="2">
+                <a:schemeClr val="accent1">
+                  <a:shade val="50000"/>
+                </a:schemeClr>
+              </a:lnRef>
+              <a:fillRef idx="1">
+                <a:schemeClr val="accent1"/>
+              </a:fillRef>
+              <a:effectRef idx="0">
+                <a:schemeClr val="accent1"/>
+              </a:effectRef>
+              <a:fontRef idx="minor">
+                <a:schemeClr val="lt1"/>
+              </a:fontRef>
+            </p:style>
+            <p:txBody>
+              <a:bodyPr rtlCol="0" anchor="ctr"/>
+              <a:lstStyle/>
+              <a:p>
+                <a:pPr algn="ctr"/>
+                <a:endParaRPr kumimoji="1" lang="ja-JP" altLang="en-US"/>
+              </a:p>
+            </p:txBody>
+          </p:sp>
+        </p:grpSp>
+        <p:sp>
+          <p:nvSpPr>
+            <p:cNvPr id="6" name="直角三角形 5"/>
+            <p:cNvSpPr/>
+            <p:nvPr/>
+          </p:nvSpPr>
+          <p:spPr>
+            <a:xfrm rot="10800000" flipH="1">
+              <a:off x="409090" y="1061844"/>
+              <a:ext cx="4014574" cy="577718"/>
+            </a:xfrm>
+            <a:prstGeom prst="rtTriangle">
+              <a:avLst/>
+            </a:prstGeom>
+            <a:solidFill>
+              <a:schemeClr val="tx1"/>
+            </a:solidFill>
+            <a:ln>
+              <a:noFill/>
+            </a:ln>
+          </p:spPr>
+          <p:style>
+            <a:lnRef idx="2">
+              <a:schemeClr val="accent1">
+                <a:shade val="50000"/>
+              </a:schemeClr>
+            </a:lnRef>
+            <a:fillRef idx="1">
+              <a:schemeClr val="accent1"/>
+            </a:fillRef>
+            <a:effectRef idx="0">
+              <a:schemeClr val="accent1"/>
+            </a:effectRef>
+            <a:fontRef idx="minor">
+              <a:schemeClr val="lt1"/>
+            </a:fontRef>
+          </p:style>
+          <p:txBody>
+            <a:bodyPr rtlCol="0" anchor="ctr"/>
+            <a:lstStyle/>
+            <a:p>
+              <a:pPr algn="ctr"/>
+              <a:endParaRPr kumimoji="1" lang="ja-JP" altLang="en-US"/>
+            </a:p>
+          </p:txBody>
+        </p:sp>
+        <p:sp>
+          <p:nvSpPr>
+            <p:cNvPr id="58" name="直角三角形 57"/>
+            <p:cNvSpPr/>
+            <p:nvPr/>
+          </p:nvSpPr>
+          <p:spPr>
+            <a:xfrm rot="10800000" flipH="1">
+              <a:off x="4764023" y="1061844"/>
+              <a:ext cx="4014574" cy="577718"/>
+            </a:xfrm>
+            <a:prstGeom prst="rtTriangle">
+              <a:avLst/>
+            </a:prstGeom>
+            <a:solidFill>
+              <a:schemeClr val="tx1"/>
+            </a:solidFill>
+            <a:ln>
+              <a:noFill/>
+            </a:ln>
+          </p:spPr>
+          <p:style>
+            <a:lnRef idx="2">
+              <a:schemeClr val="accent1">
+                <a:shade val="50000"/>
+              </a:schemeClr>
+            </a:lnRef>
+            <a:fillRef idx="1">
+              <a:schemeClr val="accent1"/>
+            </a:fillRef>
+            <a:effectRef idx="0">
+              <a:schemeClr val="accent1"/>
+            </a:effectRef>
+            <a:fontRef idx="minor">
+              <a:schemeClr val="lt1"/>
+            </a:fontRef>
+          </p:style>
+          <p:txBody>
+            <a:bodyPr rtlCol="0" anchor="ctr"/>
+            <a:lstStyle/>
+            <a:p>
+              <a:pPr algn="ctr"/>
+              <a:endParaRPr kumimoji="1" lang="ja-JP" altLang="en-US"/>
+            </a:p>
+          </p:txBody>
+        </p:sp>
+        <p:sp>
+          <p:nvSpPr>
+            <p:cNvPr id="59" name="直角三角形 58"/>
+            <p:cNvSpPr/>
+            <p:nvPr/>
+          </p:nvSpPr>
+          <p:spPr>
+            <a:xfrm rot="10800000" flipH="1">
+              <a:off x="409090" y="3705557"/>
+              <a:ext cx="4014574" cy="577718"/>
+            </a:xfrm>
+            <a:prstGeom prst="rtTriangle">
+              <a:avLst/>
+            </a:prstGeom>
+            <a:solidFill>
+              <a:schemeClr val="tx1"/>
+            </a:solidFill>
+            <a:ln>
+              <a:noFill/>
+            </a:ln>
+          </p:spPr>
+          <p:style>
+            <a:lnRef idx="2">
+              <a:schemeClr val="accent1">
+                <a:shade val="50000"/>
+              </a:schemeClr>
+            </a:lnRef>
+            <a:fillRef idx="1">
+              <a:schemeClr val="accent1"/>
+            </a:fillRef>
+            <a:effectRef idx="0">
+              <a:schemeClr val="accent1"/>
+            </a:effectRef>
+            <a:fontRef idx="minor">
+              <a:schemeClr val="lt1"/>
+            </a:fontRef>
+          </p:style>
+          <p:txBody>
+            <a:bodyPr rtlCol="0" anchor="ctr"/>
+            <a:lstStyle/>
+            <a:p>
+              <a:pPr algn="ctr"/>
+              <a:endParaRPr kumimoji="1" lang="ja-JP" altLang="en-US"/>
+            </a:p>
+          </p:txBody>
+        </p:sp>
+        <p:sp>
+          <p:nvSpPr>
+            <p:cNvPr id="60" name="直角三角形 59"/>
+            <p:cNvSpPr/>
+            <p:nvPr/>
+          </p:nvSpPr>
+          <p:spPr>
+            <a:xfrm rot="10800000" flipH="1">
+              <a:off x="4764023" y="3705557"/>
+              <a:ext cx="4014574" cy="577718"/>
+            </a:xfrm>
+            <a:prstGeom prst="rtTriangle">
+              <a:avLst/>
+            </a:prstGeom>
+            <a:solidFill>
+              <a:schemeClr val="tx1"/>
+            </a:solidFill>
+            <a:ln>
+              <a:noFill/>
+            </a:ln>
+          </p:spPr>
+          <p:style>
+            <a:lnRef idx="2">
+              <a:schemeClr val="accent1">
+                <a:shade val="50000"/>
+              </a:schemeClr>
+            </a:lnRef>
+            <a:fillRef idx="1">
+              <a:schemeClr val="accent1"/>
+            </a:fillRef>
+            <a:effectRef idx="0">
+              <a:schemeClr val="accent1"/>
+            </a:effectRef>
+            <a:fontRef idx="minor">
+              <a:schemeClr val="lt1"/>
+            </a:fontRef>
+          </p:style>
+          <p:txBody>
+            <a:bodyPr rtlCol="0" anchor="ctr"/>
+            <a:lstStyle/>
+            <a:p>
+              <a:pPr algn="ctr"/>
+              <a:endParaRPr kumimoji="1" lang="ja-JP" altLang="en-US"/>
+            </a:p>
+          </p:txBody>
+        </p:sp>
+      </p:grpSp>
+      <p:sp>
+        <p:nvSpPr>
+          <p:cNvPr id="62" name="テキスト ボックス 61"/>
+          <p:cNvSpPr txBox="1"/>
+          <p:nvPr/>
+        </p:nvSpPr>
+        <p:spPr>
+          <a:xfrm rot="21161010">
+            <a:off x="4811553" y="930179"/>
+            <a:ext cx="1383712" cy="646331"/>
+          </a:xfrm>
+          <a:prstGeom prst="rect">
+            <a:avLst/>
+          </a:prstGeom>
+          <a:noFill/>
+        </p:spPr>
+        <p:txBody>
+          <a:bodyPr wrap="none" rtlCol="0">
+            <a:spAutoFit/>
+          </a:bodyPr>
+          <a:lstStyle/>
+          <a:p>
+            <a:r>
+              <a:rPr lang="en-US" altLang="ja-JP" sz="3600" b="1" dirty="0" smtClean="0">
+                <a:ln w="12700">
+                  <a:solidFill>
+                    <a:schemeClr val="tx1"/>
+                  </a:solidFill>
+                </a:ln>
+                <a:solidFill>
+                  <a:schemeClr val="bg1"/>
+                </a:solidFill>
+                <a:latin typeface="HGP明朝B" panose="02020800000000000000" pitchFamily="18" charset="-128"/>
+                <a:ea typeface="HGP明朝B" panose="02020800000000000000" pitchFamily="18" charset="-128"/>
+              </a:rPr>
+              <a:t>Purge</a:t>
+            </a:r>
+            <a:endParaRPr lang="ja-JP" altLang="en-US" sz="3600" b="1" dirty="0">
+              <a:ln w="12700">
+                <a:solidFill>
+                  <a:schemeClr val="tx1"/>
+                </a:solidFill>
+              </a:ln>
+              <a:solidFill>
+                <a:schemeClr val="bg1"/>
+              </a:solidFill>
+              <a:latin typeface="HGP明朝B" panose="02020800000000000000" pitchFamily="18" charset="-128"/>
+              <a:ea typeface="HGP明朝B" panose="02020800000000000000" pitchFamily="18" charset="-128"/>
+            </a:endParaRPr>
+          </a:p>
+        </p:txBody>
+      </p:sp>
+      <p:sp>
+        <p:nvSpPr>
+          <p:cNvPr id="64" name="テキスト ボックス 63"/>
+          <p:cNvSpPr txBox="1"/>
+          <p:nvPr/>
+        </p:nvSpPr>
+        <p:spPr>
+          <a:xfrm rot="21161010">
+            <a:off x="409089" y="3631391"/>
+            <a:ext cx="958917" cy="646331"/>
+          </a:xfrm>
+          <a:prstGeom prst="rect">
+            <a:avLst/>
+          </a:prstGeom>
+          <a:noFill/>
+        </p:spPr>
+        <p:txBody>
+          <a:bodyPr wrap="none" rtlCol="0">
+            <a:spAutoFit/>
+          </a:bodyPr>
+          <a:lstStyle/>
+          <a:p>
+            <a:r>
+              <a:rPr lang="en-US" altLang="ja-JP" sz="3600" b="1" dirty="0" smtClean="0">
+                <a:ln w="12700">
+                  <a:solidFill>
+                    <a:schemeClr val="tx1"/>
+                  </a:solidFill>
+                </a:ln>
+                <a:solidFill>
+                  <a:schemeClr val="bg1"/>
+                </a:solidFill>
+                <a:latin typeface="HGP明朝B" panose="02020800000000000000" pitchFamily="18" charset="-128"/>
+                <a:ea typeface="HGP明朝B" panose="02020800000000000000" pitchFamily="18" charset="-128"/>
+              </a:rPr>
+              <a:t>Rod</a:t>
+            </a:r>
+            <a:endParaRPr lang="ja-JP" altLang="en-US" sz="3600" b="1" dirty="0">
+              <a:ln w="12700">
+                <a:solidFill>
+                  <a:schemeClr val="tx1"/>
+                </a:solidFill>
+              </a:ln>
+              <a:solidFill>
+                <a:schemeClr val="bg1"/>
+              </a:solidFill>
+              <a:latin typeface="HGP明朝B" panose="02020800000000000000" pitchFamily="18" charset="-128"/>
+              <a:ea typeface="HGP明朝B" panose="02020800000000000000" pitchFamily="18" charset="-128"/>
+            </a:endParaRPr>
+          </a:p>
+        </p:txBody>
+      </p:sp>
       <p:pic>
         <p:nvPicPr>
-          <p:cNvPr id="33" name="図 32"/>
+          <p:cNvPr id="8" name="図 7"/>
           <p:cNvPicPr>
             <a:picLocks noChangeAspect="1"/>
           </p:cNvPicPr>
@@ -5793,581 +6855,6 @@
         </p:nvPicPr>
         <p:blipFill>
           <a:blip r:embed="rId3" cstate="print">
-            <a:duotone>
-              <a:schemeClr val="bg2">
-                <a:shade val="45000"/>
-                <a:satMod val="135000"/>
-              </a:schemeClr>
-              <a:prstClr val="white"/>
-            </a:duotone>
-            <a:extLst>
-              <a:ext uri="{BEBA8EAE-BF5A-486C-A8C5-ECC9F3942E4B}">
-                <a14:imgProps xmlns:a14="http://schemas.microsoft.com/office/drawing/2010/main">
-                  <a14:imgLayer r:embed="rId4">
-                    <a14:imgEffect>
-                      <a14:saturation sat="0"/>
-                    </a14:imgEffect>
-                  </a14:imgLayer>
-                </a14:imgProps>
-              </a:ext>
-              <a:ext uri="{28A0092B-C50C-407E-A947-70E740481C1C}">
-                <a14:useLocalDpi xmlns:a14="http://schemas.microsoft.com/office/drawing/2010/main" val="0"/>
-              </a:ext>
-            </a:extLst>
-          </a:blip>
-          <a:stretch>
-            <a:fillRect/>
-          </a:stretch>
-        </p:blipFill>
-        <p:spPr>
-          <a:xfrm>
-            <a:off x="2394220" y="1428998"/>
-            <a:ext cx="4355560" cy="4355560"/>
-          </a:xfrm>
-          <a:prstGeom prst="rect">
-            <a:avLst/>
-          </a:prstGeom>
-        </p:spPr>
-      </p:pic>
-      <p:sp>
-        <p:nvSpPr>
-          <p:cNvPr id="13" name="角丸四角形 12"/>
-          <p:cNvSpPr/>
-          <p:nvPr/>
-        </p:nvSpPr>
-        <p:spPr>
-          <a:xfrm>
-            <a:off x="4728210" y="1262342"/>
-            <a:ext cx="3787140" cy="2166657"/>
-          </a:xfrm>
-          <a:prstGeom prst="roundRect">
-            <a:avLst>
-              <a:gd name="adj" fmla="val 3912"/>
-            </a:avLst>
-          </a:prstGeom>
-          <a:noFill/>
-          <a:ln w="57150">
-            <a:solidFill>
-              <a:schemeClr val="accent1"/>
-            </a:solidFill>
-          </a:ln>
-        </p:spPr>
-        <p:style>
-          <a:lnRef idx="2">
-            <a:schemeClr val="accent1">
-              <a:shade val="50000"/>
-            </a:schemeClr>
-          </a:lnRef>
-          <a:fillRef idx="1">
-            <a:schemeClr val="accent1"/>
-          </a:fillRef>
-          <a:effectRef idx="0">
-            <a:schemeClr val="accent1"/>
-          </a:effectRef>
-          <a:fontRef idx="minor">
-            <a:schemeClr val="lt1"/>
-          </a:fontRef>
-        </p:style>
-        <p:txBody>
-          <a:bodyPr rtlCol="0" anchor="ctr"/>
-          <a:lstStyle/>
-          <a:p>
-            <a:pPr algn="ctr"/>
-            <a:endParaRPr kumimoji="1" lang="ja-JP" altLang="en-US"/>
-          </a:p>
-        </p:txBody>
-      </p:sp>
-      <p:sp>
-        <p:nvSpPr>
-          <p:cNvPr id="14" name="角丸四角形 13"/>
-          <p:cNvSpPr/>
-          <p:nvPr/>
-        </p:nvSpPr>
-        <p:spPr>
-          <a:xfrm>
-            <a:off x="622300" y="3786162"/>
-            <a:ext cx="3787140" cy="2166657"/>
-          </a:xfrm>
-          <a:prstGeom prst="roundRect">
-            <a:avLst>
-              <a:gd name="adj" fmla="val 3912"/>
-            </a:avLst>
-          </a:prstGeom>
-          <a:noFill/>
-          <a:ln w="57150">
-            <a:solidFill>
-              <a:srgbClr val="FF4747"/>
-            </a:solidFill>
-          </a:ln>
-        </p:spPr>
-        <p:style>
-          <a:lnRef idx="2">
-            <a:schemeClr val="accent1">
-              <a:shade val="50000"/>
-            </a:schemeClr>
-          </a:lnRef>
-          <a:fillRef idx="1">
-            <a:schemeClr val="accent1"/>
-          </a:fillRef>
-          <a:effectRef idx="0">
-            <a:schemeClr val="accent1"/>
-          </a:effectRef>
-          <a:fontRef idx="minor">
-            <a:schemeClr val="lt1"/>
-          </a:fontRef>
-        </p:style>
-        <p:txBody>
-          <a:bodyPr rtlCol="0" anchor="ctr"/>
-          <a:lstStyle/>
-          <a:p>
-            <a:pPr algn="ctr"/>
-            <a:endParaRPr kumimoji="1" lang="ja-JP" altLang="en-US"/>
-          </a:p>
-        </p:txBody>
-      </p:sp>
-      <p:sp>
-        <p:nvSpPr>
-          <p:cNvPr id="15" name="角丸四角形 14"/>
-          <p:cNvSpPr/>
-          <p:nvPr/>
-        </p:nvSpPr>
-        <p:spPr>
-          <a:xfrm>
-            <a:off x="4728210" y="3785359"/>
-            <a:ext cx="3787140" cy="2166657"/>
-          </a:xfrm>
-          <a:prstGeom prst="roundRect">
-            <a:avLst>
-              <a:gd name="adj" fmla="val 3912"/>
-            </a:avLst>
-          </a:prstGeom>
-          <a:noFill/>
-          <a:ln w="57150">
-            <a:solidFill>
-              <a:schemeClr val="accent6"/>
-            </a:solidFill>
-          </a:ln>
-        </p:spPr>
-        <p:style>
-          <a:lnRef idx="2">
-            <a:schemeClr val="accent1">
-              <a:shade val="50000"/>
-            </a:schemeClr>
-          </a:lnRef>
-          <a:fillRef idx="1">
-            <a:schemeClr val="accent1"/>
-          </a:fillRef>
-          <a:effectRef idx="0">
-            <a:schemeClr val="accent1"/>
-          </a:effectRef>
-          <a:fontRef idx="minor">
-            <a:schemeClr val="lt1"/>
-          </a:fontRef>
-        </p:style>
-        <p:txBody>
-          <a:bodyPr rtlCol="0" anchor="ctr"/>
-          <a:lstStyle/>
-          <a:p>
-            <a:pPr algn="ctr"/>
-            <a:endParaRPr kumimoji="1" lang="ja-JP" altLang="en-US"/>
-          </a:p>
-        </p:txBody>
-      </p:sp>
-      <p:sp>
-        <p:nvSpPr>
-          <p:cNvPr id="2" name="タイトル 1"/>
-          <p:cNvSpPr>
-            <a:spLocks noGrp="1"/>
-          </p:cNvSpPr>
-          <p:nvPr>
-            <p:ph type="title"/>
-          </p:nvPr>
-        </p:nvSpPr>
-        <p:spPr/>
-        <p:txBody>
-          <a:bodyPr>
-            <a:normAutofit fontScale="90000"/>
-          </a:bodyPr>
-          <a:lstStyle/>
-          <a:p>
-            <a:r>
-              <a:rPr kumimoji="1" lang="ja-JP" altLang="en-US" dirty="0" smtClean="0"/>
-              <a:t>ゲームフロー</a:t>
-            </a:r>
-            <a:endParaRPr kumimoji="1" lang="ja-JP" altLang="en-US" dirty="0"/>
-          </a:p>
-        </p:txBody>
-      </p:sp>
-      <p:sp>
-        <p:nvSpPr>
-          <p:cNvPr id="20" name="テキスト ボックス 19"/>
-          <p:cNvSpPr txBox="1"/>
-          <p:nvPr/>
-        </p:nvSpPr>
-        <p:spPr>
-          <a:xfrm>
-            <a:off x="762149" y="1339725"/>
-            <a:ext cx="1210588" cy="400110"/>
-          </a:xfrm>
-          <a:prstGeom prst="rect">
-            <a:avLst/>
-          </a:prstGeom>
-          <a:noFill/>
-        </p:spPr>
-        <p:txBody>
-          <a:bodyPr wrap="none" rtlCol="0">
-            <a:spAutoFit/>
-          </a:bodyPr>
-          <a:lstStyle/>
-          <a:p>
-            <a:pPr algn="ctr"/>
-            <a:r>
-              <a:rPr lang="ja-JP" altLang="en-US" sz="2000" b="1" dirty="0"/>
-              <a:t>敵</a:t>
-            </a:r>
-            <a:r>
-              <a:rPr lang="ja-JP" altLang="en-US" sz="2000" b="1" dirty="0" smtClean="0"/>
-              <a:t>を</a:t>
-            </a:r>
-            <a:r>
-              <a:rPr lang="ja-JP" altLang="en-US" sz="2000" b="1" dirty="0"/>
-              <a:t>壊</a:t>
-            </a:r>
-            <a:r>
-              <a:rPr lang="ja-JP" altLang="en-US" sz="2000" b="1" dirty="0" smtClean="0"/>
-              <a:t>す</a:t>
-            </a:r>
-            <a:endParaRPr lang="ja-JP" altLang="en-US" sz="2000" b="1" dirty="0"/>
-          </a:p>
-        </p:txBody>
-      </p:sp>
-      <p:sp>
-        <p:nvSpPr>
-          <p:cNvPr id="21" name="テキスト ボックス 20"/>
-          <p:cNvSpPr txBox="1"/>
-          <p:nvPr/>
-        </p:nvSpPr>
-        <p:spPr>
-          <a:xfrm>
-            <a:off x="4931550" y="1339725"/>
-            <a:ext cx="954107" cy="400110"/>
-          </a:xfrm>
-          <a:prstGeom prst="rect">
-            <a:avLst/>
-          </a:prstGeom>
-          <a:noFill/>
-        </p:spPr>
-        <p:txBody>
-          <a:bodyPr wrap="none" rtlCol="0">
-            <a:spAutoFit/>
-          </a:bodyPr>
-          <a:lstStyle/>
-          <a:p>
-            <a:pPr algn="ctr"/>
-            <a:r>
-              <a:rPr lang="ja-JP" altLang="en-US" sz="2000" b="1" dirty="0" smtClean="0"/>
-              <a:t>パージ</a:t>
-            </a:r>
-            <a:endParaRPr lang="ja-JP" altLang="en-US" sz="2000" b="1" dirty="0"/>
-          </a:p>
-        </p:txBody>
-      </p:sp>
-      <p:sp>
-        <p:nvSpPr>
-          <p:cNvPr id="22" name="テキスト ボックス 21"/>
-          <p:cNvSpPr txBox="1"/>
-          <p:nvPr/>
-        </p:nvSpPr>
-        <p:spPr>
-          <a:xfrm>
-            <a:off x="762149" y="3873471"/>
-            <a:ext cx="1723549" cy="400110"/>
-          </a:xfrm>
-          <a:prstGeom prst="rect">
-            <a:avLst/>
-          </a:prstGeom>
-          <a:noFill/>
-        </p:spPr>
-        <p:txBody>
-          <a:bodyPr wrap="none" rtlCol="0">
-            <a:spAutoFit/>
-          </a:bodyPr>
-          <a:lstStyle/>
-          <a:p>
-            <a:pPr algn="ctr"/>
-            <a:r>
-              <a:rPr lang="ja-JP" altLang="en-US" sz="2000" b="1" dirty="0" smtClean="0"/>
-              <a:t>パーツの奪取</a:t>
-            </a:r>
-            <a:endParaRPr lang="ja-JP" altLang="en-US" sz="2000" b="1" dirty="0"/>
-          </a:p>
-        </p:txBody>
-      </p:sp>
-      <p:sp>
-        <p:nvSpPr>
-          <p:cNvPr id="23" name="テキスト ボックス 22"/>
-          <p:cNvSpPr txBox="1"/>
-          <p:nvPr/>
-        </p:nvSpPr>
-        <p:spPr>
-          <a:xfrm>
-            <a:off x="4931550" y="3873471"/>
-            <a:ext cx="2492990" cy="400110"/>
-          </a:xfrm>
-          <a:prstGeom prst="rect">
-            <a:avLst/>
-          </a:prstGeom>
-          <a:noFill/>
-        </p:spPr>
-        <p:txBody>
-          <a:bodyPr wrap="none" rtlCol="0">
-            <a:spAutoFit/>
-          </a:bodyPr>
-          <a:lstStyle/>
-          <a:p>
-            <a:pPr algn="ctr"/>
-            <a:r>
-              <a:rPr lang="ja-JP" altLang="en-US" sz="2000" b="1" dirty="0" smtClean="0"/>
-              <a:t>敵のパーツ</a:t>
-            </a:r>
-            <a:r>
-              <a:rPr lang="ja-JP" altLang="en-US" sz="2000" b="1" dirty="0" smtClean="0"/>
-              <a:t>を装着！</a:t>
-            </a:r>
-            <a:endParaRPr lang="ja-JP" altLang="en-US" sz="2000" b="1" dirty="0"/>
-          </a:p>
-        </p:txBody>
-      </p:sp>
-      <p:sp>
-        <p:nvSpPr>
-          <p:cNvPr id="25" name="テキスト ボックス 24"/>
-          <p:cNvSpPr txBox="1"/>
-          <p:nvPr/>
-        </p:nvSpPr>
-        <p:spPr>
-          <a:xfrm>
-            <a:off x="4795651" y="5396221"/>
-            <a:ext cx="3652258" cy="523220"/>
-          </a:xfrm>
-          <a:prstGeom prst="rect">
-            <a:avLst/>
-          </a:prstGeom>
-          <a:noFill/>
-        </p:spPr>
-        <p:txBody>
-          <a:bodyPr wrap="square" rtlCol="0">
-            <a:spAutoFit/>
-          </a:bodyPr>
-          <a:lstStyle/>
-          <a:p>
-            <a:pPr algn="ctr"/>
-            <a:r>
-              <a:rPr lang="ja-JP" altLang="en-US" sz="1400" b="1" dirty="0"/>
-              <a:t>パーツを集めて自身を強化</a:t>
-            </a:r>
-            <a:endParaRPr lang="en-US" altLang="ja-JP" sz="1400" b="1" dirty="0"/>
-          </a:p>
-          <a:p>
-            <a:pPr algn="ctr"/>
-            <a:r>
-              <a:rPr lang="ja-JP" altLang="en-US" sz="1400" b="1" dirty="0"/>
-              <a:t>敵の力を自身のものに</a:t>
-            </a:r>
-            <a:endParaRPr lang="en-US" altLang="ja-JP" sz="1400" b="1" dirty="0"/>
-          </a:p>
-        </p:txBody>
-      </p:sp>
-      <p:sp>
-        <p:nvSpPr>
-          <p:cNvPr id="26" name="テキスト ボックス 25"/>
-          <p:cNvSpPr txBox="1"/>
-          <p:nvPr/>
-        </p:nvSpPr>
-        <p:spPr>
-          <a:xfrm>
-            <a:off x="5097278" y="2866089"/>
-            <a:ext cx="3049003" cy="523220"/>
-          </a:xfrm>
-          <a:prstGeom prst="rect">
-            <a:avLst/>
-          </a:prstGeom>
-          <a:noFill/>
-        </p:spPr>
-        <p:txBody>
-          <a:bodyPr wrap="square" rtlCol="0">
-            <a:spAutoFit/>
-          </a:bodyPr>
-          <a:lstStyle/>
-          <a:p>
-            <a:pPr algn="ctr"/>
-            <a:r>
-              <a:rPr lang="ja-JP" altLang="en-US" sz="1400" b="1" dirty="0"/>
-              <a:t>限界まで装備したパーツが</a:t>
-            </a:r>
-            <a:endParaRPr lang="en-US" altLang="ja-JP" sz="1400" b="1" dirty="0"/>
-          </a:p>
-          <a:p>
-            <a:pPr algn="ctr"/>
-            <a:r>
-              <a:rPr lang="ja-JP" altLang="en-US" sz="1400" b="1" dirty="0"/>
-              <a:t>弾け飛ぶ必殺技で大ダメージ</a:t>
-            </a:r>
-            <a:endParaRPr lang="en-US" altLang="ja-JP" sz="1400" b="1" dirty="0"/>
-          </a:p>
-        </p:txBody>
-      </p:sp>
-      <p:sp>
-        <p:nvSpPr>
-          <p:cNvPr id="12" name="角丸四角形 11"/>
-          <p:cNvSpPr/>
-          <p:nvPr/>
-        </p:nvSpPr>
-        <p:spPr>
-          <a:xfrm>
-            <a:off x="622300" y="1262342"/>
-            <a:ext cx="3787140" cy="2166657"/>
-          </a:xfrm>
-          <a:prstGeom prst="roundRect">
-            <a:avLst>
-              <a:gd name="adj" fmla="val 3912"/>
-            </a:avLst>
-          </a:prstGeom>
-          <a:noFill/>
-          <a:ln w="57150">
-            <a:solidFill>
-              <a:schemeClr val="bg1">
-                <a:lumMod val="65000"/>
-              </a:schemeClr>
-            </a:solidFill>
-          </a:ln>
-        </p:spPr>
-        <p:style>
-          <a:lnRef idx="2">
-            <a:schemeClr val="accent1">
-              <a:shade val="50000"/>
-            </a:schemeClr>
-          </a:lnRef>
-          <a:fillRef idx="1">
-            <a:schemeClr val="accent1"/>
-          </a:fillRef>
-          <a:effectRef idx="0">
-            <a:schemeClr val="accent1"/>
-          </a:effectRef>
-          <a:fontRef idx="minor">
-            <a:schemeClr val="lt1"/>
-          </a:fontRef>
-        </p:style>
-        <p:txBody>
-          <a:bodyPr rtlCol="0" anchor="ctr"/>
-          <a:lstStyle/>
-          <a:p>
-            <a:pPr algn="ctr"/>
-            <a:endParaRPr kumimoji="1" lang="ja-JP" altLang="en-US" dirty="0">
-              <a:solidFill>
-                <a:schemeClr val="tx1"/>
-              </a:solidFill>
-            </a:endParaRPr>
-          </a:p>
-        </p:txBody>
-      </p:sp>
-      <p:sp>
-        <p:nvSpPr>
-          <p:cNvPr id="27" name="テキスト ボックス 26"/>
-          <p:cNvSpPr txBox="1"/>
-          <p:nvPr/>
-        </p:nvSpPr>
-        <p:spPr>
-          <a:xfrm>
-            <a:off x="1027421" y="2866089"/>
-            <a:ext cx="2976898" cy="523220"/>
-          </a:xfrm>
-          <a:prstGeom prst="rect">
-            <a:avLst/>
-          </a:prstGeom>
-          <a:noFill/>
-        </p:spPr>
-        <p:txBody>
-          <a:bodyPr wrap="square" rtlCol="0">
-            <a:spAutoFit/>
-          </a:bodyPr>
-          <a:lstStyle/>
-          <a:p>
-            <a:pPr algn="ctr"/>
-            <a:r>
-              <a:rPr lang="ja-JP" altLang="en-US" sz="1400" b="1" dirty="0" smtClean="0"/>
-              <a:t>部位</a:t>
-            </a:r>
-            <a:r>
-              <a:rPr lang="ja-JP" altLang="en-US" sz="1400" b="1" dirty="0"/>
-              <a:t>を狙った攻撃</a:t>
-            </a:r>
-            <a:r>
-              <a:rPr lang="ja-JP" altLang="en-US" sz="1400" b="1" dirty="0" smtClean="0"/>
-              <a:t>で</a:t>
-            </a:r>
-            <a:endParaRPr lang="en-US" altLang="ja-JP" sz="1400" b="1" dirty="0" smtClean="0"/>
-          </a:p>
-          <a:p>
-            <a:pPr algn="ctr"/>
-            <a:r>
-              <a:rPr lang="ja-JP" altLang="en-US" sz="1400" b="1" dirty="0" smtClean="0"/>
-              <a:t>敵</a:t>
-            </a:r>
-            <a:r>
-              <a:rPr lang="ja-JP" altLang="en-US" sz="1400" b="1" dirty="0"/>
-              <a:t>のパーツを破壊する</a:t>
-            </a:r>
-          </a:p>
-        </p:txBody>
-      </p:sp>
-      <p:sp>
-        <p:nvSpPr>
-          <p:cNvPr id="28" name="テキスト ボックス 27"/>
-          <p:cNvSpPr txBox="1"/>
-          <p:nvPr/>
-        </p:nvSpPr>
-        <p:spPr>
-          <a:xfrm>
-            <a:off x="1047103" y="5396221"/>
-            <a:ext cx="2976898" cy="523220"/>
-          </a:xfrm>
-          <a:prstGeom prst="rect">
-            <a:avLst/>
-          </a:prstGeom>
-          <a:noFill/>
-        </p:spPr>
-        <p:txBody>
-          <a:bodyPr wrap="square" rtlCol="0">
-            <a:spAutoFit/>
-          </a:bodyPr>
-          <a:lstStyle/>
-          <a:p>
-            <a:pPr algn="ctr"/>
-            <a:r>
-              <a:rPr lang="ja-JP" altLang="en-US" sz="1400" b="1" dirty="0"/>
-              <a:t>壊したパーツを奪い取り</a:t>
-            </a:r>
-            <a:endParaRPr lang="en-US" altLang="ja-JP" sz="1400" b="1" dirty="0"/>
-          </a:p>
-          <a:p>
-            <a:pPr algn="ctr"/>
-            <a:r>
-              <a:rPr lang="ja-JP" altLang="en-US" sz="1400" b="1" dirty="0"/>
-              <a:t>敵を弱らせる</a:t>
-            </a:r>
-          </a:p>
-        </p:txBody>
-      </p:sp>
-      <p:pic>
-        <p:nvPicPr>
-          <p:cNvPr id="34" name="図 33"/>
-          <p:cNvPicPr>
-            <a:picLocks noChangeAspect="1"/>
-          </p:cNvPicPr>
-          <p:nvPr/>
-        </p:nvPicPr>
-        <p:blipFill>
-          <a:blip r:embed="rId5" cstate="print">
             <a:extLst>
               <a:ext uri="{28A0092B-C50C-407E-A947-70E740481C1C}">
                 <a14:useLocalDpi xmlns:a14="http://schemas.microsoft.com/office/drawing/2010/main" val="0"/>
@@ -6380,24 +6867,703 @@
         </p:blipFill>
         <p:spPr>
           <a:xfrm>
-            <a:off x="2398737" y="1565766"/>
-            <a:ext cx="1194129" cy="1334750"/>
+            <a:off x="2409646" y="4617566"/>
+            <a:ext cx="1763164" cy="1325844"/>
           </a:xfrm>
           <a:prstGeom prst="rect">
             <a:avLst/>
           </a:prstGeom>
         </p:spPr>
       </p:pic>
+      <p:cxnSp>
+        <p:nvCxnSpPr>
+          <p:cNvPr id="16" name="直線コネクタ 15"/>
+          <p:cNvCxnSpPr/>
+          <p:nvPr/>
+        </p:nvCxnSpPr>
+        <p:spPr>
+          <a:xfrm>
+            <a:off x="1547348" y="4497514"/>
+            <a:ext cx="2338852" cy="782974"/>
+          </a:xfrm>
+          <a:prstGeom prst="line">
+            <a:avLst/>
+          </a:prstGeom>
+          <a:ln w="38100">
+            <a:solidFill>
+              <a:schemeClr val="tx1"/>
+            </a:solidFill>
+          </a:ln>
+        </p:spPr>
+        <p:style>
+          <a:lnRef idx="1">
+            <a:schemeClr val="accent1"/>
+          </a:lnRef>
+          <a:fillRef idx="0">
+            <a:schemeClr val="accent1"/>
+          </a:fillRef>
+          <a:effectRef idx="0">
+            <a:schemeClr val="accent1"/>
+          </a:effectRef>
+          <a:fontRef idx="minor">
+            <a:schemeClr val="tx1"/>
+          </a:fontRef>
+        </p:style>
+      </p:cxnSp>
+      <p:cxnSp>
+        <p:nvCxnSpPr>
+          <p:cNvPr id="68" name="直線コネクタ 67"/>
+          <p:cNvCxnSpPr/>
+          <p:nvPr/>
+        </p:nvCxnSpPr>
+        <p:spPr>
+          <a:xfrm>
+            <a:off x="1647368" y="4689778"/>
+            <a:ext cx="1429496" cy="1238222"/>
+          </a:xfrm>
+          <a:prstGeom prst="line">
+            <a:avLst/>
+          </a:prstGeom>
+          <a:ln w="38100">
+            <a:solidFill>
+              <a:schemeClr val="tx1"/>
+            </a:solidFill>
+          </a:ln>
+        </p:spPr>
+        <p:style>
+          <a:lnRef idx="1">
+            <a:schemeClr val="accent1"/>
+          </a:lnRef>
+          <a:fillRef idx="0">
+            <a:schemeClr val="accent1"/>
+          </a:fillRef>
+          <a:effectRef idx="0">
+            <a:schemeClr val="accent1"/>
+          </a:effectRef>
+          <a:fontRef idx="minor">
+            <a:schemeClr val="tx1"/>
+          </a:fontRef>
+        </p:style>
+      </p:cxnSp>
+      <p:cxnSp>
+        <p:nvCxnSpPr>
+          <p:cNvPr id="69" name="直線コネクタ 68"/>
+          <p:cNvCxnSpPr/>
+          <p:nvPr/>
+        </p:nvCxnSpPr>
+        <p:spPr>
+          <a:xfrm>
+            <a:off x="1647368" y="4564691"/>
+            <a:ext cx="764553" cy="324310"/>
+          </a:xfrm>
+          <a:prstGeom prst="line">
+            <a:avLst/>
+          </a:prstGeom>
+          <a:ln>
+            <a:solidFill>
+              <a:schemeClr val="tx1"/>
+            </a:solidFill>
+          </a:ln>
+        </p:spPr>
+        <p:style>
+          <a:lnRef idx="1">
+            <a:schemeClr val="accent1"/>
+          </a:lnRef>
+          <a:fillRef idx="0">
+            <a:schemeClr val="accent1"/>
+          </a:fillRef>
+          <a:effectRef idx="0">
+            <a:schemeClr val="accent1"/>
+          </a:effectRef>
+          <a:fontRef idx="minor">
+            <a:schemeClr val="tx1"/>
+          </a:fontRef>
+        </p:style>
+      </p:cxnSp>
+      <p:cxnSp>
+        <p:nvCxnSpPr>
+          <p:cNvPr id="71" name="直線コネクタ 70"/>
+          <p:cNvCxnSpPr/>
+          <p:nvPr/>
+        </p:nvCxnSpPr>
+        <p:spPr>
+          <a:xfrm>
+            <a:off x="1625228" y="4581350"/>
+            <a:ext cx="1278914" cy="852418"/>
+          </a:xfrm>
+          <a:prstGeom prst="line">
+            <a:avLst/>
+          </a:prstGeom>
+          <a:ln>
+            <a:solidFill>
+              <a:schemeClr val="tx1"/>
+            </a:solidFill>
+          </a:ln>
+        </p:spPr>
+        <p:style>
+          <a:lnRef idx="1">
+            <a:schemeClr val="accent1"/>
+          </a:lnRef>
+          <a:fillRef idx="0">
+            <a:schemeClr val="accent1"/>
+          </a:fillRef>
+          <a:effectRef idx="0">
+            <a:schemeClr val="accent1"/>
+          </a:effectRef>
+          <a:fontRef idx="minor">
+            <a:schemeClr val="tx1"/>
+          </a:fontRef>
+        </p:style>
+      </p:cxnSp>
+      <p:grpSp>
+        <p:nvGrpSpPr>
+          <p:cNvPr id="10" name="グループ化 9"/>
+          <p:cNvGrpSpPr/>
+          <p:nvPr/>
+        </p:nvGrpSpPr>
+        <p:grpSpPr>
+          <a:xfrm flipH="1">
+            <a:off x="803697" y="4145457"/>
+            <a:ext cx="1338167" cy="1401770"/>
+            <a:chOff x="1158688" y="1360185"/>
+            <a:chExt cx="1338167" cy="1401770"/>
+          </a:xfrm>
+        </p:grpSpPr>
+        <p:pic>
+          <p:nvPicPr>
+            <p:cNvPr id="66" name="図 65"/>
+            <p:cNvPicPr>
+              <a:picLocks noChangeAspect="1"/>
+            </p:cNvPicPr>
+            <p:nvPr/>
+          </p:nvPicPr>
+          <p:blipFill>
+            <a:blip r:embed="rId4" cstate="print">
+              <a:extLst>
+                <a:ext uri="{28A0092B-C50C-407E-A947-70E740481C1C}">
+                  <a14:useLocalDpi xmlns:a14="http://schemas.microsoft.com/office/drawing/2010/main" val="0"/>
+                </a:ext>
+              </a:extLst>
+            </a:blip>
+            <a:stretch>
+              <a:fillRect/>
+            </a:stretch>
+          </p:blipFill>
+          <p:spPr>
+            <a:xfrm rot="6300000">
+              <a:off x="1635880" y="1360185"/>
+              <a:ext cx="860975" cy="860975"/>
+            </a:xfrm>
+            <a:prstGeom prst="rect">
+              <a:avLst/>
+            </a:prstGeom>
+          </p:spPr>
+        </p:pic>
+        <p:pic>
+          <p:nvPicPr>
+            <p:cNvPr id="65" name="図 64"/>
+            <p:cNvPicPr>
+              <a:picLocks noChangeAspect="1"/>
+            </p:cNvPicPr>
+            <p:nvPr/>
+          </p:nvPicPr>
+          <p:blipFill>
+            <a:blip r:embed="rId5" cstate="print">
+              <a:extLst>
+                <a:ext uri="{28A0092B-C50C-407E-A947-70E740481C1C}">
+                  <a14:useLocalDpi xmlns:a14="http://schemas.microsoft.com/office/drawing/2010/main" val="0"/>
+                </a:ext>
+              </a:extLst>
+            </a:blip>
+            <a:stretch>
+              <a:fillRect/>
+            </a:stretch>
+          </p:blipFill>
+          <p:spPr>
+            <a:xfrm>
+              <a:off x="1546745" y="1517069"/>
+              <a:ext cx="713155" cy="797136"/>
+            </a:xfrm>
+            <a:prstGeom prst="rect">
+              <a:avLst/>
+            </a:prstGeom>
+          </p:spPr>
+        </p:pic>
+        <p:pic>
+          <p:nvPicPr>
+            <p:cNvPr id="9" name="図 8"/>
+            <p:cNvPicPr>
+              <a:picLocks noChangeAspect="1"/>
+            </p:cNvPicPr>
+            <p:nvPr/>
+          </p:nvPicPr>
+          <p:blipFill>
+            <a:blip r:embed="rId6" cstate="print">
+              <a:extLst>
+                <a:ext uri="{28A0092B-C50C-407E-A947-70E740481C1C}">
+                  <a14:useLocalDpi xmlns:a14="http://schemas.microsoft.com/office/drawing/2010/main" val="0"/>
+                </a:ext>
+              </a:extLst>
+            </a:blip>
+            <a:stretch>
+              <a:fillRect/>
+            </a:stretch>
+          </p:blipFill>
+          <p:spPr>
+            <a:xfrm>
+              <a:off x="1158688" y="1594820"/>
+              <a:ext cx="1167135" cy="1167135"/>
+            </a:xfrm>
+            <a:prstGeom prst="rect">
+              <a:avLst/>
+            </a:prstGeom>
+          </p:spPr>
+        </p:pic>
+      </p:grpSp>
       <p:pic>
         <p:nvPicPr>
-          <p:cNvPr id="35" name="図 34"/>
+          <p:cNvPr id="78" name="図 77"/>
           <p:cNvPicPr>
             <a:picLocks noChangeAspect="1"/>
           </p:cNvPicPr>
           <p:nvPr/>
         </p:nvPicPr>
         <p:blipFill rotWithShape="1">
-          <a:blip r:embed="rId6" cstate="print">
+          <a:blip r:embed="rId7" cstate="print">
+            <a:extLst>
+              <a:ext uri="{28A0092B-C50C-407E-A947-70E740481C1C}">
+                <a14:useLocalDpi xmlns:a14="http://schemas.microsoft.com/office/drawing/2010/main" val="0"/>
+              </a:ext>
+            </a:extLst>
+          </a:blip>
+          <a:srcRect t="12160" b="6394"/>
+          <a:stretch/>
+        </p:blipFill>
+        <p:spPr>
+          <a:xfrm flipH="1">
+            <a:off x="671167" y="1242060"/>
+            <a:ext cx="2234849" cy="2034540"/>
+          </a:xfrm>
+          <a:prstGeom prst="rect">
+            <a:avLst/>
+          </a:prstGeom>
+        </p:spPr>
+      </p:pic>
+      <p:sp>
+        <p:nvSpPr>
+          <p:cNvPr id="61" name="テキスト ボックス 60"/>
+          <p:cNvSpPr txBox="1"/>
+          <p:nvPr/>
+        </p:nvSpPr>
+        <p:spPr>
+          <a:xfrm rot="21161010">
+            <a:off x="409089" y="958754"/>
+            <a:ext cx="1335622" cy="646331"/>
+          </a:xfrm>
+          <a:prstGeom prst="rect">
+            <a:avLst/>
+          </a:prstGeom>
+          <a:noFill/>
+        </p:spPr>
+        <p:txBody>
+          <a:bodyPr wrap="none" rtlCol="0">
+            <a:spAutoFit/>
+          </a:bodyPr>
+          <a:lstStyle/>
+          <a:p>
+            <a:r>
+              <a:rPr lang="en-US" altLang="ja-JP" sz="3600" b="1" dirty="0">
+                <a:ln w="12700">
+                  <a:solidFill>
+                    <a:schemeClr val="tx1"/>
+                  </a:solidFill>
+                </a:ln>
+                <a:solidFill>
+                  <a:schemeClr val="bg1"/>
+                </a:solidFill>
+                <a:latin typeface="HGP明朝B" panose="02020800000000000000" pitchFamily="18" charset="-128"/>
+                <a:ea typeface="HGP明朝B" panose="02020800000000000000" pitchFamily="18" charset="-128"/>
+              </a:rPr>
+              <a:t>Break</a:t>
+            </a:r>
+            <a:endParaRPr lang="ja-JP" altLang="en-US" sz="3600" b="1" dirty="0">
+              <a:ln w="12700">
+                <a:solidFill>
+                  <a:schemeClr val="tx1"/>
+                </a:solidFill>
+              </a:ln>
+              <a:solidFill>
+                <a:schemeClr val="bg1"/>
+              </a:solidFill>
+              <a:latin typeface="HGP明朝B" panose="02020800000000000000" pitchFamily="18" charset="-128"/>
+              <a:ea typeface="HGP明朝B" panose="02020800000000000000" pitchFamily="18" charset="-128"/>
+            </a:endParaRPr>
+          </a:p>
+        </p:txBody>
+      </p:sp>
+      <p:grpSp>
+        <p:nvGrpSpPr>
+          <p:cNvPr id="79" name="グループ化 78"/>
+          <p:cNvGrpSpPr/>
+          <p:nvPr/>
+        </p:nvGrpSpPr>
+        <p:grpSpPr>
+          <a:xfrm>
+            <a:off x="2040794" y="1415238"/>
+            <a:ext cx="1544480" cy="1544480"/>
+            <a:chOff x="2886075" y="1779588"/>
+            <a:chExt cx="1685925" cy="1685925"/>
+          </a:xfrm>
+        </p:grpSpPr>
+        <p:sp>
+          <p:nvSpPr>
+            <p:cNvPr id="80" name="楕円 79"/>
+            <p:cNvSpPr/>
+            <p:nvPr/>
+          </p:nvSpPr>
+          <p:spPr>
+            <a:xfrm>
+              <a:off x="2886075" y="1779588"/>
+              <a:ext cx="1685925" cy="1685925"/>
+            </a:xfrm>
+            <a:prstGeom prst="ellipse">
+              <a:avLst/>
+            </a:prstGeom>
+            <a:noFill/>
+            <a:ln w="76200">
+              <a:solidFill>
+                <a:schemeClr val="tx1"/>
+              </a:solidFill>
+            </a:ln>
+          </p:spPr>
+          <p:style>
+            <a:lnRef idx="2">
+              <a:schemeClr val="accent1">
+                <a:shade val="50000"/>
+              </a:schemeClr>
+            </a:lnRef>
+            <a:fillRef idx="1">
+              <a:schemeClr val="accent1"/>
+            </a:fillRef>
+            <a:effectRef idx="0">
+              <a:schemeClr val="accent1"/>
+            </a:effectRef>
+            <a:fontRef idx="minor">
+              <a:schemeClr val="lt1"/>
+            </a:fontRef>
+          </p:style>
+          <p:txBody>
+            <a:bodyPr rtlCol="0" anchor="ctr"/>
+            <a:lstStyle/>
+            <a:p>
+              <a:pPr algn="ctr"/>
+              <a:endParaRPr kumimoji="1" lang="ja-JP" altLang="en-US"/>
+            </a:p>
+          </p:txBody>
+        </p:sp>
+        <p:cxnSp>
+          <p:nvCxnSpPr>
+            <p:cNvPr id="81" name="直線コネクタ 80"/>
+            <p:cNvCxnSpPr>
+              <a:stCxn id="80" idx="0"/>
+              <a:endCxn id="80" idx="4"/>
+            </p:cNvCxnSpPr>
+            <p:nvPr/>
+          </p:nvCxnSpPr>
+          <p:spPr>
+            <a:xfrm>
+              <a:off x="3729038" y="1779588"/>
+              <a:ext cx="0" cy="1685925"/>
+            </a:xfrm>
+            <a:prstGeom prst="line">
+              <a:avLst/>
+            </a:prstGeom>
+            <a:ln w="19050">
+              <a:solidFill>
+                <a:schemeClr val="tx1"/>
+              </a:solidFill>
+            </a:ln>
+          </p:spPr>
+          <p:style>
+            <a:lnRef idx="1">
+              <a:schemeClr val="accent1"/>
+            </a:lnRef>
+            <a:fillRef idx="0">
+              <a:schemeClr val="accent1"/>
+            </a:fillRef>
+            <a:effectRef idx="0">
+              <a:schemeClr val="accent1"/>
+            </a:effectRef>
+            <a:fontRef idx="minor">
+              <a:schemeClr val="tx1"/>
+            </a:fontRef>
+          </p:style>
+        </p:cxnSp>
+        <p:cxnSp>
+          <p:nvCxnSpPr>
+            <p:cNvPr id="82" name="直線コネクタ 81"/>
+            <p:cNvCxnSpPr>
+              <a:stCxn id="80" idx="2"/>
+              <a:endCxn id="80" idx="6"/>
+            </p:cNvCxnSpPr>
+            <p:nvPr/>
+          </p:nvCxnSpPr>
+          <p:spPr>
+            <a:xfrm>
+              <a:off x="2886075" y="2622551"/>
+              <a:ext cx="1685925" cy="0"/>
+            </a:xfrm>
+            <a:prstGeom prst="line">
+              <a:avLst/>
+            </a:prstGeom>
+            <a:ln w="19050">
+              <a:solidFill>
+                <a:schemeClr val="tx1"/>
+              </a:solidFill>
+            </a:ln>
+          </p:spPr>
+          <p:style>
+            <a:lnRef idx="1">
+              <a:schemeClr val="accent1"/>
+            </a:lnRef>
+            <a:fillRef idx="0">
+              <a:schemeClr val="accent1"/>
+            </a:fillRef>
+            <a:effectRef idx="0">
+              <a:schemeClr val="accent1"/>
+            </a:effectRef>
+            <a:fontRef idx="minor">
+              <a:schemeClr val="tx1"/>
+            </a:fontRef>
+          </p:style>
+        </p:cxnSp>
+        <p:cxnSp>
+          <p:nvCxnSpPr>
+            <p:cNvPr id="83" name="直線コネクタ 82"/>
+            <p:cNvCxnSpPr/>
+            <p:nvPr/>
+          </p:nvCxnSpPr>
+          <p:spPr>
+            <a:xfrm>
+              <a:off x="3600449" y="2769870"/>
+              <a:ext cx="257175" cy="0"/>
+            </a:xfrm>
+            <a:prstGeom prst="line">
+              <a:avLst/>
+            </a:prstGeom>
+            <a:ln w="19050">
+              <a:solidFill>
+                <a:schemeClr val="tx1"/>
+              </a:solidFill>
+            </a:ln>
+          </p:spPr>
+          <p:style>
+            <a:lnRef idx="1">
+              <a:schemeClr val="accent1"/>
+            </a:lnRef>
+            <a:fillRef idx="0">
+              <a:schemeClr val="accent1"/>
+            </a:fillRef>
+            <a:effectRef idx="0">
+              <a:schemeClr val="accent1"/>
+            </a:effectRef>
+            <a:fontRef idx="minor">
+              <a:schemeClr val="tx1"/>
+            </a:fontRef>
+          </p:style>
+        </p:cxnSp>
+        <p:cxnSp>
+          <p:nvCxnSpPr>
+            <p:cNvPr id="84" name="直線コネクタ 83"/>
+            <p:cNvCxnSpPr/>
+            <p:nvPr/>
+          </p:nvCxnSpPr>
+          <p:spPr>
+            <a:xfrm>
+              <a:off x="3600449" y="2487930"/>
+              <a:ext cx="257175" cy="0"/>
+            </a:xfrm>
+            <a:prstGeom prst="line">
+              <a:avLst/>
+            </a:prstGeom>
+            <a:ln w="19050">
+              <a:solidFill>
+                <a:schemeClr val="tx1"/>
+              </a:solidFill>
+            </a:ln>
+          </p:spPr>
+          <p:style>
+            <a:lnRef idx="1">
+              <a:schemeClr val="accent1"/>
+            </a:lnRef>
+            <a:fillRef idx="0">
+              <a:schemeClr val="accent1"/>
+            </a:fillRef>
+            <a:effectRef idx="0">
+              <a:schemeClr val="accent1"/>
+            </a:effectRef>
+            <a:fontRef idx="minor">
+              <a:schemeClr val="tx1"/>
+            </a:fontRef>
+          </p:style>
+        </p:cxnSp>
+        <p:cxnSp>
+          <p:nvCxnSpPr>
+            <p:cNvPr id="85" name="直線コネクタ 84"/>
+            <p:cNvCxnSpPr/>
+            <p:nvPr/>
+          </p:nvCxnSpPr>
+          <p:spPr>
+            <a:xfrm>
+              <a:off x="3600449" y="2335530"/>
+              <a:ext cx="257175" cy="0"/>
+            </a:xfrm>
+            <a:prstGeom prst="line">
+              <a:avLst/>
+            </a:prstGeom>
+            <a:ln w="19050">
+              <a:solidFill>
+                <a:schemeClr val="tx1"/>
+              </a:solidFill>
+            </a:ln>
+          </p:spPr>
+          <p:style>
+            <a:lnRef idx="1">
+              <a:schemeClr val="accent1"/>
+            </a:lnRef>
+            <a:fillRef idx="0">
+              <a:schemeClr val="accent1"/>
+            </a:fillRef>
+            <a:effectRef idx="0">
+              <a:schemeClr val="accent1"/>
+            </a:effectRef>
+            <a:fontRef idx="minor">
+              <a:schemeClr val="tx1"/>
+            </a:fontRef>
+          </p:style>
+        </p:cxnSp>
+        <p:cxnSp>
+          <p:nvCxnSpPr>
+            <p:cNvPr id="86" name="直線コネクタ 85"/>
+            <p:cNvCxnSpPr/>
+            <p:nvPr/>
+          </p:nvCxnSpPr>
+          <p:spPr>
+            <a:xfrm>
+              <a:off x="3600449" y="2899410"/>
+              <a:ext cx="257175" cy="0"/>
+            </a:xfrm>
+            <a:prstGeom prst="line">
+              <a:avLst/>
+            </a:prstGeom>
+            <a:ln w="19050">
+              <a:solidFill>
+                <a:schemeClr val="tx1"/>
+              </a:solidFill>
+            </a:ln>
+          </p:spPr>
+          <p:style>
+            <a:lnRef idx="1">
+              <a:schemeClr val="accent1"/>
+            </a:lnRef>
+            <a:fillRef idx="0">
+              <a:schemeClr val="accent1"/>
+            </a:fillRef>
+            <a:effectRef idx="0">
+              <a:schemeClr val="accent1"/>
+            </a:effectRef>
+            <a:fontRef idx="minor">
+              <a:schemeClr val="tx1"/>
+            </a:fontRef>
+          </p:style>
+        </p:cxnSp>
+      </p:grpSp>
+      <p:grpSp>
+        <p:nvGrpSpPr>
+          <p:cNvPr id="93" name="グループ化 92"/>
+          <p:cNvGrpSpPr/>
+          <p:nvPr/>
+        </p:nvGrpSpPr>
+        <p:grpSpPr>
+          <a:xfrm>
+            <a:off x="5187108" y="4161594"/>
+            <a:ext cx="2119477" cy="1758330"/>
+            <a:chOff x="5514470" y="4161594"/>
+            <a:chExt cx="2119477" cy="1758330"/>
+          </a:xfrm>
+        </p:grpSpPr>
+        <p:pic>
+          <p:nvPicPr>
+            <p:cNvPr id="67" name="図 66"/>
+            <p:cNvPicPr>
+              <a:picLocks noChangeAspect="1"/>
+            </p:cNvPicPr>
+            <p:nvPr/>
+          </p:nvPicPr>
+          <p:blipFill rotWithShape="1">
+            <a:blip r:embed="rId8" cstate="print">
+              <a:extLst>
+                <a:ext uri="{28A0092B-C50C-407E-A947-70E740481C1C}">
+                  <a14:useLocalDpi xmlns:a14="http://schemas.microsoft.com/office/drawing/2010/main" val="0"/>
+                </a:ext>
+              </a:extLst>
+            </a:blip>
+            <a:srcRect t="1706" r="3861"/>
+            <a:stretch/>
+          </p:blipFill>
+          <p:spPr>
+            <a:xfrm rot="13289933">
+              <a:off x="7006977" y="4217107"/>
+              <a:ext cx="626970" cy="1212629"/>
+            </a:xfrm>
+            <a:prstGeom prst="rect">
+              <a:avLst/>
+            </a:prstGeom>
+          </p:spPr>
+        </p:pic>
+        <p:pic>
+          <p:nvPicPr>
+            <p:cNvPr id="87" name="図 86"/>
+            <p:cNvPicPr>
+              <a:picLocks noChangeAspect="1"/>
+            </p:cNvPicPr>
+            <p:nvPr/>
+          </p:nvPicPr>
+          <p:blipFill rotWithShape="1">
+            <a:blip r:embed="rId3">
+              <a:extLst>
+                <a:ext uri="{28A0092B-C50C-407E-A947-70E740481C1C}">
+                  <a14:useLocalDpi xmlns:a14="http://schemas.microsoft.com/office/drawing/2010/main" val="0"/>
+                </a:ext>
+              </a:extLst>
+            </a:blip>
+            <a:srcRect l="7069" r="35168"/>
+            <a:stretch/>
+          </p:blipFill>
+          <p:spPr>
+            <a:xfrm>
+              <a:off x="5514470" y="4161594"/>
+              <a:ext cx="1350660" cy="1758330"/>
+            </a:xfrm>
+            <a:prstGeom prst="rect">
+              <a:avLst/>
+            </a:prstGeom>
+            <a:effectLst>
+              <a:softEdge rad="0"/>
+            </a:effectLst>
+          </p:spPr>
+        </p:pic>
+      </p:grpSp>
+      <p:pic>
+        <p:nvPicPr>
+          <p:cNvPr id="91" name="図 90"/>
+          <p:cNvPicPr>
+            <a:picLocks noChangeAspect="1"/>
+          </p:cNvPicPr>
+          <p:nvPr/>
+        </p:nvPicPr>
+        <p:blipFill rotWithShape="1">
+          <a:blip r:embed="rId8" cstate="print">
             <a:extLst>
               <a:ext uri="{28A0092B-C50C-407E-A947-70E740481C1C}">
                 <a14:useLocalDpi xmlns:a14="http://schemas.microsoft.com/office/drawing/2010/main" val="0"/>
@@ -6408,9 +7574,9 @@
           <a:stretch/>
         </p:blipFill>
         <p:spPr>
-          <a:xfrm>
-            <a:off x="1538234" y="2127031"/>
-            <a:ext cx="349253" cy="675494"/>
+          <a:xfrm rot="21241475">
+            <a:off x="2437363" y="4638956"/>
+            <a:ext cx="457077" cy="884034"/>
           </a:xfrm>
           <a:prstGeom prst="rect">
             <a:avLst/>
@@ -6419,171 +7585,7 @@
       </p:pic>
       <p:pic>
         <p:nvPicPr>
-          <p:cNvPr id="36" name="図 35"/>
-          <p:cNvPicPr>
-            <a:picLocks noChangeAspect="1"/>
-          </p:cNvPicPr>
-          <p:nvPr/>
-        </p:nvPicPr>
-        <p:blipFill rotWithShape="1">
-          <a:blip r:embed="rId6" cstate="print">
-            <a:lum bright="70000" contrast="-70000"/>
-            <a:extLst>
-              <a:ext uri="{28A0092B-C50C-407E-A947-70E740481C1C}">
-                <a14:useLocalDpi xmlns:a14="http://schemas.microsoft.com/office/drawing/2010/main" val="0"/>
-              </a:ext>
-            </a:extLst>
-          </a:blip>
-          <a:srcRect t="1706" r="3861"/>
-          <a:stretch/>
-        </p:blipFill>
-        <p:spPr>
-          <a:xfrm>
-            <a:off x="2371874" y="2127031"/>
-            <a:ext cx="349253" cy="675494"/>
-          </a:xfrm>
-          <a:prstGeom prst="rect">
-            <a:avLst/>
-          </a:prstGeom>
-        </p:spPr>
-      </p:pic>
-      <p:sp>
-        <p:nvSpPr>
-          <p:cNvPr id="37" name="爆発 1 36"/>
-          <p:cNvSpPr/>
-          <p:nvPr/>
-        </p:nvSpPr>
-        <p:spPr>
-          <a:xfrm>
-            <a:off x="2450324" y="2018292"/>
-            <a:ext cx="225439" cy="210587"/>
-          </a:xfrm>
-          <a:prstGeom prst="irregularSeal1">
-            <a:avLst/>
-          </a:prstGeom>
-          <a:solidFill>
-            <a:srgbClr val="FF0000"/>
-          </a:solidFill>
-          <a:ln>
-            <a:noFill/>
-          </a:ln>
-        </p:spPr>
-        <p:style>
-          <a:lnRef idx="2">
-            <a:schemeClr val="accent1">
-              <a:shade val="50000"/>
-            </a:schemeClr>
-          </a:lnRef>
-          <a:fillRef idx="1">
-            <a:schemeClr val="accent1"/>
-          </a:fillRef>
-          <a:effectRef idx="0">
-            <a:schemeClr val="accent1"/>
-          </a:effectRef>
-          <a:fontRef idx="minor">
-            <a:schemeClr val="lt1"/>
-          </a:fontRef>
-        </p:style>
-        <p:txBody>
-          <a:bodyPr rtlCol="0" anchor="ctr"/>
-          <a:lstStyle/>
-          <a:p>
-            <a:pPr algn="ctr"/>
-            <a:endParaRPr lang="ja-JP" altLang="en-US" sz="1350"/>
-          </a:p>
-        </p:txBody>
-      </p:sp>
-      <p:pic>
-        <p:nvPicPr>
-          <p:cNvPr id="38" name="図 37"/>
-          <p:cNvPicPr>
-            <a:picLocks noChangeAspect="1"/>
-          </p:cNvPicPr>
-          <p:nvPr/>
-        </p:nvPicPr>
-        <p:blipFill rotWithShape="1">
-          <a:blip r:embed="rId7">
-            <a:extLst>
-              <a:ext uri="{28A0092B-C50C-407E-A947-70E740481C1C}">
-                <a14:useLocalDpi xmlns:a14="http://schemas.microsoft.com/office/drawing/2010/main" val="0"/>
-              </a:ext>
-            </a:extLst>
-          </a:blip>
-          <a:srcRect t="1706" r="3861"/>
-          <a:stretch/>
-        </p:blipFill>
-        <p:spPr>
-          <a:xfrm rot="1091296">
-            <a:off x="2107308" y="4129818"/>
-            <a:ext cx="720311" cy="1393163"/>
-          </a:xfrm>
-          <a:prstGeom prst="rect">
-            <a:avLst/>
-          </a:prstGeom>
-        </p:spPr>
-      </p:pic>
-      <p:pic>
-        <p:nvPicPr>
-          <p:cNvPr id="39" name="図 38"/>
-          <p:cNvPicPr>
-            <a:picLocks noChangeAspect="1"/>
-          </p:cNvPicPr>
-          <p:nvPr/>
-        </p:nvPicPr>
-        <p:blipFill>
-          <a:blip r:embed="rId8" cstate="print">
-            <a:extLst>
-              <a:ext uri="{28A0092B-C50C-407E-A947-70E740481C1C}">
-                <a14:useLocalDpi xmlns:a14="http://schemas.microsoft.com/office/drawing/2010/main" val="0"/>
-              </a:ext>
-            </a:extLst>
-          </a:blip>
-          <a:stretch>
-            <a:fillRect/>
-          </a:stretch>
-        </p:blipFill>
-        <p:spPr>
-          <a:xfrm>
-            <a:off x="5963980" y="4201669"/>
-            <a:ext cx="938305" cy="1266464"/>
-          </a:xfrm>
-          <a:prstGeom prst="rect">
-            <a:avLst/>
-          </a:prstGeom>
-        </p:spPr>
-      </p:pic>
-      <p:pic>
-        <p:nvPicPr>
-          <p:cNvPr id="40" name="図 39"/>
-          <p:cNvPicPr>
-            <a:picLocks noChangeAspect="1"/>
-          </p:cNvPicPr>
-          <p:nvPr/>
-        </p:nvPicPr>
-        <p:blipFill rotWithShape="1">
-          <a:blip r:embed="rId6" cstate="print">
-            <a:extLst>
-              <a:ext uri="{28A0092B-C50C-407E-A947-70E740481C1C}">
-                <a14:useLocalDpi xmlns:a14="http://schemas.microsoft.com/office/drawing/2010/main" val="0"/>
-              </a:ext>
-            </a:extLst>
-          </a:blip>
-          <a:srcRect t="1706" r="3861"/>
-          <a:stretch/>
-        </p:blipFill>
-        <p:spPr>
-          <a:xfrm rot="17341192">
-            <a:off x="6711043" y="4485495"/>
-            <a:ext cx="305736" cy="591327"/>
-          </a:xfrm>
-          <a:prstGeom prst="rect">
-            <a:avLst/>
-          </a:prstGeom>
-        </p:spPr>
-      </p:pic>
-      <p:pic>
-        <p:nvPicPr>
-          <p:cNvPr id="41" name="図 40"/>
+          <p:cNvPr id="98" name="図 97"/>
           <p:cNvPicPr>
             <a:picLocks noChangeAspect="1"/>
           </p:cNvPicPr>
@@ -6603,8 +7605,78 @@
         </p:blipFill>
         <p:spPr>
           <a:xfrm>
-            <a:off x="5725205" y="1589781"/>
-            <a:ext cx="1618728" cy="1243733"/>
+            <a:off x="4791870" y="3663245"/>
+            <a:ext cx="3958879" cy="2272525"/>
+          </a:xfrm>
+          <a:prstGeom prst="rect">
+            <a:avLst/>
+          </a:prstGeom>
+        </p:spPr>
+      </p:pic>
+      <p:sp>
+        <p:nvSpPr>
+          <p:cNvPr id="63" name="テキスト ボックス 62"/>
+          <p:cNvSpPr txBox="1"/>
+          <p:nvPr/>
+        </p:nvSpPr>
+        <p:spPr>
+          <a:xfrm rot="21161010">
+            <a:off x="4811553" y="3583766"/>
+            <a:ext cx="1529586" cy="646331"/>
+          </a:xfrm>
+          <a:prstGeom prst="rect">
+            <a:avLst/>
+          </a:prstGeom>
+          <a:noFill/>
+        </p:spPr>
+        <p:txBody>
+          <a:bodyPr wrap="none" rtlCol="0">
+            <a:spAutoFit/>
+          </a:bodyPr>
+          <a:lstStyle/>
+          <a:p>
+            <a:r>
+              <a:rPr lang="en-US" altLang="ja-JP" sz="3600" b="1" dirty="0" smtClean="0">
+                <a:ln w="12700">
+                  <a:solidFill>
+                    <a:schemeClr val="tx1"/>
+                  </a:solidFill>
+                </a:ln>
+                <a:solidFill>
+                  <a:schemeClr val="bg1"/>
+                </a:solidFill>
+                <a:latin typeface="HGP明朝B" panose="02020800000000000000" pitchFamily="18" charset="-128"/>
+                <a:ea typeface="HGP明朝B" panose="02020800000000000000" pitchFamily="18" charset="-128"/>
+              </a:rPr>
+              <a:t>Attach</a:t>
+            </a:r>
+          </a:p>
+        </p:txBody>
+      </p:sp>
+      <p:pic>
+        <p:nvPicPr>
+          <p:cNvPr id="99" name="図 98"/>
+          <p:cNvPicPr>
+            <a:picLocks noChangeAspect="1"/>
+          </p:cNvPicPr>
+          <p:nvPr/>
+        </p:nvPicPr>
+        <p:blipFill>
+          <a:blip r:embed="rId10">
+            <a:extLst>
+              <a:ext uri="{28A0092B-C50C-407E-A947-70E740481C1C}">
+                <a14:useLocalDpi xmlns:a14="http://schemas.microsoft.com/office/drawing/2010/main" val="0"/>
+              </a:ext>
+            </a:extLst>
+          </a:blip>
+          <a:stretch>
+            <a:fillRect/>
+          </a:stretch>
+        </p:blipFill>
+        <p:spPr>
+          <a:xfrm>
+            <a:off x="5600702" y="1100508"/>
+            <a:ext cx="2301369" cy="2301369"/>
           </a:xfrm>
           <a:prstGeom prst="rect">
             <a:avLst/>
@@ -6614,7 +7686,7 @@
     </p:spTree>
     <p:extLst>
       <p:ext uri="{BB962C8B-B14F-4D97-AF65-F5344CB8AC3E}">
-        <p14:creationId xmlns:p14="http://schemas.microsoft.com/office/powerpoint/2010/main" val="2877916795"/>
+        <p14:creationId xmlns:p14="http://schemas.microsoft.com/office/powerpoint/2010/main" val="63800036"/>
       </p:ext>
     </p:extLst>
   </p:cSld>
@@ -6640,6 +7712,2467 @@
 </file>
 
 <file path=ppt/slides/slide5.xml><?xml version="1.0" encoding="utf-8"?>
+<p:sld xmlns:a="http://schemas.openxmlformats.org/drawingml/2006/main" xmlns:r="http://schemas.openxmlformats.org/officeDocument/2006/relationships" xmlns:p="http://schemas.openxmlformats.org/presentationml/2006/main">
+  <p:cSld>
+    <p:spTree>
+      <p:nvGrpSpPr>
+        <p:cNvPr id="1" name=""/>
+        <p:cNvGrpSpPr/>
+        <p:nvPr/>
+      </p:nvGrpSpPr>
+      <p:grpSpPr>
+        <a:xfrm>
+          <a:off x="0" y="0"/>
+          <a:ext cx="0" cy="0"/>
+          <a:chOff x="0" y="0"/>
+          <a:chExt cx="0" cy="0"/>
+        </a:xfrm>
+      </p:grpSpPr>
+      <p:grpSp>
+        <p:nvGrpSpPr>
+          <p:cNvPr id="134" name="グループ化 133"/>
+          <p:cNvGrpSpPr/>
+          <p:nvPr/>
+        </p:nvGrpSpPr>
+        <p:grpSpPr>
+          <a:xfrm>
+            <a:off x="409090" y="3622472"/>
+            <a:ext cx="8369507" cy="2359981"/>
+            <a:chOff x="409090" y="939704"/>
+            <a:chExt cx="8369507" cy="2359981"/>
+          </a:xfrm>
+        </p:grpSpPr>
+        <p:grpSp>
+          <p:nvGrpSpPr>
+            <p:cNvPr id="135" name="グループ化 134"/>
+            <p:cNvGrpSpPr/>
+            <p:nvPr/>
+          </p:nvGrpSpPr>
+          <p:grpSpPr>
+            <a:xfrm>
+              <a:off x="409090" y="939704"/>
+              <a:ext cx="4014574" cy="2359981"/>
+              <a:chOff x="409090" y="939704"/>
+              <a:chExt cx="4014574" cy="2359981"/>
+            </a:xfrm>
+          </p:grpSpPr>
+          <p:grpSp>
+            <p:nvGrpSpPr>
+              <p:cNvPr id="139" name="グループ化 138"/>
+              <p:cNvGrpSpPr/>
+              <p:nvPr/>
+            </p:nvGrpSpPr>
+            <p:grpSpPr>
+              <a:xfrm>
+                <a:off x="409090" y="1030103"/>
+                <a:ext cx="4014574" cy="2269582"/>
+                <a:chOff x="409090" y="1030103"/>
+                <a:chExt cx="4014574" cy="2269582"/>
+              </a:xfrm>
+            </p:grpSpPr>
+            <p:sp>
+              <p:nvSpPr>
+                <p:cNvPr id="141" name="角丸四角形 140"/>
+                <p:cNvSpPr/>
+                <p:nvPr/>
+              </p:nvSpPr>
+              <p:spPr>
+                <a:xfrm>
+                  <a:off x="409090" y="1030103"/>
+                  <a:ext cx="3967044" cy="2269582"/>
+                </a:xfrm>
+                <a:prstGeom prst="roundRect">
+                  <a:avLst>
+                    <a:gd name="adj" fmla="val 0"/>
+                  </a:avLst>
+                </a:prstGeom>
+                <a:solidFill>
+                  <a:schemeClr val="bg1"/>
+                </a:solidFill>
+                <a:ln w="76200">
+                  <a:solidFill>
+                    <a:schemeClr val="tx1"/>
+                  </a:solidFill>
+                </a:ln>
+              </p:spPr>
+              <p:style>
+                <a:lnRef idx="2">
+                  <a:schemeClr val="accent1">
+                    <a:shade val="50000"/>
+                  </a:schemeClr>
+                </a:lnRef>
+                <a:fillRef idx="1">
+                  <a:schemeClr val="accent1"/>
+                </a:fillRef>
+                <a:effectRef idx="0">
+                  <a:schemeClr val="accent1"/>
+                </a:effectRef>
+                <a:fontRef idx="minor">
+                  <a:schemeClr val="lt1"/>
+                </a:fontRef>
+              </p:style>
+              <p:txBody>
+                <a:bodyPr rtlCol="0" anchor="ctr"/>
+                <a:lstStyle/>
+                <a:p>
+                  <a:pPr algn="ctr"/>
+                  <a:endParaRPr kumimoji="1" lang="ja-JP" altLang="en-US" dirty="0">
+                    <a:solidFill>
+                      <a:schemeClr val="tx1"/>
+                    </a:solidFill>
+                  </a:endParaRPr>
+                </a:p>
+              </p:txBody>
+            </p:sp>
+            <p:sp>
+              <p:nvSpPr>
+                <p:cNvPr id="142" name="直角三角形 141"/>
+                <p:cNvSpPr/>
+                <p:nvPr/>
+              </p:nvSpPr>
+              <p:spPr>
+                <a:xfrm rot="10800000" flipH="1">
+                  <a:off x="409090" y="1061844"/>
+                  <a:ext cx="4014574" cy="577718"/>
+                </a:xfrm>
+                <a:prstGeom prst="rtTriangle">
+                  <a:avLst/>
+                </a:prstGeom>
+                <a:solidFill>
+                  <a:schemeClr val="tx1"/>
+                </a:solidFill>
+                <a:ln>
+                  <a:noFill/>
+                </a:ln>
+              </p:spPr>
+              <p:style>
+                <a:lnRef idx="2">
+                  <a:schemeClr val="accent1">
+                    <a:shade val="50000"/>
+                  </a:schemeClr>
+                </a:lnRef>
+                <a:fillRef idx="1">
+                  <a:schemeClr val="accent1"/>
+                </a:fillRef>
+                <a:effectRef idx="0">
+                  <a:schemeClr val="accent1"/>
+                </a:effectRef>
+                <a:fontRef idx="minor">
+                  <a:schemeClr val="lt1"/>
+                </a:fontRef>
+              </p:style>
+              <p:txBody>
+                <a:bodyPr rtlCol="0" anchor="ctr"/>
+                <a:lstStyle/>
+                <a:p>
+                  <a:pPr algn="ctr"/>
+                  <a:endParaRPr kumimoji="1" lang="ja-JP" altLang="en-US"/>
+                </a:p>
+              </p:txBody>
+            </p:sp>
+          </p:grpSp>
+          <p:sp>
+            <p:nvSpPr>
+              <p:cNvPr id="140" name="テキスト ボックス 139"/>
+              <p:cNvSpPr txBox="1"/>
+              <p:nvPr/>
+            </p:nvSpPr>
+            <p:spPr>
+              <a:xfrm rot="21161010">
+                <a:off x="547601" y="939704"/>
+                <a:ext cx="925253" cy="646331"/>
+              </a:xfrm>
+              <a:prstGeom prst="rect">
+                <a:avLst/>
+              </a:prstGeom>
+              <a:noFill/>
+            </p:spPr>
+            <p:txBody>
+              <a:bodyPr wrap="none" rtlCol="0">
+                <a:spAutoFit/>
+              </a:bodyPr>
+              <a:lstStyle/>
+              <a:p>
+                <a:r>
+                  <a:rPr lang="ja-JP" altLang="en-US" sz="3600" b="1" dirty="0">
+                    <a:ln w="12700">
+                      <a:solidFill>
+                        <a:schemeClr val="tx1"/>
+                      </a:solidFill>
+                    </a:ln>
+                    <a:solidFill>
+                      <a:schemeClr val="bg1"/>
+                    </a:solidFill>
+                    <a:latin typeface="HGP明朝B" panose="02020800000000000000" pitchFamily="18" charset="-128"/>
+                    <a:ea typeface="HGP明朝B" panose="02020800000000000000" pitchFamily="18" charset="-128"/>
+                  </a:rPr>
+                  <a:t>狙</a:t>
+                </a:r>
+                <a:r>
+                  <a:rPr lang="ja-JP" altLang="en-US" sz="3600" b="1" dirty="0" smtClean="0">
+                    <a:ln w="12700">
+                      <a:solidFill>
+                        <a:schemeClr val="tx1"/>
+                      </a:solidFill>
+                    </a:ln>
+                    <a:solidFill>
+                      <a:schemeClr val="bg1"/>
+                    </a:solidFill>
+                    <a:latin typeface="HGP明朝B" panose="02020800000000000000" pitchFamily="18" charset="-128"/>
+                    <a:ea typeface="HGP明朝B" panose="02020800000000000000" pitchFamily="18" charset="-128"/>
+                  </a:rPr>
+                  <a:t>う</a:t>
+                </a:r>
+                <a:endParaRPr lang="ja-JP" altLang="en-US" sz="3600" b="1" dirty="0">
+                  <a:ln w="12700">
+                    <a:solidFill>
+                      <a:schemeClr val="tx1"/>
+                    </a:solidFill>
+                  </a:ln>
+                  <a:solidFill>
+                    <a:schemeClr val="bg1"/>
+                  </a:solidFill>
+                  <a:latin typeface="HGP明朝B" panose="02020800000000000000" pitchFamily="18" charset="-128"/>
+                  <a:ea typeface="HGP明朝B" panose="02020800000000000000" pitchFamily="18" charset="-128"/>
+                </a:endParaRPr>
+              </a:p>
+            </p:txBody>
+          </p:sp>
+        </p:grpSp>
+        <p:sp>
+          <p:nvSpPr>
+            <p:cNvPr id="136" name="角丸四角形 135"/>
+            <p:cNvSpPr/>
+            <p:nvPr/>
+          </p:nvSpPr>
+          <p:spPr>
+            <a:xfrm>
+              <a:off x="4767866" y="1030103"/>
+              <a:ext cx="3967044" cy="2269582"/>
+            </a:xfrm>
+            <a:prstGeom prst="roundRect">
+              <a:avLst>
+                <a:gd name="adj" fmla="val 0"/>
+              </a:avLst>
+            </a:prstGeom>
+            <a:solidFill>
+              <a:schemeClr val="bg1"/>
+            </a:solidFill>
+            <a:ln w="76200">
+              <a:solidFill>
+                <a:schemeClr val="tx1"/>
+              </a:solidFill>
+            </a:ln>
+          </p:spPr>
+          <p:style>
+            <a:lnRef idx="2">
+              <a:schemeClr val="accent1">
+                <a:shade val="50000"/>
+              </a:schemeClr>
+            </a:lnRef>
+            <a:fillRef idx="1">
+              <a:schemeClr val="accent1"/>
+            </a:fillRef>
+            <a:effectRef idx="0">
+              <a:schemeClr val="accent1"/>
+            </a:effectRef>
+            <a:fontRef idx="minor">
+              <a:schemeClr val="lt1"/>
+            </a:fontRef>
+          </p:style>
+          <p:txBody>
+            <a:bodyPr rtlCol="0" anchor="ctr"/>
+            <a:lstStyle/>
+            <a:p>
+              <a:pPr algn="ctr"/>
+              <a:endParaRPr kumimoji="1" lang="ja-JP" altLang="en-US"/>
+            </a:p>
+          </p:txBody>
+        </p:sp>
+        <p:sp>
+          <p:nvSpPr>
+            <p:cNvPr id="137" name="直角三角形 136"/>
+            <p:cNvSpPr/>
+            <p:nvPr/>
+          </p:nvSpPr>
+          <p:spPr>
+            <a:xfrm rot="10800000" flipH="1">
+              <a:off x="4764023" y="1061844"/>
+              <a:ext cx="4014574" cy="577718"/>
+            </a:xfrm>
+            <a:prstGeom prst="rtTriangle">
+              <a:avLst/>
+            </a:prstGeom>
+            <a:solidFill>
+              <a:schemeClr val="tx1"/>
+            </a:solidFill>
+            <a:ln>
+              <a:noFill/>
+            </a:ln>
+          </p:spPr>
+          <p:style>
+            <a:lnRef idx="2">
+              <a:schemeClr val="accent1">
+                <a:shade val="50000"/>
+              </a:schemeClr>
+            </a:lnRef>
+            <a:fillRef idx="1">
+              <a:schemeClr val="accent1"/>
+            </a:fillRef>
+            <a:effectRef idx="0">
+              <a:schemeClr val="accent1"/>
+            </a:effectRef>
+            <a:fontRef idx="minor">
+              <a:schemeClr val="lt1"/>
+            </a:fontRef>
+          </p:style>
+          <p:txBody>
+            <a:bodyPr rtlCol="0" anchor="ctr"/>
+            <a:lstStyle/>
+            <a:p>
+              <a:pPr algn="ctr"/>
+              <a:endParaRPr kumimoji="1" lang="ja-JP" altLang="en-US"/>
+            </a:p>
+          </p:txBody>
+        </p:sp>
+        <p:sp>
+          <p:nvSpPr>
+            <p:cNvPr id="138" name="二等辺三角形 137"/>
+            <p:cNvSpPr/>
+            <p:nvPr/>
+          </p:nvSpPr>
+          <p:spPr>
+            <a:xfrm rot="5400000">
+              <a:off x="3831632" y="2018479"/>
+              <a:ext cx="1457843" cy="292829"/>
+            </a:xfrm>
+            <a:prstGeom prst="triangle">
+              <a:avLst/>
+            </a:prstGeom>
+            <a:solidFill>
+              <a:schemeClr val="tx1"/>
+            </a:solidFill>
+            <a:ln>
+              <a:solidFill>
+                <a:schemeClr val="tx1"/>
+              </a:solidFill>
+            </a:ln>
+          </p:spPr>
+          <p:style>
+            <a:lnRef idx="2">
+              <a:schemeClr val="accent1">
+                <a:shade val="50000"/>
+              </a:schemeClr>
+            </a:lnRef>
+            <a:fillRef idx="1">
+              <a:schemeClr val="accent1"/>
+            </a:fillRef>
+            <a:effectRef idx="0">
+              <a:schemeClr val="accent1"/>
+            </a:effectRef>
+            <a:fontRef idx="minor">
+              <a:schemeClr val="lt1"/>
+            </a:fontRef>
+          </p:style>
+          <p:txBody>
+            <a:bodyPr rtlCol="0" anchor="ctr"/>
+            <a:lstStyle/>
+            <a:p>
+              <a:pPr algn="ctr"/>
+              <a:endParaRPr kumimoji="1" lang="ja-JP" altLang="en-US"/>
+            </a:p>
+          </p:txBody>
+        </p:sp>
+      </p:grpSp>
+      <p:grpSp>
+        <p:nvGrpSpPr>
+          <p:cNvPr id="133" name="グループ化 132"/>
+          <p:cNvGrpSpPr/>
+          <p:nvPr/>
+        </p:nvGrpSpPr>
+        <p:grpSpPr>
+          <a:xfrm>
+            <a:off x="409090" y="939704"/>
+            <a:ext cx="8369507" cy="3307956"/>
+            <a:chOff x="409090" y="939704"/>
+            <a:chExt cx="8369507" cy="3307956"/>
+          </a:xfrm>
+        </p:grpSpPr>
+        <p:sp>
+          <p:nvSpPr>
+            <p:cNvPr id="127" name="角丸四角形 126"/>
+            <p:cNvSpPr/>
+            <p:nvPr/>
+          </p:nvSpPr>
+          <p:spPr>
+            <a:xfrm>
+              <a:off x="4767866" y="1030103"/>
+              <a:ext cx="3967044" cy="2269582"/>
+            </a:xfrm>
+            <a:prstGeom prst="roundRect">
+              <a:avLst>
+                <a:gd name="adj" fmla="val 0"/>
+              </a:avLst>
+            </a:prstGeom>
+            <a:solidFill>
+              <a:schemeClr val="bg1"/>
+            </a:solidFill>
+            <a:ln w="76200">
+              <a:solidFill>
+                <a:schemeClr val="tx1"/>
+              </a:solidFill>
+            </a:ln>
+          </p:spPr>
+          <p:style>
+            <a:lnRef idx="2">
+              <a:schemeClr val="accent1">
+                <a:shade val="50000"/>
+              </a:schemeClr>
+            </a:lnRef>
+            <a:fillRef idx="1">
+              <a:schemeClr val="accent1"/>
+            </a:fillRef>
+            <a:effectRef idx="0">
+              <a:schemeClr val="accent1"/>
+            </a:effectRef>
+            <a:fontRef idx="minor">
+              <a:schemeClr val="lt1"/>
+            </a:fontRef>
+          </p:style>
+          <p:txBody>
+            <a:bodyPr rtlCol="0" anchor="ctr"/>
+            <a:lstStyle/>
+            <a:p>
+              <a:pPr algn="ctr"/>
+              <a:endParaRPr kumimoji="1" lang="ja-JP" altLang="en-US"/>
+            </a:p>
+          </p:txBody>
+        </p:sp>
+        <p:sp>
+          <p:nvSpPr>
+            <p:cNvPr id="128" name="直角三角形 127"/>
+            <p:cNvSpPr/>
+            <p:nvPr/>
+          </p:nvSpPr>
+          <p:spPr>
+            <a:xfrm rot="10800000" flipH="1">
+              <a:off x="4764023" y="1061844"/>
+              <a:ext cx="4014574" cy="577718"/>
+            </a:xfrm>
+            <a:prstGeom prst="rtTriangle">
+              <a:avLst/>
+            </a:prstGeom>
+            <a:solidFill>
+              <a:schemeClr val="tx1"/>
+            </a:solidFill>
+            <a:ln>
+              <a:noFill/>
+            </a:ln>
+          </p:spPr>
+          <p:style>
+            <a:lnRef idx="2">
+              <a:schemeClr val="accent1">
+                <a:shade val="50000"/>
+              </a:schemeClr>
+            </a:lnRef>
+            <a:fillRef idx="1">
+              <a:schemeClr val="accent1"/>
+            </a:fillRef>
+            <a:effectRef idx="0">
+              <a:schemeClr val="accent1"/>
+            </a:effectRef>
+            <a:fontRef idx="minor">
+              <a:schemeClr val="lt1"/>
+            </a:fontRef>
+          </p:style>
+          <p:txBody>
+            <a:bodyPr rtlCol="0" anchor="ctr"/>
+            <a:lstStyle/>
+            <a:p>
+              <a:pPr algn="ctr"/>
+              <a:endParaRPr kumimoji="1" lang="ja-JP" altLang="en-US"/>
+            </a:p>
+          </p:txBody>
+        </p:sp>
+        <p:grpSp>
+          <p:nvGrpSpPr>
+            <p:cNvPr id="121" name="グループ化 120"/>
+            <p:cNvGrpSpPr/>
+            <p:nvPr/>
+          </p:nvGrpSpPr>
+          <p:grpSpPr>
+            <a:xfrm>
+              <a:off x="409090" y="939704"/>
+              <a:ext cx="6517650" cy="3307956"/>
+              <a:chOff x="409090" y="939704"/>
+              <a:chExt cx="6517650" cy="3307956"/>
+            </a:xfrm>
+          </p:grpSpPr>
+          <p:grpSp>
+            <p:nvGrpSpPr>
+              <p:cNvPr id="118" name="グループ化 117"/>
+              <p:cNvGrpSpPr/>
+              <p:nvPr/>
+            </p:nvGrpSpPr>
+            <p:grpSpPr>
+              <a:xfrm>
+                <a:off x="409090" y="1030103"/>
+                <a:ext cx="4014574" cy="2269582"/>
+                <a:chOff x="409090" y="1030103"/>
+                <a:chExt cx="4014574" cy="2269582"/>
+              </a:xfrm>
+            </p:grpSpPr>
+            <p:sp>
+              <p:nvSpPr>
+                <p:cNvPr id="116" name="角丸四角形 115"/>
+                <p:cNvSpPr/>
+                <p:nvPr/>
+              </p:nvSpPr>
+              <p:spPr>
+                <a:xfrm>
+                  <a:off x="409090" y="1030103"/>
+                  <a:ext cx="3967044" cy="2269582"/>
+                </a:xfrm>
+                <a:prstGeom prst="roundRect">
+                  <a:avLst>
+                    <a:gd name="adj" fmla="val 0"/>
+                  </a:avLst>
+                </a:prstGeom>
+                <a:solidFill>
+                  <a:schemeClr val="bg1"/>
+                </a:solidFill>
+                <a:ln w="76200">
+                  <a:solidFill>
+                    <a:schemeClr val="tx1"/>
+                  </a:solidFill>
+                </a:ln>
+              </p:spPr>
+              <p:style>
+                <a:lnRef idx="2">
+                  <a:schemeClr val="accent1">
+                    <a:shade val="50000"/>
+                  </a:schemeClr>
+                </a:lnRef>
+                <a:fillRef idx="1">
+                  <a:schemeClr val="accent1"/>
+                </a:fillRef>
+                <a:effectRef idx="0">
+                  <a:schemeClr val="accent1"/>
+                </a:effectRef>
+                <a:fontRef idx="minor">
+                  <a:schemeClr val="lt1"/>
+                </a:fontRef>
+              </p:style>
+              <p:txBody>
+                <a:bodyPr rtlCol="0" anchor="ctr"/>
+                <a:lstStyle/>
+                <a:p>
+                  <a:pPr algn="ctr"/>
+                  <a:endParaRPr kumimoji="1" lang="ja-JP" altLang="en-US" dirty="0">
+                    <a:solidFill>
+                      <a:schemeClr val="tx1"/>
+                    </a:solidFill>
+                  </a:endParaRPr>
+                </a:p>
+              </p:txBody>
+            </p:sp>
+            <p:sp>
+              <p:nvSpPr>
+                <p:cNvPr id="117" name="直角三角形 116"/>
+                <p:cNvSpPr/>
+                <p:nvPr/>
+              </p:nvSpPr>
+              <p:spPr>
+                <a:xfrm rot="10800000" flipH="1">
+                  <a:off x="409090" y="1061844"/>
+                  <a:ext cx="4014574" cy="577718"/>
+                </a:xfrm>
+                <a:prstGeom prst="rtTriangle">
+                  <a:avLst/>
+                </a:prstGeom>
+                <a:solidFill>
+                  <a:schemeClr val="tx1"/>
+                </a:solidFill>
+                <a:ln>
+                  <a:noFill/>
+                </a:ln>
+              </p:spPr>
+              <p:style>
+                <a:lnRef idx="2">
+                  <a:schemeClr val="accent1">
+                    <a:shade val="50000"/>
+                  </a:schemeClr>
+                </a:lnRef>
+                <a:fillRef idx="1">
+                  <a:schemeClr val="accent1"/>
+                </a:fillRef>
+                <a:effectRef idx="0">
+                  <a:schemeClr val="accent1"/>
+                </a:effectRef>
+                <a:fontRef idx="minor">
+                  <a:schemeClr val="lt1"/>
+                </a:fontRef>
+              </p:style>
+              <p:txBody>
+                <a:bodyPr rtlCol="0" anchor="ctr"/>
+                <a:lstStyle/>
+                <a:p>
+                  <a:pPr algn="ctr"/>
+                  <a:endParaRPr kumimoji="1" lang="ja-JP" altLang="en-US"/>
+                </a:p>
+              </p:txBody>
+            </p:sp>
+          </p:grpSp>
+          <p:sp>
+            <p:nvSpPr>
+              <p:cNvPr id="120" name="テキスト ボックス 119"/>
+              <p:cNvSpPr txBox="1"/>
+              <p:nvPr/>
+            </p:nvSpPr>
+            <p:spPr>
+              <a:xfrm rot="21161010">
+                <a:off x="454624" y="939704"/>
+                <a:ext cx="1111202" cy="646331"/>
+              </a:xfrm>
+              <a:prstGeom prst="rect">
+                <a:avLst/>
+              </a:prstGeom>
+              <a:noFill/>
+            </p:spPr>
+            <p:txBody>
+              <a:bodyPr wrap="none" rtlCol="0">
+                <a:spAutoFit/>
+              </a:bodyPr>
+              <a:lstStyle/>
+              <a:p>
+                <a:r>
+                  <a:rPr lang="ja-JP" altLang="en-US" sz="3600" b="1" dirty="0">
+                    <a:ln w="12700">
+                      <a:solidFill>
+                        <a:schemeClr val="tx1"/>
+                      </a:solidFill>
+                    </a:ln>
+                    <a:solidFill>
+                      <a:schemeClr val="bg1"/>
+                    </a:solidFill>
+                    <a:latin typeface="HGP明朝B" panose="02020800000000000000" pitchFamily="18" charset="-128"/>
+                    <a:ea typeface="HGP明朝B" panose="02020800000000000000" pitchFamily="18" charset="-128"/>
+                  </a:rPr>
+                  <a:t>破壊</a:t>
+                </a:r>
+                <a:endParaRPr lang="ja-JP" altLang="en-US" sz="3600" b="1" dirty="0">
+                  <a:ln w="12700">
+                    <a:solidFill>
+                      <a:schemeClr val="tx1"/>
+                    </a:solidFill>
+                  </a:ln>
+                  <a:solidFill>
+                    <a:schemeClr val="bg1"/>
+                  </a:solidFill>
+                  <a:latin typeface="HGP明朝B" panose="02020800000000000000" pitchFamily="18" charset="-128"/>
+                  <a:ea typeface="HGP明朝B" panose="02020800000000000000" pitchFamily="18" charset="-128"/>
+                </a:endParaRPr>
+              </a:p>
+            </p:txBody>
+          </p:sp>
+          <p:sp>
+            <p:nvSpPr>
+              <p:cNvPr id="153" name="テキスト ボックス 152"/>
+              <p:cNvSpPr txBox="1"/>
+              <p:nvPr/>
+            </p:nvSpPr>
+            <p:spPr>
+              <a:xfrm rot="21161010">
+                <a:off x="4765571" y="1070739"/>
+                <a:ext cx="2161169" cy="461665"/>
+              </a:xfrm>
+              <a:prstGeom prst="rect">
+                <a:avLst/>
+              </a:prstGeom>
+              <a:noFill/>
+            </p:spPr>
+            <p:txBody>
+              <a:bodyPr wrap="none" rtlCol="0">
+                <a:spAutoFit/>
+              </a:bodyPr>
+              <a:lstStyle/>
+              <a:p>
+                <a:r>
+                  <a:rPr lang="ja-JP" altLang="en-US" sz="2400" b="1" dirty="0">
+                    <a:ln w="12700">
+                      <a:solidFill>
+                        <a:schemeClr val="tx1"/>
+                      </a:solidFill>
+                    </a:ln>
+                    <a:solidFill>
+                      <a:schemeClr val="bg1"/>
+                    </a:solidFill>
+                    <a:latin typeface="HGP明朝B" panose="02020800000000000000" pitchFamily="18" charset="-128"/>
+                    <a:ea typeface="HGP明朝B" panose="02020800000000000000" pitchFamily="18" charset="-128"/>
+                  </a:rPr>
+                  <a:t>敵</a:t>
+                </a:r>
+                <a:r>
+                  <a:rPr lang="ja-JP" altLang="en-US" sz="2400" b="1" dirty="0" smtClean="0">
+                    <a:ln w="12700">
+                      <a:solidFill>
+                        <a:schemeClr val="tx1"/>
+                      </a:solidFill>
+                    </a:ln>
+                    <a:solidFill>
+                      <a:schemeClr val="bg1"/>
+                    </a:solidFill>
+                    <a:latin typeface="HGP明朝B" panose="02020800000000000000" pitchFamily="18" charset="-128"/>
+                    <a:ea typeface="HGP明朝B" panose="02020800000000000000" pitchFamily="18" charset="-128"/>
+                  </a:rPr>
+                  <a:t>を</a:t>
+                </a:r>
+                <a:r>
+                  <a:rPr lang="ja-JP" altLang="en-US" sz="2400" b="1" dirty="0">
+                    <a:ln w="12700">
+                      <a:solidFill>
+                        <a:schemeClr val="tx1"/>
+                      </a:solidFill>
+                    </a:ln>
+                    <a:solidFill>
+                      <a:schemeClr val="bg1"/>
+                    </a:solidFill>
+                    <a:latin typeface="HGP明朝B" panose="02020800000000000000" pitchFamily="18" charset="-128"/>
+                    <a:ea typeface="HGP明朝B" panose="02020800000000000000" pitchFamily="18" charset="-128"/>
+                  </a:rPr>
+                  <a:t>バラバラ</a:t>
+                </a:r>
+                <a:r>
+                  <a:rPr lang="ja-JP" altLang="en-US" sz="2400" b="1" dirty="0" smtClean="0">
+                    <a:ln w="12700">
+                      <a:solidFill>
+                        <a:schemeClr val="tx1"/>
+                      </a:solidFill>
+                    </a:ln>
+                    <a:solidFill>
+                      <a:schemeClr val="bg1"/>
+                    </a:solidFill>
+                    <a:latin typeface="HGP明朝B" panose="02020800000000000000" pitchFamily="18" charset="-128"/>
+                    <a:ea typeface="HGP明朝B" panose="02020800000000000000" pitchFamily="18" charset="-128"/>
+                  </a:rPr>
+                  <a:t>に</a:t>
+                </a:r>
+                <a:endParaRPr lang="ja-JP" altLang="en-US" sz="2400" b="1" dirty="0">
+                  <a:ln w="12700">
+                    <a:solidFill>
+                      <a:schemeClr val="tx1"/>
+                    </a:solidFill>
+                  </a:ln>
+                  <a:solidFill>
+                    <a:schemeClr val="bg1"/>
+                  </a:solidFill>
+                  <a:latin typeface="HGP明朝B" panose="02020800000000000000" pitchFamily="18" charset="-128"/>
+                  <a:ea typeface="HGP明朝B" panose="02020800000000000000" pitchFamily="18" charset="-128"/>
+                </a:endParaRPr>
+              </a:p>
+            </p:txBody>
+          </p:sp>
+          <p:sp>
+            <p:nvSpPr>
+              <p:cNvPr id="155" name="テキスト ボックス 154"/>
+              <p:cNvSpPr txBox="1"/>
+              <p:nvPr/>
+            </p:nvSpPr>
+            <p:spPr>
+              <a:xfrm rot="21161010">
+                <a:off x="4787630" y="3785995"/>
+                <a:ext cx="1422184" cy="461665"/>
+              </a:xfrm>
+              <a:prstGeom prst="rect">
+                <a:avLst/>
+              </a:prstGeom>
+              <a:noFill/>
+            </p:spPr>
+            <p:txBody>
+              <a:bodyPr wrap="none" rtlCol="0">
+                <a:spAutoFit/>
+              </a:bodyPr>
+              <a:lstStyle/>
+              <a:p>
+                <a:r>
+                  <a:rPr lang="ja-JP" altLang="en-US" sz="2400" b="1" dirty="0" smtClean="0">
+                    <a:ln w="12700">
+                      <a:solidFill>
+                        <a:schemeClr val="tx1"/>
+                      </a:solidFill>
+                    </a:ln>
+                    <a:solidFill>
+                      <a:schemeClr val="bg1"/>
+                    </a:solidFill>
+                    <a:latin typeface="HGP明朝B" panose="02020800000000000000" pitchFamily="18" charset="-128"/>
+                    <a:ea typeface="HGP明朝B" panose="02020800000000000000" pitchFamily="18" charset="-128"/>
+                  </a:rPr>
+                  <a:t>部位破壊</a:t>
+                </a:r>
+                <a:endParaRPr lang="ja-JP" altLang="en-US" sz="2400" b="1" dirty="0">
+                  <a:ln w="12700">
+                    <a:solidFill>
+                      <a:schemeClr val="tx1"/>
+                    </a:solidFill>
+                  </a:ln>
+                  <a:solidFill>
+                    <a:schemeClr val="bg1"/>
+                  </a:solidFill>
+                  <a:latin typeface="HGP明朝B" panose="02020800000000000000" pitchFamily="18" charset="-128"/>
+                  <a:ea typeface="HGP明朝B" panose="02020800000000000000" pitchFamily="18" charset="-128"/>
+                </a:endParaRPr>
+              </a:p>
+            </p:txBody>
+          </p:sp>
+        </p:grpSp>
+        <p:sp>
+          <p:nvSpPr>
+            <p:cNvPr id="130" name="二等辺三角形 129"/>
+            <p:cNvSpPr/>
+            <p:nvPr/>
+          </p:nvSpPr>
+          <p:spPr>
+            <a:xfrm rot="5400000">
+              <a:off x="3831632" y="2018479"/>
+              <a:ext cx="1457843" cy="292829"/>
+            </a:xfrm>
+            <a:prstGeom prst="triangle">
+              <a:avLst/>
+            </a:prstGeom>
+            <a:solidFill>
+              <a:schemeClr val="tx1"/>
+            </a:solidFill>
+            <a:ln>
+              <a:solidFill>
+                <a:schemeClr val="tx1"/>
+              </a:solidFill>
+            </a:ln>
+          </p:spPr>
+          <p:style>
+            <a:lnRef idx="2">
+              <a:schemeClr val="accent1">
+                <a:shade val="50000"/>
+              </a:schemeClr>
+            </a:lnRef>
+            <a:fillRef idx="1">
+              <a:schemeClr val="accent1"/>
+            </a:fillRef>
+            <a:effectRef idx="0">
+              <a:schemeClr val="accent1"/>
+            </a:effectRef>
+            <a:fontRef idx="minor">
+              <a:schemeClr val="lt1"/>
+            </a:fontRef>
+          </p:style>
+          <p:txBody>
+            <a:bodyPr rtlCol="0" anchor="ctr"/>
+            <a:lstStyle/>
+            <a:p>
+              <a:pPr algn="ctr"/>
+              <a:endParaRPr kumimoji="1" lang="ja-JP" altLang="en-US"/>
+            </a:p>
+          </p:txBody>
+        </p:sp>
+      </p:grpSp>
+      <p:sp>
+        <p:nvSpPr>
+          <p:cNvPr id="2" name="タイトル 1"/>
+          <p:cNvSpPr>
+            <a:spLocks noGrp="1"/>
+          </p:cNvSpPr>
+          <p:nvPr>
+            <p:ph type="title"/>
+          </p:nvPr>
+        </p:nvSpPr>
+        <p:spPr/>
+        <p:txBody>
+          <a:bodyPr>
+            <a:normAutofit fontScale="90000"/>
+          </a:bodyPr>
+          <a:lstStyle/>
+          <a:p>
+            <a:r>
+              <a:rPr lang="ja-JP" altLang="en-US" dirty="0"/>
+              <a:t>ブレイク</a:t>
+            </a:r>
+            <a:r>
+              <a:rPr kumimoji="1" lang="ja-JP" altLang="en-US" dirty="0" smtClean="0"/>
+              <a:t> </a:t>
+            </a:r>
+            <a:r>
+              <a:rPr lang="en-US" altLang="ja-JP" dirty="0" smtClean="0"/>
+              <a:t>-Break-</a:t>
+            </a:r>
+            <a:endParaRPr kumimoji="1" lang="ja-JP" altLang="en-US" dirty="0"/>
+          </a:p>
+        </p:txBody>
+      </p:sp>
+      <p:pic>
+        <p:nvPicPr>
+          <p:cNvPr id="113" name="図 112"/>
+          <p:cNvPicPr>
+            <a:picLocks noChangeAspect="1"/>
+          </p:cNvPicPr>
+          <p:nvPr/>
+        </p:nvPicPr>
+        <p:blipFill>
+          <a:blip r:embed="rId3" cstate="print">
+            <a:extLst>
+              <a:ext uri="{28A0092B-C50C-407E-A947-70E740481C1C}">
+                <a14:useLocalDpi xmlns:a14="http://schemas.microsoft.com/office/drawing/2010/main" val="0"/>
+              </a:ext>
+            </a:extLst>
+          </a:blip>
+          <a:stretch>
+            <a:fillRect/>
+          </a:stretch>
+        </p:blipFill>
+        <p:spPr>
+          <a:xfrm>
+            <a:off x="2094811" y="1352708"/>
+            <a:ext cx="1741856" cy="1946977"/>
+          </a:xfrm>
+          <a:prstGeom prst="rect">
+            <a:avLst/>
+          </a:prstGeom>
+        </p:spPr>
+      </p:pic>
+      <p:pic>
+        <p:nvPicPr>
+          <p:cNvPr id="114" name="図 113"/>
+          <p:cNvPicPr>
+            <a:picLocks noChangeAspect="1"/>
+          </p:cNvPicPr>
+          <p:nvPr/>
+        </p:nvPicPr>
+        <p:blipFill rotWithShape="1">
+          <a:blip r:embed="rId4" cstate="print">
+            <a:extLst>
+              <a:ext uri="{28A0092B-C50C-407E-A947-70E740481C1C}">
+                <a14:useLocalDpi xmlns:a14="http://schemas.microsoft.com/office/drawing/2010/main" val="0"/>
+              </a:ext>
+            </a:extLst>
+          </a:blip>
+          <a:srcRect t="1706" r="3861"/>
+          <a:stretch/>
+        </p:blipFill>
+        <p:spPr>
+          <a:xfrm>
+            <a:off x="968347" y="2187790"/>
+            <a:ext cx="509449" cy="985330"/>
+          </a:xfrm>
+          <a:prstGeom prst="rect">
+            <a:avLst/>
+          </a:prstGeom>
+        </p:spPr>
+      </p:pic>
+      <p:pic>
+        <p:nvPicPr>
+          <p:cNvPr id="115" name="図 114"/>
+          <p:cNvPicPr>
+            <a:picLocks noChangeAspect="1"/>
+          </p:cNvPicPr>
+          <p:nvPr/>
+        </p:nvPicPr>
+        <p:blipFill rotWithShape="1">
+          <a:blip r:embed="rId4" cstate="print">
+            <a:lum bright="70000" contrast="-70000"/>
+            <a:extLst>
+              <a:ext uri="{28A0092B-C50C-407E-A947-70E740481C1C}">
+                <a14:useLocalDpi xmlns:a14="http://schemas.microsoft.com/office/drawing/2010/main" val="0"/>
+              </a:ext>
+            </a:extLst>
+          </a:blip>
+          <a:srcRect t="1706" r="3861"/>
+          <a:stretch/>
+        </p:blipFill>
+        <p:spPr>
+          <a:xfrm>
+            <a:off x="2100603" y="2187790"/>
+            <a:ext cx="509449" cy="985330"/>
+          </a:xfrm>
+          <a:prstGeom prst="rect">
+            <a:avLst/>
+          </a:prstGeom>
+        </p:spPr>
+      </p:pic>
+      <p:pic>
+        <p:nvPicPr>
+          <p:cNvPr id="119" name="図 118"/>
+          <p:cNvPicPr>
+            <a:picLocks noChangeAspect="1"/>
+          </p:cNvPicPr>
+          <p:nvPr/>
+        </p:nvPicPr>
+        <p:blipFill>
+          <a:blip r:embed="rId5" cstate="print">
+            <a:extLst>
+              <a:ext uri="{28A0092B-C50C-407E-A947-70E740481C1C}">
+                <a14:useLocalDpi xmlns:a14="http://schemas.microsoft.com/office/drawing/2010/main" val="0"/>
+              </a:ext>
+            </a:extLst>
+          </a:blip>
+          <a:stretch>
+            <a:fillRect/>
+          </a:stretch>
+        </p:blipFill>
+        <p:spPr>
+          <a:xfrm flipH="1">
+            <a:off x="2075761" y="1914778"/>
+            <a:ext cx="756152" cy="756152"/>
+          </a:xfrm>
+          <a:prstGeom prst="rect">
+            <a:avLst/>
+          </a:prstGeom>
+        </p:spPr>
+      </p:pic>
+      <p:pic>
+        <p:nvPicPr>
+          <p:cNvPr id="131" name="図 130"/>
+          <p:cNvPicPr>
+            <a:picLocks noChangeAspect="1"/>
+          </p:cNvPicPr>
+          <p:nvPr/>
+        </p:nvPicPr>
+        <p:blipFill>
+          <a:blip r:embed="rId6" cstate="print">
+            <a:extLst>
+              <a:ext uri="{28A0092B-C50C-407E-A947-70E740481C1C}">
+                <a14:useLocalDpi xmlns:a14="http://schemas.microsoft.com/office/drawing/2010/main" val="0"/>
+              </a:ext>
+            </a:extLst>
+          </a:blip>
+          <a:stretch>
+            <a:fillRect/>
+          </a:stretch>
+        </p:blipFill>
+        <p:spPr>
+          <a:xfrm rot="1332824" flipH="1">
+            <a:off x="2540573" y="1958178"/>
+            <a:ext cx="1224852" cy="1075451"/>
+          </a:xfrm>
+          <a:prstGeom prst="rect">
+            <a:avLst/>
+          </a:prstGeom>
+        </p:spPr>
+      </p:pic>
+      <p:pic>
+        <p:nvPicPr>
+          <p:cNvPr id="132" name="図 131"/>
+          <p:cNvPicPr>
+            <a:picLocks noChangeAspect="1"/>
+          </p:cNvPicPr>
+          <p:nvPr/>
+        </p:nvPicPr>
+        <p:blipFill>
+          <a:blip r:embed="rId7" cstate="print">
+            <a:extLst>
+              <a:ext uri="{28A0092B-C50C-407E-A947-70E740481C1C}">
+                <a14:useLocalDpi xmlns:a14="http://schemas.microsoft.com/office/drawing/2010/main" val="0"/>
+              </a:ext>
+            </a:extLst>
+          </a:blip>
+          <a:stretch>
+            <a:fillRect/>
+          </a:stretch>
+        </p:blipFill>
+        <p:spPr>
+          <a:xfrm rot="477500" flipH="1">
+            <a:off x="3120137" y="1716190"/>
+            <a:ext cx="546562" cy="546562"/>
+          </a:xfrm>
+          <a:prstGeom prst="rect">
+            <a:avLst/>
+          </a:prstGeom>
+        </p:spPr>
+      </p:pic>
+      <p:pic>
+        <p:nvPicPr>
+          <p:cNvPr id="143" name="図 142"/>
+          <p:cNvPicPr>
+            <a:picLocks noChangeAspect="1"/>
+          </p:cNvPicPr>
+          <p:nvPr/>
+        </p:nvPicPr>
+        <p:blipFill rotWithShape="1">
+          <a:blip r:embed="rId8" cstate="print">
+            <a:extLst>
+              <a:ext uri="{28A0092B-C50C-407E-A947-70E740481C1C}">
+                <a14:useLocalDpi xmlns:a14="http://schemas.microsoft.com/office/drawing/2010/main" val="0"/>
+              </a:ext>
+            </a:extLst>
+          </a:blip>
+          <a:srcRect t="12160" b="6394"/>
+          <a:stretch/>
+        </p:blipFill>
+        <p:spPr>
+          <a:xfrm flipH="1">
+            <a:off x="825883" y="3979654"/>
+            <a:ext cx="2234849" cy="2034540"/>
+          </a:xfrm>
+          <a:prstGeom prst="rect">
+            <a:avLst/>
+          </a:prstGeom>
+        </p:spPr>
+      </p:pic>
+      <p:grpSp>
+        <p:nvGrpSpPr>
+          <p:cNvPr id="144" name="グループ化 143"/>
+          <p:cNvGrpSpPr/>
+          <p:nvPr/>
+        </p:nvGrpSpPr>
+        <p:grpSpPr>
+          <a:xfrm>
+            <a:off x="2195510" y="4152832"/>
+            <a:ext cx="1544480" cy="1544480"/>
+            <a:chOff x="2886075" y="1779588"/>
+            <a:chExt cx="1685925" cy="1685925"/>
+          </a:xfrm>
+        </p:grpSpPr>
+        <p:sp>
+          <p:nvSpPr>
+            <p:cNvPr id="145" name="楕円 144"/>
+            <p:cNvSpPr/>
+            <p:nvPr/>
+          </p:nvSpPr>
+          <p:spPr>
+            <a:xfrm>
+              <a:off x="2886075" y="1779588"/>
+              <a:ext cx="1685925" cy="1685925"/>
+            </a:xfrm>
+            <a:prstGeom prst="ellipse">
+              <a:avLst/>
+            </a:prstGeom>
+            <a:noFill/>
+            <a:ln w="76200">
+              <a:solidFill>
+                <a:schemeClr val="tx1"/>
+              </a:solidFill>
+            </a:ln>
+          </p:spPr>
+          <p:style>
+            <a:lnRef idx="2">
+              <a:schemeClr val="accent1">
+                <a:shade val="50000"/>
+              </a:schemeClr>
+            </a:lnRef>
+            <a:fillRef idx="1">
+              <a:schemeClr val="accent1"/>
+            </a:fillRef>
+            <a:effectRef idx="0">
+              <a:schemeClr val="accent1"/>
+            </a:effectRef>
+            <a:fontRef idx="minor">
+              <a:schemeClr val="lt1"/>
+            </a:fontRef>
+          </p:style>
+          <p:txBody>
+            <a:bodyPr rtlCol="0" anchor="ctr"/>
+            <a:lstStyle/>
+            <a:p>
+              <a:pPr algn="ctr"/>
+              <a:endParaRPr kumimoji="1" lang="ja-JP" altLang="en-US"/>
+            </a:p>
+          </p:txBody>
+        </p:sp>
+        <p:cxnSp>
+          <p:nvCxnSpPr>
+            <p:cNvPr id="146" name="直線コネクタ 145"/>
+            <p:cNvCxnSpPr>
+              <a:stCxn id="145" idx="0"/>
+              <a:endCxn id="145" idx="4"/>
+            </p:cNvCxnSpPr>
+            <p:nvPr/>
+          </p:nvCxnSpPr>
+          <p:spPr>
+            <a:xfrm>
+              <a:off x="3729038" y="1779588"/>
+              <a:ext cx="0" cy="1685925"/>
+            </a:xfrm>
+            <a:prstGeom prst="line">
+              <a:avLst/>
+            </a:prstGeom>
+            <a:ln w="19050">
+              <a:solidFill>
+                <a:schemeClr val="tx1"/>
+              </a:solidFill>
+            </a:ln>
+          </p:spPr>
+          <p:style>
+            <a:lnRef idx="1">
+              <a:schemeClr val="accent1"/>
+            </a:lnRef>
+            <a:fillRef idx="0">
+              <a:schemeClr val="accent1"/>
+            </a:fillRef>
+            <a:effectRef idx="0">
+              <a:schemeClr val="accent1"/>
+            </a:effectRef>
+            <a:fontRef idx="minor">
+              <a:schemeClr val="tx1"/>
+            </a:fontRef>
+          </p:style>
+        </p:cxnSp>
+        <p:cxnSp>
+          <p:nvCxnSpPr>
+            <p:cNvPr id="147" name="直線コネクタ 146"/>
+            <p:cNvCxnSpPr>
+              <a:stCxn id="145" idx="2"/>
+              <a:endCxn id="145" idx="6"/>
+            </p:cNvCxnSpPr>
+            <p:nvPr/>
+          </p:nvCxnSpPr>
+          <p:spPr>
+            <a:xfrm>
+              <a:off x="2886075" y="2622551"/>
+              <a:ext cx="1685925" cy="0"/>
+            </a:xfrm>
+            <a:prstGeom prst="line">
+              <a:avLst/>
+            </a:prstGeom>
+            <a:ln w="19050">
+              <a:solidFill>
+                <a:schemeClr val="tx1"/>
+              </a:solidFill>
+            </a:ln>
+          </p:spPr>
+          <p:style>
+            <a:lnRef idx="1">
+              <a:schemeClr val="accent1"/>
+            </a:lnRef>
+            <a:fillRef idx="0">
+              <a:schemeClr val="accent1"/>
+            </a:fillRef>
+            <a:effectRef idx="0">
+              <a:schemeClr val="accent1"/>
+            </a:effectRef>
+            <a:fontRef idx="minor">
+              <a:schemeClr val="tx1"/>
+            </a:fontRef>
+          </p:style>
+        </p:cxnSp>
+        <p:cxnSp>
+          <p:nvCxnSpPr>
+            <p:cNvPr id="148" name="直線コネクタ 147"/>
+            <p:cNvCxnSpPr/>
+            <p:nvPr/>
+          </p:nvCxnSpPr>
+          <p:spPr>
+            <a:xfrm>
+              <a:off x="3600449" y="2769870"/>
+              <a:ext cx="257175" cy="0"/>
+            </a:xfrm>
+            <a:prstGeom prst="line">
+              <a:avLst/>
+            </a:prstGeom>
+            <a:ln w="19050">
+              <a:solidFill>
+                <a:schemeClr val="tx1"/>
+              </a:solidFill>
+            </a:ln>
+          </p:spPr>
+          <p:style>
+            <a:lnRef idx="1">
+              <a:schemeClr val="accent1"/>
+            </a:lnRef>
+            <a:fillRef idx="0">
+              <a:schemeClr val="accent1"/>
+            </a:fillRef>
+            <a:effectRef idx="0">
+              <a:schemeClr val="accent1"/>
+            </a:effectRef>
+            <a:fontRef idx="minor">
+              <a:schemeClr val="tx1"/>
+            </a:fontRef>
+          </p:style>
+        </p:cxnSp>
+        <p:cxnSp>
+          <p:nvCxnSpPr>
+            <p:cNvPr id="149" name="直線コネクタ 148"/>
+            <p:cNvCxnSpPr/>
+            <p:nvPr/>
+          </p:nvCxnSpPr>
+          <p:spPr>
+            <a:xfrm>
+              <a:off x="3600449" y="2487930"/>
+              <a:ext cx="257175" cy="0"/>
+            </a:xfrm>
+            <a:prstGeom prst="line">
+              <a:avLst/>
+            </a:prstGeom>
+            <a:ln w="19050">
+              <a:solidFill>
+                <a:schemeClr val="tx1"/>
+              </a:solidFill>
+            </a:ln>
+          </p:spPr>
+          <p:style>
+            <a:lnRef idx="1">
+              <a:schemeClr val="accent1"/>
+            </a:lnRef>
+            <a:fillRef idx="0">
+              <a:schemeClr val="accent1"/>
+            </a:fillRef>
+            <a:effectRef idx="0">
+              <a:schemeClr val="accent1"/>
+            </a:effectRef>
+            <a:fontRef idx="minor">
+              <a:schemeClr val="tx1"/>
+            </a:fontRef>
+          </p:style>
+        </p:cxnSp>
+        <p:cxnSp>
+          <p:nvCxnSpPr>
+            <p:cNvPr id="150" name="直線コネクタ 149"/>
+            <p:cNvCxnSpPr/>
+            <p:nvPr/>
+          </p:nvCxnSpPr>
+          <p:spPr>
+            <a:xfrm>
+              <a:off x="3600449" y="2335530"/>
+              <a:ext cx="257175" cy="0"/>
+            </a:xfrm>
+            <a:prstGeom prst="line">
+              <a:avLst/>
+            </a:prstGeom>
+            <a:ln w="19050">
+              <a:solidFill>
+                <a:schemeClr val="tx1"/>
+              </a:solidFill>
+            </a:ln>
+          </p:spPr>
+          <p:style>
+            <a:lnRef idx="1">
+              <a:schemeClr val="accent1"/>
+            </a:lnRef>
+            <a:fillRef idx="0">
+              <a:schemeClr val="accent1"/>
+            </a:fillRef>
+            <a:effectRef idx="0">
+              <a:schemeClr val="accent1"/>
+            </a:effectRef>
+            <a:fontRef idx="minor">
+              <a:schemeClr val="tx1"/>
+            </a:fontRef>
+          </p:style>
+        </p:cxnSp>
+        <p:cxnSp>
+          <p:nvCxnSpPr>
+            <p:cNvPr id="151" name="直線コネクタ 150"/>
+            <p:cNvCxnSpPr/>
+            <p:nvPr/>
+          </p:nvCxnSpPr>
+          <p:spPr>
+            <a:xfrm>
+              <a:off x="3600449" y="2899410"/>
+              <a:ext cx="257175" cy="0"/>
+            </a:xfrm>
+            <a:prstGeom prst="line">
+              <a:avLst/>
+            </a:prstGeom>
+            <a:ln w="19050">
+              <a:solidFill>
+                <a:schemeClr val="tx1"/>
+              </a:solidFill>
+            </a:ln>
+          </p:spPr>
+          <p:style>
+            <a:lnRef idx="1">
+              <a:schemeClr val="accent1"/>
+            </a:lnRef>
+            <a:fillRef idx="0">
+              <a:schemeClr val="accent1"/>
+            </a:fillRef>
+            <a:effectRef idx="0">
+              <a:schemeClr val="accent1"/>
+            </a:effectRef>
+            <a:fontRef idx="minor">
+              <a:schemeClr val="tx1"/>
+            </a:fontRef>
+          </p:style>
+        </p:cxnSp>
+      </p:grpSp>
+      <p:sp>
+        <p:nvSpPr>
+          <p:cNvPr id="156" name="テキスト ボックス 155"/>
+          <p:cNvSpPr txBox="1"/>
+          <p:nvPr/>
+        </p:nvSpPr>
+        <p:spPr>
+          <a:xfrm>
+            <a:off x="4974100" y="1715434"/>
+            <a:ext cx="3569826" cy="1384995"/>
+          </a:xfrm>
+          <a:prstGeom prst="rect">
+            <a:avLst/>
+          </a:prstGeom>
+          <a:noFill/>
+        </p:spPr>
+        <p:txBody>
+          <a:bodyPr wrap="square" rtlCol="0">
+            <a:spAutoFit/>
+          </a:bodyPr>
+          <a:lstStyle/>
+          <a:p>
+            <a:pPr>
+              <a:lnSpc>
+                <a:spcPct val="150000"/>
+              </a:lnSpc>
+            </a:pPr>
+            <a:r>
+              <a:rPr kumimoji="1" lang="ja-JP" altLang="en-US" dirty="0" smtClean="0"/>
+              <a:t>敵を倒すと</a:t>
+            </a:r>
+            <a:r>
+              <a:rPr kumimoji="1" lang="ja-JP" altLang="en-US" b="1" dirty="0" smtClean="0">
+                <a:solidFill>
+                  <a:srgbClr val="FF0000"/>
+                </a:solidFill>
+              </a:rPr>
+              <a:t>バラバラ</a:t>
+            </a:r>
+            <a:r>
+              <a:rPr kumimoji="1" lang="ja-JP" altLang="en-US" dirty="0" smtClean="0"/>
+              <a:t>に！</a:t>
+            </a:r>
+            <a:endParaRPr kumimoji="1" lang="en-US" altLang="ja-JP" dirty="0" smtClean="0"/>
+          </a:p>
+          <a:p>
+            <a:pPr>
+              <a:lnSpc>
+                <a:spcPct val="150000"/>
+              </a:lnSpc>
+            </a:pPr>
+            <a:r>
+              <a:rPr lang="ja-JP" altLang="en-US" dirty="0" smtClean="0"/>
+              <a:t>倒した敵の部品</a:t>
+            </a:r>
+            <a:r>
+              <a:rPr lang="ja-JP" altLang="en-US" dirty="0"/>
+              <a:t>は</a:t>
+            </a:r>
+            <a:r>
+              <a:rPr lang="ja-JP" altLang="en-US" b="1" dirty="0" smtClean="0">
+                <a:solidFill>
+                  <a:srgbClr val="FF0000"/>
+                </a:solidFill>
+              </a:rPr>
+              <a:t>装備可能</a:t>
+            </a:r>
+            <a:endParaRPr lang="en-US" altLang="ja-JP" b="1" dirty="0" smtClean="0">
+              <a:solidFill>
+                <a:srgbClr val="FF0000"/>
+              </a:solidFill>
+            </a:endParaRPr>
+          </a:p>
+          <a:p>
+            <a:pPr>
+              <a:lnSpc>
+                <a:spcPct val="150000"/>
+              </a:lnSpc>
+            </a:pPr>
+            <a:r>
+              <a:rPr kumimoji="1" lang="ja-JP" altLang="en-US" dirty="0" smtClean="0"/>
+              <a:t>迫りくる敵を粉々にしよう！</a:t>
+            </a:r>
+            <a:r>
+              <a:rPr lang="ja-JP" altLang="en-US" dirty="0" smtClean="0"/>
+              <a:t>！</a:t>
+            </a:r>
+            <a:endParaRPr kumimoji="1" lang="en-US" altLang="ja-JP" dirty="0" smtClean="0"/>
+          </a:p>
+        </p:txBody>
+      </p:sp>
+      <p:sp>
+        <p:nvSpPr>
+          <p:cNvPr id="157" name="テキスト ボックス 156"/>
+          <p:cNvSpPr txBox="1"/>
+          <p:nvPr/>
+        </p:nvSpPr>
+        <p:spPr>
+          <a:xfrm>
+            <a:off x="4974100" y="4437109"/>
+            <a:ext cx="3569826" cy="1338828"/>
+          </a:xfrm>
+          <a:prstGeom prst="rect">
+            <a:avLst/>
+          </a:prstGeom>
+          <a:noFill/>
+        </p:spPr>
+        <p:txBody>
+          <a:bodyPr wrap="square" rtlCol="0">
+            <a:spAutoFit/>
+          </a:bodyPr>
+          <a:lstStyle/>
+          <a:p>
+            <a:pPr>
+              <a:lnSpc>
+                <a:spcPct val="150000"/>
+              </a:lnSpc>
+            </a:pPr>
+            <a:r>
+              <a:rPr lang="ja-JP" altLang="en-US" dirty="0" smtClean="0"/>
+              <a:t>ピンポイント</a:t>
+            </a:r>
+            <a:r>
+              <a:rPr lang="ja-JP" altLang="en-US" dirty="0"/>
+              <a:t>攻撃</a:t>
+            </a:r>
+            <a:r>
+              <a:rPr lang="ja-JP" altLang="en-US" dirty="0" smtClean="0"/>
+              <a:t>で</a:t>
+            </a:r>
+            <a:r>
+              <a:rPr lang="ja-JP" altLang="en-US" b="1" dirty="0" smtClean="0">
+                <a:solidFill>
+                  <a:srgbClr val="FF0000"/>
+                </a:solidFill>
+              </a:rPr>
+              <a:t>部位破壊</a:t>
+            </a:r>
+            <a:r>
+              <a:rPr lang="ja-JP" altLang="en-US" dirty="0" smtClean="0"/>
+              <a:t>！</a:t>
+            </a:r>
+            <a:endParaRPr lang="en-US" altLang="ja-JP" dirty="0" smtClean="0"/>
+          </a:p>
+          <a:p>
+            <a:pPr>
+              <a:lnSpc>
+                <a:spcPct val="150000"/>
+              </a:lnSpc>
+            </a:pPr>
+            <a:r>
+              <a:rPr lang="ja-JP" altLang="en-US" dirty="0"/>
+              <a:t>敵</a:t>
+            </a:r>
+            <a:r>
+              <a:rPr lang="ja-JP" altLang="en-US" dirty="0" smtClean="0"/>
+              <a:t>の</a:t>
+            </a:r>
+            <a:r>
+              <a:rPr lang="ja-JP" altLang="en-US" dirty="0"/>
+              <a:t>武器</a:t>
+            </a:r>
+            <a:r>
+              <a:rPr lang="ja-JP" altLang="en-US" dirty="0" smtClean="0"/>
+              <a:t>を狙って</a:t>
+            </a:r>
+            <a:r>
+              <a:rPr lang="ja-JP" altLang="en-US" b="1" dirty="0" smtClean="0">
+                <a:solidFill>
+                  <a:srgbClr val="FF0000"/>
+                </a:solidFill>
+              </a:rPr>
+              <a:t>弱体化</a:t>
+            </a:r>
+            <a:endParaRPr lang="en-US" altLang="ja-JP" b="1" dirty="0" smtClean="0">
+              <a:solidFill>
+                <a:srgbClr val="FF0000"/>
+              </a:solidFill>
+            </a:endParaRPr>
+          </a:p>
+          <a:p>
+            <a:pPr>
+              <a:lnSpc>
+                <a:spcPct val="150000"/>
+              </a:lnSpc>
+            </a:pPr>
+            <a:r>
+              <a:rPr lang="ja-JP" altLang="en-US" dirty="0"/>
+              <a:t>破壊</a:t>
+            </a:r>
+            <a:r>
+              <a:rPr lang="ja-JP" altLang="en-US" dirty="0" smtClean="0"/>
+              <a:t>した</a:t>
+            </a:r>
+            <a:r>
+              <a:rPr lang="ja-JP" altLang="en-US" dirty="0"/>
+              <a:t>武器</a:t>
+            </a:r>
+            <a:r>
+              <a:rPr lang="ja-JP" altLang="en-US" dirty="0" smtClean="0"/>
+              <a:t>を</a:t>
+            </a:r>
+            <a:r>
+              <a:rPr lang="ja-JP" altLang="en-US" dirty="0"/>
+              <a:t>自身</a:t>
+            </a:r>
+            <a:r>
+              <a:rPr lang="ja-JP" altLang="en-US" dirty="0" smtClean="0"/>
+              <a:t>に装備！</a:t>
+            </a:r>
+            <a:endParaRPr lang="en-US" altLang="ja-JP" dirty="0" smtClean="0"/>
+          </a:p>
+        </p:txBody>
+      </p:sp>
+    </p:spTree>
+    <p:extLst>
+      <p:ext uri="{BB962C8B-B14F-4D97-AF65-F5344CB8AC3E}">
+        <p14:creationId xmlns:p14="http://schemas.microsoft.com/office/powerpoint/2010/main" val="2241849475"/>
+      </p:ext>
+    </p:extLst>
+  </p:cSld>
+  <p:clrMapOvr>
+    <a:masterClrMapping/>
+  </p:clrMapOvr>
+</p:sld>
+</file>
+
+<file path=ppt/slides/slide6.xml><?xml version="1.0" encoding="utf-8"?>
+<p:sld xmlns:a="http://schemas.openxmlformats.org/drawingml/2006/main" xmlns:r="http://schemas.openxmlformats.org/officeDocument/2006/relationships" xmlns:p="http://schemas.openxmlformats.org/presentationml/2006/main">
+  <p:cSld>
+    <p:spTree>
+      <p:nvGrpSpPr>
+        <p:cNvPr id="1" name=""/>
+        <p:cNvGrpSpPr/>
+        <p:nvPr/>
+      </p:nvGrpSpPr>
+      <p:grpSpPr>
+        <a:xfrm>
+          <a:off x="0" y="0"/>
+          <a:ext cx="0" cy="0"/>
+          <a:chOff x="0" y="0"/>
+          <a:chExt cx="0" cy="0"/>
+        </a:xfrm>
+      </p:grpSpPr>
+      <p:sp>
+        <p:nvSpPr>
+          <p:cNvPr id="2" name="タイトル 1"/>
+          <p:cNvSpPr>
+            <a:spLocks noGrp="1"/>
+          </p:cNvSpPr>
+          <p:nvPr>
+            <p:ph type="title"/>
+          </p:nvPr>
+        </p:nvSpPr>
+        <p:spPr/>
+        <p:txBody>
+          <a:bodyPr>
+            <a:normAutofit fontScale="90000"/>
+          </a:bodyPr>
+          <a:lstStyle/>
+          <a:p>
+            <a:r>
+              <a:rPr kumimoji="1" lang="ja-JP" altLang="en-US" dirty="0" smtClean="0"/>
+              <a:t>ロード </a:t>
+            </a:r>
+            <a:r>
+              <a:rPr lang="en-US" altLang="ja-JP" dirty="0" smtClean="0"/>
+              <a:t>-Rod-</a:t>
+            </a:r>
+            <a:endParaRPr kumimoji="1" lang="ja-JP" altLang="en-US" dirty="0"/>
+          </a:p>
+        </p:txBody>
+      </p:sp>
+      <p:sp>
+        <p:nvSpPr>
+          <p:cNvPr id="16" name="角丸四角形 15"/>
+          <p:cNvSpPr/>
+          <p:nvPr/>
+        </p:nvSpPr>
+        <p:spPr>
+          <a:xfrm>
+            <a:off x="409090" y="1195917"/>
+            <a:ext cx="3967044" cy="2269582"/>
+          </a:xfrm>
+          <a:prstGeom prst="roundRect">
+            <a:avLst>
+              <a:gd name="adj" fmla="val 0"/>
+            </a:avLst>
+          </a:prstGeom>
+          <a:solidFill>
+            <a:schemeClr val="bg1"/>
+          </a:solidFill>
+          <a:ln w="76200">
+            <a:solidFill>
+              <a:schemeClr val="tx1"/>
+            </a:solidFill>
+          </a:ln>
+        </p:spPr>
+        <p:style>
+          <a:lnRef idx="2">
+            <a:schemeClr val="accent1">
+              <a:shade val="50000"/>
+            </a:schemeClr>
+          </a:lnRef>
+          <a:fillRef idx="1">
+            <a:schemeClr val="accent1"/>
+          </a:fillRef>
+          <a:effectRef idx="0">
+            <a:schemeClr val="accent1"/>
+          </a:effectRef>
+          <a:fontRef idx="minor">
+            <a:schemeClr val="lt1"/>
+          </a:fontRef>
+        </p:style>
+        <p:txBody>
+          <a:bodyPr rtlCol="0" anchor="ctr"/>
+          <a:lstStyle/>
+          <a:p>
+            <a:pPr algn="ctr"/>
+            <a:endParaRPr kumimoji="1" lang="ja-JP" altLang="en-US"/>
+          </a:p>
+        </p:txBody>
+      </p:sp>
+      <p:sp>
+        <p:nvSpPr>
+          <p:cNvPr id="17" name="直角三角形 16"/>
+          <p:cNvSpPr/>
+          <p:nvPr/>
+        </p:nvSpPr>
+        <p:spPr>
+          <a:xfrm rot="10800000" flipH="1">
+            <a:off x="409090" y="1227660"/>
+            <a:ext cx="4014574" cy="577718"/>
+          </a:xfrm>
+          <a:prstGeom prst="rtTriangle">
+            <a:avLst/>
+          </a:prstGeom>
+          <a:solidFill>
+            <a:schemeClr val="tx1"/>
+          </a:solidFill>
+          <a:ln>
+            <a:noFill/>
+          </a:ln>
+        </p:spPr>
+        <p:style>
+          <a:lnRef idx="2">
+            <a:schemeClr val="accent1">
+              <a:shade val="50000"/>
+            </a:schemeClr>
+          </a:lnRef>
+          <a:fillRef idx="1">
+            <a:schemeClr val="accent1"/>
+          </a:fillRef>
+          <a:effectRef idx="0">
+            <a:schemeClr val="accent1"/>
+          </a:effectRef>
+          <a:fontRef idx="minor">
+            <a:schemeClr val="lt1"/>
+          </a:fontRef>
+        </p:style>
+        <p:txBody>
+          <a:bodyPr rtlCol="0" anchor="ctr"/>
+          <a:lstStyle/>
+          <a:p>
+            <a:pPr algn="ctr"/>
+            <a:endParaRPr kumimoji="1" lang="ja-JP" altLang="en-US"/>
+          </a:p>
+        </p:txBody>
+      </p:sp>
+      <p:sp>
+        <p:nvSpPr>
+          <p:cNvPr id="18" name="テキスト ボックス 17"/>
+          <p:cNvSpPr txBox="1"/>
+          <p:nvPr/>
+        </p:nvSpPr>
+        <p:spPr>
+          <a:xfrm rot="21161010">
+            <a:off x="425921" y="1153494"/>
+            <a:ext cx="925253" cy="646331"/>
+          </a:xfrm>
+          <a:prstGeom prst="rect">
+            <a:avLst/>
+          </a:prstGeom>
+          <a:noFill/>
+        </p:spPr>
+        <p:txBody>
+          <a:bodyPr wrap="none" rtlCol="0">
+            <a:spAutoFit/>
+          </a:bodyPr>
+          <a:lstStyle/>
+          <a:p>
+            <a:r>
+              <a:rPr lang="ja-JP" altLang="en-US" sz="3600" b="1" dirty="0" smtClean="0">
+                <a:ln w="12700">
+                  <a:solidFill>
+                    <a:schemeClr val="tx1"/>
+                  </a:solidFill>
+                </a:ln>
+                <a:solidFill>
+                  <a:schemeClr val="bg1"/>
+                </a:solidFill>
+                <a:latin typeface="HGP明朝B" panose="02020800000000000000" pitchFamily="18" charset="-128"/>
+                <a:ea typeface="HGP明朝B" panose="02020800000000000000" pitchFamily="18" charset="-128"/>
+              </a:rPr>
+              <a:t>奪う</a:t>
+            </a:r>
+            <a:endParaRPr lang="ja-JP" altLang="en-US" sz="3600" b="1" dirty="0">
+              <a:ln w="12700">
+                <a:solidFill>
+                  <a:schemeClr val="tx1"/>
+                </a:solidFill>
+              </a:ln>
+              <a:solidFill>
+                <a:schemeClr val="bg1"/>
+              </a:solidFill>
+              <a:latin typeface="HGP明朝B" panose="02020800000000000000" pitchFamily="18" charset="-128"/>
+              <a:ea typeface="HGP明朝B" panose="02020800000000000000" pitchFamily="18" charset="-128"/>
+            </a:endParaRPr>
+          </a:p>
+        </p:txBody>
+      </p:sp>
+      <p:grpSp>
+        <p:nvGrpSpPr>
+          <p:cNvPr id="29" name="グループ化 28"/>
+          <p:cNvGrpSpPr/>
+          <p:nvPr/>
+        </p:nvGrpSpPr>
+        <p:grpSpPr>
+          <a:xfrm>
+            <a:off x="803697" y="1667560"/>
+            <a:ext cx="3369113" cy="1797953"/>
+            <a:chOff x="803697" y="4145457"/>
+            <a:chExt cx="3369113" cy="1797953"/>
+          </a:xfrm>
+        </p:grpSpPr>
+        <p:grpSp>
+          <p:nvGrpSpPr>
+            <p:cNvPr id="19" name="グループ化 18"/>
+            <p:cNvGrpSpPr/>
+            <p:nvPr/>
+          </p:nvGrpSpPr>
+          <p:grpSpPr>
+            <a:xfrm flipH="1">
+              <a:off x="803697" y="4145457"/>
+              <a:ext cx="1338167" cy="1401770"/>
+              <a:chOff x="1158688" y="1360185"/>
+              <a:chExt cx="1338167" cy="1401770"/>
+            </a:xfrm>
+          </p:grpSpPr>
+          <p:pic>
+            <p:nvPicPr>
+              <p:cNvPr id="20" name="図 19"/>
+              <p:cNvPicPr>
+                <a:picLocks noChangeAspect="1"/>
+              </p:cNvPicPr>
+              <p:nvPr/>
+            </p:nvPicPr>
+            <p:blipFill>
+              <a:blip r:embed="rId3" cstate="print">
+                <a:extLst>
+                  <a:ext uri="{28A0092B-C50C-407E-A947-70E740481C1C}">
+                    <a14:useLocalDpi xmlns:a14="http://schemas.microsoft.com/office/drawing/2010/main" val="0"/>
+                  </a:ext>
+                </a:extLst>
+              </a:blip>
+              <a:stretch>
+                <a:fillRect/>
+              </a:stretch>
+            </p:blipFill>
+            <p:spPr>
+              <a:xfrm rot="6300000">
+                <a:off x="1635880" y="1360185"/>
+                <a:ext cx="860975" cy="860975"/>
+              </a:xfrm>
+              <a:prstGeom prst="rect">
+                <a:avLst/>
+              </a:prstGeom>
+            </p:spPr>
+          </p:pic>
+          <p:pic>
+            <p:nvPicPr>
+              <p:cNvPr id="21" name="図 20"/>
+              <p:cNvPicPr>
+                <a:picLocks noChangeAspect="1"/>
+              </p:cNvPicPr>
+              <p:nvPr/>
+            </p:nvPicPr>
+            <p:blipFill>
+              <a:blip r:embed="rId4" cstate="print">
+                <a:extLst>
+                  <a:ext uri="{28A0092B-C50C-407E-A947-70E740481C1C}">
+                    <a14:useLocalDpi xmlns:a14="http://schemas.microsoft.com/office/drawing/2010/main" val="0"/>
+                  </a:ext>
+                </a:extLst>
+              </a:blip>
+              <a:stretch>
+                <a:fillRect/>
+              </a:stretch>
+            </p:blipFill>
+            <p:spPr>
+              <a:xfrm>
+                <a:off x="1546745" y="1517069"/>
+                <a:ext cx="713155" cy="797136"/>
+              </a:xfrm>
+              <a:prstGeom prst="rect">
+                <a:avLst/>
+              </a:prstGeom>
+            </p:spPr>
+          </p:pic>
+          <p:pic>
+            <p:nvPicPr>
+              <p:cNvPr id="22" name="図 21"/>
+              <p:cNvPicPr>
+                <a:picLocks noChangeAspect="1"/>
+              </p:cNvPicPr>
+              <p:nvPr/>
+            </p:nvPicPr>
+            <p:blipFill>
+              <a:blip r:embed="rId5" cstate="print">
+                <a:extLst>
+                  <a:ext uri="{28A0092B-C50C-407E-A947-70E740481C1C}">
+                    <a14:useLocalDpi xmlns:a14="http://schemas.microsoft.com/office/drawing/2010/main" val="0"/>
+                  </a:ext>
+                </a:extLst>
+              </a:blip>
+              <a:stretch>
+                <a:fillRect/>
+              </a:stretch>
+            </p:blipFill>
+            <p:spPr>
+              <a:xfrm>
+                <a:off x="1158688" y="1594820"/>
+                <a:ext cx="1167135" cy="1167135"/>
+              </a:xfrm>
+              <a:prstGeom prst="rect">
+                <a:avLst/>
+              </a:prstGeom>
+            </p:spPr>
+          </p:pic>
+        </p:grpSp>
+        <p:pic>
+          <p:nvPicPr>
+            <p:cNvPr id="23" name="図 22"/>
+            <p:cNvPicPr>
+              <a:picLocks noChangeAspect="1"/>
+            </p:cNvPicPr>
+            <p:nvPr/>
+          </p:nvPicPr>
+          <p:blipFill>
+            <a:blip r:embed="rId6" cstate="print">
+              <a:extLst>
+                <a:ext uri="{28A0092B-C50C-407E-A947-70E740481C1C}">
+                  <a14:useLocalDpi xmlns:a14="http://schemas.microsoft.com/office/drawing/2010/main" val="0"/>
+                </a:ext>
+              </a:extLst>
+            </a:blip>
+            <a:stretch>
+              <a:fillRect/>
+            </a:stretch>
+          </p:blipFill>
+          <p:spPr>
+            <a:xfrm>
+              <a:off x="2409646" y="4617566"/>
+              <a:ext cx="1763164" cy="1325844"/>
+            </a:xfrm>
+            <a:prstGeom prst="rect">
+              <a:avLst/>
+            </a:prstGeom>
+          </p:spPr>
+        </p:pic>
+        <p:cxnSp>
+          <p:nvCxnSpPr>
+            <p:cNvPr id="24" name="直線コネクタ 23"/>
+            <p:cNvCxnSpPr/>
+            <p:nvPr/>
+          </p:nvCxnSpPr>
+          <p:spPr>
+            <a:xfrm>
+              <a:off x="1547348" y="4497514"/>
+              <a:ext cx="2338852" cy="782974"/>
+            </a:xfrm>
+            <a:prstGeom prst="line">
+              <a:avLst/>
+            </a:prstGeom>
+            <a:ln w="38100">
+              <a:solidFill>
+                <a:schemeClr val="tx1"/>
+              </a:solidFill>
+            </a:ln>
+          </p:spPr>
+          <p:style>
+            <a:lnRef idx="1">
+              <a:schemeClr val="accent1"/>
+            </a:lnRef>
+            <a:fillRef idx="0">
+              <a:schemeClr val="accent1"/>
+            </a:fillRef>
+            <a:effectRef idx="0">
+              <a:schemeClr val="accent1"/>
+            </a:effectRef>
+            <a:fontRef idx="minor">
+              <a:schemeClr val="tx1"/>
+            </a:fontRef>
+          </p:style>
+        </p:cxnSp>
+        <p:cxnSp>
+          <p:nvCxnSpPr>
+            <p:cNvPr id="25" name="直線コネクタ 24"/>
+            <p:cNvCxnSpPr/>
+            <p:nvPr/>
+          </p:nvCxnSpPr>
+          <p:spPr>
+            <a:xfrm>
+              <a:off x="1918145" y="5004756"/>
+              <a:ext cx="1158719" cy="923244"/>
+            </a:xfrm>
+            <a:prstGeom prst="line">
+              <a:avLst/>
+            </a:prstGeom>
+            <a:ln w="38100">
+              <a:solidFill>
+                <a:schemeClr val="tx1"/>
+              </a:solidFill>
+            </a:ln>
+          </p:spPr>
+          <p:style>
+            <a:lnRef idx="1">
+              <a:schemeClr val="accent1"/>
+            </a:lnRef>
+            <a:fillRef idx="0">
+              <a:schemeClr val="accent1"/>
+            </a:fillRef>
+            <a:effectRef idx="0">
+              <a:schemeClr val="accent1"/>
+            </a:effectRef>
+            <a:fontRef idx="minor">
+              <a:schemeClr val="tx1"/>
+            </a:fontRef>
+          </p:style>
+        </p:cxnSp>
+        <p:cxnSp>
+          <p:nvCxnSpPr>
+            <p:cNvPr id="26" name="直線コネクタ 25"/>
+            <p:cNvCxnSpPr/>
+            <p:nvPr/>
+          </p:nvCxnSpPr>
+          <p:spPr>
+            <a:xfrm>
+              <a:off x="1647368" y="4564691"/>
+              <a:ext cx="764553" cy="324310"/>
+            </a:xfrm>
+            <a:prstGeom prst="line">
+              <a:avLst/>
+            </a:prstGeom>
+            <a:ln>
+              <a:solidFill>
+                <a:schemeClr val="tx1"/>
+              </a:solidFill>
+            </a:ln>
+          </p:spPr>
+          <p:style>
+            <a:lnRef idx="1">
+              <a:schemeClr val="accent1"/>
+            </a:lnRef>
+            <a:fillRef idx="0">
+              <a:schemeClr val="accent1"/>
+            </a:fillRef>
+            <a:effectRef idx="0">
+              <a:schemeClr val="accent1"/>
+            </a:effectRef>
+            <a:fontRef idx="minor">
+              <a:schemeClr val="tx1"/>
+            </a:fontRef>
+          </p:style>
+        </p:cxnSp>
+        <p:cxnSp>
+          <p:nvCxnSpPr>
+            <p:cNvPr id="27" name="直線コネクタ 26"/>
+            <p:cNvCxnSpPr/>
+            <p:nvPr/>
+          </p:nvCxnSpPr>
+          <p:spPr>
+            <a:xfrm>
+              <a:off x="1625228" y="4581350"/>
+              <a:ext cx="1278914" cy="852418"/>
+            </a:xfrm>
+            <a:prstGeom prst="line">
+              <a:avLst/>
+            </a:prstGeom>
+            <a:ln>
+              <a:solidFill>
+                <a:schemeClr val="tx1"/>
+              </a:solidFill>
+            </a:ln>
+          </p:spPr>
+          <p:style>
+            <a:lnRef idx="1">
+              <a:schemeClr val="accent1"/>
+            </a:lnRef>
+            <a:fillRef idx="0">
+              <a:schemeClr val="accent1"/>
+            </a:fillRef>
+            <a:effectRef idx="0">
+              <a:schemeClr val="accent1"/>
+            </a:effectRef>
+            <a:fontRef idx="minor">
+              <a:schemeClr val="tx1"/>
+            </a:fontRef>
+          </p:style>
+        </p:cxnSp>
+        <p:pic>
+          <p:nvPicPr>
+            <p:cNvPr id="28" name="図 27"/>
+            <p:cNvPicPr>
+              <a:picLocks noChangeAspect="1"/>
+            </p:cNvPicPr>
+            <p:nvPr/>
+          </p:nvPicPr>
+          <p:blipFill rotWithShape="1">
+            <a:blip r:embed="rId7" cstate="print">
+              <a:extLst>
+                <a:ext uri="{28A0092B-C50C-407E-A947-70E740481C1C}">
+                  <a14:useLocalDpi xmlns:a14="http://schemas.microsoft.com/office/drawing/2010/main" val="0"/>
+                </a:ext>
+              </a:extLst>
+            </a:blip>
+            <a:srcRect t="1706" r="3861"/>
+            <a:stretch/>
+          </p:blipFill>
+          <p:spPr>
+            <a:xfrm rot="21241475">
+              <a:off x="2437363" y="4638956"/>
+              <a:ext cx="457077" cy="884034"/>
+            </a:xfrm>
+            <a:prstGeom prst="rect">
+              <a:avLst/>
+            </a:prstGeom>
+          </p:spPr>
+        </p:pic>
+      </p:grpSp>
+      <p:sp>
+        <p:nvSpPr>
+          <p:cNvPr id="30" name="二等辺三角形 29"/>
+          <p:cNvSpPr/>
+          <p:nvPr/>
+        </p:nvSpPr>
+        <p:spPr>
+          <a:xfrm rot="5400000">
+            <a:off x="3831632" y="2018479"/>
+            <a:ext cx="1457843" cy="292829"/>
+          </a:xfrm>
+          <a:prstGeom prst="triangle">
+            <a:avLst/>
+          </a:prstGeom>
+          <a:solidFill>
+            <a:schemeClr val="tx1"/>
+          </a:solidFill>
+          <a:ln>
+            <a:solidFill>
+              <a:schemeClr val="tx1"/>
+            </a:solidFill>
+          </a:ln>
+        </p:spPr>
+        <p:style>
+          <a:lnRef idx="2">
+            <a:schemeClr val="accent1">
+              <a:shade val="50000"/>
+            </a:schemeClr>
+          </a:lnRef>
+          <a:fillRef idx="1">
+            <a:schemeClr val="accent1"/>
+          </a:fillRef>
+          <a:effectRef idx="0">
+            <a:schemeClr val="accent1"/>
+          </a:effectRef>
+          <a:fontRef idx="minor">
+            <a:schemeClr val="lt1"/>
+          </a:fontRef>
+        </p:style>
+        <p:txBody>
+          <a:bodyPr rtlCol="0" anchor="ctr"/>
+          <a:lstStyle/>
+          <a:p>
+            <a:pPr algn="ctr"/>
+            <a:endParaRPr kumimoji="1" lang="ja-JP" altLang="en-US"/>
+          </a:p>
+        </p:txBody>
+      </p:sp>
+      <p:sp>
+        <p:nvSpPr>
+          <p:cNvPr id="31" name="角丸四角形 30"/>
+          <p:cNvSpPr/>
+          <p:nvPr/>
+        </p:nvSpPr>
+        <p:spPr>
+          <a:xfrm>
+            <a:off x="4767866" y="1195931"/>
+            <a:ext cx="3967044" cy="4757194"/>
+          </a:xfrm>
+          <a:prstGeom prst="roundRect">
+            <a:avLst>
+              <a:gd name="adj" fmla="val 0"/>
+            </a:avLst>
+          </a:prstGeom>
+          <a:solidFill>
+            <a:schemeClr val="bg1"/>
+          </a:solidFill>
+          <a:ln w="76200">
+            <a:solidFill>
+              <a:schemeClr val="tx1"/>
+            </a:solidFill>
+          </a:ln>
+        </p:spPr>
+        <p:style>
+          <a:lnRef idx="2">
+            <a:schemeClr val="accent1">
+              <a:shade val="50000"/>
+            </a:schemeClr>
+          </a:lnRef>
+          <a:fillRef idx="1">
+            <a:schemeClr val="accent1"/>
+          </a:fillRef>
+          <a:effectRef idx="0">
+            <a:schemeClr val="accent1"/>
+          </a:effectRef>
+          <a:fontRef idx="minor">
+            <a:schemeClr val="lt1"/>
+          </a:fontRef>
+        </p:style>
+        <p:txBody>
+          <a:bodyPr rtlCol="0" anchor="ctr"/>
+          <a:lstStyle/>
+          <a:p>
+            <a:pPr algn="ctr"/>
+            <a:endParaRPr kumimoji="1" lang="ja-JP" altLang="en-US"/>
+          </a:p>
+        </p:txBody>
+      </p:sp>
+      <p:sp>
+        <p:nvSpPr>
+          <p:cNvPr id="32" name="直角三角形 31"/>
+          <p:cNvSpPr/>
+          <p:nvPr/>
+        </p:nvSpPr>
+        <p:spPr>
+          <a:xfrm rot="10800000" flipH="1">
+            <a:off x="4764023" y="1227672"/>
+            <a:ext cx="4014574" cy="577718"/>
+          </a:xfrm>
+          <a:prstGeom prst="rtTriangle">
+            <a:avLst/>
+          </a:prstGeom>
+          <a:solidFill>
+            <a:schemeClr val="tx1"/>
+          </a:solidFill>
+          <a:ln>
+            <a:noFill/>
+          </a:ln>
+        </p:spPr>
+        <p:style>
+          <a:lnRef idx="2">
+            <a:schemeClr val="accent1">
+              <a:shade val="50000"/>
+            </a:schemeClr>
+          </a:lnRef>
+          <a:fillRef idx="1">
+            <a:schemeClr val="accent1"/>
+          </a:fillRef>
+          <a:effectRef idx="0">
+            <a:schemeClr val="accent1"/>
+          </a:effectRef>
+          <a:fontRef idx="minor">
+            <a:schemeClr val="lt1"/>
+          </a:fontRef>
+        </p:style>
+        <p:txBody>
+          <a:bodyPr rtlCol="0" anchor="ctr"/>
+          <a:lstStyle/>
+          <a:p>
+            <a:pPr algn="ctr"/>
+            <a:endParaRPr kumimoji="1" lang="ja-JP" altLang="en-US"/>
+          </a:p>
+        </p:txBody>
+      </p:sp>
+      <p:sp>
+        <p:nvSpPr>
+          <p:cNvPr id="33" name="テキスト ボックス 32"/>
+          <p:cNvSpPr txBox="1"/>
+          <p:nvPr/>
+        </p:nvSpPr>
+        <p:spPr>
+          <a:xfrm rot="21161010">
+            <a:off x="4746631" y="1258060"/>
+            <a:ext cx="1705916" cy="461665"/>
+          </a:xfrm>
+          <a:prstGeom prst="rect">
+            <a:avLst/>
+          </a:prstGeom>
+          <a:noFill/>
+        </p:spPr>
+        <p:txBody>
+          <a:bodyPr wrap="none" rtlCol="0">
+            <a:spAutoFit/>
+          </a:bodyPr>
+          <a:lstStyle/>
+          <a:p>
+            <a:r>
+              <a:rPr lang="ja-JP" altLang="en-US" sz="2400" b="1" dirty="0" smtClean="0">
+                <a:ln w="12700">
+                  <a:solidFill>
+                    <a:schemeClr val="tx1"/>
+                  </a:solidFill>
+                </a:ln>
+                <a:solidFill>
+                  <a:schemeClr val="bg1"/>
+                </a:solidFill>
+                <a:latin typeface="HGP明朝B" panose="02020800000000000000" pitchFamily="18" charset="-128"/>
+                <a:ea typeface="HGP明朝B" panose="02020800000000000000" pitchFamily="18" charset="-128"/>
+              </a:rPr>
+              <a:t>戦況の変化</a:t>
+            </a:r>
+            <a:endParaRPr lang="ja-JP" altLang="en-US" sz="2400" b="1" dirty="0">
+              <a:ln w="12700">
+                <a:solidFill>
+                  <a:schemeClr val="tx1"/>
+                </a:solidFill>
+              </a:ln>
+              <a:solidFill>
+                <a:schemeClr val="bg1"/>
+              </a:solidFill>
+              <a:latin typeface="HGP明朝B" panose="02020800000000000000" pitchFamily="18" charset="-128"/>
+              <a:ea typeface="HGP明朝B" panose="02020800000000000000" pitchFamily="18" charset="-128"/>
+            </a:endParaRPr>
+          </a:p>
+        </p:txBody>
+      </p:sp>
+      <p:sp>
+        <p:nvSpPr>
+          <p:cNvPr id="34" name="テキスト ボックス 33"/>
+          <p:cNvSpPr txBox="1"/>
+          <p:nvPr/>
+        </p:nvSpPr>
+        <p:spPr>
+          <a:xfrm>
+            <a:off x="5026633" y="2019617"/>
+            <a:ext cx="3569826" cy="3416320"/>
+          </a:xfrm>
+          <a:prstGeom prst="rect">
+            <a:avLst/>
+          </a:prstGeom>
+          <a:noFill/>
+        </p:spPr>
+        <p:txBody>
+          <a:bodyPr wrap="square" rtlCol="0">
+            <a:spAutoFit/>
+          </a:bodyPr>
+          <a:lstStyle/>
+          <a:p>
+            <a:pPr>
+              <a:lnSpc>
+                <a:spcPct val="150000"/>
+              </a:lnSpc>
+            </a:pPr>
+            <a:r>
+              <a:rPr kumimoji="1" lang="ja-JP" altLang="en-US" dirty="0" smtClean="0"/>
+              <a:t>特定の部位を破壊すると、</a:t>
+            </a:r>
+            <a:endParaRPr kumimoji="1" lang="en-US" altLang="ja-JP" dirty="0" smtClean="0"/>
+          </a:p>
+          <a:p>
+            <a:pPr>
+              <a:lnSpc>
+                <a:spcPct val="150000"/>
+              </a:lnSpc>
+            </a:pPr>
+            <a:r>
+              <a:rPr lang="ja-JP" altLang="en-US" b="1" dirty="0">
+                <a:solidFill>
+                  <a:srgbClr val="FF0000"/>
+                </a:solidFill>
+              </a:rPr>
+              <a:t>敵</a:t>
+            </a:r>
+            <a:r>
+              <a:rPr lang="ja-JP" altLang="en-US" b="1" dirty="0" smtClean="0">
+                <a:solidFill>
+                  <a:srgbClr val="FF0000"/>
+                </a:solidFill>
+              </a:rPr>
+              <a:t>の行動に変化が・・・</a:t>
+            </a:r>
+            <a:endParaRPr lang="en-US" altLang="ja-JP" b="1" dirty="0" smtClean="0">
+              <a:solidFill>
+                <a:srgbClr val="FF0000"/>
+              </a:solidFill>
+            </a:endParaRPr>
+          </a:p>
+          <a:p>
+            <a:pPr>
+              <a:lnSpc>
+                <a:spcPct val="150000"/>
+              </a:lnSpc>
+            </a:pPr>
+            <a:r>
+              <a:rPr lang="ja-JP" altLang="en-US" dirty="0"/>
+              <a:t>自身</a:t>
+            </a:r>
+            <a:r>
+              <a:rPr lang="ja-JP" altLang="en-US" dirty="0" smtClean="0"/>
+              <a:t>の戦い方に合わせて、部位破壊をすることで</a:t>
+            </a:r>
+            <a:r>
+              <a:rPr lang="ja-JP" altLang="en-US" b="1" dirty="0" smtClean="0">
+                <a:solidFill>
+                  <a:srgbClr val="FF0000"/>
+                </a:solidFill>
+              </a:rPr>
+              <a:t>戦闘を有利に</a:t>
+            </a:r>
+            <a:r>
+              <a:rPr lang="ja-JP" altLang="en-US" dirty="0" smtClean="0"/>
+              <a:t>進めることができる</a:t>
+            </a:r>
+            <a:endParaRPr lang="en-US" altLang="ja-JP" dirty="0" smtClean="0"/>
+          </a:p>
+          <a:p>
+            <a:pPr>
+              <a:lnSpc>
+                <a:spcPct val="150000"/>
+              </a:lnSpc>
+            </a:pPr>
+            <a:endParaRPr lang="en-US" altLang="ja-JP" dirty="0" smtClean="0"/>
+          </a:p>
+          <a:p>
+            <a:pPr>
+              <a:lnSpc>
+                <a:spcPct val="150000"/>
+              </a:lnSpc>
+            </a:pPr>
+            <a:r>
+              <a:rPr lang="ja-JP" altLang="en-US" dirty="0" smtClean="0"/>
+              <a:t>自身がほしいパーツを奪って、</a:t>
+            </a:r>
+            <a:endParaRPr lang="en-US" altLang="ja-JP" dirty="0" smtClean="0"/>
+          </a:p>
+          <a:p>
+            <a:pPr>
+              <a:lnSpc>
+                <a:spcPct val="150000"/>
+              </a:lnSpc>
+            </a:pPr>
+            <a:r>
+              <a:rPr lang="ja-JP" altLang="en-US" b="1" dirty="0" smtClean="0">
+                <a:solidFill>
+                  <a:srgbClr val="FF0000"/>
+                </a:solidFill>
+              </a:rPr>
+              <a:t>オリジナルの強化</a:t>
+            </a:r>
+            <a:r>
+              <a:rPr lang="ja-JP" altLang="en-US" dirty="0" smtClean="0"/>
+              <a:t>が可能！</a:t>
+            </a:r>
+            <a:endParaRPr lang="en-US" altLang="ja-JP" dirty="0" smtClean="0"/>
+          </a:p>
+        </p:txBody>
+      </p:sp>
+    </p:spTree>
+    <p:extLst>
+      <p:ext uri="{BB962C8B-B14F-4D97-AF65-F5344CB8AC3E}">
+        <p14:creationId xmlns:p14="http://schemas.microsoft.com/office/powerpoint/2010/main" val="529301806"/>
+      </p:ext>
+    </p:extLst>
+  </p:cSld>
+  <p:clrMapOvr>
+    <a:masterClrMapping/>
+  </p:clrMapOvr>
+</p:sld>
+</file>
+
+<file path=ppt/slides/slide7.xml><?xml version="1.0" encoding="utf-8"?>
 <p:sld xmlns:a="http://schemas.openxmlformats.org/drawingml/2006/main" xmlns:r="http://schemas.openxmlformats.org/officeDocument/2006/relationships" xmlns:p="http://schemas.openxmlformats.org/presentationml/2006/main">
   <p:cSld>
     <p:spTree>
@@ -7134,7 +10667,7 @@
     </p:spTree>
     <p:extLst>
       <p:ext uri="{BB962C8B-B14F-4D97-AF65-F5344CB8AC3E}">
-        <p14:creationId xmlns:p14="http://schemas.microsoft.com/office/powerpoint/2010/main" val="2241849475"/>
+        <p14:creationId xmlns:p14="http://schemas.microsoft.com/office/powerpoint/2010/main" val="1230846611"/>
       </p:ext>
     </p:extLst>
   </p:cSld>
@@ -7144,7 +10677,7 @@
 </p:sld>
 </file>
 
-<file path=ppt/slides/slide6.xml><?xml version="1.0" encoding="utf-8"?>
+<file path=ppt/slides/slide8.xml><?xml version="1.0" encoding="utf-8"?>
 <p:sld xmlns:a="http://schemas.openxmlformats.org/drawingml/2006/main" xmlns:r="http://schemas.openxmlformats.org/officeDocument/2006/relationships" xmlns:p="http://schemas.openxmlformats.org/presentationml/2006/main">
   <p:cSld>
     <p:spTree>
@@ -7216,7 +10749,11 @@
           <a:p>
             <a:r>
               <a:rPr kumimoji="1" lang="ja-JP" altLang="en-US" dirty="0" smtClean="0"/>
-              <a:t>装着</a:t>
+              <a:t>アタッチ </a:t>
+            </a:r>
+            <a:r>
+              <a:rPr kumimoji="1" lang="en-US" altLang="ja-JP" dirty="0" smtClean="0"/>
+              <a:t>-Attach-</a:t>
             </a:r>
             <a:endParaRPr kumimoji="1" lang="ja-JP" altLang="en-US" dirty="0"/>
           </a:p>
@@ -7553,7 +11090,7 @@
 </p:sld>
 </file>
 
-<file path=ppt/slides/slide7.xml><?xml version="1.0" encoding="utf-8"?>
+<file path=ppt/slides/slide9.xml><?xml version="1.0" encoding="utf-8"?>
 <p:sld xmlns:a="http://schemas.openxmlformats.org/drawingml/2006/main" xmlns:r="http://schemas.openxmlformats.org/officeDocument/2006/relationships" xmlns:p="http://schemas.openxmlformats.org/presentationml/2006/main">
   <p:cSld>
     <p:spTree>
@@ -7619,7 +11156,11 @@
           <a:p>
             <a:r>
               <a:rPr kumimoji="1" lang="ja-JP" altLang="en-US" dirty="0" smtClean="0"/>
-              <a:t>パージ</a:t>
+              <a:t>パージ </a:t>
+            </a:r>
+            <a:r>
+              <a:rPr kumimoji="1" lang="en-US" altLang="ja-JP" dirty="0" smtClean="0"/>
+              <a:t>-Purge-</a:t>
             </a:r>
             <a:endParaRPr kumimoji="1" lang="ja-JP" altLang="en-US" dirty="0"/>
           </a:p>

--- a/企画/企画書/PurgeVer2.pptx
+++ b/企画/企画書/PurgeVer2.pptx
@@ -5,7 +5,7 @@
     <p:sldMasterId id="2147483660" r:id="rId1"/>
   </p:sldMasterIdLst>
   <p:notesMasterIdLst>
-    <p:notesMasterId r:id="rId11"/>
+    <p:notesMasterId r:id="rId10"/>
   </p:notesMasterIdLst>
   <p:sldIdLst>
     <p:sldId id="256" r:id="rId2"/>
@@ -14,9 +14,8 @@
     <p:sldId id="266" r:id="rId5"/>
     <p:sldId id="262" r:id="rId6"/>
     <p:sldId id="265" r:id="rId7"/>
-    <p:sldId id="264" r:id="rId8"/>
-    <p:sldId id="258" r:id="rId9"/>
-    <p:sldId id="259" r:id="rId10"/>
+    <p:sldId id="268" r:id="rId8"/>
+    <p:sldId id="267" r:id="rId9"/>
   </p:sldIdLst>
   <p:sldSz cx="9144000" cy="6858000" type="screen4x3"/>
   <p:notesSz cx="6858000" cy="9144000"/>
@@ -216,7 +215,7 @@
           <a:p>
             <a:fld id="{3AF58804-1989-4928-AC3A-7D8C261CE1C6}" type="datetimeFigureOut">
               <a:rPr kumimoji="1" lang="ja-JP" altLang="en-US" smtClean="0"/>
-              <a:t>2017/11/28</a:t>
+              <a:t>2017/12/1</a:t>
             </a:fld>
             <a:endParaRPr kumimoji="1" lang="ja-JP" altLang="en-US"/>
           </a:p>
@@ -1275,41 +1274,48 @@
           <a:p>
             <a:r>
               <a:rPr kumimoji="1" lang="ja-JP" altLang="en-US" dirty="0" smtClean="0"/>
-              <a:t>入手したパーツを装着し強化していくのですが、</a:t>
+              <a:t>プレイヤー装着の装着例といたしまして</a:t>
             </a:r>
             <a:endParaRPr kumimoji="1" lang="en-US" altLang="ja-JP" dirty="0" smtClean="0"/>
           </a:p>
           <a:p>
+            <a:endParaRPr kumimoji="1" lang="en-US" altLang="ja-JP" dirty="0" smtClean="0"/>
+          </a:p>
+          <a:p>
             <a:r>
               <a:rPr kumimoji="1" lang="ja-JP" altLang="en-US" dirty="0" smtClean="0"/>
-              <a:t>ただ強化されるのではなく、見た目やアクションの変化も起こります</a:t>
+              <a:t>全身をバランスよく強化していく</a:t>
             </a:r>
             <a:endParaRPr kumimoji="1" lang="en-US" altLang="ja-JP" dirty="0" smtClean="0"/>
           </a:p>
           <a:p>
+            <a:r>
+              <a:rPr kumimoji="1" lang="ja-JP" altLang="en-US" dirty="0" smtClean="0"/>
+              <a:t>こちらは長時間安定した戦闘が楽しめるように操作性にもメリットがでます</a:t>
+            </a:r>
             <a:endParaRPr kumimoji="1" lang="en-US" altLang="ja-JP" dirty="0" smtClean="0"/>
           </a:p>
           <a:p>
+            <a:endParaRPr kumimoji="1" lang="en-US" altLang="ja-JP" dirty="0" smtClean="0"/>
+          </a:p>
+          <a:p>
             <a:r>
               <a:rPr kumimoji="1" lang="ja-JP" altLang="en-US" dirty="0" smtClean="0"/>
-              <a:t>例えば、敵の腕を破壊し、自身に装着していくことで、</a:t>
+              <a:t>反対に一部分だけの強化は</a:t>
             </a:r>
             <a:endParaRPr kumimoji="1" lang="en-US" altLang="ja-JP" dirty="0" smtClean="0"/>
           </a:p>
           <a:p>
             <a:r>
               <a:rPr kumimoji="1" lang="ja-JP" altLang="en-US" dirty="0" smtClean="0"/>
-              <a:t>腕の機能が特化した装備になっていきます</a:t>
+              <a:t>重さの偏りで操作がしにくくなり、敵の攻撃に当たりやすくなってしまいますが</a:t>
             </a:r>
             <a:endParaRPr kumimoji="1" lang="en-US" altLang="ja-JP" dirty="0" smtClean="0"/>
           </a:p>
           <a:p>
-            <a:endParaRPr kumimoji="1" lang="en-US" altLang="ja-JP" dirty="0" smtClean="0"/>
-          </a:p>
-          <a:p>
             <a:r>
               <a:rPr kumimoji="1" lang="ja-JP" altLang="en-US" dirty="0" smtClean="0"/>
-              <a:t>組み合わせ次第で性能が変化していくことがポイントです</a:t>
+              <a:t>強化している部分をパージすることで強力な必殺技を使うことができます</a:t>
             </a:r>
             <a:endParaRPr kumimoji="1" lang="ja-JP" altLang="en-US" dirty="0"/>
           </a:p>
@@ -1341,7 +1347,7 @@
     </p:spTree>
     <p:extLst>
       <p:ext uri="{BB962C8B-B14F-4D97-AF65-F5344CB8AC3E}">
-        <p14:creationId xmlns:p14="http://schemas.microsoft.com/office/powerpoint/2010/main" val="2951251896"/>
+        <p14:creationId xmlns:p14="http://schemas.microsoft.com/office/powerpoint/2010/main" val="1231104566"/>
       </p:ext>
     </p:extLst>
   </p:cSld>
@@ -1397,50 +1403,33 @@
           <a:p>
             <a:r>
               <a:rPr kumimoji="1" lang="ja-JP" altLang="en-US" dirty="0" smtClean="0"/>
-              <a:t>プレイヤー装着の装着例といたしまして</a:t>
+              <a:t>基本となるパージは、装備しているパーツの耐久力を０（ゼロ）にして、装備を勢いよく飛ばす</a:t>
             </a:r>
             <a:endParaRPr kumimoji="1" lang="en-US" altLang="ja-JP" dirty="0" smtClean="0"/>
           </a:p>
           <a:p>
+            <a:r>
+              <a:rPr kumimoji="1" lang="ja-JP" altLang="en-US" dirty="0" smtClean="0"/>
+              <a:t>攻撃と回避を兼ねそろえた技になります</a:t>
+            </a:r>
             <a:endParaRPr kumimoji="1" lang="en-US" altLang="ja-JP" dirty="0" smtClean="0"/>
           </a:p>
           <a:p>
+            <a:endParaRPr kumimoji="1" lang="en-US" altLang="ja-JP" dirty="0" smtClean="0"/>
+          </a:p>
+          <a:p>
             <a:r>
               <a:rPr kumimoji="1" lang="ja-JP" altLang="en-US" dirty="0" smtClean="0"/>
-              <a:t>全身をバランスよく強化していく</a:t>
+              <a:t>それとは別に集中型で強化した場合、強化した部位、装備しているパーツから</a:t>
             </a:r>
             <a:endParaRPr kumimoji="1" lang="en-US" altLang="ja-JP" dirty="0" smtClean="0"/>
           </a:p>
           <a:p>
             <a:r>
               <a:rPr kumimoji="1" lang="ja-JP" altLang="en-US" dirty="0" smtClean="0"/>
-              <a:t>こちらは長時間安定した戦闘が楽しめるように操作性にもメリットがでます</a:t>
+              <a:t>様々な必殺技を発動できます</a:t>
             </a:r>
             <a:endParaRPr kumimoji="1" lang="en-US" altLang="ja-JP" dirty="0" smtClean="0"/>
-          </a:p>
-          <a:p>
-            <a:endParaRPr kumimoji="1" lang="en-US" altLang="ja-JP" dirty="0" smtClean="0"/>
-          </a:p>
-          <a:p>
-            <a:r>
-              <a:rPr kumimoji="1" lang="ja-JP" altLang="en-US" dirty="0" smtClean="0"/>
-              <a:t>反対に一部分だけの強化は</a:t>
-            </a:r>
-            <a:endParaRPr kumimoji="1" lang="en-US" altLang="ja-JP" dirty="0" smtClean="0"/>
-          </a:p>
-          <a:p>
-            <a:r>
-              <a:rPr kumimoji="1" lang="ja-JP" altLang="en-US" dirty="0" smtClean="0"/>
-              <a:t>重さの偏りで操作がしにくくなり、敵の攻撃に当たりやすくなってしまいますが</a:t>
-            </a:r>
-            <a:endParaRPr kumimoji="1" lang="en-US" altLang="ja-JP" dirty="0" smtClean="0"/>
-          </a:p>
-          <a:p>
-            <a:r>
-              <a:rPr kumimoji="1" lang="ja-JP" altLang="en-US" dirty="0" smtClean="0"/>
-              <a:t>強化している部分をパージすることで強力な必殺技を使うことができます</a:t>
-            </a:r>
-            <a:endParaRPr kumimoji="1" lang="ja-JP" altLang="en-US" dirty="0"/>
           </a:p>
         </p:txBody>
       </p:sp>
@@ -1470,119 +1459,7 @@
     </p:spTree>
     <p:extLst>
       <p:ext uri="{BB962C8B-B14F-4D97-AF65-F5344CB8AC3E}">
-        <p14:creationId xmlns:p14="http://schemas.microsoft.com/office/powerpoint/2010/main" val="2984410150"/>
-      </p:ext>
-    </p:extLst>
-  </p:cSld>
-  <p:clrMapOvr>
-    <a:masterClrMapping/>
-  </p:clrMapOvr>
-</p:notes>
-</file>
-
-<file path=ppt/notesSlides/notesSlide9.xml><?xml version="1.0" encoding="utf-8"?>
-<p:notes xmlns:a="http://schemas.openxmlformats.org/drawingml/2006/main" xmlns:r="http://schemas.openxmlformats.org/officeDocument/2006/relationships" xmlns:p="http://schemas.openxmlformats.org/presentationml/2006/main">
-  <p:cSld>
-    <p:spTree>
-      <p:nvGrpSpPr>
-        <p:cNvPr id="1" name=""/>
-        <p:cNvGrpSpPr/>
-        <p:nvPr/>
-      </p:nvGrpSpPr>
-      <p:grpSpPr>
-        <a:xfrm>
-          <a:off x="0" y="0"/>
-          <a:ext cx="0" cy="0"/>
-          <a:chOff x="0" y="0"/>
-          <a:chExt cx="0" cy="0"/>
-        </a:xfrm>
-      </p:grpSpPr>
-      <p:sp>
-        <p:nvSpPr>
-          <p:cNvPr id="2" name="スライド イメージ プレースホルダー 1"/>
-          <p:cNvSpPr>
-            <a:spLocks noGrp="1" noRot="1" noChangeAspect="1"/>
-          </p:cNvSpPr>
-          <p:nvPr>
-            <p:ph type="sldImg"/>
-          </p:nvPr>
-        </p:nvSpPr>
-        <p:spPr/>
-      </p:sp>
-      <p:sp>
-        <p:nvSpPr>
-          <p:cNvPr id="3" name="ノート プレースホルダー 2"/>
-          <p:cNvSpPr>
-            <a:spLocks noGrp="1"/>
-          </p:cNvSpPr>
-          <p:nvPr>
-            <p:ph type="body" idx="1"/>
-          </p:nvPr>
-        </p:nvSpPr>
-        <p:spPr/>
-        <p:txBody>
-          <a:bodyPr/>
-          <a:lstStyle/>
-          <a:p>
-            <a:r>
-              <a:rPr kumimoji="1" lang="ja-JP" altLang="en-US" dirty="0" smtClean="0"/>
-              <a:t>基本となるパージは、装備しているパーツの耐久力を０（ゼロ）にして、装備を勢いよく飛ばす</a:t>
-            </a:r>
-            <a:endParaRPr kumimoji="1" lang="en-US" altLang="ja-JP" dirty="0" smtClean="0"/>
-          </a:p>
-          <a:p>
-            <a:r>
-              <a:rPr kumimoji="1" lang="ja-JP" altLang="en-US" dirty="0" smtClean="0"/>
-              <a:t>攻撃と回避を兼ねそろえた技になります</a:t>
-            </a:r>
-            <a:endParaRPr kumimoji="1" lang="en-US" altLang="ja-JP" dirty="0" smtClean="0"/>
-          </a:p>
-          <a:p>
-            <a:endParaRPr kumimoji="1" lang="en-US" altLang="ja-JP" dirty="0" smtClean="0"/>
-          </a:p>
-          <a:p>
-            <a:r>
-              <a:rPr kumimoji="1" lang="ja-JP" altLang="en-US" dirty="0" smtClean="0"/>
-              <a:t>それとは別に集中型で強化した場合、強化した部位、装備しているパーツから</a:t>
-            </a:r>
-            <a:endParaRPr kumimoji="1" lang="en-US" altLang="ja-JP" dirty="0" smtClean="0"/>
-          </a:p>
-          <a:p>
-            <a:r>
-              <a:rPr kumimoji="1" lang="ja-JP" altLang="en-US" dirty="0" smtClean="0"/>
-              <a:t>様々な必殺技を発動できます</a:t>
-            </a:r>
-            <a:endParaRPr kumimoji="1" lang="en-US" altLang="ja-JP" dirty="0" smtClean="0"/>
-          </a:p>
-        </p:txBody>
-      </p:sp>
-      <p:sp>
-        <p:nvSpPr>
-          <p:cNvPr id="4" name="スライド番号プレースホルダー 3"/>
-          <p:cNvSpPr>
-            <a:spLocks noGrp="1"/>
-          </p:cNvSpPr>
-          <p:nvPr>
-            <p:ph type="sldNum" sz="quarter" idx="10"/>
-          </p:nvPr>
-        </p:nvSpPr>
-        <p:spPr/>
-        <p:txBody>
-          <a:bodyPr/>
-          <a:lstStyle/>
-          <a:p>
-            <a:fld id="{F265A846-F532-4297-9892-23519271022F}" type="slidenum">
-              <a:rPr kumimoji="1" lang="ja-JP" altLang="en-US" smtClean="0"/>
-              <a:t>9</a:t>
-            </a:fld>
-            <a:endParaRPr kumimoji="1" lang="ja-JP" altLang="en-US"/>
-          </a:p>
-        </p:txBody>
-      </p:sp>
-    </p:spTree>
-    <p:extLst>
-      <p:ext uri="{BB962C8B-B14F-4D97-AF65-F5344CB8AC3E}">
-        <p14:creationId xmlns:p14="http://schemas.microsoft.com/office/powerpoint/2010/main" val="3467525801"/>
+        <p14:creationId xmlns:p14="http://schemas.microsoft.com/office/powerpoint/2010/main" val="240286989"/>
       </p:ext>
     </p:extLst>
   </p:cSld>
@@ -1723,7 +1600,7 @@
           <a:p>
             <a:fld id="{F37D479E-B6B9-4720-8E8B-C8A4A95AA0E5}" type="datetimeFigureOut">
               <a:rPr kumimoji="1" lang="ja-JP" altLang="en-US" smtClean="0"/>
-              <a:t>2017/11/28</a:t>
+              <a:t>2017/12/1</a:t>
             </a:fld>
             <a:endParaRPr kumimoji="1" lang="ja-JP" altLang="en-US"/>
           </a:p>
@@ -1925,7 +1802,7 @@
           <a:p>
             <a:fld id="{F37D479E-B6B9-4720-8E8B-C8A4A95AA0E5}" type="datetimeFigureOut">
               <a:rPr kumimoji="1" lang="ja-JP" altLang="en-US" smtClean="0"/>
-              <a:t>2017/11/28</a:t>
+              <a:t>2017/12/1</a:t>
             </a:fld>
             <a:endParaRPr kumimoji="1" lang="ja-JP" altLang="en-US"/>
           </a:p>
@@ -2137,7 +2014,7 @@
           <a:p>
             <a:fld id="{F37D479E-B6B9-4720-8E8B-C8A4A95AA0E5}" type="datetimeFigureOut">
               <a:rPr kumimoji="1" lang="ja-JP" altLang="en-US" smtClean="0"/>
-              <a:t>2017/11/28</a:t>
+              <a:t>2017/12/1</a:t>
             </a:fld>
             <a:endParaRPr kumimoji="1" lang="ja-JP" altLang="en-US"/>
           </a:p>
@@ -2561,7 +2438,7 @@
           <a:p>
             <a:fld id="{F37D479E-B6B9-4720-8E8B-C8A4A95AA0E5}" type="datetimeFigureOut">
               <a:rPr kumimoji="1" lang="ja-JP" altLang="en-US" smtClean="0"/>
-              <a:t>2017/11/28</a:t>
+              <a:t>2017/12/1</a:t>
             </a:fld>
             <a:endParaRPr kumimoji="1" lang="ja-JP" altLang="en-US"/>
           </a:p>
@@ -2805,7 +2682,7 @@
           <a:p>
             <a:fld id="{F37D479E-B6B9-4720-8E8B-C8A4A95AA0E5}" type="datetimeFigureOut">
               <a:rPr kumimoji="1" lang="ja-JP" altLang="en-US" smtClean="0"/>
-              <a:t>2017/11/28</a:t>
+              <a:t>2017/12/1</a:t>
             </a:fld>
             <a:endParaRPr kumimoji="1" lang="ja-JP" altLang="en-US"/>
           </a:p>
@@ -3101,7 +2978,7 @@
           <a:p>
             <a:fld id="{F37D479E-B6B9-4720-8E8B-C8A4A95AA0E5}" type="datetimeFigureOut">
               <a:rPr kumimoji="1" lang="ja-JP" altLang="en-US" smtClean="0"/>
-              <a:t>2017/11/28</a:t>
+              <a:t>2017/12/1</a:t>
             </a:fld>
             <a:endParaRPr kumimoji="1" lang="ja-JP" altLang="en-US"/>
           </a:p>
@@ -3532,7 +3409,7 @@
           <a:p>
             <a:fld id="{F37D479E-B6B9-4720-8E8B-C8A4A95AA0E5}" type="datetimeFigureOut">
               <a:rPr kumimoji="1" lang="ja-JP" altLang="en-US" smtClean="0"/>
-              <a:t>2017/11/28</a:t>
+              <a:t>2017/12/1</a:t>
             </a:fld>
             <a:endParaRPr kumimoji="1" lang="ja-JP" altLang="en-US"/>
           </a:p>
@@ -3650,7 +3527,7 @@
           <a:p>
             <a:fld id="{F37D479E-B6B9-4720-8E8B-C8A4A95AA0E5}" type="datetimeFigureOut">
               <a:rPr kumimoji="1" lang="ja-JP" altLang="en-US" smtClean="0"/>
-              <a:t>2017/11/28</a:t>
+              <a:t>2017/12/1</a:t>
             </a:fld>
             <a:endParaRPr kumimoji="1" lang="ja-JP" altLang="en-US"/>
           </a:p>
@@ -3745,7 +3622,7 @@
           <a:p>
             <a:fld id="{F37D479E-B6B9-4720-8E8B-C8A4A95AA0E5}" type="datetimeFigureOut">
               <a:rPr kumimoji="1" lang="ja-JP" altLang="en-US" smtClean="0"/>
-              <a:t>2017/11/28</a:t>
+              <a:t>2017/12/1</a:t>
             </a:fld>
             <a:endParaRPr kumimoji="1" lang="ja-JP" altLang="en-US"/>
           </a:p>
@@ -4054,7 +3931,7 @@
           <a:p>
             <a:fld id="{F37D479E-B6B9-4720-8E8B-C8A4A95AA0E5}" type="datetimeFigureOut">
               <a:rPr kumimoji="1" lang="ja-JP" altLang="en-US" smtClean="0"/>
-              <a:t>2017/11/28</a:t>
+              <a:t>2017/12/1</a:t>
             </a:fld>
             <a:endParaRPr kumimoji="1" lang="ja-JP" altLang="en-US"/>
           </a:p>
@@ -4311,7 +4188,7 @@
           <a:p>
             <a:fld id="{F37D479E-B6B9-4720-8E8B-C8A4A95AA0E5}" type="datetimeFigureOut">
               <a:rPr kumimoji="1" lang="ja-JP" altLang="en-US" smtClean="0"/>
-              <a:t>2017/11/28</a:t>
+              <a:t>2017/12/1</a:t>
             </a:fld>
             <a:endParaRPr kumimoji="1" lang="ja-JP" altLang="en-US"/>
           </a:p>
@@ -4556,7 +4433,7 @@
           <a:p>
             <a:fld id="{F37D479E-B6B9-4720-8E8B-C8A4A95AA0E5}" type="datetimeFigureOut">
               <a:rPr kumimoji="1" lang="ja-JP" altLang="en-US" smtClean="0"/>
-              <a:t>2017/11/28</a:t>
+              <a:t>2017/12/1</a:t>
             </a:fld>
             <a:endParaRPr kumimoji="1" lang="ja-JP" altLang="en-US"/>
           </a:p>
@@ -5873,7 +5750,7 @@
         </p:nvSpPr>
         <p:spPr>
           <a:xfrm>
-            <a:off x="267037" y="4103595"/>
+            <a:off x="515010" y="4403830"/>
             <a:ext cx="5057795" cy="1692771"/>
           </a:xfrm>
           <a:prstGeom prst="rect">
@@ -5910,7 +5787,6 @@
               <a:rPr kumimoji="1" lang="en-US" altLang="ja-JP" sz="2400" dirty="0" smtClean="0"/>
               <a:t>】</a:t>
             </a:r>
-            <a:endParaRPr kumimoji="1" lang="en-US" altLang="ja-JP" sz="2400" dirty="0" smtClean="0"/>
           </a:p>
           <a:p>
             <a:r>
@@ -8360,18 +8236,6 @@
                   </a:rPr>
                   <a:t>破壊</a:t>
                 </a:r>
-                <a:endParaRPr lang="ja-JP" altLang="en-US" sz="3600" b="1" dirty="0">
-                  <a:ln w="12700">
-                    <a:solidFill>
-                      <a:schemeClr val="tx1"/>
-                    </a:solidFill>
-                  </a:ln>
-                  <a:solidFill>
-                    <a:schemeClr val="bg1"/>
-                  </a:solidFill>
-                  <a:latin typeface="HGP明朝B" panose="02020800000000000000" pitchFamily="18" charset="-128"/>
-                  <a:ea typeface="HGP明朝B" panose="02020800000000000000" pitchFamily="18" charset="-128"/>
-                </a:endParaRPr>
               </a:p>
             </p:txBody>
           </p:sp>
@@ -9469,7 +9333,7 @@
         </p:nvSpPr>
         <p:spPr>
           <a:xfrm rot="21161010">
-            <a:off x="425921" y="1153494"/>
+            <a:off x="408988" y="1136561"/>
             <a:ext cx="925253" cy="646331"/>
           </a:xfrm>
           <a:prstGeom prst="rect">
@@ -9840,7 +9704,7 @@
         </p:nvSpPr>
         <p:spPr>
           <a:xfrm rot="5400000">
-            <a:off x="3831632" y="2018479"/>
+            <a:off x="3832023" y="2184293"/>
             <a:ext cx="1457843" cy="292829"/>
           </a:xfrm>
           <a:prstGeom prst="triangle">
@@ -10159,6 +10023,201 @@
           </a:p>
         </p:txBody>
       </p:sp>
+      <p:sp>
+        <p:nvSpPr>
+          <p:cNvPr id="35" name="角丸四角形 34"/>
+          <p:cNvSpPr/>
+          <p:nvPr/>
+        </p:nvSpPr>
+        <p:spPr>
+          <a:xfrm>
+            <a:off x="409090" y="3679737"/>
+            <a:ext cx="3967044" cy="2269582"/>
+          </a:xfrm>
+          <a:prstGeom prst="roundRect">
+            <a:avLst>
+              <a:gd name="adj" fmla="val 0"/>
+            </a:avLst>
+          </a:prstGeom>
+          <a:solidFill>
+            <a:schemeClr val="bg1"/>
+          </a:solidFill>
+          <a:ln w="76200">
+            <a:solidFill>
+              <a:schemeClr val="tx1"/>
+            </a:solidFill>
+          </a:ln>
+        </p:spPr>
+        <p:style>
+          <a:lnRef idx="2">
+            <a:schemeClr val="accent1">
+              <a:shade val="50000"/>
+            </a:schemeClr>
+          </a:lnRef>
+          <a:fillRef idx="1">
+            <a:schemeClr val="accent1"/>
+          </a:fillRef>
+          <a:effectRef idx="0">
+            <a:schemeClr val="accent1"/>
+          </a:effectRef>
+          <a:fontRef idx="minor">
+            <a:schemeClr val="lt1"/>
+          </a:fontRef>
+        </p:style>
+        <p:txBody>
+          <a:bodyPr rtlCol="0" anchor="ctr"/>
+          <a:lstStyle/>
+          <a:p>
+            <a:pPr algn="ctr"/>
+            <a:endParaRPr kumimoji="1" lang="ja-JP" altLang="en-US"/>
+          </a:p>
+        </p:txBody>
+      </p:sp>
+      <p:sp>
+        <p:nvSpPr>
+          <p:cNvPr id="36" name="直角三角形 35"/>
+          <p:cNvSpPr/>
+          <p:nvPr/>
+        </p:nvSpPr>
+        <p:spPr>
+          <a:xfrm rot="10800000" flipH="1">
+            <a:off x="409090" y="3711480"/>
+            <a:ext cx="4014574" cy="577718"/>
+          </a:xfrm>
+          <a:prstGeom prst="rtTriangle">
+            <a:avLst/>
+          </a:prstGeom>
+          <a:solidFill>
+            <a:schemeClr val="tx1"/>
+          </a:solidFill>
+          <a:ln>
+            <a:noFill/>
+          </a:ln>
+        </p:spPr>
+        <p:style>
+          <a:lnRef idx="2">
+            <a:schemeClr val="accent1">
+              <a:shade val="50000"/>
+            </a:schemeClr>
+          </a:lnRef>
+          <a:fillRef idx="1">
+            <a:schemeClr val="accent1"/>
+          </a:fillRef>
+          <a:effectRef idx="0">
+            <a:schemeClr val="accent1"/>
+          </a:effectRef>
+          <a:fontRef idx="minor">
+            <a:schemeClr val="lt1"/>
+          </a:fontRef>
+        </p:style>
+        <p:txBody>
+          <a:bodyPr rtlCol="0" anchor="ctr"/>
+          <a:lstStyle/>
+          <a:p>
+            <a:pPr algn="ctr"/>
+            <a:endParaRPr kumimoji="1" lang="ja-JP" altLang="en-US"/>
+          </a:p>
+        </p:txBody>
+      </p:sp>
+      <p:sp>
+        <p:nvSpPr>
+          <p:cNvPr id="37" name="テキスト ボックス 36"/>
+          <p:cNvSpPr txBox="1"/>
+          <p:nvPr/>
+        </p:nvSpPr>
+        <p:spPr>
+          <a:xfrm>
+            <a:off x="631463" y="4449844"/>
+            <a:ext cx="3569826" cy="1338828"/>
+          </a:xfrm>
+          <a:prstGeom prst="rect">
+            <a:avLst/>
+          </a:prstGeom>
+          <a:noFill/>
+        </p:spPr>
+        <p:txBody>
+          <a:bodyPr wrap="square" rtlCol="0">
+            <a:spAutoFit/>
+          </a:bodyPr>
+          <a:lstStyle/>
+          <a:p>
+            <a:pPr>
+              <a:lnSpc>
+                <a:spcPct val="150000"/>
+              </a:lnSpc>
+            </a:pPr>
+            <a:r>
+              <a:rPr lang="ja-JP" altLang="en-US" dirty="0" smtClean="0"/>
+              <a:t>倒した敵からパーツを奪う以外にも装備部分を直接狙うことで</a:t>
+            </a:r>
+            <a:r>
+              <a:rPr lang="ja-JP" altLang="en-US" b="1" dirty="0" smtClean="0">
+                <a:solidFill>
+                  <a:srgbClr val="FF0000"/>
+                </a:solidFill>
+              </a:rPr>
+              <a:t>敵を弱らせ自身を強化！！</a:t>
+            </a:r>
+            <a:endParaRPr lang="en-US" altLang="ja-JP" b="1" dirty="0" smtClean="0">
+              <a:solidFill>
+                <a:srgbClr val="FF0000"/>
+              </a:solidFill>
+            </a:endParaRPr>
+          </a:p>
+        </p:txBody>
+      </p:sp>
+      <p:sp>
+        <p:nvSpPr>
+          <p:cNvPr id="38" name="テキスト ボックス 37"/>
+          <p:cNvSpPr txBox="1"/>
+          <p:nvPr/>
+        </p:nvSpPr>
+        <p:spPr>
+          <a:xfrm rot="21161010">
+            <a:off x="421302" y="3732890"/>
+            <a:ext cx="1651414" cy="461665"/>
+          </a:xfrm>
+          <a:prstGeom prst="rect">
+            <a:avLst/>
+          </a:prstGeom>
+          <a:noFill/>
+        </p:spPr>
+        <p:txBody>
+          <a:bodyPr wrap="none" rtlCol="0">
+            <a:spAutoFit/>
+          </a:bodyPr>
+          <a:lstStyle/>
+          <a:p>
+            <a:r>
+              <a:rPr lang="ja-JP" altLang="en-US" sz="2400" b="1" dirty="0" smtClean="0">
+                <a:ln w="12700">
+                  <a:solidFill>
+                    <a:schemeClr val="tx1"/>
+                  </a:solidFill>
+                </a:ln>
+                <a:solidFill>
+                  <a:schemeClr val="bg1"/>
+                </a:solidFill>
+                <a:latin typeface="HGP明朝B" panose="02020800000000000000" pitchFamily="18" charset="-128"/>
+                <a:ea typeface="HGP明朝B" panose="02020800000000000000" pitchFamily="18" charset="-128"/>
+              </a:rPr>
+              <a:t>装備を狙え</a:t>
+            </a:r>
+            <a:endParaRPr lang="ja-JP" altLang="en-US" sz="2400" b="1" dirty="0">
+              <a:ln w="12700">
+                <a:solidFill>
+                  <a:schemeClr val="tx1"/>
+                </a:solidFill>
+              </a:ln>
+              <a:solidFill>
+                <a:schemeClr val="bg1"/>
+              </a:solidFill>
+              <a:latin typeface="HGP明朝B" panose="02020800000000000000" pitchFamily="18" charset="-128"/>
+              <a:ea typeface="HGP明朝B" panose="02020800000000000000" pitchFamily="18" charset="-128"/>
+            </a:endParaRPr>
+          </a:p>
+        </p:txBody>
+      </p:sp>
     </p:spTree>
     <p:extLst>
       <p:ext uri="{BB962C8B-B14F-4D97-AF65-F5344CB8AC3E}">
@@ -10189,6 +10248,792 @@
           <a:chExt cx="0" cy="0"/>
         </a:xfrm>
       </p:grpSpPr>
+      <p:grpSp>
+        <p:nvGrpSpPr>
+          <p:cNvPr id="10" name="グループ化 9"/>
+          <p:cNvGrpSpPr/>
+          <p:nvPr/>
+        </p:nvGrpSpPr>
+        <p:grpSpPr>
+          <a:xfrm>
+            <a:off x="375273" y="3653155"/>
+            <a:ext cx="8403324" cy="2329298"/>
+            <a:chOff x="375273" y="970387"/>
+            <a:chExt cx="8403324" cy="2329298"/>
+          </a:xfrm>
+        </p:grpSpPr>
+        <p:grpSp>
+          <p:nvGrpSpPr>
+            <p:cNvPr id="12" name="グループ化 11"/>
+            <p:cNvGrpSpPr/>
+            <p:nvPr/>
+          </p:nvGrpSpPr>
+          <p:grpSpPr>
+            <a:xfrm>
+              <a:off x="375273" y="970387"/>
+              <a:ext cx="4048391" cy="2329298"/>
+              <a:chOff x="375273" y="970387"/>
+              <a:chExt cx="4048391" cy="2329298"/>
+            </a:xfrm>
+          </p:grpSpPr>
+          <p:grpSp>
+            <p:nvGrpSpPr>
+              <p:cNvPr id="16" name="グループ化 15"/>
+              <p:cNvGrpSpPr/>
+              <p:nvPr/>
+            </p:nvGrpSpPr>
+            <p:grpSpPr>
+              <a:xfrm>
+                <a:off x="409090" y="1030103"/>
+                <a:ext cx="4014574" cy="2269582"/>
+                <a:chOff x="409090" y="1030103"/>
+                <a:chExt cx="4014574" cy="2269582"/>
+              </a:xfrm>
+            </p:grpSpPr>
+            <p:sp>
+              <p:nvSpPr>
+                <p:cNvPr id="23" name="角丸四角形 22"/>
+                <p:cNvSpPr/>
+                <p:nvPr/>
+              </p:nvSpPr>
+              <p:spPr>
+                <a:xfrm>
+                  <a:off x="409090" y="1030103"/>
+                  <a:ext cx="3967044" cy="2269582"/>
+                </a:xfrm>
+                <a:prstGeom prst="roundRect">
+                  <a:avLst>
+                    <a:gd name="adj" fmla="val 0"/>
+                  </a:avLst>
+                </a:prstGeom>
+                <a:solidFill>
+                  <a:schemeClr val="bg1"/>
+                </a:solidFill>
+                <a:ln w="76200">
+                  <a:solidFill>
+                    <a:schemeClr val="tx1"/>
+                  </a:solidFill>
+                </a:ln>
+              </p:spPr>
+              <p:style>
+                <a:lnRef idx="2">
+                  <a:schemeClr val="accent1">
+                    <a:shade val="50000"/>
+                  </a:schemeClr>
+                </a:lnRef>
+                <a:fillRef idx="1">
+                  <a:schemeClr val="accent1"/>
+                </a:fillRef>
+                <a:effectRef idx="0">
+                  <a:schemeClr val="accent1"/>
+                </a:effectRef>
+                <a:fontRef idx="minor">
+                  <a:schemeClr val="lt1"/>
+                </a:fontRef>
+              </p:style>
+              <p:txBody>
+                <a:bodyPr rtlCol="0" anchor="ctr"/>
+                <a:lstStyle/>
+                <a:p>
+                  <a:pPr algn="ctr"/>
+                  <a:endParaRPr kumimoji="1" lang="ja-JP" altLang="en-US" dirty="0">
+                    <a:solidFill>
+                      <a:schemeClr val="tx1"/>
+                    </a:solidFill>
+                  </a:endParaRPr>
+                </a:p>
+              </p:txBody>
+            </p:sp>
+            <p:sp>
+              <p:nvSpPr>
+                <p:cNvPr id="24" name="直角三角形 23"/>
+                <p:cNvSpPr/>
+                <p:nvPr/>
+              </p:nvSpPr>
+              <p:spPr>
+                <a:xfrm rot="10800000" flipH="1">
+                  <a:off x="409090" y="1061844"/>
+                  <a:ext cx="4014574" cy="577718"/>
+                </a:xfrm>
+                <a:prstGeom prst="rtTriangle">
+                  <a:avLst/>
+                </a:prstGeom>
+                <a:solidFill>
+                  <a:schemeClr val="tx1"/>
+                </a:solidFill>
+                <a:ln>
+                  <a:noFill/>
+                </a:ln>
+              </p:spPr>
+              <p:style>
+                <a:lnRef idx="2">
+                  <a:schemeClr val="accent1">
+                    <a:shade val="50000"/>
+                  </a:schemeClr>
+                </a:lnRef>
+                <a:fillRef idx="1">
+                  <a:schemeClr val="accent1"/>
+                </a:fillRef>
+                <a:effectRef idx="0">
+                  <a:schemeClr val="accent1"/>
+                </a:effectRef>
+                <a:fontRef idx="minor">
+                  <a:schemeClr val="lt1"/>
+                </a:fontRef>
+              </p:style>
+              <p:txBody>
+                <a:bodyPr rtlCol="0" anchor="ctr"/>
+                <a:lstStyle/>
+                <a:p>
+                  <a:pPr algn="ctr"/>
+                  <a:endParaRPr kumimoji="1" lang="ja-JP" altLang="en-US"/>
+                </a:p>
+              </p:txBody>
+            </p:sp>
+          </p:grpSp>
+          <p:sp>
+            <p:nvSpPr>
+              <p:cNvPr id="20" name="テキスト ボックス 19"/>
+              <p:cNvSpPr txBox="1"/>
+              <p:nvPr/>
+            </p:nvSpPr>
+            <p:spPr>
+              <a:xfrm rot="21161010">
+                <a:off x="375273" y="970387"/>
+                <a:ext cx="1111202" cy="646331"/>
+              </a:xfrm>
+              <a:prstGeom prst="rect">
+                <a:avLst/>
+              </a:prstGeom>
+              <a:noFill/>
+            </p:spPr>
+            <p:txBody>
+              <a:bodyPr wrap="none" rtlCol="0">
+                <a:spAutoFit/>
+              </a:bodyPr>
+              <a:lstStyle/>
+              <a:p>
+                <a:r>
+                  <a:rPr lang="ja-JP" altLang="en-US" sz="3600" b="1" dirty="0" smtClean="0">
+                    <a:ln w="12700">
+                      <a:solidFill>
+                        <a:schemeClr val="tx1"/>
+                      </a:solidFill>
+                    </a:ln>
+                    <a:solidFill>
+                      <a:schemeClr val="bg1"/>
+                    </a:solidFill>
+                    <a:latin typeface="HGP明朝B" panose="02020800000000000000" pitchFamily="18" charset="-128"/>
+                    <a:ea typeface="HGP明朝B" panose="02020800000000000000" pitchFamily="18" charset="-128"/>
+                  </a:rPr>
+                  <a:t>特化</a:t>
+                </a:r>
+                <a:endParaRPr lang="ja-JP" altLang="en-US" sz="3600" b="1" dirty="0">
+                  <a:ln w="12700">
+                    <a:solidFill>
+                      <a:schemeClr val="tx1"/>
+                    </a:solidFill>
+                  </a:ln>
+                  <a:solidFill>
+                    <a:schemeClr val="bg1"/>
+                  </a:solidFill>
+                  <a:latin typeface="HGP明朝B" panose="02020800000000000000" pitchFamily="18" charset="-128"/>
+                  <a:ea typeface="HGP明朝B" panose="02020800000000000000" pitchFamily="18" charset="-128"/>
+                </a:endParaRPr>
+              </a:p>
+            </p:txBody>
+          </p:sp>
+        </p:grpSp>
+        <p:sp>
+          <p:nvSpPr>
+            <p:cNvPr id="13" name="角丸四角形 12"/>
+            <p:cNvSpPr/>
+            <p:nvPr/>
+          </p:nvSpPr>
+          <p:spPr>
+            <a:xfrm>
+              <a:off x="4767866" y="1030103"/>
+              <a:ext cx="3967044" cy="2269582"/>
+            </a:xfrm>
+            <a:prstGeom prst="roundRect">
+              <a:avLst>
+                <a:gd name="adj" fmla="val 0"/>
+              </a:avLst>
+            </a:prstGeom>
+            <a:solidFill>
+              <a:schemeClr val="bg1"/>
+            </a:solidFill>
+            <a:ln w="76200">
+              <a:solidFill>
+                <a:schemeClr val="tx1"/>
+              </a:solidFill>
+            </a:ln>
+          </p:spPr>
+          <p:style>
+            <a:lnRef idx="2">
+              <a:schemeClr val="accent1">
+                <a:shade val="50000"/>
+              </a:schemeClr>
+            </a:lnRef>
+            <a:fillRef idx="1">
+              <a:schemeClr val="accent1"/>
+            </a:fillRef>
+            <a:effectRef idx="0">
+              <a:schemeClr val="accent1"/>
+            </a:effectRef>
+            <a:fontRef idx="minor">
+              <a:schemeClr val="lt1"/>
+            </a:fontRef>
+          </p:style>
+          <p:txBody>
+            <a:bodyPr rtlCol="0" anchor="ctr"/>
+            <a:lstStyle/>
+            <a:p>
+              <a:pPr algn="ctr"/>
+              <a:endParaRPr kumimoji="1" lang="ja-JP" altLang="en-US"/>
+            </a:p>
+          </p:txBody>
+        </p:sp>
+        <p:sp>
+          <p:nvSpPr>
+            <p:cNvPr id="14" name="直角三角形 13"/>
+            <p:cNvSpPr/>
+            <p:nvPr/>
+          </p:nvSpPr>
+          <p:spPr>
+            <a:xfrm rot="10800000" flipH="1">
+              <a:off x="4764023" y="1061844"/>
+              <a:ext cx="4014574" cy="577718"/>
+            </a:xfrm>
+            <a:prstGeom prst="rtTriangle">
+              <a:avLst/>
+            </a:prstGeom>
+            <a:solidFill>
+              <a:schemeClr val="tx1"/>
+            </a:solidFill>
+            <a:ln>
+              <a:noFill/>
+            </a:ln>
+          </p:spPr>
+          <p:style>
+            <a:lnRef idx="2">
+              <a:schemeClr val="accent1">
+                <a:shade val="50000"/>
+              </a:schemeClr>
+            </a:lnRef>
+            <a:fillRef idx="1">
+              <a:schemeClr val="accent1"/>
+            </a:fillRef>
+            <a:effectRef idx="0">
+              <a:schemeClr val="accent1"/>
+            </a:effectRef>
+            <a:fontRef idx="minor">
+              <a:schemeClr val="lt1"/>
+            </a:fontRef>
+          </p:style>
+          <p:txBody>
+            <a:bodyPr rtlCol="0" anchor="ctr"/>
+            <a:lstStyle/>
+            <a:p>
+              <a:pPr algn="ctr"/>
+              <a:endParaRPr kumimoji="1" lang="ja-JP" altLang="en-US"/>
+            </a:p>
+          </p:txBody>
+        </p:sp>
+        <p:sp>
+          <p:nvSpPr>
+            <p:cNvPr id="15" name="二等辺三角形 14"/>
+            <p:cNvSpPr/>
+            <p:nvPr/>
+          </p:nvSpPr>
+          <p:spPr>
+            <a:xfrm rot="5400000">
+              <a:off x="3831632" y="2018479"/>
+              <a:ext cx="1457843" cy="292829"/>
+            </a:xfrm>
+            <a:prstGeom prst="triangle">
+              <a:avLst/>
+            </a:prstGeom>
+            <a:solidFill>
+              <a:schemeClr val="tx1"/>
+            </a:solidFill>
+            <a:ln>
+              <a:solidFill>
+                <a:schemeClr val="tx1"/>
+              </a:solidFill>
+            </a:ln>
+          </p:spPr>
+          <p:style>
+            <a:lnRef idx="2">
+              <a:schemeClr val="accent1">
+                <a:shade val="50000"/>
+              </a:schemeClr>
+            </a:lnRef>
+            <a:fillRef idx="1">
+              <a:schemeClr val="accent1"/>
+            </a:fillRef>
+            <a:effectRef idx="0">
+              <a:schemeClr val="accent1"/>
+            </a:effectRef>
+            <a:fontRef idx="minor">
+              <a:schemeClr val="lt1"/>
+            </a:fontRef>
+          </p:style>
+          <p:txBody>
+            <a:bodyPr rtlCol="0" anchor="ctr"/>
+            <a:lstStyle/>
+            <a:p>
+              <a:pPr algn="ctr"/>
+              <a:endParaRPr kumimoji="1" lang="ja-JP" altLang="en-US"/>
+            </a:p>
+          </p:txBody>
+        </p:sp>
+      </p:grpSp>
+      <p:grpSp>
+        <p:nvGrpSpPr>
+          <p:cNvPr id="25" name="グループ化 24"/>
+          <p:cNvGrpSpPr/>
+          <p:nvPr/>
+        </p:nvGrpSpPr>
+        <p:grpSpPr>
+          <a:xfrm>
+            <a:off x="334892" y="963789"/>
+            <a:ext cx="8443705" cy="3243364"/>
+            <a:chOff x="334892" y="963789"/>
+            <a:chExt cx="8443705" cy="3243364"/>
+          </a:xfrm>
+        </p:grpSpPr>
+        <p:sp>
+          <p:nvSpPr>
+            <p:cNvPr id="26" name="角丸四角形 25"/>
+            <p:cNvSpPr/>
+            <p:nvPr/>
+          </p:nvSpPr>
+          <p:spPr>
+            <a:xfrm>
+              <a:off x="4767866" y="1030103"/>
+              <a:ext cx="3967044" cy="2269582"/>
+            </a:xfrm>
+            <a:prstGeom prst="roundRect">
+              <a:avLst>
+                <a:gd name="adj" fmla="val 0"/>
+              </a:avLst>
+            </a:prstGeom>
+            <a:solidFill>
+              <a:schemeClr val="bg1"/>
+            </a:solidFill>
+            <a:ln w="76200">
+              <a:solidFill>
+                <a:schemeClr val="tx1"/>
+              </a:solidFill>
+            </a:ln>
+          </p:spPr>
+          <p:style>
+            <a:lnRef idx="2">
+              <a:schemeClr val="accent1">
+                <a:shade val="50000"/>
+              </a:schemeClr>
+            </a:lnRef>
+            <a:fillRef idx="1">
+              <a:schemeClr val="accent1"/>
+            </a:fillRef>
+            <a:effectRef idx="0">
+              <a:schemeClr val="accent1"/>
+            </a:effectRef>
+            <a:fontRef idx="minor">
+              <a:schemeClr val="lt1"/>
+            </a:fontRef>
+          </p:style>
+          <p:txBody>
+            <a:bodyPr rtlCol="0" anchor="ctr"/>
+            <a:lstStyle/>
+            <a:p>
+              <a:pPr algn="ctr"/>
+              <a:endParaRPr kumimoji="1" lang="ja-JP" altLang="en-US"/>
+            </a:p>
+          </p:txBody>
+        </p:sp>
+        <p:sp>
+          <p:nvSpPr>
+            <p:cNvPr id="27" name="直角三角形 26"/>
+            <p:cNvSpPr/>
+            <p:nvPr/>
+          </p:nvSpPr>
+          <p:spPr>
+            <a:xfrm rot="10800000" flipH="1">
+              <a:off x="4764023" y="1061844"/>
+              <a:ext cx="4014574" cy="577718"/>
+            </a:xfrm>
+            <a:prstGeom prst="rtTriangle">
+              <a:avLst/>
+            </a:prstGeom>
+            <a:solidFill>
+              <a:schemeClr val="tx1"/>
+            </a:solidFill>
+            <a:ln>
+              <a:noFill/>
+            </a:ln>
+          </p:spPr>
+          <p:style>
+            <a:lnRef idx="2">
+              <a:schemeClr val="accent1">
+                <a:shade val="50000"/>
+              </a:schemeClr>
+            </a:lnRef>
+            <a:fillRef idx="1">
+              <a:schemeClr val="accent1"/>
+            </a:fillRef>
+            <a:effectRef idx="0">
+              <a:schemeClr val="accent1"/>
+            </a:effectRef>
+            <a:fontRef idx="minor">
+              <a:schemeClr val="lt1"/>
+            </a:fontRef>
+          </p:style>
+          <p:txBody>
+            <a:bodyPr rtlCol="0" anchor="ctr"/>
+            <a:lstStyle/>
+            <a:p>
+              <a:pPr algn="ctr"/>
+              <a:endParaRPr kumimoji="1" lang="ja-JP" altLang="en-US"/>
+            </a:p>
+          </p:txBody>
+        </p:sp>
+        <p:grpSp>
+          <p:nvGrpSpPr>
+            <p:cNvPr id="28" name="グループ化 27"/>
+            <p:cNvGrpSpPr/>
+            <p:nvPr/>
+          </p:nvGrpSpPr>
+          <p:grpSpPr>
+            <a:xfrm>
+              <a:off x="334892" y="963789"/>
+              <a:ext cx="6103637" cy="3243364"/>
+              <a:chOff x="334892" y="963789"/>
+              <a:chExt cx="6103637" cy="3243364"/>
+            </a:xfrm>
+          </p:grpSpPr>
+          <p:grpSp>
+            <p:nvGrpSpPr>
+              <p:cNvPr id="30" name="グループ化 29"/>
+              <p:cNvGrpSpPr/>
+              <p:nvPr/>
+            </p:nvGrpSpPr>
+            <p:grpSpPr>
+              <a:xfrm>
+                <a:off x="409090" y="1030103"/>
+                <a:ext cx="4014574" cy="2269582"/>
+                <a:chOff x="409090" y="1030103"/>
+                <a:chExt cx="4014574" cy="2269582"/>
+              </a:xfrm>
+            </p:grpSpPr>
+            <p:sp>
+              <p:nvSpPr>
+                <p:cNvPr id="34" name="角丸四角形 33"/>
+                <p:cNvSpPr/>
+                <p:nvPr/>
+              </p:nvSpPr>
+              <p:spPr>
+                <a:xfrm>
+                  <a:off x="409090" y="1030103"/>
+                  <a:ext cx="3967044" cy="2269582"/>
+                </a:xfrm>
+                <a:prstGeom prst="roundRect">
+                  <a:avLst>
+                    <a:gd name="adj" fmla="val 0"/>
+                  </a:avLst>
+                </a:prstGeom>
+                <a:solidFill>
+                  <a:schemeClr val="bg1"/>
+                </a:solidFill>
+                <a:ln w="76200">
+                  <a:solidFill>
+                    <a:schemeClr val="tx1"/>
+                  </a:solidFill>
+                </a:ln>
+              </p:spPr>
+              <p:style>
+                <a:lnRef idx="2">
+                  <a:schemeClr val="accent1">
+                    <a:shade val="50000"/>
+                  </a:schemeClr>
+                </a:lnRef>
+                <a:fillRef idx="1">
+                  <a:schemeClr val="accent1"/>
+                </a:fillRef>
+                <a:effectRef idx="0">
+                  <a:schemeClr val="accent1"/>
+                </a:effectRef>
+                <a:fontRef idx="minor">
+                  <a:schemeClr val="lt1"/>
+                </a:fontRef>
+              </p:style>
+              <p:txBody>
+                <a:bodyPr rtlCol="0" anchor="ctr"/>
+                <a:lstStyle/>
+                <a:p>
+                  <a:pPr algn="ctr"/>
+                  <a:endParaRPr kumimoji="1" lang="ja-JP" altLang="en-US" dirty="0">
+                    <a:solidFill>
+                      <a:schemeClr val="tx1"/>
+                    </a:solidFill>
+                  </a:endParaRPr>
+                </a:p>
+              </p:txBody>
+            </p:sp>
+            <p:sp>
+              <p:nvSpPr>
+                <p:cNvPr id="35" name="直角三角形 34"/>
+                <p:cNvSpPr/>
+                <p:nvPr/>
+              </p:nvSpPr>
+              <p:spPr>
+                <a:xfrm rot="10800000" flipH="1">
+                  <a:off x="409090" y="1061844"/>
+                  <a:ext cx="4014574" cy="577718"/>
+                </a:xfrm>
+                <a:prstGeom prst="rtTriangle">
+                  <a:avLst/>
+                </a:prstGeom>
+                <a:solidFill>
+                  <a:schemeClr val="tx1"/>
+                </a:solidFill>
+                <a:ln>
+                  <a:noFill/>
+                </a:ln>
+              </p:spPr>
+              <p:style>
+                <a:lnRef idx="2">
+                  <a:schemeClr val="accent1">
+                    <a:shade val="50000"/>
+                  </a:schemeClr>
+                </a:lnRef>
+                <a:fillRef idx="1">
+                  <a:schemeClr val="accent1"/>
+                </a:fillRef>
+                <a:effectRef idx="0">
+                  <a:schemeClr val="accent1"/>
+                </a:effectRef>
+                <a:fontRef idx="minor">
+                  <a:schemeClr val="lt1"/>
+                </a:fontRef>
+              </p:style>
+              <p:txBody>
+                <a:bodyPr rtlCol="0" anchor="ctr"/>
+                <a:lstStyle/>
+                <a:p>
+                  <a:pPr algn="ctr"/>
+                  <a:endParaRPr kumimoji="1" lang="ja-JP" altLang="en-US"/>
+                </a:p>
+              </p:txBody>
+            </p:sp>
+          </p:grpSp>
+          <p:sp>
+            <p:nvSpPr>
+              <p:cNvPr id="31" name="テキスト ボックス 30"/>
+              <p:cNvSpPr txBox="1"/>
+              <p:nvPr/>
+            </p:nvSpPr>
+            <p:spPr>
+              <a:xfrm rot="21161010">
+                <a:off x="334892" y="963789"/>
+                <a:ext cx="1111202" cy="646331"/>
+              </a:xfrm>
+              <a:prstGeom prst="rect">
+                <a:avLst/>
+              </a:prstGeom>
+              <a:noFill/>
+            </p:spPr>
+            <p:txBody>
+              <a:bodyPr wrap="none" rtlCol="0">
+                <a:spAutoFit/>
+              </a:bodyPr>
+              <a:lstStyle/>
+              <a:p>
+                <a:r>
+                  <a:rPr lang="ja-JP" altLang="en-US" sz="3600" b="1" dirty="0" smtClean="0">
+                    <a:ln w="12700">
+                      <a:solidFill>
+                        <a:schemeClr val="tx1"/>
+                      </a:solidFill>
+                    </a:ln>
+                    <a:solidFill>
+                      <a:schemeClr val="bg1"/>
+                    </a:solidFill>
+                    <a:latin typeface="HGP明朝B" panose="02020800000000000000" pitchFamily="18" charset="-128"/>
+                    <a:ea typeface="HGP明朝B" panose="02020800000000000000" pitchFamily="18" charset="-128"/>
+                  </a:rPr>
+                  <a:t>均等</a:t>
+                </a:r>
+                <a:endParaRPr lang="ja-JP" altLang="en-US" sz="3600" b="1" dirty="0">
+                  <a:ln w="12700">
+                    <a:solidFill>
+                      <a:schemeClr val="tx1"/>
+                    </a:solidFill>
+                  </a:ln>
+                  <a:solidFill>
+                    <a:schemeClr val="bg1"/>
+                  </a:solidFill>
+                  <a:latin typeface="HGP明朝B" panose="02020800000000000000" pitchFamily="18" charset="-128"/>
+                  <a:ea typeface="HGP明朝B" panose="02020800000000000000" pitchFamily="18" charset="-128"/>
+                </a:endParaRPr>
+              </a:p>
+            </p:txBody>
+          </p:sp>
+          <p:sp>
+            <p:nvSpPr>
+              <p:cNvPr id="32" name="テキスト ボックス 31"/>
+              <p:cNvSpPr txBox="1"/>
+              <p:nvPr/>
+            </p:nvSpPr>
+            <p:spPr>
+              <a:xfrm rot="21161010">
+                <a:off x="4767705" y="1071415"/>
+                <a:ext cx="1636987" cy="461665"/>
+              </a:xfrm>
+              <a:prstGeom prst="rect">
+                <a:avLst/>
+              </a:prstGeom>
+              <a:noFill/>
+            </p:spPr>
+            <p:txBody>
+              <a:bodyPr wrap="none" rtlCol="0">
+                <a:spAutoFit/>
+              </a:bodyPr>
+              <a:lstStyle/>
+              <a:p>
+                <a:r>
+                  <a:rPr lang="ja-JP" altLang="en-US" sz="2400" b="1" dirty="0" smtClean="0">
+                    <a:ln w="12700">
+                      <a:solidFill>
+                        <a:schemeClr val="tx1"/>
+                      </a:solidFill>
+                    </a:ln>
+                    <a:solidFill>
+                      <a:schemeClr val="bg1"/>
+                    </a:solidFill>
+                    <a:latin typeface="HGP明朝B" panose="02020800000000000000" pitchFamily="18" charset="-128"/>
+                    <a:ea typeface="HGP明朝B" panose="02020800000000000000" pitchFamily="18" charset="-128"/>
+                  </a:rPr>
+                  <a:t>回避と攻撃</a:t>
+                </a:r>
+                <a:endParaRPr lang="ja-JP" altLang="en-US" sz="2400" b="1" dirty="0">
+                  <a:ln w="12700">
+                    <a:solidFill>
+                      <a:schemeClr val="tx1"/>
+                    </a:solidFill>
+                  </a:ln>
+                  <a:solidFill>
+                    <a:schemeClr val="bg1"/>
+                  </a:solidFill>
+                  <a:latin typeface="HGP明朝B" panose="02020800000000000000" pitchFamily="18" charset="-128"/>
+                  <a:ea typeface="HGP明朝B" panose="02020800000000000000" pitchFamily="18" charset="-128"/>
+                </a:endParaRPr>
+              </a:p>
+            </p:txBody>
+          </p:sp>
+          <p:sp>
+            <p:nvSpPr>
+              <p:cNvPr id="33" name="テキスト ボックス 32"/>
+              <p:cNvSpPr txBox="1"/>
+              <p:nvPr/>
+            </p:nvSpPr>
+            <p:spPr>
+              <a:xfrm rot="21161010">
+                <a:off x="4729407" y="3745488"/>
+                <a:ext cx="1709122" cy="461665"/>
+              </a:xfrm>
+              <a:prstGeom prst="rect">
+                <a:avLst/>
+              </a:prstGeom>
+              <a:noFill/>
+            </p:spPr>
+            <p:txBody>
+              <a:bodyPr wrap="none" rtlCol="0">
+                <a:spAutoFit/>
+              </a:bodyPr>
+              <a:lstStyle/>
+              <a:p>
+                <a:r>
+                  <a:rPr lang="ja-JP" altLang="en-US" sz="2400" b="1" dirty="0" smtClean="0">
+                    <a:ln w="12700">
+                      <a:solidFill>
+                        <a:schemeClr val="tx1"/>
+                      </a:solidFill>
+                    </a:ln>
+                    <a:solidFill>
+                      <a:schemeClr val="bg1"/>
+                    </a:solidFill>
+                    <a:latin typeface="HGP明朝B" panose="02020800000000000000" pitchFamily="18" charset="-128"/>
+                    <a:ea typeface="HGP明朝B" panose="02020800000000000000" pitchFamily="18" charset="-128"/>
+                  </a:rPr>
+                  <a:t>特殊な強化</a:t>
+                </a:r>
+                <a:endParaRPr lang="ja-JP" altLang="en-US" sz="2400" b="1" dirty="0">
+                  <a:ln w="12700">
+                    <a:solidFill>
+                      <a:schemeClr val="tx1"/>
+                    </a:solidFill>
+                  </a:ln>
+                  <a:solidFill>
+                    <a:schemeClr val="bg1"/>
+                  </a:solidFill>
+                  <a:latin typeface="HGP明朝B" panose="02020800000000000000" pitchFamily="18" charset="-128"/>
+                  <a:ea typeface="HGP明朝B" panose="02020800000000000000" pitchFamily="18" charset="-128"/>
+                </a:endParaRPr>
+              </a:p>
+            </p:txBody>
+          </p:sp>
+        </p:grpSp>
+        <p:sp>
+          <p:nvSpPr>
+            <p:cNvPr id="29" name="二等辺三角形 28"/>
+            <p:cNvSpPr/>
+            <p:nvPr/>
+          </p:nvSpPr>
+          <p:spPr>
+            <a:xfrm rot="5400000">
+              <a:off x="3831632" y="2018479"/>
+              <a:ext cx="1457843" cy="292829"/>
+            </a:xfrm>
+            <a:prstGeom prst="triangle">
+              <a:avLst/>
+            </a:prstGeom>
+            <a:solidFill>
+              <a:schemeClr val="tx1"/>
+            </a:solidFill>
+            <a:ln>
+              <a:solidFill>
+                <a:schemeClr val="tx1"/>
+              </a:solidFill>
+            </a:ln>
+          </p:spPr>
+          <p:style>
+            <a:lnRef idx="2">
+              <a:schemeClr val="accent1">
+                <a:shade val="50000"/>
+              </a:schemeClr>
+            </a:lnRef>
+            <a:fillRef idx="1">
+              <a:schemeClr val="accent1"/>
+            </a:fillRef>
+            <a:effectRef idx="0">
+              <a:schemeClr val="accent1"/>
+            </a:effectRef>
+            <a:fontRef idx="minor">
+              <a:schemeClr val="lt1"/>
+            </a:fontRef>
+          </p:style>
+          <p:txBody>
+            <a:bodyPr rtlCol="0" anchor="ctr"/>
+            <a:lstStyle/>
+            <a:p>
+              <a:pPr algn="ctr"/>
+              <a:endParaRPr kumimoji="1" lang="ja-JP" altLang="en-US"/>
+            </a:p>
+          </p:txBody>
+        </p:sp>
+      </p:grpSp>
       <p:sp>
         <p:nvSpPr>
           <p:cNvPr id="2" name="タイトル 1"/>
@@ -10208,7 +11053,11 @@
           <a:p>
             <a:r>
               <a:rPr kumimoji="1" lang="ja-JP" altLang="en-US" dirty="0" smtClean="0"/>
-              <a:t>装着</a:t>
+              <a:t>アタッチ </a:t>
+            </a:r>
+            <a:r>
+              <a:rPr kumimoji="1" lang="en-US" altLang="ja-JP" dirty="0" smtClean="0"/>
+              <a:t>-Attach-</a:t>
             </a:r>
             <a:endParaRPr kumimoji="1" lang="ja-JP" altLang="en-US" dirty="0"/>
           </a:p>
@@ -10216,7 +11065,7 @@
       </p:sp>
       <p:pic>
         <p:nvPicPr>
-          <p:cNvPr id="4" name="図 3"/>
+          <p:cNvPr id="17" name="図 16"/>
           <p:cNvPicPr>
             <a:picLocks noChangeAspect="1"/>
           </p:cNvPicPr>
@@ -10230,738 +11079,13 @@
               </a:ext>
             </a:extLst>
           </a:blip>
-          <a:srcRect l="61830" b="22923"/>
+          <a:srcRect b="3721"/>
           <a:stretch/>
         </p:blipFill>
         <p:spPr>
-          <a:xfrm rot="12705184">
-            <a:off x="1524169" y="1365816"/>
-            <a:ext cx="1404032" cy="3826792"/>
-          </a:xfrm>
-          <a:prstGeom prst="rect">
-            <a:avLst/>
-          </a:prstGeom>
-        </p:spPr>
-      </p:pic>
-      <p:pic>
-        <p:nvPicPr>
-          <p:cNvPr id="5" name="図 4"/>
-          <p:cNvPicPr>
-            <a:picLocks noChangeAspect="1"/>
-          </p:cNvPicPr>
-          <p:nvPr/>
-        </p:nvPicPr>
-        <p:blipFill rotWithShape="1">
-          <a:blip r:embed="rId3" cstate="print">
-            <a:extLst>
-              <a:ext uri="{28A0092B-C50C-407E-A947-70E740481C1C}">
-                <a14:useLocalDpi xmlns:a14="http://schemas.microsoft.com/office/drawing/2010/main" val="0"/>
-              </a:ext>
-            </a:extLst>
-          </a:blip>
-          <a:srcRect l="61830" b="22923"/>
-          <a:stretch/>
-        </p:blipFill>
-        <p:spPr>
-          <a:xfrm rot="12705184">
-            <a:off x="2781328" y="544146"/>
-            <a:ext cx="967868" cy="2637996"/>
-          </a:xfrm>
-          <a:prstGeom prst="rect">
-            <a:avLst/>
-          </a:prstGeom>
-        </p:spPr>
-      </p:pic>
-      <p:pic>
-        <p:nvPicPr>
-          <p:cNvPr id="6" name="図 5"/>
-          <p:cNvPicPr>
-            <a:picLocks noChangeAspect="1"/>
-          </p:cNvPicPr>
-          <p:nvPr/>
-        </p:nvPicPr>
-        <p:blipFill rotWithShape="1">
-          <a:blip r:embed="rId3" cstate="print">
-            <a:extLst>
-              <a:ext uri="{28A0092B-C50C-407E-A947-70E740481C1C}">
-                <a14:useLocalDpi xmlns:a14="http://schemas.microsoft.com/office/drawing/2010/main" val="0"/>
-              </a:ext>
-            </a:extLst>
-          </a:blip>
-          <a:srcRect l="61830" b="22923"/>
-          <a:stretch/>
-        </p:blipFill>
-        <p:spPr>
-          <a:xfrm rot="12705184">
-            <a:off x="3114533" y="1960216"/>
-            <a:ext cx="967868" cy="2637996"/>
-          </a:xfrm>
-          <a:prstGeom prst="rect">
-            <a:avLst/>
-          </a:prstGeom>
-        </p:spPr>
-      </p:pic>
-      <p:pic>
-        <p:nvPicPr>
-          <p:cNvPr id="7" name="図 6"/>
-          <p:cNvPicPr>
-            <a:picLocks noChangeAspect="1"/>
-          </p:cNvPicPr>
-          <p:nvPr/>
-        </p:nvPicPr>
-        <p:blipFill rotWithShape="1">
-          <a:blip r:embed="rId3" cstate="print">
-            <a:extLst>
-              <a:ext uri="{28A0092B-C50C-407E-A947-70E740481C1C}">
-                <a14:useLocalDpi xmlns:a14="http://schemas.microsoft.com/office/drawing/2010/main" val="0"/>
-              </a:ext>
-            </a:extLst>
-          </a:blip>
-          <a:srcRect l="61830" b="22923"/>
-          <a:stretch/>
-        </p:blipFill>
-        <p:spPr>
-          <a:xfrm rot="12705184">
-            <a:off x="588789" y="529113"/>
-            <a:ext cx="967868" cy="2637996"/>
-          </a:xfrm>
-          <a:prstGeom prst="rect">
-            <a:avLst/>
-          </a:prstGeom>
-        </p:spPr>
-      </p:pic>
-      <p:pic>
-        <p:nvPicPr>
-          <p:cNvPr id="8" name="図 7"/>
-          <p:cNvPicPr>
-            <a:picLocks noChangeAspect="1"/>
-          </p:cNvPicPr>
-          <p:nvPr/>
-        </p:nvPicPr>
-        <p:blipFill rotWithShape="1">
-          <a:blip r:embed="rId3" cstate="print">
-            <a:extLst>
-              <a:ext uri="{28A0092B-C50C-407E-A947-70E740481C1C}">
-                <a14:useLocalDpi xmlns:a14="http://schemas.microsoft.com/office/drawing/2010/main" val="0"/>
-              </a:ext>
-            </a:extLst>
-          </a:blip>
-          <a:srcRect l="61830" b="22923"/>
-          <a:stretch/>
-        </p:blipFill>
-        <p:spPr>
-          <a:xfrm rot="12705184">
-            <a:off x="463013" y="2007793"/>
-            <a:ext cx="967868" cy="2637996"/>
-          </a:xfrm>
-          <a:prstGeom prst="rect">
-            <a:avLst/>
-          </a:prstGeom>
-        </p:spPr>
-      </p:pic>
-      <p:sp>
-        <p:nvSpPr>
-          <p:cNvPr id="9" name="右矢印 8"/>
-          <p:cNvSpPr/>
-          <p:nvPr/>
-        </p:nvSpPr>
-        <p:spPr>
-          <a:xfrm rot="2700000">
-            <a:off x="1508226" y="2421383"/>
-            <a:ext cx="545352" cy="241133"/>
-          </a:xfrm>
-          <a:prstGeom prst="rightArrow">
-            <a:avLst/>
-          </a:prstGeom>
-        </p:spPr>
-        <p:style>
-          <a:lnRef idx="2">
-            <a:schemeClr val="accent1">
-              <a:shade val="50000"/>
-            </a:schemeClr>
-          </a:lnRef>
-          <a:fillRef idx="1">
-            <a:schemeClr val="accent1"/>
-          </a:fillRef>
-          <a:effectRef idx="0">
-            <a:schemeClr val="accent1"/>
-          </a:effectRef>
-          <a:fontRef idx="minor">
-            <a:schemeClr val="lt1"/>
-          </a:fontRef>
-        </p:style>
-        <p:txBody>
-          <a:bodyPr rtlCol="0" anchor="ctr"/>
-          <a:lstStyle/>
-          <a:p>
-            <a:pPr algn="ctr"/>
-            <a:endParaRPr kumimoji="1" lang="ja-JP" altLang="en-US"/>
-          </a:p>
-        </p:txBody>
-      </p:sp>
-      <p:sp>
-        <p:nvSpPr>
-          <p:cNvPr id="10" name="右矢印 9"/>
-          <p:cNvSpPr/>
-          <p:nvPr/>
-        </p:nvSpPr>
-        <p:spPr>
           <a:xfrm>
-            <a:off x="1407436" y="3399533"/>
-            <a:ext cx="545352" cy="241133"/>
-          </a:xfrm>
-          <a:prstGeom prst="rightArrow">
-            <a:avLst/>
-          </a:prstGeom>
-        </p:spPr>
-        <p:style>
-          <a:lnRef idx="2">
-            <a:schemeClr val="accent1">
-              <a:shade val="50000"/>
-            </a:schemeClr>
-          </a:lnRef>
-          <a:fillRef idx="1">
-            <a:schemeClr val="accent1"/>
-          </a:fillRef>
-          <a:effectRef idx="0">
-            <a:schemeClr val="accent1"/>
-          </a:effectRef>
-          <a:fontRef idx="minor">
-            <a:schemeClr val="lt1"/>
-          </a:fontRef>
-        </p:style>
-        <p:txBody>
-          <a:bodyPr rtlCol="0" anchor="ctr"/>
-          <a:lstStyle/>
-          <a:p>
-            <a:pPr algn="ctr"/>
-            <a:endParaRPr kumimoji="1" lang="ja-JP" altLang="en-US"/>
-          </a:p>
-        </p:txBody>
-      </p:sp>
-      <p:sp>
-        <p:nvSpPr>
-          <p:cNvPr id="11" name="右矢印 10"/>
-          <p:cNvSpPr/>
-          <p:nvPr/>
-        </p:nvSpPr>
-        <p:spPr>
-          <a:xfrm rot="8100000">
-            <a:off x="2498221" y="2447642"/>
-            <a:ext cx="545352" cy="241133"/>
-          </a:xfrm>
-          <a:prstGeom prst="rightArrow">
-            <a:avLst/>
-          </a:prstGeom>
-        </p:spPr>
-        <p:style>
-          <a:lnRef idx="2">
-            <a:schemeClr val="accent1">
-              <a:shade val="50000"/>
-            </a:schemeClr>
-          </a:lnRef>
-          <a:fillRef idx="1">
-            <a:schemeClr val="accent1"/>
-          </a:fillRef>
-          <a:effectRef idx="0">
-            <a:schemeClr val="accent1"/>
-          </a:effectRef>
-          <a:fontRef idx="minor">
-            <a:schemeClr val="lt1"/>
-          </a:fontRef>
-        </p:style>
-        <p:txBody>
-          <a:bodyPr rtlCol="0" anchor="ctr"/>
-          <a:lstStyle/>
-          <a:p>
-            <a:pPr algn="ctr"/>
-            <a:endParaRPr kumimoji="1" lang="ja-JP" altLang="en-US"/>
-          </a:p>
-        </p:txBody>
-      </p:sp>
-      <p:sp>
-        <p:nvSpPr>
-          <p:cNvPr id="12" name="右矢印 11"/>
-          <p:cNvSpPr/>
-          <p:nvPr/>
-        </p:nvSpPr>
-        <p:spPr>
-          <a:xfrm rot="10800000">
-            <a:off x="2678699" y="3408433"/>
-            <a:ext cx="545352" cy="241133"/>
-          </a:xfrm>
-          <a:prstGeom prst="rightArrow">
-            <a:avLst/>
-          </a:prstGeom>
-        </p:spPr>
-        <p:style>
-          <a:lnRef idx="2">
-            <a:schemeClr val="accent1">
-              <a:shade val="50000"/>
-            </a:schemeClr>
-          </a:lnRef>
-          <a:fillRef idx="1">
-            <a:schemeClr val="accent1"/>
-          </a:fillRef>
-          <a:effectRef idx="0">
-            <a:schemeClr val="accent1"/>
-          </a:effectRef>
-          <a:fontRef idx="minor">
-            <a:schemeClr val="lt1"/>
-          </a:fontRef>
-        </p:style>
-        <p:txBody>
-          <a:bodyPr rtlCol="0" anchor="ctr"/>
-          <a:lstStyle/>
-          <a:p>
-            <a:pPr algn="ctr"/>
-            <a:endParaRPr kumimoji="1" lang="ja-JP" altLang="en-US"/>
-          </a:p>
-        </p:txBody>
-      </p:sp>
-      <p:pic>
-        <p:nvPicPr>
-          <p:cNvPr id="13" name="図 12"/>
-          <p:cNvPicPr>
-            <a:picLocks noChangeAspect="1"/>
-          </p:cNvPicPr>
-          <p:nvPr/>
-        </p:nvPicPr>
-        <p:blipFill rotWithShape="1">
-          <a:blip r:embed="rId4">
-            <a:extLst>
-              <a:ext uri="{28A0092B-C50C-407E-A947-70E740481C1C}">
-                <a14:useLocalDpi xmlns:a14="http://schemas.microsoft.com/office/drawing/2010/main" val="0"/>
-              </a:ext>
-            </a:extLst>
-          </a:blip>
-          <a:srcRect t="1706" r="3861"/>
-          <a:stretch/>
-        </p:blipFill>
-        <p:spPr>
-          <a:xfrm rot="9984173">
-            <a:off x="6192575" y="1795661"/>
-            <a:ext cx="1228970" cy="2376967"/>
-          </a:xfrm>
-          <a:prstGeom prst="rect">
-            <a:avLst/>
-          </a:prstGeom>
-        </p:spPr>
-      </p:pic>
-      <p:sp>
-        <p:nvSpPr>
-          <p:cNvPr id="14" name="テキスト ボックス 13"/>
-          <p:cNvSpPr txBox="1"/>
-          <p:nvPr/>
-        </p:nvSpPr>
-        <p:spPr>
-          <a:xfrm>
-            <a:off x="2087946" y="4685528"/>
-            <a:ext cx="4968108" cy="646331"/>
-          </a:xfrm>
-          <a:prstGeom prst="rect">
-            <a:avLst/>
-          </a:prstGeom>
-          <a:noFill/>
-        </p:spPr>
-        <p:txBody>
-          <a:bodyPr wrap="square" rtlCol="0">
-            <a:spAutoFit/>
-          </a:bodyPr>
-          <a:lstStyle/>
-          <a:p>
-            <a:pPr algn="ctr"/>
-            <a:r>
-              <a:rPr lang="ja-JP" altLang="en-US" b="1" dirty="0" smtClean="0"/>
-              <a:t>腕部分に腕のパーツをつけることで</a:t>
-            </a:r>
-            <a:endParaRPr lang="en-US" altLang="ja-JP" b="1" dirty="0" smtClean="0"/>
-          </a:p>
-          <a:p>
-            <a:pPr algn="ctr"/>
-            <a:r>
-              <a:rPr lang="ja-JP" altLang="en-US" b="1" dirty="0" smtClean="0"/>
-              <a:t>大きくなっていく</a:t>
-            </a:r>
-            <a:endParaRPr lang="en-US" altLang="ja-JP" b="1" dirty="0"/>
-          </a:p>
-        </p:txBody>
-      </p:sp>
-      <p:sp>
-        <p:nvSpPr>
-          <p:cNvPr id="15" name="テキスト ボックス 14"/>
-          <p:cNvSpPr txBox="1"/>
-          <p:nvPr/>
-        </p:nvSpPr>
-        <p:spPr>
-          <a:xfrm>
-            <a:off x="2087946" y="5331859"/>
-            <a:ext cx="4968108" cy="461665"/>
-          </a:xfrm>
-          <a:prstGeom prst="rect">
-            <a:avLst/>
-          </a:prstGeom>
-          <a:noFill/>
-        </p:spPr>
-        <p:txBody>
-          <a:bodyPr wrap="square" rtlCol="0">
-            <a:spAutoFit/>
-          </a:bodyPr>
-          <a:lstStyle/>
-          <a:p>
-            <a:pPr algn="ctr"/>
-            <a:r>
-              <a:rPr lang="ja-JP" altLang="en-US" sz="2400" b="1" dirty="0" smtClean="0"/>
-              <a:t>ブロックのように組み立てていく</a:t>
-            </a:r>
-            <a:endParaRPr lang="en-US" altLang="ja-JP" sz="2400" b="1" dirty="0"/>
-          </a:p>
-        </p:txBody>
-      </p:sp>
-      <p:sp>
-        <p:nvSpPr>
-          <p:cNvPr id="3" name="二等辺三角形 2"/>
-          <p:cNvSpPr/>
-          <p:nvPr/>
-        </p:nvSpPr>
-        <p:spPr>
-          <a:xfrm rot="5400000">
-            <a:off x="4576629" y="2828382"/>
-            <a:ext cx="676844" cy="326604"/>
-          </a:xfrm>
-          <a:prstGeom prst="triangle">
-            <a:avLst/>
-          </a:prstGeom>
-          <a:solidFill>
-            <a:schemeClr val="tx1"/>
-          </a:solidFill>
-          <a:ln>
-            <a:noFill/>
-          </a:ln>
-        </p:spPr>
-        <p:style>
-          <a:lnRef idx="2">
-            <a:schemeClr val="accent1">
-              <a:shade val="50000"/>
-            </a:schemeClr>
-          </a:lnRef>
-          <a:fillRef idx="1">
-            <a:schemeClr val="accent1"/>
-          </a:fillRef>
-          <a:effectRef idx="0">
-            <a:schemeClr val="accent1"/>
-          </a:effectRef>
-          <a:fontRef idx="minor">
-            <a:schemeClr val="lt1"/>
-          </a:fontRef>
-        </p:style>
-        <p:txBody>
-          <a:bodyPr rtlCol="0" anchor="ctr"/>
-          <a:lstStyle/>
-          <a:p>
-            <a:pPr algn="ctr"/>
-            <a:endParaRPr kumimoji="1" lang="ja-JP" altLang="en-US"/>
-          </a:p>
-        </p:txBody>
-      </p:sp>
-    </p:spTree>
-    <p:extLst>
-      <p:ext uri="{BB962C8B-B14F-4D97-AF65-F5344CB8AC3E}">
-        <p14:creationId xmlns:p14="http://schemas.microsoft.com/office/powerpoint/2010/main" val="1230846611"/>
-      </p:ext>
-    </p:extLst>
-  </p:cSld>
-  <p:clrMapOvr>
-    <a:masterClrMapping/>
-  </p:clrMapOvr>
-</p:sld>
-</file>
-
-<file path=ppt/slides/slide8.xml><?xml version="1.0" encoding="utf-8"?>
-<p:sld xmlns:a="http://schemas.openxmlformats.org/drawingml/2006/main" xmlns:r="http://schemas.openxmlformats.org/officeDocument/2006/relationships" xmlns:p="http://schemas.openxmlformats.org/presentationml/2006/main">
-  <p:cSld>
-    <p:spTree>
-      <p:nvGrpSpPr>
-        <p:cNvPr id="1" name=""/>
-        <p:cNvGrpSpPr/>
-        <p:nvPr/>
-      </p:nvGrpSpPr>
-      <p:grpSpPr>
-        <a:xfrm>
-          <a:off x="0" y="0"/>
-          <a:ext cx="0" cy="0"/>
-          <a:chOff x="0" y="0"/>
-          <a:chExt cx="0" cy="0"/>
-        </a:xfrm>
-      </p:grpSpPr>
-      <p:sp>
-        <p:nvSpPr>
-          <p:cNvPr id="22" name="テキスト ボックス 21"/>
-          <p:cNvSpPr txBox="1"/>
-          <p:nvPr/>
-        </p:nvSpPr>
-        <p:spPr>
-          <a:xfrm>
-            <a:off x="622300" y="1209404"/>
-            <a:ext cx="7893050" cy="461665"/>
-          </a:xfrm>
-          <a:prstGeom prst="rect">
-            <a:avLst/>
-          </a:prstGeom>
-          <a:solidFill>
-            <a:srgbClr val="FF7C80"/>
-          </a:solidFill>
-        </p:spPr>
-        <p:txBody>
-          <a:bodyPr wrap="square" rtlCol="0">
-            <a:spAutoFit/>
-          </a:bodyPr>
-          <a:lstStyle/>
-          <a:p>
-            <a:r>
-              <a:rPr lang="ja-JP" altLang="en-US" sz="2400" b="1"/>
-              <a:t>■</a:t>
-            </a:r>
-            <a:r>
-              <a:rPr lang="ja-JP" altLang="en-US" sz="2400" b="1" u="sng"/>
-              <a:t>自由な強化</a:t>
-            </a:r>
-            <a:endParaRPr lang="ja-JP" altLang="en-US" sz="2400" b="1" u="sng" dirty="0"/>
-          </a:p>
-        </p:txBody>
-      </p:sp>
-      <p:sp>
-        <p:nvSpPr>
-          <p:cNvPr id="2" name="タイトル 1"/>
-          <p:cNvSpPr>
-            <a:spLocks noGrp="1"/>
-          </p:cNvSpPr>
-          <p:nvPr>
-            <p:ph type="title"/>
-          </p:nvPr>
-        </p:nvSpPr>
-        <p:spPr/>
-        <p:txBody>
-          <a:bodyPr>
-            <a:normAutofit fontScale="90000"/>
-          </a:bodyPr>
-          <a:lstStyle/>
-          <a:p>
-            <a:r>
-              <a:rPr kumimoji="1" lang="ja-JP" altLang="en-US" dirty="0" smtClean="0"/>
-              <a:t>アタッチ </a:t>
-            </a:r>
-            <a:r>
-              <a:rPr kumimoji="1" lang="en-US" altLang="ja-JP" dirty="0" smtClean="0"/>
-              <a:t>-Attach-</a:t>
-            </a:r>
-            <a:endParaRPr kumimoji="1" lang="ja-JP" altLang="en-US" dirty="0"/>
-          </a:p>
-        </p:txBody>
-      </p:sp>
-      <p:sp>
-        <p:nvSpPr>
-          <p:cNvPr id="5" name="テキスト ボックス 4"/>
-          <p:cNvSpPr txBox="1"/>
-          <p:nvPr/>
-        </p:nvSpPr>
-        <p:spPr>
-          <a:xfrm>
-            <a:off x="3547241" y="2701355"/>
-            <a:ext cx="4968108" cy="923330"/>
-          </a:xfrm>
-          <a:prstGeom prst="rect">
-            <a:avLst/>
-          </a:prstGeom>
-          <a:noFill/>
-          <a:ln w="38100">
-            <a:solidFill>
-              <a:schemeClr val="tx1"/>
-            </a:solidFill>
-          </a:ln>
-        </p:spPr>
-        <p:txBody>
-          <a:bodyPr wrap="square" rtlCol="0">
-            <a:spAutoFit/>
-          </a:bodyPr>
-          <a:lstStyle/>
-          <a:p>
-            <a:r>
-              <a:rPr kumimoji="1" lang="en-US" altLang="ja-JP" dirty="0" smtClean="0"/>
-              <a:t>【</a:t>
-            </a:r>
-            <a:r>
-              <a:rPr lang="ja-JP" altLang="en-US" b="1" dirty="0" smtClean="0"/>
-              <a:t>バランス型</a:t>
-            </a:r>
-            <a:r>
-              <a:rPr kumimoji="1" lang="en-US" altLang="ja-JP" dirty="0" smtClean="0"/>
-              <a:t>】</a:t>
-            </a:r>
-          </a:p>
-          <a:p>
-            <a:r>
-              <a:rPr kumimoji="1" lang="ja-JP" altLang="en-US" dirty="0" smtClean="0"/>
-              <a:t>・</a:t>
-            </a:r>
-            <a:r>
-              <a:rPr lang="ja-JP" altLang="en-US" b="1" dirty="0"/>
-              <a:t>全身を均等に強化する</a:t>
-            </a:r>
-            <a:endParaRPr lang="en-US" altLang="ja-JP" b="1" dirty="0"/>
-          </a:p>
-          <a:p>
-            <a:r>
-              <a:rPr lang="ja-JP" altLang="en-US" b="1" dirty="0"/>
-              <a:t>　</a:t>
-            </a:r>
-            <a:r>
-              <a:rPr lang="ja-JP" altLang="en-US" b="1" dirty="0" smtClean="0"/>
-              <a:t>操作性</a:t>
-            </a:r>
-            <a:r>
-              <a:rPr lang="ja-JP" altLang="en-US" b="1" dirty="0"/>
-              <a:t>が増したり</a:t>
-            </a:r>
-            <a:r>
-              <a:rPr lang="ja-JP" altLang="en-US" b="1" dirty="0" smtClean="0"/>
-              <a:t>と戦いやすい</a:t>
-            </a:r>
-            <a:r>
-              <a:rPr lang="ja-JP" altLang="en-US" b="1" dirty="0"/>
-              <a:t>性能に</a:t>
-            </a:r>
-            <a:r>
-              <a:rPr lang="ja-JP" altLang="en-US" b="1" dirty="0" smtClean="0"/>
-              <a:t>なる</a:t>
-            </a:r>
-            <a:endParaRPr lang="en-US" altLang="ja-JP" b="1" dirty="0"/>
-          </a:p>
-        </p:txBody>
-      </p:sp>
-      <p:sp>
-        <p:nvSpPr>
-          <p:cNvPr id="11" name="テキスト ボックス 10"/>
-          <p:cNvSpPr txBox="1"/>
-          <p:nvPr/>
-        </p:nvSpPr>
-        <p:spPr>
-          <a:xfrm>
-            <a:off x="3547240" y="4654971"/>
-            <a:ext cx="4968109" cy="1200329"/>
-          </a:xfrm>
-          <a:prstGeom prst="rect">
-            <a:avLst/>
-          </a:prstGeom>
-          <a:noFill/>
-          <a:ln w="38100">
-            <a:solidFill>
-              <a:schemeClr val="tx1"/>
-            </a:solidFill>
-          </a:ln>
-        </p:spPr>
-        <p:txBody>
-          <a:bodyPr wrap="square" rtlCol="0">
-            <a:spAutoFit/>
-          </a:bodyPr>
-          <a:lstStyle/>
-          <a:p>
-            <a:r>
-              <a:rPr kumimoji="1" lang="en-US" altLang="ja-JP" dirty="0" smtClean="0"/>
-              <a:t>【</a:t>
-            </a:r>
-            <a:r>
-              <a:rPr lang="ja-JP" altLang="en-US" b="1" dirty="0"/>
-              <a:t>集</a:t>
-            </a:r>
-            <a:r>
-              <a:rPr lang="ja-JP" altLang="en-US" b="1" dirty="0" smtClean="0"/>
-              <a:t>中型</a:t>
-            </a:r>
-            <a:r>
-              <a:rPr kumimoji="1" lang="en-US" altLang="ja-JP" dirty="0" smtClean="0"/>
-              <a:t>】</a:t>
-            </a:r>
-          </a:p>
-          <a:p>
-            <a:r>
-              <a:rPr kumimoji="1" lang="ja-JP" altLang="en-US" dirty="0" smtClean="0"/>
-              <a:t>・</a:t>
-            </a:r>
-            <a:r>
-              <a:rPr lang="ja-JP" altLang="en-US" b="1" dirty="0"/>
-              <a:t>一部分を強化</a:t>
-            </a:r>
-            <a:endParaRPr lang="en-US" altLang="ja-JP" b="1" dirty="0"/>
-          </a:p>
-          <a:p>
-            <a:r>
-              <a:rPr lang="ja-JP" altLang="en-US" b="1" dirty="0" smtClean="0"/>
-              <a:t>　動き</a:t>
-            </a:r>
-            <a:r>
-              <a:rPr lang="ja-JP" altLang="en-US" b="1" dirty="0"/>
-              <a:t>が遅くなったり</a:t>
-            </a:r>
-            <a:r>
-              <a:rPr lang="ja-JP" altLang="en-US" b="1" dirty="0" smtClean="0"/>
-              <a:t>とデメリット</a:t>
-            </a:r>
-            <a:r>
-              <a:rPr lang="ja-JP" altLang="en-US" b="1" dirty="0"/>
-              <a:t>はあるが</a:t>
-            </a:r>
-            <a:endParaRPr lang="en-US" altLang="ja-JP" b="1" dirty="0"/>
-          </a:p>
-          <a:p>
-            <a:r>
-              <a:rPr lang="ja-JP" altLang="en-US" b="1" dirty="0" smtClean="0"/>
-              <a:t>　強力</a:t>
-            </a:r>
-            <a:r>
-              <a:rPr lang="ja-JP" altLang="en-US" b="1" dirty="0"/>
-              <a:t>な必殺技</a:t>
-            </a:r>
-            <a:r>
-              <a:rPr lang="ja-JP" altLang="en-US" b="1" dirty="0" smtClean="0"/>
-              <a:t>を使う</a:t>
-            </a:r>
-            <a:r>
-              <a:rPr lang="ja-JP" altLang="en-US" b="1" dirty="0"/>
-              <a:t>ことが</a:t>
-            </a:r>
-            <a:r>
-              <a:rPr lang="ja-JP" altLang="en-US" b="1" dirty="0" smtClean="0"/>
-              <a:t>できる</a:t>
-            </a:r>
-            <a:endParaRPr lang="en-US" altLang="ja-JP" b="1" dirty="0"/>
-          </a:p>
-        </p:txBody>
-      </p:sp>
-      <p:pic>
-        <p:nvPicPr>
-          <p:cNvPr id="17" name="図 16"/>
-          <p:cNvPicPr>
-            <a:picLocks noChangeAspect="1"/>
-          </p:cNvPicPr>
-          <p:nvPr/>
-        </p:nvPicPr>
-        <p:blipFill>
-          <a:blip r:embed="rId3" cstate="print">
-            <a:extLst>
-              <a:ext uri="{28A0092B-C50C-407E-A947-70E740481C1C}">
-                <a14:useLocalDpi xmlns:a14="http://schemas.microsoft.com/office/drawing/2010/main" val="0"/>
-              </a:ext>
-            </a:extLst>
-          </a:blip>
-          <a:stretch>
-            <a:fillRect/>
-          </a:stretch>
-        </p:blipFill>
-        <p:spPr>
-          <a:xfrm>
-            <a:off x="1109150" y="2243848"/>
-            <a:ext cx="1776226" cy="1985395"/>
+            <a:off x="1549374" y="1374118"/>
+            <a:ext cx="1776226" cy="1911524"/>
           </a:xfrm>
           <a:prstGeom prst="rect">
             <a:avLst/>
@@ -10989,7 +11113,7 @@
         </p:blipFill>
         <p:spPr>
           <a:xfrm>
-            <a:off x="849225" y="4350989"/>
+            <a:off x="1248382" y="4134172"/>
             <a:ext cx="1783629" cy="1855580"/>
           </a:xfrm>
           <a:prstGeom prst="rect">
@@ -11018,7 +11142,7 @@
         </p:blipFill>
         <p:spPr>
           <a:xfrm rot="17341192">
-            <a:off x="2401476" y="4827576"/>
+            <a:off x="2800633" y="4610759"/>
             <a:ext cx="697944" cy="1349903"/>
           </a:xfrm>
           <a:prstGeom prst="rect">
@@ -11028,14 +11152,14 @@
       </p:pic>
       <p:sp>
         <p:nvSpPr>
-          <p:cNvPr id="21" name="テキスト ボックス 20"/>
+          <p:cNvPr id="36" name="テキスト ボックス 35"/>
           <p:cNvSpPr txBox="1"/>
           <p:nvPr/>
         </p:nvSpPr>
         <p:spPr>
           <a:xfrm>
-            <a:off x="860425" y="1693926"/>
-            <a:ext cx="5897768" cy="507831"/>
+            <a:off x="5165084" y="1714872"/>
+            <a:ext cx="3312489" cy="1338828"/>
           </a:xfrm>
           <a:prstGeom prst="rect">
             <a:avLst/>
@@ -11043,29 +11167,179 @@
           <a:noFill/>
         </p:spPr>
         <p:txBody>
-          <a:bodyPr wrap="none" rtlCol="0">
+          <a:bodyPr wrap="square" rtlCol="0">
             <a:spAutoFit/>
           </a:bodyPr>
           <a:lstStyle/>
           <a:p>
-            <a:r>
-              <a:rPr lang="ja-JP" altLang="en-US" sz="1350" b="1" dirty="0"/>
-              <a:t>パーツは部位ごとに分かれているがどこに装備するかはプレイヤーの自由</a:t>
-            </a:r>
-            <a:endParaRPr lang="en-US" altLang="ja-JP" sz="1350" b="1" dirty="0"/>
-          </a:p>
-          <a:p>
-            <a:r>
-              <a:rPr lang="ja-JP" altLang="en-US" sz="1350" b="1" dirty="0"/>
-              <a:t>装備した部分が強化され見た目や動きが変化する</a:t>
-            </a:r>
+            <a:pPr>
+              <a:lnSpc>
+                <a:spcPct val="150000"/>
+              </a:lnSpc>
+            </a:pPr>
+            <a:r>
+              <a:rPr lang="ja-JP" altLang="en-US" dirty="0" smtClean="0"/>
+              <a:t>全身</a:t>
+            </a:r>
+            <a:r>
+              <a:rPr lang="ja-JP" altLang="en-US" dirty="0"/>
+              <a:t>を均等に強化</a:t>
+            </a:r>
+            <a:r>
+              <a:rPr lang="ja-JP" altLang="en-US" dirty="0" smtClean="0"/>
+              <a:t>することで</a:t>
+            </a:r>
+            <a:endParaRPr lang="en-US" altLang="ja-JP" dirty="0" smtClean="0"/>
+          </a:p>
+          <a:p>
+            <a:pPr>
+              <a:lnSpc>
+                <a:spcPct val="150000"/>
+              </a:lnSpc>
+            </a:pPr>
+            <a:r>
+              <a:rPr lang="ja-JP" altLang="en-US" dirty="0"/>
+              <a:t>キャラクタ</a:t>
+            </a:r>
+            <a:r>
+              <a:rPr lang="ja-JP" altLang="en-US" dirty="0" smtClean="0"/>
+              <a:t>ーの操作性を上げ</a:t>
+            </a:r>
+            <a:endParaRPr lang="en-US" altLang="ja-JP" dirty="0" smtClean="0"/>
+          </a:p>
+          <a:p>
+            <a:pPr>
+              <a:lnSpc>
+                <a:spcPct val="150000"/>
+              </a:lnSpc>
+            </a:pPr>
+            <a:r>
+              <a:rPr lang="ja-JP" altLang="en-US" b="1" dirty="0" smtClean="0">
+                <a:solidFill>
+                  <a:srgbClr val="FF0000"/>
+                </a:solidFill>
+              </a:rPr>
+              <a:t>戦いやすい</a:t>
+            </a:r>
+            <a:r>
+              <a:rPr lang="ja-JP" altLang="en-US" b="1" dirty="0">
+                <a:solidFill>
+                  <a:srgbClr val="FF0000"/>
+                </a:solidFill>
+              </a:rPr>
+              <a:t>性能</a:t>
+            </a:r>
+            <a:r>
+              <a:rPr lang="ja-JP" altLang="en-US" dirty="0"/>
+              <a:t>に</a:t>
+            </a:r>
+            <a:r>
+              <a:rPr lang="ja-JP" altLang="en-US" dirty="0" smtClean="0"/>
+              <a:t>なる</a:t>
+            </a:r>
+            <a:endParaRPr lang="en-US" altLang="ja-JP" dirty="0"/>
+          </a:p>
+        </p:txBody>
+      </p:sp>
+      <p:sp>
+        <p:nvSpPr>
+          <p:cNvPr id="38" name="テキスト ボックス 37"/>
+          <p:cNvSpPr txBox="1"/>
+          <p:nvPr/>
+        </p:nvSpPr>
+        <p:spPr>
+          <a:xfrm>
+            <a:off x="5095143" y="4396663"/>
+            <a:ext cx="3312489" cy="1338828"/>
+          </a:xfrm>
+          <a:prstGeom prst="rect">
+            <a:avLst/>
+          </a:prstGeom>
+          <a:noFill/>
+        </p:spPr>
+        <p:txBody>
+          <a:bodyPr wrap="square" rtlCol="0">
+            <a:spAutoFit/>
+          </a:bodyPr>
+          <a:lstStyle/>
+          <a:p>
+            <a:pPr>
+              <a:lnSpc>
+                <a:spcPct val="150000"/>
+              </a:lnSpc>
+            </a:pPr>
+            <a:r>
+              <a:rPr lang="ja-JP" altLang="en-US" dirty="0" smtClean="0"/>
+              <a:t>同じ</a:t>
+            </a:r>
+            <a:r>
+              <a:rPr lang="ja-JP" altLang="en-US" dirty="0"/>
+              <a:t>パーツ</a:t>
+            </a:r>
+            <a:r>
+              <a:rPr lang="ja-JP" altLang="en-US" dirty="0" smtClean="0"/>
+              <a:t>を</a:t>
+            </a:r>
+            <a:r>
+              <a:rPr lang="ja-JP" altLang="en-US" dirty="0"/>
+              <a:t>一部分</a:t>
+            </a:r>
+            <a:r>
+              <a:rPr lang="ja-JP" altLang="en-US" dirty="0" smtClean="0"/>
+              <a:t>に装備</a:t>
+            </a:r>
+            <a:endParaRPr lang="en-US" altLang="ja-JP" dirty="0" smtClean="0"/>
+          </a:p>
+          <a:p>
+            <a:pPr>
+              <a:lnSpc>
+                <a:spcPct val="150000"/>
+              </a:lnSpc>
+            </a:pPr>
+            <a:r>
+              <a:rPr lang="ja-JP" altLang="en-US" dirty="0"/>
+              <a:t>癖</a:t>
+            </a:r>
+            <a:r>
+              <a:rPr lang="ja-JP" altLang="en-US" dirty="0" smtClean="0"/>
+              <a:t>のある特化型へ</a:t>
+            </a:r>
+            <a:endParaRPr lang="en-US" altLang="ja-JP" dirty="0" smtClean="0"/>
+          </a:p>
+          <a:p>
+            <a:pPr>
+              <a:lnSpc>
+                <a:spcPct val="150000"/>
+              </a:lnSpc>
+            </a:pPr>
+            <a:r>
+              <a:rPr lang="ja-JP" altLang="en-US" b="1" dirty="0">
+                <a:solidFill>
+                  <a:srgbClr val="FF0000"/>
+                </a:solidFill>
+              </a:rPr>
+              <a:t>特殊</a:t>
+            </a:r>
+            <a:r>
+              <a:rPr lang="ja-JP" altLang="en-US" b="1" dirty="0" smtClean="0">
+                <a:solidFill>
+                  <a:srgbClr val="FF0000"/>
+                </a:solidFill>
+              </a:rPr>
+              <a:t>な攻撃やアクション可能</a:t>
+            </a:r>
+            <a:endParaRPr lang="en-US" altLang="ja-JP" b="1" dirty="0" smtClean="0">
+              <a:solidFill>
+                <a:srgbClr val="FF0000"/>
+              </a:solidFill>
+            </a:endParaRPr>
           </a:p>
         </p:txBody>
       </p:sp>
     </p:spTree>
     <p:extLst>
       <p:ext uri="{BB962C8B-B14F-4D97-AF65-F5344CB8AC3E}">
-        <p14:creationId xmlns:p14="http://schemas.microsoft.com/office/powerpoint/2010/main" val="2833463137"/>
+        <p14:creationId xmlns:p14="http://schemas.microsoft.com/office/powerpoint/2010/main" val="4151743174"/>
       </p:ext>
     </p:extLst>
   </p:cSld>
@@ -11090,7 +11364,7 @@
 </p:sld>
 </file>
 
-<file path=ppt/slides/slide9.xml><?xml version="1.0" encoding="utf-8"?>
+<file path=ppt/slides/slide8.xml><?xml version="1.0" encoding="utf-8"?>
 <p:sld xmlns:a="http://schemas.openxmlformats.org/drawingml/2006/main" xmlns:r="http://schemas.openxmlformats.org/officeDocument/2006/relationships" xmlns:p="http://schemas.openxmlformats.org/presentationml/2006/main">
   <p:cSld>
     <p:spTree>
@@ -11107,9 +11381,1022 @@
           <a:chExt cx="0" cy="0"/>
         </a:xfrm>
       </p:grpSpPr>
+      <p:sp>
+        <p:nvSpPr>
+          <p:cNvPr id="2" name="タイトル 1"/>
+          <p:cNvSpPr>
+            <a:spLocks noGrp="1"/>
+          </p:cNvSpPr>
+          <p:nvPr>
+            <p:ph type="title"/>
+          </p:nvPr>
+        </p:nvSpPr>
+        <p:spPr/>
+        <p:txBody>
+          <a:bodyPr>
+            <a:normAutofit fontScale="90000"/>
+          </a:bodyPr>
+          <a:lstStyle/>
+          <a:p>
+            <a:r>
+              <a:rPr kumimoji="1" lang="ja-JP" altLang="en-US" dirty="0" smtClean="0"/>
+              <a:t>パージ </a:t>
+            </a:r>
+            <a:r>
+              <a:rPr kumimoji="1" lang="en-US" altLang="ja-JP" dirty="0" smtClean="0"/>
+              <a:t>-Purge-</a:t>
+            </a:r>
+            <a:endParaRPr kumimoji="1" lang="ja-JP" altLang="en-US" dirty="0"/>
+          </a:p>
+        </p:txBody>
+      </p:sp>
+      <p:grpSp>
+        <p:nvGrpSpPr>
+          <p:cNvPr id="13" name="グループ化 12"/>
+          <p:cNvGrpSpPr/>
+          <p:nvPr/>
+        </p:nvGrpSpPr>
+        <p:grpSpPr>
+          <a:xfrm>
+            <a:off x="409090" y="3622472"/>
+            <a:ext cx="8369507" cy="2359981"/>
+            <a:chOff x="409090" y="939704"/>
+            <a:chExt cx="8369507" cy="2359981"/>
+          </a:xfrm>
+        </p:grpSpPr>
+        <p:grpSp>
+          <p:nvGrpSpPr>
+            <p:cNvPr id="14" name="グループ化 13"/>
+            <p:cNvGrpSpPr/>
+            <p:nvPr/>
+          </p:nvGrpSpPr>
+          <p:grpSpPr>
+            <a:xfrm>
+              <a:off x="409090" y="939704"/>
+              <a:ext cx="4014574" cy="2359981"/>
+              <a:chOff x="409090" y="939704"/>
+              <a:chExt cx="4014574" cy="2359981"/>
+            </a:xfrm>
+          </p:grpSpPr>
+          <p:grpSp>
+            <p:nvGrpSpPr>
+              <p:cNvPr id="23" name="グループ化 22"/>
+              <p:cNvGrpSpPr/>
+              <p:nvPr/>
+            </p:nvGrpSpPr>
+            <p:grpSpPr>
+              <a:xfrm>
+                <a:off x="409090" y="1030103"/>
+                <a:ext cx="4014574" cy="2269582"/>
+                <a:chOff x="409090" y="1030103"/>
+                <a:chExt cx="4014574" cy="2269582"/>
+              </a:xfrm>
+            </p:grpSpPr>
+            <p:sp>
+              <p:nvSpPr>
+                <p:cNvPr id="25" name="角丸四角形 24"/>
+                <p:cNvSpPr/>
+                <p:nvPr/>
+              </p:nvSpPr>
+              <p:spPr>
+                <a:xfrm>
+                  <a:off x="409090" y="1030103"/>
+                  <a:ext cx="3967044" cy="2269582"/>
+                </a:xfrm>
+                <a:prstGeom prst="roundRect">
+                  <a:avLst>
+                    <a:gd name="adj" fmla="val 0"/>
+                  </a:avLst>
+                </a:prstGeom>
+                <a:solidFill>
+                  <a:schemeClr val="bg1"/>
+                </a:solidFill>
+                <a:ln w="76200">
+                  <a:solidFill>
+                    <a:schemeClr val="tx1"/>
+                  </a:solidFill>
+                </a:ln>
+              </p:spPr>
+              <p:style>
+                <a:lnRef idx="2">
+                  <a:schemeClr val="accent1">
+                    <a:shade val="50000"/>
+                  </a:schemeClr>
+                </a:lnRef>
+                <a:fillRef idx="1">
+                  <a:schemeClr val="accent1"/>
+                </a:fillRef>
+                <a:effectRef idx="0">
+                  <a:schemeClr val="accent1"/>
+                </a:effectRef>
+                <a:fontRef idx="minor">
+                  <a:schemeClr val="lt1"/>
+                </a:fontRef>
+              </p:style>
+              <p:txBody>
+                <a:bodyPr rtlCol="0" anchor="ctr"/>
+                <a:lstStyle/>
+                <a:p>
+                  <a:pPr algn="ctr"/>
+                  <a:endParaRPr kumimoji="1" lang="ja-JP" altLang="en-US" dirty="0">
+                    <a:solidFill>
+                      <a:schemeClr val="tx1"/>
+                    </a:solidFill>
+                  </a:endParaRPr>
+                </a:p>
+              </p:txBody>
+            </p:sp>
+            <p:sp>
+              <p:nvSpPr>
+                <p:cNvPr id="26" name="直角三角形 25"/>
+                <p:cNvSpPr/>
+                <p:nvPr/>
+              </p:nvSpPr>
+              <p:spPr>
+                <a:xfrm rot="10800000" flipH="1">
+                  <a:off x="409090" y="1061844"/>
+                  <a:ext cx="4014574" cy="577718"/>
+                </a:xfrm>
+                <a:prstGeom prst="rtTriangle">
+                  <a:avLst/>
+                </a:prstGeom>
+                <a:solidFill>
+                  <a:schemeClr val="tx1"/>
+                </a:solidFill>
+                <a:ln>
+                  <a:noFill/>
+                </a:ln>
+              </p:spPr>
+              <p:style>
+                <a:lnRef idx="2">
+                  <a:schemeClr val="accent1">
+                    <a:shade val="50000"/>
+                  </a:schemeClr>
+                </a:lnRef>
+                <a:fillRef idx="1">
+                  <a:schemeClr val="accent1"/>
+                </a:fillRef>
+                <a:effectRef idx="0">
+                  <a:schemeClr val="accent1"/>
+                </a:effectRef>
+                <a:fontRef idx="minor">
+                  <a:schemeClr val="lt1"/>
+                </a:fontRef>
+              </p:style>
+              <p:txBody>
+                <a:bodyPr rtlCol="0" anchor="ctr"/>
+                <a:lstStyle/>
+                <a:p>
+                  <a:pPr algn="ctr"/>
+                  <a:endParaRPr kumimoji="1" lang="ja-JP" altLang="en-US"/>
+                </a:p>
+              </p:txBody>
+            </p:sp>
+          </p:grpSp>
+          <p:sp>
+            <p:nvSpPr>
+              <p:cNvPr id="24" name="テキスト ボックス 23"/>
+              <p:cNvSpPr txBox="1"/>
+              <p:nvPr/>
+            </p:nvSpPr>
+            <p:spPr>
+              <a:xfrm rot="21161010">
+                <a:off x="454626" y="939704"/>
+                <a:ext cx="1111202" cy="646331"/>
+              </a:xfrm>
+              <a:prstGeom prst="rect">
+                <a:avLst/>
+              </a:prstGeom>
+              <a:noFill/>
+            </p:spPr>
+            <p:txBody>
+              <a:bodyPr wrap="none" rtlCol="0">
+                <a:spAutoFit/>
+              </a:bodyPr>
+              <a:lstStyle/>
+              <a:p>
+                <a:r>
+                  <a:rPr lang="ja-JP" altLang="en-US" sz="3600" b="1" dirty="0" smtClean="0">
+                    <a:ln w="12700">
+                      <a:solidFill>
+                        <a:schemeClr val="tx1"/>
+                      </a:solidFill>
+                    </a:ln>
+                    <a:solidFill>
+                      <a:schemeClr val="bg1"/>
+                    </a:solidFill>
+                    <a:latin typeface="HGP明朝B" panose="02020800000000000000" pitchFamily="18" charset="-128"/>
+                    <a:ea typeface="HGP明朝B" panose="02020800000000000000" pitchFamily="18" charset="-128"/>
+                  </a:rPr>
+                  <a:t>必殺</a:t>
+                </a:r>
+                <a:endParaRPr lang="ja-JP" altLang="en-US" sz="3600" b="1" dirty="0">
+                  <a:ln w="12700">
+                    <a:solidFill>
+                      <a:schemeClr val="tx1"/>
+                    </a:solidFill>
+                  </a:ln>
+                  <a:solidFill>
+                    <a:schemeClr val="bg1"/>
+                  </a:solidFill>
+                  <a:latin typeface="HGP明朝B" panose="02020800000000000000" pitchFamily="18" charset="-128"/>
+                  <a:ea typeface="HGP明朝B" panose="02020800000000000000" pitchFamily="18" charset="-128"/>
+                </a:endParaRPr>
+              </a:p>
+            </p:txBody>
+          </p:sp>
+        </p:grpSp>
+        <p:sp>
+          <p:nvSpPr>
+            <p:cNvPr id="18" name="角丸四角形 17"/>
+            <p:cNvSpPr/>
+            <p:nvPr/>
+          </p:nvSpPr>
+          <p:spPr>
+            <a:xfrm>
+              <a:off x="4767866" y="1030103"/>
+              <a:ext cx="3967044" cy="2269582"/>
+            </a:xfrm>
+            <a:prstGeom prst="roundRect">
+              <a:avLst>
+                <a:gd name="adj" fmla="val 0"/>
+              </a:avLst>
+            </a:prstGeom>
+            <a:solidFill>
+              <a:schemeClr val="bg1"/>
+            </a:solidFill>
+            <a:ln w="76200">
+              <a:solidFill>
+                <a:schemeClr val="tx1"/>
+              </a:solidFill>
+            </a:ln>
+          </p:spPr>
+          <p:style>
+            <a:lnRef idx="2">
+              <a:schemeClr val="accent1">
+                <a:shade val="50000"/>
+              </a:schemeClr>
+            </a:lnRef>
+            <a:fillRef idx="1">
+              <a:schemeClr val="accent1"/>
+            </a:fillRef>
+            <a:effectRef idx="0">
+              <a:schemeClr val="accent1"/>
+            </a:effectRef>
+            <a:fontRef idx="minor">
+              <a:schemeClr val="lt1"/>
+            </a:fontRef>
+          </p:style>
+          <p:txBody>
+            <a:bodyPr rtlCol="0" anchor="ctr"/>
+            <a:lstStyle/>
+            <a:p>
+              <a:pPr algn="ctr"/>
+              <a:endParaRPr kumimoji="1" lang="ja-JP" altLang="en-US"/>
+            </a:p>
+          </p:txBody>
+        </p:sp>
+        <p:sp>
+          <p:nvSpPr>
+            <p:cNvPr id="21" name="直角三角形 20"/>
+            <p:cNvSpPr/>
+            <p:nvPr/>
+          </p:nvSpPr>
+          <p:spPr>
+            <a:xfrm rot="10800000" flipH="1">
+              <a:off x="4764023" y="1061844"/>
+              <a:ext cx="4014574" cy="577718"/>
+            </a:xfrm>
+            <a:prstGeom prst="rtTriangle">
+              <a:avLst/>
+            </a:prstGeom>
+            <a:solidFill>
+              <a:schemeClr val="tx1"/>
+            </a:solidFill>
+            <a:ln>
+              <a:noFill/>
+            </a:ln>
+          </p:spPr>
+          <p:style>
+            <a:lnRef idx="2">
+              <a:schemeClr val="accent1">
+                <a:shade val="50000"/>
+              </a:schemeClr>
+            </a:lnRef>
+            <a:fillRef idx="1">
+              <a:schemeClr val="accent1"/>
+            </a:fillRef>
+            <a:effectRef idx="0">
+              <a:schemeClr val="accent1"/>
+            </a:effectRef>
+            <a:fontRef idx="minor">
+              <a:schemeClr val="lt1"/>
+            </a:fontRef>
+          </p:style>
+          <p:txBody>
+            <a:bodyPr rtlCol="0" anchor="ctr"/>
+            <a:lstStyle/>
+            <a:p>
+              <a:pPr algn="ctr"/>
+              <a:endParaRPr kumimoji="1" lang="ja-JP" altLang="en-US"/>
+            </a:p>
+          </p:txBody>
+        </p:sp>
+        <p:sp>
+          <p:nvSpPr>
+            <p:cNvPr id="22" name="二等辺三角形 21"/>
+            <p:cNvSpPr/>
+            <p:nvPr/>
+          </p:nvSpPr>
+          <p:spPr>
+            <a:xfrm rot="5400000">
+              <a:off x="3831632" y="2018479"/>
+              <a:ext cx="1457843" cy="292829"/>
+            </a:xfrm>
+            <a:prstGeom prst="triangle">
+              <a:avLst/>
+            </a:prstGeom>
+            <a:solidFill>
+              <a:schemeClr val="tx1"/>
+            </a:solidFill>
+            <a:ln>
+              <a:solidFill>
+                <a:schemeClr val="tx1"/>
+              </a:solidFill>
+            </a:ln>
+          </p:spPr>
+          <p:style>
+            <a:lnRef idx="2">
+              <a:schemeClr val="accent1">
+                <a:shade val="50000"/>
+              </a:schemeClr>
+            </a:lnRef>
+            <a:fillRef idx="1">
+              <a:schemeClr val="accent1"/>
+            </a:fillRef>
+            <a:effectRef idx="0">
+              <a:schemeClr val="accent1"/>
+            </a:effectRef>
+            <a:fontRef idx="minor">
+              <a:schemeClr val="lt1"/>
+            </a:fontRef>
+          </p:style>
+          <p:txBody>
+            <a:bodyPr rtlCol="0" anchor="ctr"/>
+            <a:lstStyle/>
+            <a:p>
+              <a:pPr algn="ctr"/>
+              <a:endParaRPr kumimoji="1" lang="ja-JP" altLang="en-US"/>
+            </a:p>
+          </p:txBody>
+        </p:sp>
+      </p:grpSp>
+      <p:grpSp>
+        <p:nvGrpSpPr>
+          <p:cNvPr id="27" name="グループ化 26"/>
+          <p:cNvGrpSpPr/>
+          <p:nvPr/>
+        </p:nvGrpSpPr>
+        <p:grpSpPr>
+          <a:xfrm>
+            <a:off x="409090" y="952493"/>
+            <a:ext cx="8369507" cy="3254660"/>
+            <a:chOff x="409090" y="952493"/>
+            <a:chExt cx="8369507" cy="3254660"/>
+          </a:xfrm>
+        </p:grpSpPr>
+        <p:sp>
+          <p:nvSpPr>
+            <p:cNvPr id="28" name="角丸四角形 27"/>
+            <p:cNvSpPr/>
+            <p:nvPr/>
+          </p:nvSpPr>
+          <p:spPr>
+            <a:xfrm>
+              <a:off x="4767866" y="1030103"/>
+              <a:ext cx="3967044" cy="2269582"/>
+            </a:xfrm>
+            <a:prstGeom prst="roundRect">
+              <a:avLst>
+                <a:gd name="adj" fmla="val 0"/>
+              </a:avLst>
+            </a:prstGeom>
+            <a:solidFill>
+              <a:schemeClr val="bg1"/>
+            </a:solidFill>
+            <a:ln w="76200">
+              <a:solidFill>
+                <a:schemeClr val="tx1"/>
+              </a:solidFill>
+            </a:ln>
+          </p:spPr>
+          <p:style>
+            <a:lnRef idx="2">
+              <a:schemeClr val="accent1">
+                <a:shade val="50000"/>
+              </a:schemeClr>
+            </a:lnRef>
+            <a:fillRef idx="1">
+              <a:schemeClr val="accent1"/>
+            </a:fillRef>
+            <a:effectRef idx="0">
+              <a:schemeClr val="accent1"/>
+            </a:effectRef>
+            <a:fontRef idx="minor">
+              <a:schemeClr val="lt1"/>
+            </a:fontRef>
+          </p:style>
+          <p:txBody>
+            <a:bodyPr rtlCol="0" anchor="ctr"/>
+            <a:lstStyle/>
+            <a:p>
+              <a:pPr algn="ctr"/>
+              <a:endParaRPr kumimoji="1" lang="ja-JP" altLang="en-US"/>
+            </a:p>
+          </p:txBody>
+        </p:sp>
+        <p:sp>
+          <p:nvSpPr>
+            <p:cNvPr id="29" name="直角三角形 28"/>
+            <p:cNvSpPr/>
+            <p:nvPr/>
+          </p:nvSpPr>
+          <p:spPr>
+            <a:xfrm rot="10800000" flipH="1">
+              <a:off x="4764023" y="1061844"/>
+              <a:ext cx="4014574" cy="577718"/>
+            </a:xfrm>
+            <a:prstGeom prst="rtTriangle">
+              <a:avLst/>
+            </a:prstGeom>
+            <a:solidFill>
+              <a:schemeClr val="tx1"/>
+            </a:solidFill>
+            <a:ln>
+              <a:noFill/>
+            </a:ln>
+          </p:spPr>
+          <p:style>
+            <a:lnRef idx="2">
+              <a:schemeClr val="accent1">
+                <a:shade val="50000"/>
+              </a:schemeClr>
+            </a:lnRef>
+            <a:fillRef idx="1">
+              <a:schemeClr val="accent1"/>
+            </a:fillRef>
+            <a:effectRef idx="0">
+              <a:schemeClr val="accent1"/>
+            </a:effectRef>
+            <a:fontRef idx="minor">
+              <a:schemeClr val="lt1"/>
+            </a:fontRef>
+          </p:style>
+          <p:txBody>
+            <a:bodyPr rtlCol="0" anchor="ctr"/>
+            <a:lstStyle/>
+            <a:p>
+              <a:pPr algn="ctr"/>
+              <a:endParaRPr kumimoji="1" lang="ja-JP" altLang="en-US"/>
+            </a:p>
+          </p:txBody>
+        </p:sp>
+        <p:grpSp>
+          <p:nvGrpSpPr>
+            <p:cNvPr id="30" name="グループ化 29"/>
+            <p:cNvGrpSpPr/>
+            <p:nvPr/>
+          </p:nvGrpSpPr>
+          <p:grpSpPr>
+            <a:xfrm>
+              <a:off x="409090" y="952493"/>
+              <a:ext cx="6029439" cy="3254660"/>
+              <a:chOff x="409090" y="952493"/>
+              <a:chExt cx="6029439" cy="3254660"/>
+            </a:xfrm>
+          </p:grpSpPr>
+          <p:grpSp>
+            <p:nvGrpSpPr>
+              <p:cNvPr id="32" name="グループ化 31"/>
+              <p:cNvGrpSpPr/>
+              <p:nvPr/>
+            </p:nvGrpSpPr>
+            <p:grpSpPr>
+              <a:xfrm>
+                <a:off x="409090" y="1030103"/>
+                <a:ext cx="4014574" cy="2269582"/>
+                <a:chOff x="409090" y="1030103"/>
+                <a:chExt cx="4014574" cy="2269582"/>
+              </a:xfrm>
+            </p:grpSpPr>
+            <p:sp>
+              <p:nvSpPr>
+                <p:cNvPr id="36" name="角丸四角形 35"/>
+                <p:cNvSpPr/>
+                <p:nvPr/>
+              </p:nvSpPr>
+              <p:spPr>
+                <a:xfrm>
+                  <a:off x="409090" y="1030103"/>
+                  <a:ext cx="3967044" cy="2269582"/>
+                </a:xfrm>
+                <a:prstGeom prst="roundRect">
+                  <a:avLst>
+                    <a:gd name="adj" fmla="val 0"/>
+                  </a:avLst>
+                </a:prstGeom>
+                <a:solidFill>
+                  <a:schemeClr val="bg1"/>
+                </a:solidFill>
+                <a:ln w="76200">
+                  <a:solidFill>
+                    <a:schemeClr val="tx1"/>
+                  </a:solidFill>
+                </a:ln>
+              </p:spPr>
+              <p:style>
+                <a:lnRef idx="2">
+                  <a:schemeClr val="accent1">
+                    <a:shade val="50000"/>
+                  </a:schemeClr>
+                </a:lnRef>
+                <a:fillRef idx="1">
+                  <a:schemeClr val="accent1"/>
+                </a:fillRef>
+                <a:effectRef idx="0">
+                  <a:schemeClr val="accent1"/>
+                </a:effectRef>
+                <a:fontRef idx="minor">
+                  <a:schemeClr val="lt1"/>
+                </a:fontRef>
+              </p:style>
+              <p:txBody>
+                <a:bodyPr rtlCol="0" anchor="ctr"/>
+                <a:lstStyle/>
+                <a:p>
+                  <a:pPr algn="ctr"/>
+                  <a:endParaRPr kumimoji="1" lang="ja-JP" altLang="en-US" dirty="0">
+                    <a:solidFill>
+                      <a:schemeClr val="tx1"/>
+                    </a:solidFill>
+                  </a:endParaRPr>
+                </a:p>
+              </p:txBody>
+            </p:sp>
+            <p:sp>
+              <p:nvSpPr>
+                <p:cNvPr id="37" name="直角三角形 36"/>
+                <p:cNvSpPr/>
+                <p:nvPr/>
+              </p:nvSpPr>
+              <p:spPr>
+                <a:xfrm rot="10800000" flipH="1">
+                  <a:off x="409090" y="1061844"/>
+                  <a:ext cx="4014574" cy="577718"/>
+                </a:xfrm>
+                <a:prstGeom prst="rtTriangle">
+                  <a:avLst/>
+                </a:prstGeom>
+                <a:solidFill>
+                  <a:schemeClr val="tx1"/>
+                </a:solidFill>
+                <a:ln>
+                  <a:noFill/>
+                </a:ln>
+              </p:spPr>
+              <p:style>
+                <a:lnRef idx="2">
+                  <a:schemeClr val="accent1">
+                    <a:shade val="50000"/>
+                  </a:schemeClr>
+                </a:lnRef>
+                <a:fillRef idx="1">
+                  <a:schemeClr val="accent1"/>
+                </a:fillRef>
+                <a:effectRef idx="0">
+                  <a:schemeClr val="accent1"/>
+                </a:effectRef>
+                <a:fontRef idx="minor">
+                  <a:schemeClr val="lt1"/>
+                </a:fontRef>
+              </p:style>
+              <p:txBody>
+                <a:bodyPr rtlCol="0" anchor="ctr"/>
+                <a:lstStyle/>
+                <a:p>
+                  <a:pPr algn="ctr"/>
+                  <a:endParaRPr kumimoji="1" lang="ja-JP" altLang="en-US"/>
+                </a:p>
+              </p:txBody>
+            </p:sp>
+          </p:grpSp>
+          <p:sp>
+            <p:nvSpPr>
+              <p:cNvPr id="33" name="テキスト ボックス 32"/>
+              <p:cNvSpPr txBox="1"/>
+              <p:nvPr/>
+            </p:nvSpPr>
+            <p:spPr>
+              <a:xfrm rot="21161010">
+                <a:off x="447605" y="952493"/>
+                <a:ext cx="647934" cy="646331"/>
+              </a:xfrm>
+              <a:prstGeom prst="rect">
+                <a:avLst/>
+              </a:prstGeom>
+              <a:noFill/>
+            </p:spPr>
+            <p:txBody>
+              <a:bodyPr wrap="none" rtlCol="0">
+                <a:spAutoFit/>
+              </a:bodyPr>
+              <a:lstStyle/>
+              <a:p>
+                <a:r>
+                  <a:rPr lang="ja-JP" altLang="en-US" sz="3600" b="1" smtClean="0">
+                    <a:ln w="12700">
+                      <a:solidFill>
+                        <a:schemeClr val="tx1"/>
+                      </a:solidFill>
+                    </a:ln>
+                    <a:solidFill>
+                      <a:schemeClr val="bg1"/>
+                    </a:solidFill>
+                    <a:latin typeface="HGP明朝B" panose="02020800000000000000" pitchFamily="18" charset="-128"/>
+                    <a:ea typeface="HGP明朝B" panose="02020800000000000000" pitchFamily="18" charset="-128"/>
+                  </a:rPr>
+                  <a:t>脱</a:t>
+                </a:r>
+                <a:endParaRPr lang="ja-JP" altLang="en-US" sz="3600" b="1" dirty="0">
+                  <a:ln w="12700">
+                    <a:solidFill>
+                      <a:schemeClr val="tx1"/>
+                    </a:solidFill>
+                  </a:ln>
+                  <a:solidFill>
+                    <a:schemeClr val="bg1"/>
+                  </a:solidFill>
+                  <a:latin typeface="HGP明朝B" panose="02020800000000000000" pitchFamily="18" charset="-128"/>
+                  <a:ea typeface="HGP明朝B" panose="02020800000000000000" pitchFamily="18" charset="-128"/>
+                </a:endParaRPr>
+              </a:p>
+            </p:txBody>
+          </p:sp>
+          <p:sp>
+            <p:nvSpPr>
+              <p:cNvPr id="34" name="テキスト ボックス 33"/>
+              <p:cNvSpPr txBox="1"/>
+              <p:nvPr/>
+            </p:nvSpPr>
+            <p:spPr>
+              <a:xfrm rot="21161010">
+                <a:off x="4767705" y="1071415"/>
+                <a:ext cx="1636987" cy="461665"/>
+              </a:xfrm>
+              <a:prstGeom prst="rect">
+                <a:avLst/>
+              </a:prstGeom>
+              <a:noFill/>
+            </p:spPr>
+            <p:txBody>
+              <a:bodyPr wrap="none" rtlCol="0">
+                <a:spAutoFit/>
+              </a:bodyPr>
+              <a:lstStyle/>
+              <a:p>
+                <a:r>
+                  <a:rPr lang="ja-JP" altLang="en-US" sz="2400" b="1" dirty="0" smtClean="0">
+                    <a:ln w="12700">
+                      <a:solidFill>
+                        <a:schemeClr val="tx1"/>
+                      </a:solidFill>
+                    </a:ln>
+                    <a:solidFill>
+                      <a:schemeClr val="bg1"/>
+                    </a:solidFill>
+                    <a:latin typeface="HGP明朝B" panose="02020800000000000000" pitchFamily="18" charset="-128"/>
+                    <a:ea typeface="HGP明朝B" panose="02020800000000000000" pitchFamily="18" charset="-128"/>
+                  </a:rPr>
+                  <a:t>回避と攻撃</a:t>
+                </a:r>
+                <a:endParaRPr lang="ja-JP" altLang="en-US" sz="2400" b="1" dirty="0">
+                  <a:ln w="12700">
+                    <a:solidFill>
+                      <a:schemeClr val="tx1"/>
+                    </a:solidFill>
+                  </a:ln>
+                  <a:solidFill>
+                    <a:schemeClr val="bg1"/>
+                  </a:solidFill>
+                  <a:latin typeface="HGP明朝B" panose="02020800000000000000" pitchFamily="18" charset="-128"/>
+                  <a:ea typeface="HGP明朝B" panose="02020800000000000000" pitchFamily="18" charset="-128"/>
+                </a:endParaRPr>
+              </a:p>
+            </p:txBody>
+          </p:sp>
+          <p:sp>
+            <p:nvSpPr>
+              <p:cNvPr id="35" name="テキスト ボックス 34"/>
+              <p:cNvSpPr txBox="1"/>
+              <p:nvPr/>
+            </p:nvSpPr>
+            <p:spPr>
+              <a:xfrm rot="21161010">
+                <a:off x="4729407" y="3745488"/>
+                <a:ext cx="1709122" cy="461665"/>
+              </a:xfrm>
+              <a:prstGeom prst="rect">
+                <a:avLst/>
+              </a:prstGeom>
+              <a:noFill/>
+            </p:spPr>
+            <p:txBody>
+              <a:bodyPr wrap="none" rtlCol="0">
+                <a:spAutoFit/>
+              </a:bodyPr>
+              <a:lstStyle/>
+              <a:p>
+                <a:r>
+                  <a:rPr lang="ja-JP" altLang="en-US" sz="2400" b="1" dirty="0" smtClean="0">
+                    <a:ln w="12700">
+                      <a:solidFill>
+                        <a:schemeClr val="tx1"/>
+                      </a:solidFill>
+                    </a:ln>
+                    <a:solidFill>
+                      <a:schemeClr val="bg1"/>
+                    </a:solidFill>
+                    <a:latin typeface="HGP明朝B" panose="02020800000000000000" pitchFamily="18" charset="-128"/>
+                    <a:ea typeface="HGP明朝B" panose="02020800000000000000" pitchFamily="18" charset="-128"/>
+                  </a:rPr>
+                  <a:t>特殊な強化</a:t>
+                </a:r>
+                <a:endParaRPr lang="ja-JP" altLang="en-US" sz="2400" b="1" dirty="0">
+                  <a:ln w="12700">
+                    <a:solidFill>
+                      <a:schemeClr val="tx1"/>
+                    </a:solidFill>
+                  </a:ln>
+                  <a:solidFill>
+                    <a:schemeClr val="bg1"/>
+                  </a:solidFill>
+                  <a:latin typeface="HGP明朝B" panose="02020800000000000000" pitchFamily="18" charset="-128"/>
+                  <a:ea typeface="HGP明朝B" panose="02020800000000000000" pitchFamily="18" charset="-128"/>
+                </a:endParaRPr>
+              </a:p>
+            </p:txBody>
+          </p:sp>
+        </p:grpSp>
+        <p:sp>
+          <p:nvSpPr>
+            <p:cNvPr id="31" name="二等辺三角形 30"/>
+            <p:cNvSpPr/>
+            <p:nvPr/>
+          </p:nvSpPr>
+          <p:spPr>
+            <a:xfrm rot="5400000">
+              <a:off x="3831632" y="2018479"/>
+              <a:ext cx="1457843" cy="292829"/>
+            </a:xfrm>
+            <a:prstGeom prst="triangle">
+              <a:avLst/>
+            </a:prstGeom>
+            <a:solidFill>
+              <a:schemeClr val="tx1"/>
+            </a:solidFill>
+            <a:ln>
+              <a:solidFill>
+                <a:schemeClr val="tx1"/>
+              </a:solidFill>
+            </a:ln>
+          </p:spPr>
+          <p:style>
+            <a:lnRef idx="2">
+              <a:schemeClr val="accent1">
+                <a:shade val="50000"/>
+              </a:schemeClr>
+            </a:lnRef>
+            <a:fillRef idx="1">
+              <a:schemeClr val="accent1"/>
+            </a:fillRef>
+            <a:effectRef idx="0">
+              <a:schemeClr val="accent1"/>
+            </a:effectRef>
+            <a:fontRef idx="minor">
+              <a:schemeClr val="lt1"/>
+            </a:fontRef>
+          </p:style>
+          <p:txBody>
+            <a:bodyPr rtlCol="0" anchor="ctr"/>
+            <a:lstStyle/>
+            <a:p>
+              <a:pPr algn="ctr"/>
+              <a:endParaRPr kumimoji="1" lang="ja-JP" altLang="en-US"/>
+            </a:p>
+          </p:txBody>
+        </p:sp>
+      </p:grpSp>
+      <p:sp>
+        <p:nvSpPr>
+          <p:cNvPr id="53" name="テキスト ボックス 52"/>
+          <p:cNvSpPr txBox="1"/>
+          <p:nvPr/>
+        </p:nvSpPr>
+        <p:spPr>
+          <a:xfrm>
+            <a:off x="4974100" y="1715434"/>
+            <a:ext cx="3569826" cy="1338828"/>
+          </a:xfrm>
+          <a:prstGeom prst="rect">
+            <a:avLst/>
+          </a:prstGeom>
+          <a:noFill/>
+        </p:spPr>
+        <p:txBody>
+          <a:bodyPr wrap="square" rtlCol="0">
+            <a:spAutoFit/>
+          </a:bodyPr>
+          <a:lstStyle/>
+          <a:p>
+            <a:pPr>
+              <a:lnSpc>
+                <a:spcPct val="150000"/>
+              </a:lnSpc>
+            </a:pPr>
+            <a:r>
+              <a:rPr lang="ja-JP" altLang="en-US" b="1" dirty="0">
+                <a:solidFill>
+                  <a:srgbClr val="FF0000"/>
+                </a:solidFill>
+              </a:rPr>
+              <a:t>回避</a:t>
+            </a:r>
+            <a:r>
+              <a:rPr lang="ja-JP" altLang="en-US" b="1" dirty="0" smtClean="0">
+                <a:solidFill>
+                  <a:srgbClr val="FF0000"/>
+                </a:solidFill>
+              </a:rPr>
+              <a:t>と攻撃</a:t>
+            </a:r>
+            <a:r>
+              <a:rPr lang="ja-JP" altLang="en-US" dirty="0" smtClean="0"/>
+              <a:t>を</a:t>
+            </a:r>
+            <a:r>
+              <a:rPr lang="ja-JP" altLang="en-US" dirty="0"/>
+              <a:t>兼</a:t>
+            </a:r>
+            <a:r>
+              <a:rPr lang="ja-JP" altLang="en-US" dirty="0" smtClean="0"/>
+              <a:t>ねそろえた技</a:t>
+            </a:r>
+            <a:endParaRPr lang="en-US" altLang="ja-JP" dirty="0" smtClean="0"/>
+          </a:p>
+          <a:p>
+            <a:pPr>
+              <a:lnSpc>
+                <a:spcPct val="150000"/>
+              </a:lnSpc>
+            </a:pPr>
+            <a:r>
+              <a:rPr kumimoji="1" lang="ja-JP" altLang="en-US" dirty="0"/>
+              <a:t>耐久力</a:t>
+            </a:r>
+            <a:r>
+              <a:rPr kumimoji="1" lang="ja-JP" altLang="en-US" dirty="0" smtClean="0"/>
+              <a:t>が</a:t>
+            </a:r>
+            <a:r>
+              <a:rPr kumimoji="1" lang="ja-JP" altLang="en-US" dirty="0"/>
+              <a:t>少</a:t>
+            </a:r>
+            <a:r>
+              <a:rPr kumimoji="1" lang="ja-JP" altLang="en-US" dirty="0" smtClean="0"/>
+              <a:t>ないときや、</a:t>
+            </a:r>
+            <a:endParaRPr kumimoji="1" lang="en-US" altLang="ja-JP" dirty="0" smtClean="0"/>
+          </a:p>
+          <a:p>
+            <a:pPr>
+              <a:lnSpc>
+                <a:spcPct val="150000"/>
+              </a:lnSpc>
+            </a:pPr>
+            <a:r>
+              <a:rPr kumimoji="1" lang="ja-JP" altLang="en-US" dirty="0" smtClean="0"/>
+              <a:t>装備変更したいときにも使える</a:t>
+            </a:r>
+            <a:endParaRPr kumimoji="1" lang="en-US" altLang="ja-JP" dirty="0" smtClean="0"/>
+          </a:p>
+        </p:txBody>
+      </p:sp>
+      <p:sp>
+        <p:nvSpPr>
+          <p:cNvPr id="54" name="テキスト ボックス 53"/>
+          <p:cNvSpPr txBox="1"/>
+          <p:nvPr/>
+        </p:nvSpPr>
+        <p:spPr>
+          <a:xfrm>
+            <a:off x="4974100" y="4437109"/>
+            <a:ext cx="3569826" cy="1338828"/>
+          </a:xfrm>
+          <a:prstGeom prst="rect">
+            <a:avLst/>
+          </a:prstGeom>
+          <a:noFill/>
+        </p:spPr>
+        <p:txBody>
+          <a:bodyPr wrap="square" rtlCol="0">
+            <a:spAutoFit/>
+          </a:bodyPr>
+          <a:lstStyle/>
+          <a:p>
+            <a:pPr>
+              <a:lnSpc>
+                <a:spcPct val="150000"/>
+              </a:lnSpc>
+            </a:pPr>
+            <a:r>
+              <a:rPr lang="ja-JP" altLang="en-US" dirty="0" smtClean="0"/>
+              <a:t>あえて</a:t>
+            </a:r>
+            <a:r>
+              <a:rPr lang="ja-JP" altLang="en-US" b="1" dirty="0" smtClean="0">
+                <a:solidFill>
+                  <a:srgbClr val="FF0000"/>
+                </a:solidFill>
+              </a:rPr>
+              <a:t>偏った</a:t>
+            </a:r>
+            <a:r>
+              <a:rPr lang="ja-JP" altLang="en-US" b="1" dirty="0">
+                <a:solidFill>
+                  <a:srgbClr val="FF0000"/>
+                </a:solidFill>
+              </a:rPr>
+              <a:t>装備</a:t>
+            </a:r>
+            <a:r>
+              <a:rPr lang="ja-JP" altLang="en-US" dirty="0" smtClean="0"/>
+              <a:t>をすることで</a:t>
+            </a:r>
+            <a:endParaRPr lang="en-US" altLang="ja-JP" dirty="0" smtClean="0"/>
+          </a:p>
+          <a:p>
+            <a:pPr>
+              <a:lnSpc>
+                <a:spcPct val="150000"/>
+              </a:lnSpc>
+            </a:pPr>
+            <a:r>
+              <a:rPr lang="ja-JP" altLang="en-US" dirty="0"/>
+              <a:t>耐久力</a:t>
+            </a:r>
+            <a:r>
+              <a:rPr lang="ja-JP" altLang="en-US" dirty="0" smtClean="0"/>
+              <a:t>を</a:t>
+            </a:r>
+            <a:r>
+              <a:rPr lang="ja-JP" altLang="en-US" dirty="0"/>
+              <a:t>消費</a:t>
+            </a:r>
+            <a:r>
+              <a:rPr lang="ja-JP" altLang="en-US" dirty="0" smtClean="0"/>
+              <a:t>する大技を使える</a:t>
+            </a:r>
+            <a:endParaRPr lang="en-US" altLang="ja-JP" dirty="0" smtClean="0"/>
+          </a:p>
+          <a:p>
+            <a:pPr>
+              <a:lnSpc>
+                <a:spcPct val="150000"/>
+              </a:lnSpc>
+            </a:pPr>
+            <a:r>
+              <a:rPr lang="ja-JP" altLang="en-US" dirty="0" smtClean="0"/>
+              <a:t>ボス戦や殲滅に</a:t>
+            </a:r>
+            <a:r>
+              <a:rPr lang="ja-JP" altLang="en-US" b="1" dirty="0" smtClean="0">
+                <a:solidFill>
+                  <a:srgbClr val="FF0000"/>
+                </a:solidFill>
+              </a:rPr>
+              <a:t>効果絶大！！</a:t>
+            </a:r>
+            <a:endParaRPr lang="en-US" altLang="ja-JP" b="1" dirty="0" smtClean="0">
+              <a:solidFill>
+                <a:srgbClr val="FF0000"/>
+              </a:solidFill>
+            </a:endParaRPr>
+          </a:p>
+        </p:txBody>
+      </p:sp>
       <p:pic>
         <p:nvPicPr>
-          <p:cNvPr id="7" name="図 6"/>
+          <p:cNvPr id="55" name="図 54"/>
           <p:cNvPicPr>
             <a:picLocks noChangeAspect="1"/>
           </p:cNvPicPr>
@@ -11128,83 +12415,18 @@
           </a:stretch>
         </p:blipFill>
         <p:spPr>
-          <a:xfrm rot="13189178">
-            <a:off x="6215360" y="2779271"/>
-            <a:ext cx="983788" cy="983788"/>
+          <a:xfrm flipH="1">
+            <a:off x="1241927" y="3789742"/>
+            <a:ext cx="2301369" cy="2301369"/>
           </a:xfrm>
           <a:prstGeom prst="rect">
             <a:avLst/>
           </a:prstGeom>
         </p:spPr>
       </p:pic>
-      <p:sp>
-        <p:nvSpPr>
-          <p:cNvPr id="2" name="タイトル 1"/>
-          <p:cNvSpPr>
-            <a:spLocks noGrp="1"/>
-          </p:cNvSpPr>
-          <p:nvPr>
-            <p:ph type="title"/>
-          </p:nvPr>
-        </p:nvSpPr>
-        <p:spPr/>
-        <p:txBody>
-          <a:bodyPr>
-            <a:normAutofit fontScale="90000"/>
-          </a:bodyPr>
-          <a:lstStyle/>
-          <a:p>
-            <a:r>
-              <a:rPr kumimoji="1" lang="ja-JP" altLang="en-US" dirty="0" smtClean="0"/>
-              <a:t>パージ </a:t>
-            </a:r>
-            <a:r>
-              <a:rPr kumimoji="1" lang="en-US" altLang="ja-JP" dirty="0" smtClean="0"/>
-              <a:t>-Purge-</a:t>
-            </a:r>
-            <a:endParaRPr kumimoji="1" lang="ja-JP" altLang="en-US" dirty="0"/>
-          </a:p>
-        </p:txBody>
-      </p:sp>
-      <p:sp>
-        <p:nvSpPr>
-          <p:cNvPr id="8" name="テキスト ボックス 7"/>
-          <p:cNvSpPr txBox="1"/>
-          <p:nvPr/>
-        </p:nvSpPr>
-        <p:spPr>
-          <a:xfrm>
-            <a:off x="622300" y="1209404"/>
-            <a:ext cx="7893050" cy="461665"/>
-          </a:xfrm>
-          <a:prstGeom prst="rect">
-            <a:avLst/>
-          </a:prstGeom>
-          <a:solidFill>
-            <a:srgbClr val="FF7C80"/>
-          </a:solidFill>
-        </p:spPr>
-        <p:txBody>
-          <a:bodyPr wrap="square" rtlCol="0">
-            <a:spAutoFit/>
-          </a:bodyPr>
-          <a:lstStyle/>
-          <a:p>
-            <a:r>
-              <a:rPr lang="ja-JP" altLang="en-US" sz="2400" b="1" dirty="0" smtClean="0"/>
-              <a:t>■</a:t>
-            </a:r>
-            <a:r>
-              <a:rPr lang="ja-JP" altLang="en-US" sz="2400" b="1" u="sng" dirty="0" smtClean="0"/>
-              <a:t>装備を消費し大技を繰り出す</a:t>
-            </a:r>
-            <a:endParaRPr kumimoji="1" lang="ja-JP" altLang="en-US" sz="2400" b="1" u="sng" dirty="0"/>
-          </a:p>
-        </p:txBody>
-      </p:sp>
       <p:pic>
         <p:nvPicPr>
-          <p:cNvPr id="15" name="図 14"/>
+          <p:cNvPr id="56" name="図 55"/>
           <p:cNvPicPr>
             <a:picLocks noChangeAspect="1"/>
           </p:cNvPicPr>
@@ -11218,187 +12440,23 @@
               </a:ext>
             </a:extLst>
           </a:blip>
-          <a:srcRect r="26405" b="22923"/>
+          <a:srcRect l="56949" t="35645" r="1" b="25274"/>
           <a:stretch/>
         </p:blipFill>
         <p:spPr>
-          <a:xfrm>
-            <a:off x="622300" y="2077679"/>
-            <a:ext cx="1517051" cy="2144493"/>
+          <a:xfrm rot="19811508">
+            <a:off x="2401445" y="3951327"/>
+            <a:ext cx="920880" cy="628632"/>
           </a:xfrm>
           <a:prstGeom prst="rect">
             <a:avLst/>
           </a:prstGeom>
         </p:spPr>
       </p:pic>
-      <p:pic>
-        <p:nvPicPr>
-          <p:cNvPr id="16" name="図 15"/>
-          <p:cNvPicPr>
-            <a:picLocks noChangeAspect="1"/>
-          </p:cNvPicPr>
-          <p:nvPr/>
-        </p:nvPicPr>
-        <p:blipFill rotWithShape="1">
-          <a:blip r:embed="rId5">
-            <a:extLst>
-              <a:ext uri="{28A0092B-C50C-407E-A947-70E740481C1C}">
-                <a14:useLocalDpi xmlns:a14="http://schemas.microsoft.com/office/drawing/2010/main" val="0"/>
-              </a:ext>
-            </a:extLst>
-          </a:blip>
-          <a:srcRect t="1706" r="3861"/>
-          <a:stretch/>
-        </p:blipFill>
-        <p:spPr>
-          <a:xfrm rot="13875107">
-            <a:off x="2370628" y="2012330"/>
-            <a:ext cx="742400" cy="1435886"/>
-          </a:xfrm>
-          <a:prstGeom prst="rect">
-            <a:avLst/>
-          </a:prstGeom>
-        </p:spPr>
-      </p:pic>
-      <p:sp>
-        <p:nvSpPr>
-          <p:cNvPr id="3" name="右矢印 2"/>
-          <p:cNvSpPr/>
-          <p:nvPr/>
-        </p:nvSpPr>
-        <p:spPr>
-          <a:xfrm>
-            <a:off x="3328465" y="3032841"/>
-            <a:ext cx="948906" cy="629697"/>
-          </a:xfrm>
-          <a:prstGeom prst="rightArrow">
-            <a:avLst/>
-          </a:prstGeom>
-        </p:spPr>
-        <p:style>
-          <a:lnRef idx="2">
-            <a:schemeClr val="accent1">
-              <a:shade val="50000"/>
-            </a:schemeClr>
-          </a:lnRef>
-          <a:fillRef idx="1">
-            <a:schemeClr val="accent1"/>
-          </a:fillRef>
-          <a:effectRef idx="0">
-            <a:schemeClr val="accent1"/>
-          </a:effectRef>
-          <a:fontRef idx="minor">
-            <a:schemeClr val="lt1"/>
-          </a:fontRef>
-        </p:style>
-        <p:txBody>
-          <a:bodyPr rtlCol="0" anchor="ctr"/>
-          <a:lstStyle/>
-          <a:p>
-            <a:pPr algn="ctr"/>
-            <a:endParaRPr kumimoji="1" lang="ja-JP" altLang="en-US"/>
-          </a:p>
-        </p:txBody>
-      </p:sp>
-      <p:pic>
-        <p:nvPicPr>
-          <p:cNvPr id="17" name="図 16"/>
-          <p:cNvPicPr>
-            <a:picLocks noChangeAspect="1"/>
-          </p:cNvPicPr>
-          <p:nvPr/>
-        </p:nvPicPr>
-        <p:blipFill rotWithShape="1">
-          <a:blip r:embed="rId4" cstate="print">
-            <a:extLst>
-              <a:ext uri="{28A0092B-C50C-407E-A947-70E740481C1C}">
-                <a14:useLocalDpi xmlns:a14="http://schemas.microsoft.com/office/drawing/2010/main" val="0"/>
-              </a:ext>
-            </a:extLst>
-          </a:blip>
-          <a:srcRect r="6847" b="22923"/>
-          <a:stretch/>
-        </p:blipFill>
-        <p:spPr>
-          <a:xfrm>
-            <a:off x="4277371" y="2077679"/>
-            <a:ext cx="1920218" cy="2144493"/>
-          </a:xfrm>
-          <a:prstGeom prst="rect">
-            <a:avLst/>
-          </a:prstGeom>
-        </p:spPr>
-      </p:pic>
-      <p:pic>
-        <p:nvPicPr>
-          <p:cNvPr id="19" name="図 18"/>
-          <p:cNvPicPr>
-            <a:picLocks noChangeAspect="1"/>
-          </p:cNvPicPr>
-          <p:nvPr/>
-        </p:nvPicPr>
-        <p:blipFill rotWithShape="1">
-          <a:blip r:embed="rId5">
-            <a:extLst>
-              <a:ext uri="{28A0092B-C50C-407E-A947-70E740481C1C}">
-                <a14:useLocalDpi xmlns:a14="http://schemas.microsoft.com/office/drawing/2010/main" val="0"/>
-              </a:ext>
-            </a:extLst>
-          </a:blip>
-          <a:srcRect t="1706" r="3861"/>
-          <a:stretch/>
-        </p:blipFill>
-        <p:spPr>
-          <a:xfrm rot="15344742">
-            <a:off x="7356910" y="2535970"/>
-            <a:ext cx="742400" cy="1435886"/>
-          </a:xfrm>
-          <a:prstGeom prst="rect">
-            <a:avLst/>
-          </a:prstGeom>
-        </p:spPr>
-      </p:pic>
-      <p:sp>
-        <p:nvSpPr>
-          <p:cNvPr id="20" name="テキスト ボックス 19"/>
-          <p:cNvSpPr txBox="1"/>
-          <p:nvPr/>
-        </p:nvSpPr>
-        <p:spPr>
-          <a:xfrm>
-            <a:off x="625475" y="4745623"/>
-            <a:ext cx="7893049" cy="646331"/>
-          </a:xfrm>
-          <a:prstGeom prst="rect">
-            <a:avLst/>
-          </a:prstGeom>
-          <a:noFill/>
-        </p:spPr>
-        <p:txBody>
-          <a:bodyPr wrap="square" rtlCol="0">
-            <a:spAutoFit/>
-          </a:bodyPr>
-          <a:lstStyle/>
-          <a:p>
-            <a:r>
-              <a:rPr kumimoji="1" lang="ja-JP" altLang="en-US" b="1" dirty="0" smtClean="0"/>
-              <a:t>・部位ごとに上限まで装備していた場合に発動できる</a:t>
-            </a:r>
-            <a:endParaRPr kumimoji="1" lang="en-US" altLang="ja-JP" b="1" dirty="0" smtClean="0"/>
-          </a:p>
-          <a:p>
-            <a:r>
-              <a:rPr lang="ja-JP" altLang="en-US" b="1" dirty="0" smtClean="0"/>
-              <a:t>・パージを使用すると大ダメージを与えられるが装備がなくなってしまう</a:t>
-            </a:r>
-            <a:endParaRPr kumimoji="1" lang="en-US" altLang="ja-JP" b="1" dirty="0" smtClean="0"/>
-          </a:p>
-        </p:txBody>
-      </p:sp>
     </p:spTree>
     <p:extLst>
       <p:ext uri="{BB962C8B-B14F-4D97-AF65-F5344CB8AC3E}">
-        <p14:creationId xmlns:p14="http://schemas.microsoft.com/office/powerpoint/2010/main" val="272897173"/>
+        <p14:creationId xmlns:p14="http://schemas.microsoft.com/office/powerpoint/2010/main" val="1118547402"/>
       </p:ext>
     </p:extLst>
   </p:cSld>

--- a/企画/企画書/PurgeVer2.pptx
+++ b/企画/企画書/PurgeVer2.pptx
@@ -5,17 +5,20 @@
     <p:sldMasterId id="2147483660" r:id="rId1"/>
   </p:sldMasterIdLst>
   <p:notesMasterIdLst>
-    <p:notesMasterId r:id="rId10"/>
+    <p:notesMasterId r:id="rId13"/>
   </p:notesMasterIdLst>
   <p:sldIdLst>
     <p:sldId id="256" r:id="rId2"/>
     <p:sldId id="263" r:id="rId3"/>
     <p:sldId id="261" r:id="rId4"/>
-    <p:sldId id="266" r:id="rId5"/>
-    <p:sldId id="262" r:id="rId6"/>
-    <p:sldId id="265" r:id="rId7"/>
-    <p:sldId id="268" r:id="rId8"/>
-    <p:sldId id="267" r:id="rId9"/>
+    <p:sldId id="262" r:id="rId5"/>
+    <p:sldId id="265" r:id="rId6"/>
+    <p:sldId id="268" r:id="rId7"/>
+    <p:sldId id="267" r:id="rId8"/>
+    <p:sldId id="271" r:id="rId9"/>
+    <p:sldId id="266" r:id="rId10"/>
+    <p:sldId id="269" r:id="rId11"/>
+    <p:sldId id="270" r:id="rId12"/>
   </p:sldIdLst>
   <p:sldSz cx="9144000" cy="6858000" type="screen4x3"/>
   <p:notesSz cx="6858000" cy="9144000"/>
@@ -215,7 +218,7 @@
           <a:p>
             <a:fld id="{3AF58804-1989-4928-AC3A-7D8C261CE1C6}" type="datetimeFigureOut">
               <a:rPr kumimoji="1" lang="ja-JP" altLang="en-US" smtClean="0"/>
-              <a:t>2017/12/1</a:t>
+              <a:t>2017/12/8</a:t>
             </a:fld>
             <a:endParaRPr kumimoji="1" lang="ja-JP" altLang="en-US"/>
           </a:p>
@@ -905,14 +908,14 @@
           <a:p>
             <a:r>
               <a:rPr kumimoji="1" lang="ja-JP" altLang="en-US" dirty="0" smtClean="0"/>
-              <a:t>このゲームの流れといたしまして</a:t>
+              <a:t>入手したパーツを装着し強化していくのですが、</a:t>
             </a:r>
             <a:endParaRPr kumimoji="1" lang="en-US" altLang="ja-JP" dirty="0" smtClean="0"/>
           </a:p>
           <a:p>
             <a:r>
               <a:rPr kumimoji="1" lang="ja-JP" altLang="en-US" dirty="0" smtClean="0"/>
-              <a:t>敵を攻撃する際に各部位を狙うことで敵の一部を破壊します</a:t>
+              <a:t>ただ強化されるのではなく、見た目やアクションの変化も起こります</a:t>
             </a:r>
             <a:endParaRPr kumimoji="1" lang="en-US" altLang="ja-JP" dirty="0" smtClean="0"/>
           </a:p>
@@ -922,27 +925,24 @@
           <a:p>
             <a:r>
               <a:rPr kumimoji="1" lang="ja-JP" altLang="en-US" dirty="0" smtClean="0"/>
-              <a:t>破壊された部分はパーツとしてプレイヤーは入手することができます</a:t>
+              <a:t>例えば、敵の腕を破壊し、自身に装着していくことで、</a:t>
             </a:r>
             <a:endParaRPr kumimoji="1" lang="en-US" altLang="ja-JP" dirty="0" smtClean="0"/>
           </a:p>
           <a:p>
+            <a:r>
+              <a:rPr kumimoji="1" lang="ja-JP" altLang="en-US" dirty="0" smtClean="0"/>
+              <a:t>腕の機能が特化した装備になっていきます</a:t>
+            </a:r>
             <a:endParaRPr kumimoji="1" lang="en-US" altLang="ja-JP" dirty="0" smtClean="0"/>
           </a:p>
           <a:p>
+            <a:endParaRPr kumimoji="1" lang="en-US" altLang="ja-JP" dirty="0" smtClean="0"/>
+          </a:p>
+          <a:p>
             <a:r>
               <a:rPr kumimoji="1" lang="ja-JP" altLang="en-US" dirty="0" smtClean="0"/>
-              <a:t>入手したパーツを自身に装着し強化</a:t>
-            </a:r>
-            <a:endParaRPr kumimoji="1" lang="en-US" altLang="ja-JP" dirty="0" smtClean="0"/>
-          </a:p>
-          <a:p>
-            <a:endParaRPr kumimoji="1" lang="en-US" altLang="ja-JP" dirty="0" smtClean="0"/>
-          </a:p>
-          <a:p>
-            <a:r>
-              <a:rPr kumimoji="1" lang="ja-JP" altLang="en-US" dirty="0" smtClean="0"/>
-              <a:t>限界値まで装備したパーツをすべて外すことで強力な必殺技を発動して戦います</a:t>
+              <a:t>組み合わせ次第で性能が変化していくことがポイントです</a:t>
             </a:r>
             <a:endParaRPr kumimoji="1" lang="ja-JP" altLang="en-US" dirty="0"/>
           </a:p>
@@ -974,7 +974,7 @@
     </p:spTree>
     <p:extLst>
       <p:ext uri="{BB962C8B-B14F-4D97-AF65-F5344CB8AC3E}">
-        <p14:creationId xmlns:p14="http://schemas.microsoft.com/office/powerpoint/2010/main" val="92695700"/>
+        <p14:creationId xmlns:p14="http://schemas.microsoft.com/office/powerpoint/2010/main" val="2037745896"/>
       </p:ext>
     </p:extLst>
   </p:cSld>
@@ -1096,7 +1096,7 @@
     </p:spTree>
     <p:extLst>
       <p:ext uri="{BB962C8B-B14F-4D97-AF65-F5344CB8AC3E}">
-        <p14:creationId xmlns:p14="http://schemas.microsoft.com/office/powerpoint/2010/main" val="2037745896"/>
+        <p14:creationId xmlns:p14="http://schemas.microsoft.com/office/powerpoint/2010/main" val="1363447064"/>
       </p:ext>
     </p:extLst>
   </p:cSld>
@@ -1152,41 +1152,48 @@
           <a:p>
             <a:r>
               <a:rPr kumimoji="1" lang="ja-JP" altLang="en-US" dirty="0" smtClean="0"/>
-              <a:t>入手したパーツを装着し強化していくのですが、</a:t>
+              <a:t>プレイヤー装着の装着例といたしまして</a:t>
             </a:r>
             <a:endParaRPr kumimoji="1" lang="en-US" altLang="ja-JP" dirty="0" smtClean="0"/>
           </a:p>
           <a:p>
+            <a:endParaRPr kumimoji="1" lang="en-US" altLang="ja-JP" dirty="0" smtClean="0"/>
+          </a:p>
+          <a:p>
             <a:r>
               <a:rPr kumimoji="1" lang="ja-JP" altLang="en-US" dirty="0" smtClean="0"/>
-              <a:t>ただ強化されるのではなく、見た目やアクションの変化も起こります</a:t>
+              <a:t>全身をバランスよく強化していく</a:t>
             </a:r>
             <a:endParaRPr kumimoji="1" lang="en-US" altLang="ja-JP" dirty="0" smtClean="0"/>
           </a:p>
           <a:p>
+            <a:r>
+              <a:rPr kumimoji="1" lang="ja-JP" altLang="en-US" dirty="0" smtClean="0"/>
+              <a:t>こちらは長時間安定した戦闘が楽しめるように操作性にもメリットがでます</a:t>
+            </a:r>
             <a:endParaRPr kumimoji="1" lang="en-US" altLang="ja-JP" dirty="0" smtClean="0"/>
           </a:p>
           <a:p>
+            <a:endParaRPr kumimoji="1" lang="en-US" altLang="ja-JP" dirty="0" smtClean="0"/>
+          </a:p>
+          <a:p>
             <a:r>
               <a:rPr kumimoji="1" lang="ja-JP" altLang="en-US" dirty="0" smtClean="0"/>
-              <a:t>例えば、敵の腕を破壊し、自身に装着していくことで、</a:t>
+              <a:t>反対に一部分だけの強化は</a:t>
             </a:r>
             <a:endParaRPr kumimoji="1" lang="en-US" altLang="ja-JP" dirty="0" smtClean="0"/>
           </a:p>
           <a:p>
             <a:r>
               <a:rPr kumimoji="1" lang="ja-JP" altLang="en-US" dirty="0" smtClean="0"/>
-              <a:t>腕の機能が特化した装備になっていきます</a:t>
+              <a:t>重さの偏りで操作がしにくくなり、敵の攻撃に当たりやすくなってしまいますが</a:t>
             </a:r>
             <a:endParaRPr kumimoji="1" lang="en-US" altLang="ja-JP" dirty="0" smtClean="0"/>
           </a:p>
           <a:p>
-            <a:endParaRPr kumimoji="1" lang="en-US" altLang="ja-JP" dirty="0" smtClean="0"/>
-          </a:p>
-          <a:p>
             <a:r>
               <a:rPr kumimoji="1" lang="ja-JP" altLang="en-US" dirty="0" smtClean="0"/>
-              <a:t>組み合わせ次第で性能が変化していくことがポイントです</a:t>
+              <a:t>強化している部分をパージすることで強力な必殺技を使うことができます</a:t>
             </a:r>
             <a:endParaRPr kumimoji="1" lang="ja-JP" altLang="en-US" dirty="0"/>
           </a:p>
@@ -1218,7 +1225,7 @@
     </p:spTree>
     <p:extLst>
       <p:ext uri="{BB962C8B-B14F-4D97-AF65-F5344CB8AC3E}">
-        <p14:creationId xmlns:p14="http://schemas.microsoft.com/office/powerpoint/2010/main" val="1363447064"/>
+        <p14:creationId xmlns:p14="http://schemas.microsoft.com/office/powerpoint/2010/main" val="1231104566"/>
       </p:ext>
     </p:extLst>
   </p:cSld>
@@ -1274,50 +1281,33 @@
           <a:p>
             <a:r>
               <a:rPr kumimoji="1" lang="ja-JP" altLang="en-US" dirty="0" smtClean="0"/>
-              <a:t>プレイヤー装着の装着例といたしまして</a:t>
+              <a:t>基本となるパージは、装備しているパーツの耐久力を０（ゼロ）にして、装備を勢いよく飛ばす</a:t>
             </a:r>
             <a:endParaRPr kumimoji="1" lang="en-US" altLang="ja-JP" dirty="0" smtClean="0"/>
           </a:p>
           <a:p>
+            <a:r>
+              <a:rPr kumimoji="1" lang="ja-JP" altLang="en-US" dirty="0" smtClean="0"/>
+              <a:t>攻撃と回避を兼ねそろえた技になります</a:t>
+            </a:r>
             <a:endParaRPr kumimoji="1" lang="en-US" altLang="ja-JP" dirty="0" smtClean="0"/>
           </a:p>
           <a:p>
+            <a:endParaRPr kumimoji="1" lang="en-US" altLang="ja-JP" dirty="0" smtClean="0"/>
+          </a:p>
+          <a:p>
             <a:r>
               <a:rPr kumimoji="1" lang="ja-JP" altLang="en-US" dirty="0" smtClean="0"/>
-              <a:t>全身をバランスよく強化していく</a:t>
+              <a:t>それとは別に集中型で強化した場合、強化した部位、装備しているパーツから</a:t>
             </a:r>
             <a:endParaRPr kumimoji="1" lang="en-US" altLang="ja-JP" dirty="0" smtClean="0"/>
           </a:p>
           <a:p>
             <a:r>
               <a:rPr kumimoji="1" lang="ja-JP" altLang="en-US" dirty="0" smtClean="0"/>
-              <a:t>こちらは長時間安定した戦闘が楽しめるように操作性にもメリットがでます</a:t>
+              <a:t>様々な必殺技を発動できます</a:t>
             </a:r>
             <a:endParaRPr kumimoji="1" lang="en-US" altLang="ja-JP" dirty="0" smtClean="0"/>
-          </a:p>
-          <a:p>
-            <a:endParaRPr kumimoji="1" lang="en-US" altLang="ja-JP" dirty="0" smtClean="0"/>
-          </a:p>
-          <a:p>
-            <a:r>
-              <a:rPr kumimoji="1" lang="ja-JP" altLang="en-US" dirty="0" smtClean="0"/>
-              <a:t>反対に一部分だけの強化は</a:t>
-            </a:r>
-            <a:endParaRPr kumimoji="1" lang="en-US" altLang="ja-JP" dirty="0" smtClean="0"/>
-          </a:p>
-          <a:p>
-            <a:r>
-              <a:rPr kumimoji="1" lang="ja-JP" altLang="en-US" dirty="0" smtClean="0"/>
-              <a:t>重さの偏りで操作がしにくくなり、敵の攻撃に当たりやすくなってしまいますが</a:t>
-            </a:r>
-            <a:endParaRPr kumimoji="1" lang="en-US" altLang="ja-JP" dirty="0" smtClean="0"/>
-          </a:p>
-          <a:p>
-            <a:r>
-              <a:rPr kumimoji="1" lang="ja-JP" altLang="en-US" dirty="0" smtClean="0"/>
-              <a:t>強化している部分をパージすることで強力な必殺技を使うことができます</a:t>
-            </a:r>
-            <a:endParaRPr kumimoji="1" lang="ja-JP" altLang="en-US" dirty="0"/>
           </a:p>
         </p:txBody>
       </p:sp>
@@ -1347,7 +1337,7 @@
     </p:spTree>
     <p:extLst>
       <p:ext uri="{BB962C8B-B14F-4D97-AF65-F5344CB8AC3E}">
-        <p14:creationId xmlns:p14="http://schemas.microsoft.com/office/powerpoint/2010/main" val="1231104566"/>
+        <p14:creationId xmlns:p14="http://schemas.microsoft.com/office/powerpoint/2010/main" val="240286989"/>
       </p:ext>
     </p:extLst>
   </p:cSld>
@@ -1403,14 +1393,14 @@
           <a:p>
             <a:r>
               <a:rPr kumimoji="1" lang="ja-JP" altLang="en-US" dirty="0" smtClean="0"/>
-              <a:t>基本となるパージは、装備しているパーツの耐久力を０（ゼロ）にして、装備を勢いよく飛ばす</a:t>
+              <a:t>このゲームの流れといたしまして</a:t>
             </a:r>
             <a:endParaRPr kumimoji="1" lang="en-US" altLang="ja-JP" dirty="0" smtClean="0"/>
           </a:p>
           <a:p>
             <a:r>
               <a:rPr kumimoji="1" lang="ja-JP" altLang="en-US" dirty="0" smtClean="0"/>
-              <a:t>攻撃と回避を兼ねそろえた技になります</a:t>
+              <a:t>敵を攻撃する際に各部位を狙うことで敵の一部を破壊します</a:t>
             </a:r>
             <a:endParaRPr kumimoji="1" lang="en-US" altLang="ja-JP" dirty="0" smtClean="0"/>
           </a:p>
@@ -1420,16 +1410,29 @@
           <a:p>
             <a:r>
               <a:rPr kumimoji="1" lang="ja-JP" altLang="en-US" dirty="0" smtClean="0"/>
-              <a:t>それとは別に集中型で強化した場合、強化した部位、装備しているパーツから</a:t>
+              <a:t>破壊された部分はパーツとしてプレイヤーは入手することができます</a:t>
             </a:r>
             <a:endParaRPr kumimoji="1" lang="en-US" altLang="ja-JP" dirty="0" smtClean="0"/>
           </a:p>
           <a:p>
+            <a:endParaRPr kumimoji="1" lang="en-US" altLang="ja-JP" dirty="0" smtClean="0"/>
+          </a:p>
+          <a:p>
             <a:r>
               <a:rPr kumimoji="1" lang="ja-JP" altLang="en-US" dirty="0" smtClean="0"/>
-              <a:t>様々な必殺技を発動できます</a:t>
+              <a:t>入手したパーツを自身に装着し強化</a:t>
             </a:r>
             <a:endParaRPr kumimoji="1" lang="en-US" altLang="ja-JP" dirty="0" smtClean="0"/>
+          </a:p>
+          <a:p>
+            <a:endParaRPr kumimoji="1" lang="en-US" altLang="ja-JP" dirty="0" smtClean="0"/>
+          </a:p>
+          <a:p>
+            <a:r>
+              <a:rPr kumimoji="1" lang="ja-JP" altLang="en-US" dirty="0" smtClean="0"/>
+              <a:t>限界値まで装備したパーツをすべて外すことで強力な必殺技を発動して戦います</a:t>
+            </a:r>
+            <a:endParaRPr kumimoji="1" lang="ja-JP" altLang="en-US" dirty="0"/>
           </a:p>
         </p:txBody>
       </p:sp>
@@ -1450,7 +1453,7 @@
           <a:p>
             <a:fld id="{F265A846-F532-4297-9892-23519271022F}" type="slidenum">
               <a:rPr kumimoji="1" lang="ja-JP" altLang="en-US" smtClean="0"/>
-              <a:t>8</a:t>
+              <a:t>9</a:t>
             </a:fld>
             <a:endParaRPr kumimoji="1" lang="ja-JP" altLang="en-US"/>
           </a:p>
@@ -1459,7 +1462,7 @@
     </p:spTree>
     <p:extLst>
       <p:ext uri="{BB962C8B-B14F-4D97-AF65-F5344CB8AC3E}">
-        <p14:creationId xmlns:p14="http://schemas.microsoft.com/office/powerpoint/2010/main" val="240286989"/>
+        <p14:creationId xmlns:p14="http://schemas.microsoft.com/office/powerpoint/2010/main" val="92695700"/>
       </p:ext>
     </p:extLst>
   </p:cSld>
@@ -1600,7 +1603,7 @@
           <a:p>
             <a:fld id="{F37D479E-B6B9-4720-8E8B-C8A4A95AA0E5}" type="datetimeFigureOut">
               <a:rPr kumimoji="1" lang="ja-JP" altLang="en-US" smtClean="0"/>
-              <a:t>2017/12/1</a:t>
+              <a:t>2017/12/8</a:t>
             </a:fld>
             <a:endParaRPr kumimoji="1" lang="ja-JP" altLang="en-US"/>
           </a:p>
@@ -1802,7 +1805,7 @@
           <a:p>
             <a:fld id="{F37D479E-B6B9-4720-8E8B-C8A4A95AA0E5}" type="datetimeFigureOut">
               <a:rPr kumimoji="1" lang="ja-JP" altLang="en-US" smtClean="0"/>
-              <a:t>2017/12/1</a:t>
+              <a:t>2017/12/8</a:t>
             </a:fld>
             <a:endParaRPr kumimoji="1" lang="ja-JP" altLang="en-US"/>
           </a:p>
@@ -2014,7 +2017,7 @@
           <a:p>
             <a:fld id="{F37D479E-B6B9-4720-8E8B-C8A4A95AA0E5}" type="datetimeFigureOut">
               <a:rPr kumimoji="1" lang="ja-JP" altLang="en-US" smtClean="0"/>
-              <a:t>2017/12/1</a:t>
+              <a:t>2017/12/8</a:t>
             </a:fld>
             <a:endParaRPr kumimoji="1" lang="ja-JP" altLang="en-US"/>
           </a:p>
@@ -2438,7 +2441,7 @@
           <a:p>
             <a:fld id="{F37D479E-B6B9-4720-8E8B-C8A4A95AA0E5}" type="datetimeFigureOut">
               <a:rPr kumimoji="1" lang="ja-JP" altLang="en-US" smtClean="0"/>
-              <a:t>2017/12/1</a:t>
+              <a:t>2017/12/8</a:t>
             </a:fld>
             <a:endParaRPr kumimoji="1" lang="ja-JP" altLang="en-US"/>
           </a:p>
@@ -2682,7 +2685,7 @@
           <a:p>
             <a:fld id="{F37D479E-B6B9-4720-8E8B-C8A4A95AA0E5}" type="datetimeFigureOut">
               <a:rPr kumimoji="1" lang="ja-JP" altLang="en-US" smtClean="0"/>
-              <a:t>2017/12/1</a:t>
+              <a:t>2017/12/8</a:t>
             </a:fld>
             <a:endParaRPr kumimoji="1" lang="ja-JP" altLang="en-US"/>
           </a:p>
@@ -2978,7 +2981,7 @@
           <a:p>
             <a:fld id="{F37D479E-B6B9-4720-8E8B-C8A4A95AA0E5}" type="datetimeFigureOut">
               <a:rPr kumimoji="1" lang="ja-JP" altLang="en-US" smtClean="0"/>
-              <a:t>2017/12/1</a:t>
+              <a:t>2017/12/8</a:t>
             </a:fld>
             <a:endParaRPr kumimoji="1" lang="ja-JP" altLang="en-US"/>
           </a:p>
@@ -3409,7 +3412,7 @@
           <a:p>
             <a:fld id="{F37D479E-B6B9-4720-8E8B-C8A4A95AA0E5}" type="datetimeFigureOut">
               <a:rPr kumimoji="1" lang="ja-JP" altLang="en-US" smtClean="0"/>
-              <a:t>2017/12/1</a:t>
+              <a:t>2017/12/8</a:t>
             </a:fld>
             <a:endParaRPr kumimoji="1" lang="ja-JP" altLang="en-US"/>
           </a:p>
@@ -3527,7 +3530,7 @@
           <a:p>
             <a:fld id="{F37D479E-B6B9-4720-8E8B-C8A4A95AA0E5}" type="datetimeFigureOut">
               <a:rPr kumimoji="1" lang="ja-JP" altLang="en-US" smtClean="0"/>
-              <a:t>2017/12/1</a:t>
+              <a:t>2017/12/8</a:t>
             </a:fld>
             <a:endParaRPr kumimoji="1" lang="ja-JP" altLang="en-US"/>
           </a:p>
@@ -3622,7 +3625,7 @@
           <a:p>
             <a:fld id="{F37D479E-B6B9-4720-8E8B-C8A4A95AA0E5}" type="datetimeFigureOut">
               <a:rPr kumimoji="1" lang="ja-JP" altLang="en-US" smtClean="0"/>
-              <a:t>2017/12/1</a:t>
+              <a:t>2017/12/8</a:t>
             </a:fld>
             <a:endParaRPr kumimoji="1" lang="ja-JP" altLang="en-US"/>
           </a:p>
@@ -3931,7 +3934,7 @@
           <a:p>
             <a:fld id="{F37D479E-B6B9-4720-8E8B-C8A4A95AA0E5}" type="datetimeFigureOut">
               <a:rPr kumimoji="1" lang="ja-JP" altLang="en-US" smtClean="0"/>
-              <a:t>2017/12/1</a:t>
+              <a:t>2017/12/8</a:t>
             </a:fld>
             <a:endParaRPr kumimoji="1" lang="ja-JP" altLang="en-US"/>
           </a:p>
@@ -4188,7 +4191,7 @@
           <a:p>
             <a:fld id="{F37D479E-B6B9-4720-8E8B-C8A4A95AA0E5}" type="datetimeFigureOut">
               <a:rPr kumimoji="1" lang="ja-JP" altLang="en-US" smtClean="0"/>
-              <a:t>2017/12/1</a:t>
+              <a:t>2017/12/8</a:t>
             </a:fld>
             <a:endParaRPr kumimoji="1" lang="ja-JP" altLang="en-US"/>
           </a:p>
@@ -4433,7 +4436,7 @@
           <a:p>
             <a:fld id="{F37D479E-B6B9-4720-8E8B-C8A4A95AA0E5}" type="datetimeFigureOut">
               <a:rPr kumimoji="1" lang="ja-JP" altLang="en-US" smtClean="0"/>
-              <a:t>2017/12/1</a:t>
+              <a:t>2017/12/8</a:t>
             </a:fld>
             <a:endParaRPr kumimoji="1" lang="ja-JP" altLang="en-US"/>
           </a:p>
@@ -4857,8 +4860,8 @@
         </p:nvSpPr>
         <p:spPr>
           <a:xfrm>
-            <a:off x="685800" y="5102253"/>
-            <a:ext cx="4141693" cy="947745"/>
+            <a:off x="430307" y="4787901"/>
+            <a:ext cx="4141693" cy="1262098"/>
           </a:xfrm>
         </p:spPr>
         <p:txBody>
@@ -4906,6 +4909,14 @@
             <a:r>
               <a:rPr lang="ja-JP" altLang="en-US" sz="1400" dirty="0" smtClean="0"/>
               <a:t>人</a:t>
+            </a:r>
+            <a:endParaRPr lang="en-US" altLang="ja-JP" sz="1400" dirty="0" smtClean="0"/>
+          </a:p>
+          <a:p>
+            <a:pPr algn="l"/>
+            <a:r>
+              <a:rPr lang="ja-JP" altLang="en-US" sz="1400" dirty="0" smtClean="0"/>
+              <a:t>ターゲット：</a:t>
             </a:r>
             <a:endParaRPr lang="en-US" altLang="ja-JP" sz="1400" dirty="0"/>
           </a:p>
@@ -4921,8 +4932,8 @@
         </p:nvSpPr>
         <p:spPr>
           <a:xfrm>
-            <a:off x="5553636" y="4403035"/>
-            <a:ext cx="2904564" cy="1646963"/>
+            <a:off x="6010836" y="5575300"/>
+            <a:ext cx="2904564" cy="474698"/>
           </a:xfrm>
           <a:prstGeom prst="rect">
             <a:avLst/>
@@ -4930,7 +4941,7 @@
         </p:spPr>
         <p:txBody>
           <a:bodyPr vert="horz" lIns="91440" tIns="45720" rIns="91440" bIns="45720" rtlCol="0">
-            <a:normAutofit/>
+            <a:normAutofit lnSpcReduction="10000"/>
           </a:bodyPr>
           <a:lstStyle>
             <a:lvl1pPr marL="0" indent="0" algn="ctr" defTabSz="914400" rtl="0" eaLnBrk="1" latinLnBrk="0" hangingPunct="1">
@@ -5104,50 +5115,6 @@
             </a:r>
             <a:endParaRPr lang="en-US" altLang="ja-JP" sz="2800" b="1" dirty="0" smtClean="0"/>
           </a:p>
-          <a:p>
-            <a:pPr algn="r"/>
-            <a:endParaRPr lang="en-US" altLang="ja-JP" sz="500" b="1" dirty="0" smtClean="0"/>
-          </a:p>
-          <a:p>
-            <a:pPr algn="r"/>
-            <a:r>
-              <a:rPr lang="ja-JP" altLang="en-US" sz="1400" dirty="0" smtClean="0"/>
-              <a:t>日本工学院八王子専門学校</a:t>
-            </a:r>
-            <a:endParaRPr lang="en-US" altLang="ja-JP" sz="1400" dirty="0" smtClean="0"/>
-          </a:p>
-          <a:p>
-            <a:pPr algn="r"/>
-            <a:r>
-              <a:rPr lang="ja-JP" altLang="en-US" sz="1400" dirty="0"/>
-              <a:t>ゲームクリエイター科</a:t>
-            </a:r>
-            <a:r>
-              <a:rPr lang="ja-JP" altLang="en-US" sz="1400" dirty="0" smtClean="0"/>
-              <a:t>四年制 </a:t>
-            </a:r>
-            <a:r>
-              <a:rPr lang="en-US" altLang="ja-JP" sz="1400" dirty="0" smtClean="0"/>
-              <a:t>4</a:t>
-            </a:r>
-            <a:r>
-              <a:rPr lang="ja-JP" altLang="en-US" sz="1400" dirty="0" smtClean="0"/>
-              <a:t>年</a:t>
-            </a:r>
-            <a:endParaRPr lang="en-US" altLang="ja-JP" sz="1400" dirty="0" smtClean="0"/>
-          </a:p>
-          <a:p>
-            <a:pPr algn="r"/>
-            <a:r>
-              <a:rPr lang="en-US" altLang="ja-JP" sz="1400" dirty="0" smtClean="0"/>
-              <a:t>53</a:t>
-            </a:r>
-            <a:r>
-              <a:rPr lang="ja-JP" altLang="en-US" sz="1400" dirty="0" smtClean="0"/>
-              <a:t>班</a:t>
-            </a:r>
-            <a:endParaRPr lang="ja-JP" altLang="en-US" sz="1400" dirty="0"/>
-          </a:p>
         </p:txBody>
       </p:sp>
       <p:sp>
@@ -5272,209 +5239,436 @@
           </a:prstGeom>
         </p:spPr>
       </p:pic>
+    </p:spTree>
+    <p:extLst>
+      <p:ext uri="{BB962C8B-B14F-4D97-AF65-F5344CB8AC3E}">
+        <p14:creationId xmlns:p14="http://schemas.microsoft.com/office/powerpoint/2010/main" val="2228284889"/>
+      </p:ext>
+    </p:extLst>
+  </p:cSld>
+  <p:clrMapOvr>
+    <a:masterClrMapping/>
+  </p:clrMapOvr>
+  <p:timing>
+    <p:tnLst>
+      <p:par>
+        <p:cTn id="1" dur="indefinite" restart="never" nodeType="tmRoot"/>
+      </p:par>
+    </p:tnLst>
+  </p:timing>
+</p:sld>
+</file>
+
+<file path=ppt/slides/slide10.xml><?xml version="1.0" encoding="utf-8"?>
+<p:sld xmlns:a="http://schemas.openxmlformats.org/drawingml/2006/main" xmlns:r="http://schemas.openxmlformats.org/officeDocument/2006/relationships" xmlns:p="http://schemas.openxmlformats.org/presentationml/2006/main">
+  <p:cSld>
+    <p:spTree>
+      <p:nvGrpSpPr>
+        <p:cNvPr id="1" name=""/>
+        <p:cNvGrpSpPr/>
+        <p:nvPr/>
+      </p:nvGrpSpPr>
+      <p:grpSpPr>
+        <a:xfrm>
+          <a:off x="0" y="0"/>
+          <a:ext cx="0" cy="0"/>
+          <a:chOff x="0" y="0"/>
+          <a:chExt cx="0" cy="0"/>
+        </a:xfrm>
+      </p:grpSpPr>
       <p:sp>
         <p:nvSpPr>
-          <p:cNvPr id="13" name="サブタイトル 2"/>
-          <p:cNvSpPr txBox="1">
-            <a:spLocks/>
+          <p:cNvPr id="2" name="タイトル 1"/>
+          <p:cNvSpPr>
+            <a:spLocks noGrp="1"/>
           </p:cNvSpPr>
+          <p:nvPr>
+            <p:ph type="title"/>
+          </p:nvPr>
+        </p:nvSpPr>
+        <p:spPr/>
+        <p:txBody>
+          <a:bodyPr>
+            <a:normAutofit fontScale="90000"/>
+          </a:bodyPr>
+          <a:lstStyle/>
+          <a:p>
+            <a:r>
+              <a:rPr kumimoji="1" lang="ja-JP" altLang="en-US" dirty="0" smtClean="0"/>
+              <a:t>ゲーム画面</a:t>
+            </a:r>
+            <a:endParaRPr kumimoji="1" lang="ja-JP" altLang="en-US" dirty="0"/>
+          </a:p>
+        </p:txBody>
+      </p:sp>
+      <p:sp>
+        <p:nvSpPr>
+          <p:cNvPr id="3" name="コンテンツ プレースホルダー 2"/>
+          <p:cNvSpPr>
+            <a:spLocks noGrp="1"/>
+          </p:cNvSpPr>
+          <p:nvPr>
+            <p:ph idx="1"/>
+          </p:nvPr>
+        </p:nvSpPr>
+        <p:spPr/>
+        <p:txBody>
+          <a:bodyPr/>
+          <a:lstStyle/>
+          <a:p>
+            <a:endParaRPr kumimoji="1" lang="ja-JP" altLang="en-US"/>
+          </a:p>
+        </p:txBody>
+      </p:sp>
+      <p:sp>
+        <p:nvSpPr>
+          <p:cNvPr id="4" name="角丸四角形 3"/>
+          <p:cNvSpPr/>
           <p:nvPr/>
         </p:nvSpPr>
         <p:spPr>
           <a:xfrm>
-            <a:off x="6218966" y="778505"/>
-            <a:ext cx="3230217" cy="293229"/>
+            <a:off x="210912" y="1030103"/>
+            <a:ext cx="8722175" cy="4990036"/>
+          </a:xfrm>
+          <a:prstGeom prst="roundRect">
+            <a:avLst>
+              <a:gd name="adj" fmla="val 0"/>
+            </a:avLst>
+          </a:prstGeom>
+          <a:solidFill>
+            <a:schemeClr val="bg1"/>
+          </a:solidFill>
+          <a:ln w="76200">
+            <a:solidFill>
+              <a:schemeClr val="tx1"/>
+            </a:solidFill>
+          </a:ln>
+        </p:spPr>
+        <p:style>
+          <a:lnRef idx="2">
+            <a:schemeClr val="accent1">
+              <a:shade val="50000"/>
+            </a:schemeClr>
+          </a:lnRef>
+          <a:fillRef idx="1">
+            <a:schemeClr val="accent1"/>
+          </a:fillRef>
+          <a:effectRef idx="0">
+            <a:schemeClr val="accent1"/>
+          </a:effectRef>
+          <a:fontRef idx="minor">
+            <a:schemeClr val="lt1"/>
+          </a:fontRef>
+        </p:style>
+        <p:txBody>
+          <a:bodyPr rtlCol="0" anchor="ctr"/>
+          <a:lstStyle/>
+          <a:p>
+            <a:pPr algn="ctr"/>
+            <a:endParaRPr kumimoji="1" lang="ja-JP" altLang="en-US" dirty="0">
+              <a:solidFill>
+                <a:schemeClr val="tx1"/>
+              </a:solidFill>
+            </a:endParaRPr>
+          </a:p>
+        </p:txBody>
+      </p:sp>
+    </p:spTree>
+    <p:extLst>
+      <p:ext uri="{BB962C8B-B14F-4D97-AF65-F5344CB8AC3E}">
+        <p14:creationId xmlns:p14="http://schemas.microsoft.com/office/powerpoint/2010/main" val="1898451009"/>
+      </p:ext>
+    </p:extLst>
+  </p:cSld>
+  <p:clrMapOvr>
+    <a:masterClrMapping/>
+  </p:clrMapOvr>
+  <p:timing>
+    <p:tnLst>
+      <p:par>
+        <p:cTn id="1" dur="indefinite" restart="never" nodeType="tmRoot"/>
+      </p:par>
+    </p:tnLst>
+  </p:timing>
+</p:sld>
+</file>
+
+<file path=ppt/slides/slide11.xml><?xml version="1.0" encoding="utf-8"?>
+<p:sld xmlns:a="http://schemas.openxmlformats.org/drawingml/2006/main" xmlns:r="http://schemas.openxmlformats.org/officeDocument/2006/relationships" xmlns:p="http://schemas.openxmlformats.org/presentationml/2006/main">
+  <p:cSld>
+    <p:spTree>
+      <p:nvGrpSpPr>
+        <p:cNvPr id="1" name=""/>
+        <p:cNvGrpSpPr/>
+        <p:nvPr/>
+      </p:nvGrpSpPr>
+      <p:grpSpPr>
+        <a:xfrm>
+          <a:off x="0" y="0"/>
+          <a:ext cx="0" cy="0"/>
+          <a:chOff x="0" y="0"/>
+          <a:chExt cx="0" cy="0"/>
+        </a:xfrm>
+      </p:grpSpPr>
+      <p:sp>
+        <p:nvSpPr>
+          <p:cNvPr id="2" name="タイトル 1"/>
+          <p:cNvSpPr>
+            <a:spLocks noGrp="1"/>
+          </p:cNvSpPr>
+          <p:nvPr>
+            <p:ph type="title"/>
+          </p:nvPr>
+        </p:nvSpPr>
+        <p:spPr/>
+        <p:txBody>
+          <a:bodyPr>
+            <a:normAutofit fontScale="90000"/>
+          </a:bodyPr>
+          <a:lstStyle/>
+          <a:p>
+            <a:r>
+              <a:rPr kumimoji="1" lang="ja-JP" altLang="en-US" dirty="0" smtClean="0"/>
+              <a:t>操作方法</a:t>
+            </a:r>
+            <a:endParaRPr kumimoji="1" lang="ja-JP" altLang="en-US" dirty="0"/>
+          </a:p>
+        </p:txBody>
+      </p:sp>
+      <p:pic>
+        <p:nvPicPr>
+          <p:cNvPr id="11" name="図 10"/>
+          <p:cNvPicPr>
+            <a:picLocks noChangeAspect="1"/>
+          </p:cNvPicPr>
+          <p:nvPr/>
+        </p:nvPicPr>
+        <p:blipFill>
+          <a:blip r:embed="rId2">
+            <a:extLst>
+              <a:ext uri="{28A0092B-C50C-407E-A947-70E740481C1C}">
+                <a14:useLocalDpi xmlns:a14="http://schemas.microsoft.com/office/drawing/2010/main" val="0"/>
+              </a:ext>
+            </a:extLst>
+          </a:blip>
+          <a:stretch>
+            <a:fillRect/>
+          </a:stretch>
+        </p:blipFill>
+        <p:spPr>
+          <a:xfrm>
+            <a:off x="508000" y="951393"/>
+            <a:ext cx="3325830" cy="2266608"/>
           </a:xfrm>
           <a:prstGeom prst="rect">
             <a:avLst/>
           </a:prstGeom>
         </p:spPr>
+      </p:pic>
+      <p:sp>
+        <p:nvSpPr>
+          <p:cNvPr id="12" name="角丸四角形 11"/>
+          <p:cNvSpPr/>
+          <p:nvPr/>
+        </p:nvSpPr>
+        <p:spPr>
+          <a:xfrm>
+            <a:off x="270880" y="3439655"/>
+            <a:ext cx="3967044" cy="2269582"/>
+          </a:xfrm>
+          <a:prstGeom prst="roundRect">
+            <a:avLst>
+              <a:gd name="adj" fmla="val 0"/>
+            </a:avLst>
+          </a:prstGeom>
+          <a:solidFill>
+            <a:schemeClr val="bg1"/>
+          </a:solidFill>
+          <a:ln w="76200">
+            <a:solidFill>
+              <a:schemeClr val="tx1"/>
+            </a:solidFill>
+          </a:ln>
+        </p:spPr>
+        <p:style>
+          <a:lnRef idx="2">
+            <a:schemeClr val="accent1">
+              <a:shade val="50000"/>
+            </a:schemeClr>
+          </a:lnRef>
+          <a:fillRef idx="1">
+            <a:schemeClr val="accent1"/>
+          </a:fillRef>
+          <a:effectRef idx="0">
+            <a:schemeClr val="accent1"/>
+          </a:effectRef>
+          <a:fontRef idx="minor">
+            <a:schemeClr val="lt1"/>
+          </a:fontRef>
+        </p:style>
         <p:txBody>
-          <a:bodyPr vert="horz" lIns="91440" tIns="45720" rIns="91440" bIns="45720" rtlCol="0">
-            <a:normAutofit/>
-          </a:bodyPr>
-          <a:lstStyle>
-            <a:lvl1pPr marL="0" indent="0" algn="ctr" defTabSz="914400" rtl="0" eaLnBrk="1" latinLnBrk="0" hangingPunct="1">
-              <a:lnSpc>
-                <a:spcPct val="90000"/>
-              </a:lnSpc>
-              <a:spcBef>
-                <a:spcPts val="1000"/>
-              </a:spcBef>
-              <a:buFont typeface="Arial" panose="020B0604020202020204" pitchFamily="34" charset="0"/>
-              <a:buNone/>
-              <a:defRPr kumimoji="1" sz="2400" kern="1200">
-                <a:solidFill>
-                  <a:schemeClr val="tx1"/>
-                </a:solidFill>
-                <a:latin typeface="+mn-lt"/>
-                <a:ea typeface="+mn-ea"/>
-                <a:cs typeface="+mn-cs"/>
-              </a:defRPr>
-            </a:lvl1pPr>
-            <a:lvl2pPr marL="457200" indent="0" algn="ctr" defTabSz="914400" rtl="0" eaLnBrk="1" latinLnBrk="0" hangingPunct="1">
-              <a:lnSpc>
-                <a:spcPct val="90000"/>
-              </a:lnSpc>
-              <a:spcBef>
-                <a:spcPts val="500"/>
-              </a:spcBef>
-              <a:buFont typeface="Arial" panose="020B0604020202020204" pitchFamily="34" charset="0"/>
-              <a:buNone/>
-              <a:defRPr kumimoji="1" sz="2000" kern="1200">
-                <a:solidFill>
-                  <a:schemeClr val="tx1"/>
-                </a:solidFill>
-                <a:latin typeface="+mn-lt"/>
-                <a:ea typeface="+mn-ea"/>
-                <a:cs typeface="+mn-cs"/>
-              </a:defRPr>
-            </a:lvl2pPr>
-            <a:lvl3pPr marL="914400" indent="0" algn="ctr" defTabSz="914400" rtl="0" eaLnBrk="1" latinLnBrk="0" hangingPunct="1">
-              <a:lnSpc>
-                <a:spcPct val="90000"/>
-              </a:lnSpc>
-              <a:spcBef>
-                <a:spcPts val="500"/>
-              </a:spcBef>
-              <a:buFont typeface="Arial" panose="020B0604020202020204" pitchFamily="34" charset="0"/>
-              <a:buNone/>
-              <a:defRPr kumimoji="1" sz="1800" kern="1200">
-                <a:solidFill>
-                  <a:schemeClr val="tx1"/>
-                </a:solidFill>
-                <a:latin typeface="+mn-lt"/>
-                <a:ea typeface="+mn-ea"/>
-                <a:cs typeface="+mn-cs"/>
-              </a:defRPr>
-            </a:lvl3pPr>
-            <a:lvl4pPr marL="1371600" indent="0" algn="ctr" defTabSz="914400" rtl="0" eaLnBrk="1" latinLnBrk="0" hangingPunct="1">
-              <a:lnSpc>
-                <a:spcPct val="90000"/>
-              </a:lnSpc>
-              <a:spcBef>
-                <a:spcPts val="500"/>
-              </a:spcBef>
-              <a:buFont typeface="Arial" panose="020B0604020202020204" pitchFamily="34" charset="0"/>
-              <a:buNone/>
-              <a:defRPr kumimoji="1" sz="1600" kern="1200">
-                <a:solidFill>
-                  <a:schemeClr val="tx1"/>
-                </a:solidFill>
-                <a:latin typeface="+mn-lt"/>
-                <a:ea typeface="+mn-ea"/>
-                <a:cs typeface="+mn-cs"/>
-              </a:defRPr>
-            </a:lvl4pPr>
-            <a:lvl5pPr marL="1828800" indent="0" algn="ctr" defTabSz="914400" rtl="0" eaLnBrk="1" latinLnBrk="0" hangingPunct="1">
-              <a:lnSpc>
-                <a:spcPct val="90000"/>
-              </a:lnSpc>
-              <a:spcBef>
-                <a:spcPts val="500"/>
-              </a:spcBef>
-              <a:buFont typeface="Arial" panose="020B0604020202020204" pitchFamily="34" charset="0"/>
-              <a:buNone/>
-              <a:defRPr kumimoji="1" sz="1600" kern="1200">
-                <a:solidFill>
-                  <a:schemeClr val="tx1"/>
-                </a:solidFill>
-                <a:latin typeface="+mn-lt"/>
-                <a:ea typeface="+mn-ea"/>
-                <a:cs typeface="+mn-cs"/>
-              </a:defRPr>
-            </a:lvl5pPr>
-            <a:lvl6pPr marL="2286000" indent="0" algn="ctr" defTabSz="914400" rtl="0" eaLnBrk="1" latinLnBrk="0" hangingPunct="1">
-              <a:lnSpc>
-                <a:spcPct val="90000"/>
-              </a:lnSpc>
-              <a:spcBef>
-                <a:spcPts val="500"/>
-              </a:spcBef>
-              <a:buFont typeface="Arial" panose="020B0604020202020204" pitchFamily="34" charset="0"/>
-              <a:buNone/>
-              <a:defRPr kumimoji="1" sz="1600" kern="1200">
-                <a:solidFill>
-                  <a:schemeClr val="tx1"/>
-                </a:solidFill>
-                <a:latin typeface="+mn-lt"/>
-                <a:ea typeface="+mn-ea"/>
-                <a:cs typeface="+mn-cs"/>
-              </a:defRPr>
-            </a:lvl6pPr>
-            <a:lvl7pPr marL="2743200" indent="0" algn="ctr" defTabSz="914400" rtl="0" eaLnBrk="1" latinLnBrk="0" hangingPunct="1">
-              <a:lnSpc>
-                <a:spcPct val="90000"/>
-              </a:lnSpc>
-              <a:spcBef>
-                <a:spcPts val="500"/>
-              </a:spcBef>
-              <a:buFont typeface="Arial" panose="020B0604020202020204" pitchFamily="34" charset="0"/>
-              <a:buNone/>
-              <a:defRPr kumimoji="1" sz="1600" kern="1200">
-                <a:solidFill>
-                  <a:schemeClr val="tx1"/>
-                </a:solidFill>
-                <a:latin typeface="+mn-lt"/>
-                <a:ea typeface="+mn-ea"/>
-                <a:cs typeface="+mn-cs"/>
-              </a:defRPr>
-            </a:lvl7pPr>
-            <a:lvl8pPr marL="3200400" indent="0" algn="ctr" defTabSz="914400" rtl="0" eaLnBrk="1" latinLnBrk="0" hangingPunct="1">
-              <a:lnSpc>
-                <a:spcPct val="90000"/>
-              </a:lnSpc>
-              <a:spcBef>
-                <a:spcPts val="500"/>
-              </a:spcBef>
-              <a:buFont typeface="Arial" panose="020B0604020202020204" pitchFamily="34" charset="0"/>
-              <a:buNone/>
-              <a:defRPr kumimoji="1" sz="1600" kern="1200">
-                <a:solidFill>
-                  <a:schemeClr val="tx1"/>
-                </a:solidFill>
-                <a:latin typeface="+mn-lt"/>
-                <a:ea typeface="+mn-ea"/>
-                <a:cs typeface="+mn-cs"/>
-              </a:defRPr>
-            </a:lvl8pPr>
-            <a:lvl9pPr marL="3657600" indent="0" algn="ctr" defTabSz="914400" rtl="0" eaLnBrk="1" latinLnBrk="0" hangingPunct="1">
-              <a:lnSpc>
-                <a:spcPct val="90000"/>
-              </a:lnSpc>
-              <a:spcBef>
-                <a:spcPts val="500"/>
-              </a:spcBef>
-              <a:buFont typeface="Arial" panose="020B0604020202020204" pitchFamily="34" charset="0"/>
-              <a:buNone/>
-              <a:defRPr kumimoji="1" sz="1600" kern="1200">
-                <a:solidFill>
-                  <a:schemeClr val="tx1"/>
-                </a:solidFill>
-                <a:latin typeface="+mn-lt"/>
-                <a:ea typeface="+mn-ea"/>
-                <a:cs typeface="+mn-cs"/>
-              </a:defRPr>
-            </a:lvl9pPr>
-          </a:lstStyle>
-          <a:p>
-            <a:pPr algn="l"/>
-            <a:r>
-              <a:rPr lang="en-US" altLang="ja-JP" sz="1400" dirty="0" smtClean="0"/>
-              <a:t>※</a:t>
-            </a:r>
-            <a:r>
-              <a:rPr lang="ja-JP" altLang="en-US" sz="1400" dirty="0" smtClean="0"/>
-              <a:t>画像はインターネットから引用</a:t>
-            </a:r>
-            <a:endParaRPr lang="en-US" altLang="ja-JP" sz="1400" dirty="0"/>
+          <a:bodyPr rtlCol="0" anchor="ctr"/>
+          <a:lstStyle/>
+          <a:p>
+            <a:pPr algn="ctr"/>
+            <a:endParaRPr kumimoji="1" lang="ja-JP" altLang="en-US"/>
           </a:p>
         </p:txBody>
       </p:sp>
+      <p:sp>
+        <p:nvSpPr>
+          <p:cNvPr id="13" name="直角三角形 12"/>
+          <p:cNvSpPr/>
+          <p:nvPr/>
+        </p:nvSpPr>
+        <p:spPr>
+          <a:xfrm rot="10800000" flipH="1">
+            <a:off x="267037" y="3471396"/>
+            <a:ext cx="4014574" cy="577718"/>
+          </a:xfrm>
+          <a:prstGeom prst="rtTriangle">
+            <a:avLst/>
+          </a:prstGeom>
+          <a:solidFill>
+            <a:schemeClr val="tx1"/>
+          </a:solidFill>
+          <a:ln>
+            <a:noFill/>
+          </a:ln>
+        </p:spPr>
+        <p:style>
+          <a:lnRef idx="2">
+            <a:schemeClr val="accent1">
+              <a:shade val="50000"/>
+            </a:schemeClr>
+          </a:lnRef>
+          <a:fillRef idx="1">
+            <a:schemeClr val="accent1"/>
+          </a:fillRef>
+          <a:effectRef idx="0">
+            <a:schemeClr val="accent1"/>
+          </a:effectRef>
+          <a:fontRef idx="minor">
+            <a:schemeClr val="lt1"/>
+          </a:fontRef>
+        </p:style>
+        <p:txBody>
+          <a:bodyPr rtlCol="0" anchor="ctr"/>
+          <a:lstStyle/>
+          <a:p>
+            <a:pPr algn="ctr"/>
+            <a:endParaRPr kumimoji="1" lang="ja-JP" altLang="en-US"/>
+          </a:p>
+        </p:txBody>
+      </p:sp>
+      <p:sp>
+        <p:nvSpPr>
+          <p:cNvPr id="14" name="テキスト ボックス 13"/>
+          <p:cNvSpPr txBox="1"/>
+          <p:nvPr/>
+        </p:nvSpPr>
+        <p:spPr>
+          <a:xfrm>
+            <a:off x="477114" y="4163893"/>
+            <a:ext cx="3569826" cy="1338828"/>
+          </a:xfrm>
+          <a:prstGeom prst="rect">
+            <a:avLst/>
+          </a:prstGeom>
+          <a:noFill/>
+        </p:spPr>
+        <p:txBody>
+          <a:bodyPr wrap="square" rtlCol="0">
+            <a:spAutoFit/>
+          </a:bodyPr>
+          <a:lstStyle/>
+          <a:p>
+            <a:pPr algn="ctr">
+              <a:lnSpc>
+                <a:spcPct val="150000"/>
+              </a:lnSpc>
+            </a:pPr>
+            <a:r>
+              <a:rPr lang="ja-JP" altLang="en-US" dirty="0" smtClean="0"/>
+              <a:t>攻撃方法は多数！</a:t>
+            </a:r>
+            <a:endParaRPr lang="en-US" altLang="ja-JP" dirty="0" smtClean="0"/>
+          </a:p>
+          <a:p>
+            <a:pPr algn="ctr">
+              <a:lnSpc>
+                <a:spcPct val="150000"/>
+              </a:lnSpc>
+            </a:pPr>
+            <a:r>
+              <a:rPr lang="ja-JP" altLang="en-US" dirty="0" smtClean="0"/>
+              <a:t>それぞれ違った攻撃が可能</a:t>
+            </a:r>
+            <a:endParaRPr lang="en-US" altLang="ja-JP" dirty="0" smtClean="0"/>
+          </a:p>
+          <a:p>
+            <a:pPr algn="ctr">
+              <a:lnSpc>
+                <a:spcPct val="150000"/>
+              </a:lnSpc>
+            </a:pPr>
+            <a:r>
+              <a:rPr lang="ja-JP" altLang="en-US" dirty="0" smtClean="0"/>
+              <a:t>部位ごとにパージもできる！！</a:t>
+            </a:r>
+            <a:endParaRPr lang="en-US" altLang="ja-JP" dirty="0" smtClean="0"/>
+          </a:p>
+        </p:txBody>
+      </p:sp>
+      <p:pic>
+        <p:nvPicPr>
+          <p:cNvPr id="21" name="図 20"/>
+          <p:cNvPicPr>
+            <a:picLocks noChangeAspect="1"/>
+          </p:cNvPicPr>
+          <p:nvPr/>
+        </p:nvPicPr>
+        <p:blipFill>
+          <a:blip r:embed="rId3">
+            <a:extLst>
+              <a:ext uri="{28A0092B-C50C-407E-A947-70E740481C1C}">
+                <a14:useLocalDpi xmlns:a14="http://schemas.microsoft.com/office/drawing/2010/main" val="0"/>
+              </a:ext>
+            </a:extLst>
+          </a:blip>
+          <a:stretch>
+            <a:fillRect/>
+          </a:stretch>
+        </p:blipFill>
+        <p:spPr>
+          <a:xfrm>
+            <a:off x="4487845" y="1193084"/>
+            <a:ext cx="4377307" cy="4493141"/>
+          </a:xfrm>
+          <a:prstGeom prst="rect">
+            <a:avLst/>
+          </a:prstGeom>
+          <a:ln w="38100" cap="sq">
+            <a:solidFill>
+              <a:srgbClr val="000000"/>
+            </a:solidFill>
+            <a:prstDash val="solid"/>
+            <a:miter lim="800000"/>
+          </a:ln>
+          <a:effectLst>
+            <a:outerShdw blurRad="50800" dist="38100" dir="2700000" algn="tl" rotWithShape="0">
+              <a:srgbClr val="000000">
+                <a:alpha val="43000"/>
+              </a:srgbClr>
+            </a:outerShdw>
+          </a:effectLst>
+        </p:spPr>
+      </p:pic>
     </p:spTree>
     <p:extLst>
       <p:ext uri="{BB962C8B-B14F-4D97-AF65-F5344CB8AC3E}">
-        <p14:creationId xmlns:p14="http://schemas.microsoft.com/office/powerpoint/2010/main" val="2228284889"/>
+        <p14:creationId xmlns:p14="http://schemas.microsoft.com/office/powerpoint/2010/main" val="937862633"/>
       </p:ext>
     </p:extLst>
   </p:cSld>
@@ -5962,1621 +6156,6 @@
   <p:clrMapOvr>
     <a:masterClrMapping/>
   </p:clrMapOvr>
-</p:sld>
-</file>
-
-<file path=ppt/slides/slide4.xml><?xml version="1.0" encoding="utf-8"?>
-<p:sld xmlns:a="http://schemas.openxmlformats.org/drawingml/2006/main" xmlns:r="http://schemas.openxmlformats.org/officeDocument/2006/relationships" xmlns:p="http://schemas.openxmlformats.org/presentationml/2006/main">
-  <p:cSld>
-    <p:spTree>
-      <p:nvGrpSpPr>
-        <p:cNvPr id="1" name=""/>
-        <p:cNvGrpSpPr/>
-        <p:nvPr/>
-      </p:nvGrpSpPr>
-      <p:grpSpPr>
-        <a:xfrm>
-          <a:off x="0" y="0"/>
-          <a:ext cx="0" cy="0"/>
-          <a:chOff x="0" y="0"/>
-          <a:chExt cx="0" cy="0"/>
-        </a:xfrm>
-      </p:grpSpPr>
-      <p:sp>
-        <p:nvSpPr>
-          <p:cNvPr id="2" name="タイトル 1"/>
-          <p:cNvSpPr>
-            <a:spLocks noGrp="1"/>
-          </p:cNvSpPr>
-          <p:nvPr>
-            <p:ph type="title"/>
-          </p:nvPr>
-        </p:nvSpPr>
-        <p:spPr/>
-        <p:txBody>
-          <a:bodyPr>
-            <a:normAutofit fontScale="90000"/>
-          </a:bodyPr>
-          <a:lstStyle/>
-          <a:p>
-            <a:r>
-              <a:rPr kumimoji="1" lang="ja-JP" altLang="en-US" dirty="0" smtClean="0"/>
-              <a:t>ゲームフロー</a:t>
-            </a:r>
-            <a:endParaRPr kumimoji="1" lang="ja-JP" altLang="en-US" dirty="0"/>
-          </a:p>
-        </p:txBody>
-      </p:sp>
-      <p:grpSp>
-        <p:nvGrpSpPr>
-          <p:cNvPr id="7" name="グループ化 6"/>
-          <p:cNvGrpSpPr/>
-          <p:nvPr/>
-        </p:nvGrpSpPr>
-        <p:grpSpPr>
-          <a:xfrm>
-            <a:off x="409090" y="1030103"/>
-            <a:ext cx="8369507" cy="4913293"/>
-            <a:chOff x="409090" y="1030103"/>
-            <a:chExt cx="8369507" cy="4913293"/>
-          </a:xfrm>
-        </p:grpSpPr>
-        <p:grpSp>
-          <p:nvGrpSpPr>
-            <p:cNvPr id="48" name="グループ化 47"/>
-            <p:cNvGrpSpPr/>
-            <p:nvPr/>
-          </p:nvGrpSpPr>
-          <p:grpSpPr>
-            <a:xfrm>
-              <a:off x="409090" y="1030103"/>
-              <a:ext cx="8325820" cy="4913293"/>
-              <a:chOff x="609614" y="1223843"/>
-              <a:chExt cx="7948247" cy="4690477"/>
-            </a:xfrm>
-          </p:grpSpPr>
-          <p:sp>
-            <p:nvSpPr>
-              <p:cNvPr id="49" name="角丸四角形 48"/>
-              <p:cNvSpPr/>
-              <p:nvPr/>
-            </p:nvSpPr>
-            <p:spPr>
-              <a:xfrm>
-                <a:off x="4770721" y="1223843"/>
-                <a:ext cx="3787140" cy="2166657"/>
-              </a:xfrm>
-              <a:prstGeom prst="roundRect">
-                <a:avLst>
-                  <a:gd name="adj" fmla="val 0"/>
-                </a:avLst>
-              </a:prstGeom>
-              <a:solidFill>
-                <a:schemeClr val="bg1"/>
-              </a:solidFill>
-              <a:ln w="76200">
-                <a:solidFill>
-                  <a:schemeClr val="tx1"/>
-                </a:solidFill>
-              </a:ln>
-            </p:spPr>
-            <p:style>
-              <a:lnRef idx="2">
-                <a:schemeClr val="accent1">
-                  <a:shade val="50000"/>
-                </a:schemeClr>
-              </a:lnRef>
-              <a:fillRef idx="1">
-                <a:schemeClr val="accent1"/>
-              </a:fillRef>
-              <a:effectRef idx="0">
-                <a:schemeClr val="accent1"/>
-              </a:effectRef>
-              <a:fontRef idx="minor">
-                <a:schemeClr val="lt1"/>
-              </a:fontRef>
-            </p:style>
-            <p:txBody>
-              <a:bodyPr rtlCol="0" anchor="ctr"/>
-              <a:lstStyle/>
-              <a:p>
-                <a:pPr algn="ctr"/>
-                <a:endParaRPr kumimoji="1" lang="ja-JP" altLang="en-US"/>
-              </a:p>
-            </p:txBody>
-          </p:sp>
-          <p:sp>
-            <p:nvSpPr>
-              <p:cNvPr id="50" name="角丸四角形 49"/>
-              <p:cNvSpPr/>
-              <p:nvPr/>
-            </p:nvSpPr>
-            <p:spPr>
-              <a:xfrm>
-                <a:off x="609614" y="3747663"/>
-                <a:ext cx="3787140" cy="2166657"/>
-              </a:xfrm>
-              <a:prstGeom prst="roundRect">
-                <a:avLst>
-                  <a:gd name="adj" fmla="val 0"/>
-                </a:avLst>
-              </a:prstGeom>
-              <a:solidFill>
-                <a:schemeClr val="bg1"/>
-              </a:solidFill>
-              <a:ln w="76200">
-                <a:solidFill>
-                  <a:schemeClr val="tx1"/>
-                </a:solidFill>
-              </a:ln>
-            </p:spPr>
-            <p:style>
-              <a:lnRef idx="2">
-                <a:schemeClr val="accent1">
-                  <a:shade val="50000"/>
-                </a:schemeClr>
-              </a:lnRef>
-              <a:fillRef idx="1">
-                <a:schemeClr val="accent1"/>
-              </a:fillRef>
-              <a:effectRef idx="0">
-                <a:schemeClr val="accent1"/>
-              </a:effectRef>
-              <a:fontRef idx="minor">
-                <a:schemeClr val="lt1"/>
-              </a:fontRef>
-            </p:style>
-            <p:txBody>
-              <a:bodyPr rtlCol="0" anchor="ctr"/>
-              <a:lstStyle/>
-              <a:p>
-                <a:pPr algn="ctr"/>
-                <a:endParaRPr kumimoji="1" lang="ja-JP" altLang="en-US"/>
-              </a:p>
-            </p:txBody>
-          </p:sp>
-          <p:sp>
-            <p:nvSpPr>
-              <p:cNvPr id="51" name="角丸四角形 50"/>
-              <p:cNvSpPr/>
-              <p:nvPr/>
-            </p:nvSpPr>
-            <p:spPr>
-              <a:xfrm>
-                <a:off x="4770721" y="3746860"/>
-                <a:ext cx="3787140" cy="2166657"/>
-              </a:xfrm>
-              <a:prstGeom prst="roundRect">
-                <a:avLst>
-                  <a:gd name="adj" fmla="val 0"/>
-                </a:avLst>
-              </a:prstGeom>
-              <a:solidFill>
-                <a:schemeClr val="bg1"/>
-              </a:solidFill>
-              <a:ln w="76200">
-                <a:solidFill>
-                  <a:schemeClr val="tx1"/>
-                </a:solidFill>
-              </a:ln>
-            </p:spPr>
-            <p:style>
-              <a:lnRef idx="2">
-                <a:schemeClr val="accent1">
-                  <a:shade val="50000"/>
-                </a:schemeClr>
-              </a:lnRef>
-              <a:fillRef idx="1">
-                <a:schemeClr val="accent1"/>
-              </a:fillRef>
-              <a:effectRef idx="0">
-                <a:schemeClr val="accent1"/>
-              </a:effectRef>
-              <a:fontRef idx="minor">
-                <a:schemeClr val="lt1"/>
-              </a:fontRef>
-            </p:style>
-            <p:txBody>
-              <a:bodyPr rtlCol="0" anchor="ctr"/>
-              <a:lstStyle/>
-              <a:p>
-                <a:pPr algn="ctr"/>
-                <a:endParaRPr kumimoji="1" lang="ja-JP" altLang="en-US"/>
-              </a:p>
-            </p:txBody>
-          </p:sp>
-          <p:sp>
-            <p:nvSpPr>
-              <p:cNvPr id="52" name="角丸四角形 51"/>
-              <p:cNvSpPr/>
-              <p:nvPr/>
-            </p:nvSpPr>
-            <p:spPr>
-              <a:xfrm>
-                <a:off x="609614" y="1223843"/>
-                <a:ext cx="3787140" cy="2166657"/>
-              </a:xfrm>
-              <a:prstGeom prst="roundRect">
-                <a:avLst>
-                  <a:gd name="adj" fmla="val 0"/>
-                </a:avLst>
-              </a:prstGeom>
-              <a:solidFill>
-                <a:schemeClr val="bg1"/>
-              </a:solidFill>
-              <a:ln w="76200">
-                <a:solidFill>
-                  <a:schemeClr val="tx1"/>
-                </a:solidFill>
-              </a:ln>
-            </p:spPr>
-            <p:style>
-              <a:lnRef idx="2">
-                <a:schemeClr val="accent1">
-                  <a:shade val="50000"/>
-                </a:schemeClr>
-              </a:lnRef>
-              <a:fillRef idx="1">
-                <a:schemeClr val="accent1"/>
-              </a:fillRef>
-              <a:effectRef idx="0">
-                <a:schemeClr val="accent1"/>
-              </a:effectRef>
-              <a:fontRef idx="minor">
-                <a:schemeClr val="lt1"/>
-              </a:fontRef>
-            </p:style>
-            <p:txBody>
-              <a:bodyPr rtlCol="0" anchor="ctr"/>
-              <a:lstStyle/>
-              <a:p>
-                <a:pPr algn="ctr"/>
-                <a:endParaRPr kumimoji="1" lang="ja-JP" altLang="en-US" dirty="0">
-                  <a:solidFill>
-                    <a:schemeClr val="tx1"/>
-                  </a:solidFill>
-                </a:endParaRPr>
-              </a:p>
-            </p:txBody>
-          </p:sp>
-          <p:sp>
-            <p:nvSpPr>
-              <p:cNvPr id="53" name="二等辺三角形 52"/>
-              <p:cNvSpPr/>
-              <p:nvPr/>
-            </p:nvSpPr>
-            <p:spPr>
-              <a:xfrm rot="10800000">
-                <a:off x="1807319" y="3429456"/>
-                <a:ext cx="1391730" cy="279549"/>
-              </a:xfrm>
-              <a:prstGeom prst="triangle">
-                <a:avLst/>
-              </a:prstGeom>
-              <a:solidFill>
-                <a:schemeClr val="tx1"/>
-              </a:solidFill>
-              <a:ln>
-                <a:solidFill>
-                  <a:schemeClr val="tx1"/>
-                </a:solidFill>
-              </a:ln>
-            </p:spPr>
-            <p:style>
-              <a:lnRef idx="2">
-                <a:schemeClr val="accent1">
-                  <a:shade val="50000"/>
-                </a:schemeClr>
-              </a:lnRef>
-              <a:fillRef idx="1">
-                <a:schemeClr val="accent1"/>
-              </a:fillRef>
-              <a:effectRef idx="0">
-                <a:schemeClr val="accent1"/>
-              </a:effectRef>
-              <a:fontRef idx="minor">
-                <a:schemeClr val="lt1"/>
-              </a:fontRef>
-            </p:style>
-            <p:txBody>
-              <a:bodyPr rtlCol="0" anchor="ctr"/>
-              <a:lstStyle/>
-              <a:p>
-                <a:pPr algn="ctr"/>
-                <a:endParaRPr kumimoji="1" lang="ja-JP" altLang="en-US"/>
-              </a:p>
-            </p:txBody>
-          </p:sp>
-          <p:sp>
-            <p:nvSpPr>
-              <p:cNvPr id="54" name="二等辺三角形 53"/>
-              <p:cNvSpPr/>
-              <p:nvPr/>
-            </p:nvSpPr>
-            <p:spPr>
-              <a:xfrm rot="5400000">
-                <a:off x="3876945" y="4690414"/>
-                <a:ext cx="1391730" cy="279549"/>
-              </a:xfrm>
-              <a:prstGeom prst="triangle">
-                <a:avLst/>
-              </a:prstGeom>
-              <a:solidFill>
-                <a:schemeClr val="tx1"/>
-              </a:solidFill>
-              <a:ln>
-                <a:solidFill>
-                  <a:schemeClr val="tx1"/>
-                </a:solidFill>
-              </a:ln>
-            </p:spPr>
-            <p:style>
-              <a:lnRef idx="2">
-                <a:schemeClr val="accent1">
-                  <a:shade val="50000"/>
-                </a:schemeClr>
-              </a:lnRef>
-              <a:fillRef idx="1">
-                <a:schemeClr val="accent1"/>
-              </a:fillRef>
-              <a:effectRef idx="0">
-                <a:schemeClr val="accent1"/>
-              </a:effectRef>
-              <a:fontRef idx="minor">
-                <a:schemeClr val="lt1"/>
-              </a:fontRef>
-            </p:style>
-            <p:txBody>
-              <a:bodyPr rtlCol="0" anchor="ctr"/>
-              <a:lstStyle/>
-              <a:p>
-                <a:pPr algn="ctr"/>
-                <a:endParaRPr kumimoji="1" lang="ja-JP" altLang="en-US"/>
-              </a:p>
-            </p:txBody>
-          </p:sp>
-          <p:sp>
-            <p:nvSpPr>
-              <p:cNvPr id="55" name="二等辺三角形 54"/>
-              <p:cNvSpPr/>
-              <p:nvPr/>
-            </p:nvSpPr>
-            <p:spPr>
-              <a:xfrm>
-                <a:off x="5968425" y="3427614"/>
-                <a:ext cx="1391730" cy="279549"/>
-              </a:xfrm>
-              <a:prstGeom prst="triangle">
-                <a:avLst/>
-              </a:prstGeom>
-              <a:solidFill>
-                <a:schemeClr val="tx1"/>
-              </a:solidFill>
-              <a:ln>
-                <a:solidFill>
-                  <a:schemeClr val="tx1"/>
-                </a:solidFill>
-              </a:ln>
-            </p:spPr>
-            <p:style>
-              <a:lnRef idx="2">
-                <a:schemeClr val="accent1">
-                  <a:shade val="50000"/>
-                </a:schemeClr>
-              </a:lnRef>
-              <a:fillRef idx="1">
-                <a:schemeClr val="accent1"/>
-              </a:fillRef>
-              <a:effectRef idx="0">
-                <a:schemeClr val="accent1"/>
-              </a:effectRef>
-              <a:fontRef idx="minor">
-                <a:schemeClr val="lt1"/>
-              </a:fontRef>
-            </p:style>
-            <p:txBody>
-              <a:bodyPr rtlCol="0" anchor="ctr"/>
-              <a:lstStyle/>
-              <a:p>
-                <a:pPr algn="ctr"/>
-                <a:endParaRPr kumimoji="1" lang="ja-JP" altLang="en-US"/>
-              </a:p>
-            </p:txBody>
-          </p:sp>
-          <p:sp>
-            <p:nvSpPr>
-              <p:cNvPr id="56" name="二等辺三角形 55"/>
-              <p:cNvSpPr/>
-              <p:nvPr/>
-            </p:nvSpPr>
-            <p:spPr>
-              <a:xfrm rot="16200000">
-                <a:off x="3895131" y="2167397"/>
-                <a:ext cx="1391730" cy="279549"/>
-              </a:xfrm>
-              <a:prstGeom prst="triangle">
-                <a:avLst/>
-              </a:prstGeom>
-              <a:solidFill>
-                <a:schemeClr val="tx1"/>
-              </a:solidFill>
-              <a:ln>
-                <a:solidFill>
-                  <a:schemeClr val="tx1"/>
-                </a:solidFill>
-              </a:ln>
-            </p:spPr>
-            <p:style>
-              <a:lnRef idx="2">
-                <a:schemeClr val="accent1">
-                  <a:shade val="50000"/>
-                </a:schemeClr>
-              </a:lnRef>
-              <a:fillRef idx="1">
-                <a:schemeClr val="accent1"/>
-              </a:fillRef>
-              <a:effectRef idx="0">
-                <a:schemeClr val="accent1"/>
-              </a:effectRef>
-              <a:fontRef idx="minor">
-                <a:schemeClr val="lt1"/>
-              </a:fontRef>
-            </p:style>
-            <p:txBody>
-              <a:bodyPr rtlCol="0" anchor="ctr"/>
-              <a:lstStyle/>
-              <a:p>
-                <a:pPr algn="ctr"/>
-                <a:endParaRPr kumimoji="1" lang="ja-JP" altLang="en-US"/>
-              </a:p>
-            </p:txBody>
-          </p:sp>
-        </p:grpSp>
-        <p:sp>
-          <p:nvSpPr>
-            <p:cNvPr id="6" name="直角三角形 5"/>
-            <p:cNvSpPr/>
-            <p:nvPr/>
-          </p:nvSpPr>
-          <p:spPr>
-            <a:xfrm rot="10800000" flipH="1">
-              <a:off x="409090" y="1061844"/>
-              <a:ext cx="4014574" cy="577718"/>
-            </a:xfrm>
-            <a:prstGeom prst="rtTriangle">
-              <a:avLst/>
-            </a:prstGeom>
-            <a:solidFill>
-              <a:schemeClr val="tx1"/>
-            </a:solidFill>
-            <a:ln>
-              <a:noFill/>
-            </a:ln>
-          </p:spPr>
-          <p:style>
-            <a:lnRef idx="2">
-              <a:schemeClr val="accent1">
-                <a:shade val="50000"/>
-              </a:schemeClr>
-            </a:lnRef>
-            <a:fillRef idx="1">
-              <a:schemeClr val="accent1"/>
-            </a:fillRef>
-            <a:effectRef idx="0">
-              <a:schemeClr val="accent1"/>
-            </a:effectRef>
-            <a:fontRef idx="minor">
-              <a:schemeClr val="lt1"/>
-            </a:fontRef>
-          </p:style>
-          <p:txBody>
-            <a:bodyPr rtlCol="0" anchor="ctr"/>
-            <a:lstStyle/>
-            <a:p>
-              <a:pPr algn="ctr"/>
-              <a:endParaRPr kumimoji="1" lang="ja-JP" altLang="en-US"/>
-            </a:p>
-          </p:txBody>
-        </p:sp>
-        <p:sp>
-          <p:nvSpPr>
-            <p:cNvPr id="58" name="直角三角形 57"/>
-            <p:cNvSpPr/>
-            <p:nvPr/>
-          </p:nvSpPr>
-          <p:spPr>
-            <a:xfrm rot="10800000" flipH="1">
-              <a:off x="4764023" y="1061844"/>
-              <a:ext cx="4014574" cy="577718"/>
-            </a:xfrm>
-            <a:prstGeom prst="rtTriangle">
-              <a:avLst/>
-            </a:prstGeom>
-            <a:solidFill>
-              <a:schemeClr val="tx1"/>
-            </a:solidFill>
-            <a:ln>
-              <a:noFill/>
-            </a:ln>
-          </p:spPr>
-          <p:style>
-            <a:lnRef idx="2">
-              <a:schemeClr val="accent1">
-                <a:shade val="50000"/>
-              </a:schemeClr>
-            </a:lnRef>
-            <a:fillRef idx="1">
-              <a:schemeClr val="accent1"/>
-            </a:fillRef>
-            <a:effectRef idx="0">
-              <a:schemeClr val="accent1"/>
-            </a:effectRef>
-            <a:fontRef idx="minor">
-              <a:schemeClr val="lt1"/>
-            </a:fontRef>
-          </p:style>
-          <p:txBody>
-            <a:bodyPr rtlCol="0" anchor="ctr"/>
-            <a:lstStyle/>
-            <a:p>
-              <a:pPr algn="ctr"/>
-              <a:endParaRPr kumimoji="1" lang="ja-JP" altLang="en-US"/>
-            </a:p>
-          </p:txBody>
-        </p:sp>
-        <p:sp>
-          <p:nvSpPr>
-            <p:cNvPr id="59" name="直角三角形 58"/>
-            <p:cNvSpPr/>
-            <p:nvPr/>
-          </p:nvSpPr>
-          <p:spPr>
-            <a:xfrm rot="10800000" flipH="1">
-              <a:off x="409090" y="3705557"/>
-              <a:ext cx="4014574" cy="577718"/>
-            </a:xfrm>
-            <a:prstGeom prst="rtTriangle">
-              <a:avLst/>
-            </a:prstGeom>
-            <a:solidFill>
-              <a:schemeClr val="tx1"/>
-            </a:solidFill>
-            <a:ln>
-              <a:noFill/>
-            </a:ln>
-          </p:spPr>
-          <p:style>
-            <a:lnRef idx="2">
-              <a:schemeClr val="accent1">
-                <a:shade val="50000"/>
-              </a:schemeClr>
-            </a:lnRef>
-            <a:fillRef idx="1">
-              <a:schemeClr val="accent1"/>
-            </a:fillRef>
-            <a:effectRef idx="0">
-              <a:schemeClr val="accent1"/>
-            </a:effectRef>
-            <a:fontRef idx="minor">
-              <a:schemeClr val="lt1"/>
-            </a:fontRef>
-          </p:style>
-          <p:txBody>
-            <a:bodyPr rtlCol="0" anchor="ctr"/>
-            <a:lstStyle/>
-            <a:p>
-              <a:pPr algn="ctr"/>
-              <a:endParaRPr kumimoji="1" lang="ja-JP" altLang="en-US"/>
-            </a:p>
-          </p:txBody>
-        </p:sp>
-        <p:sp>
-          <p:nvSpPr>
-            <p:cNvPr id="60" name="直角三角形 59"/>
-            <p:cNvSpPr/>
-            <p:nvPr/>
-          </p:nvSpPr>
-          <p:spPr>
-            <a:xfrm rot="10800000" flipH="1">
-              <a:off x="4764023" y="3705557"/>
-              <a:ext cx="4014574" cy="577718"/>
-            </a:xfrm>
-            <a:prstGeom prst="rtTriangle">
-              <a:avLst/>
-            </a:prstGeom>
-            <a:solidFill>
-              <a:schemeClr val="tx1"/>
-            </a:solidFill>
-            <a:ln>
-              <a:noFill/>
-            </a:ln>
-          </p:spPr>
-          <p:style>
-            <a:lnRef idx="2">
-              <a:schemeClr val="accent1">
-                <a:shade val="50000"/>
-              </a:schemeClr>
-            </a:lnRef>
-            <a:fillRef idx="1">
-              <a:schemeClr val="accent1"/>
-            </a:fillRef>
-            <a:effectRef idx="0">
-              <a:schemeClr val="accent1"/>
-            </a:effectRef>
-            <a:fontRef idx="minor">
-              <a:schemeClr val="lt1"/>
-            </a:fontRef>
-          </p:style>
-          <p:txBody>
-            <a:bodyPr rtlCol="0" anchor="ctr"/>
-            <a:lstStyle/>
-            <a:p>
-              <a:pPr algn="ctr"/>
-              <a:endParaRPr kumimoji="1" lang="ja-JP" altLang="en-US"/>
-            </a:p>
-          </p:txBody>
-        </p:sp>
-      </p:grpSp>
-      <p:sp>
-        <p:nvSpPr>
-          <p:cNvPr id="62" name="テキスト ボックス 61"/>
-          <p:cNvSpPr txBox="1"/>
-          <p:nvPr/>
-        </p:nvSpPr>
-        <p:spPr>
-          <a:xfrm rot="21161010">
-            <a:off x="4811553" y="930179"/>
-            <a:ext cx="1383712" cy="646331"/>
-          </a:xfrm>
-          <a:prstGeom prst="rect">
-            <a:avLst/>
-          </a:prstGeom>
-          <a:noFill/>
-        </p:spPr>
-        <p:txBody>
-          <a:bodyPr wrap="none" rtlCol="0">
-            <a:spAutoFit/>
-          </a:bodyPr>
-          <a:lstStyle/>
-          <a:p>
-            <a:r>
-              <a:rPr lang="en-US" altLang="ja-JP" sz="3600" b="1" dirty="0" smtClean="0">
-                <a:ln w="12700">
-                  <a:solidFill>
-                    <a:schemeClr val="tx1"/>
-                  </a:solidFill>
-                </a:ln>
-                <a:solidFill>
-                  <a:schemeClr val="bg1"/>
-                </a:solidFill>
-                <a:latin typeface="HGP明朝B" panose="02020800000000000000" pitchFamily="18" charset="-128"/>
-                <a:ea typeface="HGP明朝B" panose="02020800000000000000" pitchFamily="18" charset="-128"/>
-              </a:rPr>
-              <a:t>Purge</a:t>
-            </a:r>
-            <a:endParaRPr lang="ja-JP" altLang="en-US" sz="3600" b="1" dirty="0">
-              <a:ln w="12700">
-                <a:solidFill>
-                  <a:schemeClr val="tx1"/>
-                </a:solidFill>
-              </a:ln>
-              <a:solidFill>
-                <a:schemeClr val="bg1"/>
-              </a:solidFill>
-              <a:latin typeface="HGP明朝B" panose="02020800000000000000" pitchFamily="18" charset="-128"/>
-              <a:ea typeface="HGP明朝B" panose="02020800000000000000" pitchFamily="18" charset="-128"/>
-            </a:endParaRPr>
-          </a:p>
-        </p:txBody>
-      </p:sp>
-      <p:sp>
-        <p:nvSpPr>
-          <p:cNvPr id="64" name="テキスト ボックス 63"/>
-          <p:cNvSpPr txBox="1"/>
-          <p:nvPr/>
-        </p:nvSpPr>
-        <p:spPr>
-          <a:xfrm rot="21161010">
-            <a:off x="409089" y="3631391"/>
-            <a:ext cx="958917" cy="646331"/>
-          </a:xfrm>
-          <a:prstGeom prst="rect">
-            <a:avLst/>
-          </a:prstGeom>
-          <a:noFill/>
-        </p:spPr>
-        <p:txBody>
-          <a:bodyPr wrap="none" rtlCol="0">
-            <a:spAutoFit/>
-          </a:bodyPr>
-          <a:lstStyle/>
-          <a:p>
-            <a:r>
-              <a:rPr lang="en-US" altLang="ja-JP" sz="3600" b="1" dirty="0" smtClean="0">
-                <a:ln w="12700">
-                  <a:solidFill>
-                    <a:schemeClr val="tx1"/>
-                  </a:solidFill>
-                </a:ln>
-                <a:solidFill>
-                  <a:schemeClr val="bg1"/>
-                </a:solidFill>
-                <a:latin typeface="HGP明朝B" panose="02020800000000000000" pitchFamily="18" charset="-128"/>
-                <a:ea typeface="HGP明朝B" panose="02020800000000000000" pitchFamily="18" charset="-128"/>
-              </a:rPr>
-              <a:t>Rod</a:t>
-            </a:r>
-            <a:endParaRPr lang="ja-JP" altLang="en-US" sz="3600" b="1" dirty="0">
-              <a:ln w="12700">
-                <a:solidFill>
-                  <a:schemeClr val="tx1"/>
-                </a:solidFill>
-              </a:ln>
-              <a:solidFill>
-                <a:schemeClr val="bg1"/>
-              </a:solidFill>
-              <a:latin typeface="HGP明朝B" panose="02020800000000000000" pitchFamily="18" charset="-128"/>
-              <a:ea typeface="HGP明朝B" panose="02020800000000000000" pitchFamily="18" charset="-128"/>
-            </a:endParaRPr>
-          </a:p>
-        </p:txBody>
-      </p:sp>
-      <p:pic>
-        <p:nvPicPr>
-          <p:cNvPr id="8" name="図 7"/>
-          <p:cNvPicPr>
-            <a:picLocks noChangeAspect="1"/>
-          </p:cNvPicPr>
-          <p:nvPr/>
-        </p:nvPicPr>
-        <p:blipFill>
-          <a:blip r:embed="rId3" cstate="print">
-            <a:extLst>
-              <a:ext uri="{28A0092B-C50C-407E-A947-70E740481C1C}">
-                <a14:useLocalDpi xmlns:a14="http://schemas.microsoft.com/office/drawing/2010/main" val="0"/>
-              </a:ext>
-            </a:extLst>
-          </a:blip>
-          <a:stretch>
-            <a:fillRect/>
-          </a:stretch>
-        </p:blipFill>
-        <p:spPr>
-          <a:xfrm>
-            <a:off x="2409646" y="4617566"/>
-            <a:ext cx="1763164" cy="1325844"/>
-          </a:xfrm>
-          <a:prstGeom prst="rect">
-            <a:avLst/>
-          </a:prstGeom>
-        </p:spPr>
-      </p:pic>
-      <p:cxnSp>
-        <p:nvCxnSpPr>
-          <p:cNvPr id="16" name="直線コネクタ 15"/>
-          <p:cNvCxnSpPr/>
-          <p:nvPr/>
-        </p:nvCxnSpPr>
-        <p:spPr>
-          <a:xfrm>
-            <a:off x="1547348" y="4497514"/>
-            <a:ext cx="2338852" cy="782974"/>
-          </a:xfrm>
-          <a:prstGeom prst="line">
-            <a:avLst/>
-          </a:prstGeom>
-          <a:ln w="38100">
-            <a:solidFill>
-              <a:schemeClr val="tx1"/>
-            </a:solidFill>
-          </a:ln>
-        </p:spPr>
-        <p:style>
-          <a:lnRef idx="1">
-            <a:schemeClr val="accent1"/>
-          </a:lnRef>
-          <a:fillRef idx="0">
-            <a:schemeClr val="accent1"/>
-          </a:fillRef>
-          <a:effectRef idx="0">
-            <a:schemeClr val="accent1"/>
-          </a:effectRef>
-          <a:fontRef idx="minor">
-            <a:schemeClr val="tx1"/>
-          </a:fontRef>
-        </p:style>
-      </p:cxnSp>
-      <p:cxnSp>
-        <p:nvCxnSpPr>
-          <p:cNvPr id="68" name="直線コネクタ 67"/>
-          <p:cNvCxnSpPr/>
-          <p:nvPr/>
-        </p:nvCxnSpPr>
-        <p:spPr>
-          <a:xfrm>
-            <a:off x="1647368" y="4689778"/>
-            <a:ext cx="1429496" cy="1238222"/>
-          </a:xfrm>
-          <a:prstGeom prst="line">
-            <a:avLst/>
-          </a:prstGeom>
-          <a:ln w="38100">
-            <a:solidFill>
-              <a:schemeClr val="tx1"/>
-            </a:solidFill>
-          </a:ln>
-        </p:spPr>
-        <p:style>
-          <a:lnRef idx="1">
-            <a:schemeClr val="accent1"/>
-          </a:lnRef>
-          <a:fillRef idx="0">
-            <a:schemeClr val="accent1"/>
-          </a:fillRef>
-          <a:effectRef idx="0">
-            <a:schemeClr val="accent1"/>
-          </a:effectRef>
-          <a:fontRef idx="minor">
-            <a:schemeClr val="tx1"/>
-          </a:fontRef>
-        </p:style>
-      </p:cxnSp>
-      <p:cxnSp>
-        <p:nvCxnSpPr>
-          <p:cNvPr id="69" name="直線コネクタ 68"/>
-          <p:cNvCxnSpPr/>
-          <p:nvPr/>
-        </p:nvCxnSpPr>
-        <p:spPr>
-          <a:xfrm>
-            <a:off x="1647368" y="4564691"/>
-            <a:ext cx="764553" cy="324310"/>
-          </a:xfrm>
-          <a:prstGeom prst="line">
-            <a:avLst/>
-          </a:prstGeom>
-          <a:ln>
-            <a:solidFill>
-              <a:schemeClr val="tx1"/>
-            </a:solidFill>
-          </a:ln>
-        </p:spPr>
-        <p:style>
-          <a:lnRef idx="1">
-            <a:schemeClr val="accent1"/>
-          </a:lnRef>
-          <a:fillRef idx="0">
-            <a:schemeClr val="accent1"/>
-          </a:fillRef>
-          <a:effectRef idx="0">
-            <a:schemeClr val="accent1"/>
-          </a:effectRef>
-          <a:fontRef idx="minor">
-            <a:schemeClr val="tx1"/>
-          </a:fontRef>
-        </p:style>
-      </p:cxnSp>
-      <p:cxnSp>
-        <p:nvCxnSpPr>
-          <p:cNvPr id="71" name="直線コネクタ 70"/>
-          <p:cNvCxnSpPr/>
-          <p:nvPr/>
-        </p:nvCxnSpPr>
-        <p:spPr>
-          <a:xfrm>
-            <a:off x="1625228" y="4581350"/>
-            <a:ext cx="1278914" cy="852418"/>
-          </a:xfrm>
-          <a:prstGeom prst="line">
-            <a:avLst/>
-          </a:prstGeom>
-          <a:ln>
-            <a:solidFill>
-              <a:schemeClr val="tx1"/>
-            </a:solidFill>
-          </a:ln>
-        </p:spPr>
-        <p:style>
-          <a:lnRef idx="1">
-            <a:schemeClr val="accent1"/>
-          </a:lnRef>
-          <a:fillRef idx="0">
-            <a:schemeClr val="accent1"/>
-          </a:fillRef>
-          <a:effectRef idx="0">
-            <a:schemeClr val="accent1"/>
-          </a:effectRef>
-          <a:fontRef idx="minor">
-            <a:schemeClr val="tx1"/>
-          </a:fontRef>
-        </p:style>
-      </p:cxnSp>
-      <p:grpSp>
-        <p:nvGrpSpPr>
-          <p:cNvPr id="10" name="グループ化 9"/>
-          <p:cNvGrpSpPr/>
-          <p:nvPr/>
-        </p:nvGrpSpPr>
-        <p:grpSpPr>
-          <a:xfrm flipH="1">
-            <a:off x="803697" y="4145457"/>
-            <a:ext cx="1338167" cy="1401770"/>
-            <a:chOff x="1158688" y="1360185"/>
-            <a:chExt cx="1338167" cy="1401770"/>
-          </a:xfrm>
-        </p:grpSpPr>
-        <p:pic>
-          <p:nvPicPr>
-            <p:cNvPr id="66" name="図 65"/>
-            <p:cNvPicPr>
-              <a:picLocks noChangeAspect="1"/>
-            </p:cNvPicPr>
-            <p:nvPr/>
-          </p:nvPicPr>
-          <p:blipFill>
-            <a:blip r:embed="rId4" cstate="print">
-              <a:extLst>
-                <a:ext uri="{28A0092B-C50C-407E-A947-70E740481C1C}">
-                  <a14:useLocalDpi xmlns:a14="http://schemas.microsoft.com/office/drawing/2010/main" val="0"/>
-                </a:ext>
-              </a:extLst>
-            </a:blip>
-            <a:stretch>
-              <a:fillRect/>
-            </a:stretch>
-          </p:blipFill>
-          <p:spPr>
-            <a:xfrm rot="6300000">
-              <a:off x="1635880" y="1360185"/>
-              <a:ext cx="860975" cy="860975"/>
-            </a:xfrm>
-            <a:prstGeom prst="rect">
-              <a:avLst/>
-            </a:prstGeom>
-          </p:spPr>
-        </p:pic>
-        <p:pic>
-          <p:nvPicPr>
-            <p:cNvPr id="65" name="図 64"/>
-            <p:cNvPicPr>
-              <a:picLocks noChangeAspect="1"/>
-            </p:cNvPicPr>
-            <p:nvPr/>
-          </p:nvPicPr>
-          <p:blipFill>
-            <a:blip r:embed="rId5" cstate="print">
-              <a:extLst>
-                <a:ext uri="{28A0092B-C50C-407E-A947-70E740481C1C}">
-                  <a14:useLocalDpi xmlns:a14="http://schemas.microsoft.com/office/drawing/2010/main" val="0"/>
-                </a:ext>
-              </a:extLst>
-            </a:blip>
-            <a:stretch>
-              <a:fillRect/>
-            </a:stretch>
-          </p:blipFill>
-          <p:spPr>
-            <a:xfrm>
-              <a:off x="1546745" y="1517069"/>
-              <a:ext cx="713155" cy="797136"/>
-            </a:xfrm>
-            <a:prstGeom prst="rect">
-              <a:avLst/>
-            </a:prstGeom>
-          </p:spPr>
-        </p:pic>
-        <p:pic>
-          <p:nvPicPr>
-            <p:cNvPr id="9" name="図 8"/>
-            <p:cNvPicPr>
-              <a:picLocks noChangeAspect="1"/>
-            </p:cNvPicPr>
-            <p:nvPr/>
-          </p:nvPicPr>
-          <p:blipFill>
-            <a:blip r:embed="rId6" cstate="print">
-              <a:extLst>
-                <a:ext uri="{28A0092B-C50C-407E-A947-70E740481C1C}">
-                  <a14:useLocalDpi xmlns:a14="http://schemas.microsoft.com/office/drawing/2010/main" val="0"/>
-                </a:ext>
-              </a:extLst>
-            </a:blip>
-            <a:stretch>
-              <a:fillRect/>
-            </a:stretch>
-          </p:blipFill>
-          <p:spPr>
-            <a:xfrm>
-              <a:off x="1158688" y="1594820"/>
-              <a:ext cx="1167135" cy="1167135"/>
-            </a:xfrm>
-            <a:prstGeom prst="rect">
-              <a:avLst/>
-            </a:prstGeom>
-          </p:spPr>
-        </p:pic>
-      </p:grpSp>
-      <p:pic>
-        <p:nvPicPr>
-          <p:cNvPr id="78" name="図 77"/>
-          <p:cNvPicPr>
-            <a:picLocks noChangeAspect="1"/>
-          </p:cNvPicPr>
-          <p:nvPr/>
-        </p:nvPicPr>
-        <p:blipFill rotWithShape="1">
-          <a:blip r:embed="rId7" cstate="print">
-            <a:extLst>
-              <a:ext uri="{28A0092B-C50C-407E-A947-70E740481C1C}">
-                <a14:useLocalDpi xmlns:a14="http://schemas.microsoft.com/office/drawing/2010/main" val="0"/>
-              </a:ext>
-            </a:extLst>
-          </a:blip>
-          <a:srcRect t="12160" b="6394"/>
-          <a:stretch/>
-        </p:blipFill>
-        <p:spPr>
-          <a:xfrm flipH="1">
-            <a:off x="671167" y="1242060"/>
-            <a:ext cx="2234849" cy="2034540"/>
-          </a:xfrm>
-          <a:prstGeom prst="rect">
-            <a:avLst/>
-          </a:prstGeom>
-        </p:spPr>
-      </p:pic>
-      <p:sp>
-        <p:nvSpPr>
-          <p:cNvPr id="61" name="テキスト ボックス 60"/>
-          <p:cNvSpPr txBox="1"/>
-          <p:nvPr/>
-        </p:nvSpPr>
-        <p:spPr>
-          <a:xfrm rot="21161010">
-            <a:off x="409089" y="958754"/>
-            <a:ext cx="1335622" cy="646331"/>
-          </a:xfrm>
-          <a:prstGeom prst="rect">
-            <a:avLst/>
-          </a:prstGeom>
-          <a:noFill/>
-        </p:spPr>
-        <p:txBody>
-          <a:bodyPr wrap="none" rtlCol="0">
-            <a:spAutoFit/>
-          </a:bodyPr>
-          <a:lstStyle/>
-          <a:p>
-            <a:r>
-              <a:rPr lang="en-US" altLang="ja-JP" sz="3600" b="1" dirty="0">
-                <a:ln w="12700">
-                  <a:solidFill>
-                    <a:schemeClr val="tx1"/>
-                  </a:solidFill>
-                </a:ln>
-                <a:solidFill>
-                  <a:schemeClr val="bg1"/>
-                </a:solidFill>
-                <a:latin typeface="HGP明朝B" panose="02020800000000000000" pitchFamily="18" charset="-128"/>
-                <a:ea typeface="HGP明朝B" panose="02020800000000000000" pitchFamily="18" charset="-128"/>
-              </a:rPr>
-              <a:t>Break</a:t>
-            </a:r>
-            <a:endParaRPr lang="ja-JP" altLang="en-US" sz="3600" b="1" dirty="0">
-              <a:ln w="12700">
-                <a:solidFill>
-                  <a:schemeClr val="tx1"/>
-                </a:solidFill>
-              </a:ln>
-              <a:solidFill>
-                <a:schemeClr val="bg1"/>
-              </a:solidFill>
-              <a:latin typeface="HGP明朝B" panose="02020800000000000000" pitchFamily="18" charset="-128"/>
-              <a:ea typeface="HGP明朝B" panose="02020800000000000000" pitchFamily="18" charset="-128"/>
-            </a:endParaRPr>
-          </a:p>
-        </p:txBody>
-      </p:sp>
-      <p:grpSp>
-        <p:nvGrpSpPr>
-          <p:cNvPr id="79" name="グループ化 78"/>
-          <p:cNvGrpSpPr/>
-          <p:nvPr/>
-        </p:nvGrpSpPr>
-        <p:grpSpPr>
-          <a:xfrm>
-            <a:off x="2040794" y="1415238"/>
-            <a:ext cx="1544480" cy="1544480"/>
-            <a:chOff x="2886075" y="1779588"/>
-            <a:chExt cx="1685925" cy="1685925"/>
-          </a:xfrm>
-        </p:grpSpPr>
-        <p:sp>
-          <p:nvSpPr>
-            <p:cNvPr id="80" name="楕円 79"/>
-            <p:cNvSpPr/>
-            <p:nvPr/>
-          </p:nvSpPr>
-          <p:spPr>
-            <a:xfrm>
-              <a:off x="2886075" y="1779588"/>
-              <a:ext cx="1685925" cy="1685925"/>
-            </a:xfrm>
-            <a:prstGeom prst="ellipse">
-              <a:avLst/>
-            </a:prstGeom>
-            <a:noFill/>
-            <a:ln w="76200">
-              <a:solidFill>
-                <a:schemeClr val="tx1"/>
-              </a:solidFill>
-            </a:ln>
-          </p:spPr>
-          <p:style>
-            <a:lnRef idx="2">
-              <a:schemeClr val="accent1">
-                <a:shade val="50000"/>
-              </a:schemeClr>
-            </a:lnRef>
-            <a:fillRef idx="1">
-              <a:schemeClr val="accent1"/>
-            </a:fillRef>
-            <a:effectRef idx="0">
-              <a:schemeClr val="accent1"/>
-            </a:effectRef>
-            <a:fontRef idx="minor">
-              <a:schemeClr val="lt1"/>
-            </a:fontRef>
-          </p:style>
-          <p:txBody>
-            <a:bodyPr rtlCol="0" anchor="ctr"/>
-            <a:lstStyle/>
-            <a:p>
-              <a:pPr algn="ctr"/>
-              <a:endParaRPr kumimoji="1" lang="ja-JP" altLang="en-US"/>
-            </a:p>
-          </p:txBody>
-        </p:sp>
-        <p:cxnSp>
-          <p:nvCxnSpPr>
-            <p:cNvPr id="81" name="直線コネクタ 80"/>
-            <p:cNvCxnSpPr>
-              <a:stCxn id="80" idx="0"/>
-              <a:endCxn id="80" idx="4"/>
-            </p:cNvCxnSpPr>
-            <p:nvPr/>
-          </p:nvCxnSpPr>
-          <p:spPr>
-            <a:xfrm>
-              <a:off x="3729038" y="1779588"/>
-              <a:ext cx="0" cy="1685925"/>
-            </a:xfrm>
-            <a:prstGeom prst="line">
-              <a:avLst/>
-            </a:prstGeom>
-            <a:ln w="19050">
-              <a:solidFill>
-                <a:schemeClr val="tx1"/>
-              </a:solidFill>
-            </a:ln>
-          </p:spPr>
-          <p:style>
-            <a:lnRef idx="1">
-              <a:schemeClr val="accent1"/>
-            </a:lnRef>
-            <a:fillRef idx="0">
-              <a:schemeClr val="accent1"/>
-            </a:fillRef>
-            <a:effectRef idx="0">
-              <a:schemeClr val="accent1"/>
-            </a:effectRef>
-            <a:fontRef idx="minor">
-              <a:schemeClr val="tx1"/>
-            </a:fontRef>
-          </p:style>
-        </p:cxnSp>
-        <p:cxnSp>
-          <p:nvCxnSpPr>
-            <p:cNvPr id="82" name="直線コネクタ 81"/>
-            <p:cNvCxnSpPr>
-              <a:stCxn id="80" idx="2"/>
-              <a:endCxn id="80" idx="6"/>
-            </p:cNvCxnSpPr>
-            <p:nvPr/>
-          </p:nvCxnSpPr>
-          <p:spPr>
-            <a:xfrm>
-              <a:off x="2886075" y="2622551"/>
-              <a:ext cx="1685925" cy="0"/>
-            </a:xfrm>
-            <a:prstGeom prst="line">
-              <a:avLst/>
-            </a:prstGeom>
-            <a:ln w="19050">
-              <a:solidFill>
-                <a:schemeClr val="tx1"/>
-              </a:solidFill>
-            </a:ln>
-          </p:spPr>
-          <p:style>
-            <a:lnRef idx="1">
-              <a:schemeClr val="accent1"/>
-            </a:lnRef>
-            <a:fillRef idx="0">
-              <a:schemeClr val="accent1"/>
-            </a:fillRef>
-            <a:effectRef idx="0">
-              <a:schemeClr val="accent1"/>
-            </a:effectRef>
-            <a:fontRef idx="minor">
-              <a:schemeClr val="tx1"/>
-            </a:fontRef>
-          </p:style>
-        </p:cxnSp>
-        <p:cxnSp>
-          <p:nvCxnSpPr>
-            <p:cNvPr id="83" name="直線コネクタ 82"/>
-            <p:cNvCxnSpPr/>
-            <p:nvPr/>
-          </p:nvCxnSpPr>
-          <p:spPr>
-            <a:xfrm>
-              <a:off x="3600449" y="2769870"/>
-              <a:ext cx="257175" cy="0"/>
-            </a:xfrm>
-            <a:prstGeom prst="line">
-              <a:avLst/>
-            </a:prstGeom>
-            <a:ln w="19050">
-              <a:solidFill>
-                <a:schemeClr val="tx1"/>
-              </a:solidFill>
-            </a:ln>
-          </p:spPr>
-          <p:style>
-            <a:lnRef idx="1">
-              <a:schemeClr val="accent1"/>
-            </a:lnRef>
-            <a:fillRef idx="0">
-              <a:schemeClr val="accent1"/>
-            </a:fillRef>
-            <a:effectRef idx="0">
-              <a:schemeClr val="accent1"/>
-            </a:effectRef>
-            <a:fontRef idx="minor">
-              <a:schemeClr val="tx1"/>
-            </a:fontRef>
-          </p:style>
-        </p:cxnSp>
-        <p:cxnSp>
-          <p:nvCxnSpPr>
-            <p:cNvPr id="84" name="直線コネクタ 83"/>
-            <p:cNvCxnSpPr/>
-            <p:nvPr/>
-          </p:nvCxnSpPr>
-          <p:spPr>
-            <a:xfrm>
-              <a:off x="3600449" y="2487930"/>
-              <a:ext cx="257175" cy="0"/>
-            </a:xfrm>
-            <a:prstGeom prst="line">
-              <a:avLst/>
-            </a:prstGeom>
-            <a:ln w="19050">
-              <a:solidFill>
-                <a:schemeClr val="tx1"/>
-              </a:solidFill>
-            </a:ln>
-          </p:spPr>
-          <p:style>
-            <a:lnRef idx="1">
-              <a:schemeClr val="accent1"/>
-            </a:lnRef>
-            <a:fillRef idx="0">
-              <a:schemeClr val="accent1"/>
-            </a:fillRef>
-            <a:effectRef idx="0">
-              <a:schemeClr val="accent1"/>
-            </a:effectRef>
-            <a:fontRef idx="minor">
-              <a:schemeClr val="tx1"/>
-            </a:fontRef>
-          </p:style>
-        </p:cxnSp>
-        <p:cxnSp>
-          <p:nvCxnSpPr>
-            <p:cNvPr id="85" name="直線コネクタ 84"/>
-            <p:cNvCxnSpPr/>
-            <p:nvPr/>
-          </p:nvCxnSpPr>
-          <p:spPr>
-            <a:xfrm>
-              <a:off x="3600449" y="2335530"/>
-              <a:ext cx="257175" cy="0"/>
-            </a:xfrm>
-            <a:prstGeom prst="line">
-              <a:avLst/>
-            </a:prstGeom>
-            <a:ln w="19050">
-              <a:solidFill>
-                <a:schemeClr val="tx1"/>
-              </a:solidFill>
-            </a:ln>
-          </p:spPr>
-          <p:style>
-            <a:lnRef idx="1">
-              <a:schemeClr val="accent1"/>
-            </a:lnRef>
-            <a:fillRef idx="0">
-              <a:schemeClr val="accent1"/>
-            </a:fillRef>
-            <a:effectRef idx="0">
-              <a:schemeClr val="accent1"/>
-            </a:effectRef>
-            <a:fontRef idx="minor">
-              <a:schemeClr val="tx1"/>
-            </a:fontRef>
-          </p:style>
-        </p:cxnSp>
-        <p:cxnSp>
-          <p:nvCxnSpPr>
-            <p:cNvPr id="86" name="直線コネクタ 85"/>
-            <p:cNvCxnSpPr/>
-            <p:nvPr/>
-          </p:nvCxnSpPr>
-          <p:spPr>
-            <a:xfrm>
-              <a:off x="3600449" y="2899410"/>
-              <a:ext cx="257175" cy="0"/>
-            </a:xfrm>
-            <a:prstGeom prst="line">
-              <a:avLst/>
-            </a:prstGeom>
-            <a:ln w="19050">
-              <a:solidFill>
-                <a:schemeClr val="tx1"/>
-              </a:solidFill>
-            </a:ln>
-          </p:spPr>
-          <p:style>
-            <a:lnRef idx="1">
-              <a:schemeClr val="accent1"/>
-            </a:lnRef>
-            <a:fillRef idx="0">
-              <a:schemeClr val="accent1"/>
-            </a:fillRef>
-            <a:effectRef idx="0">
-              <a:schemeClr val="accent1"/>
-            </a:effectRef>
-            <a:fontRef idx="minor">
-              <a:schemeClr val="tx1"/>
-            </a:fontRef>
-          </p:style>
-        </p:cxnSp>
-      </p:grpSp>
-      <p:grpSp>
-        <p:nvGrpSpPr>
-          <p:cNvPr id="93" name="グループ化 92"/>
-          <p:cNvGrpSpPr/>
-          <p:nvPr/>
-        </p:nvGrpSpPr>
-        <p:grpSpPr>
-          <a:xfrm>
-            <a:off x="5187108" y="4161594"/>
-            <a:ext cx="2119477" cy="1758330"/>
-            <a:chOff x="5514470" y="4161594"/>
-            <a:chExt cx="2119477" cy="1758330"/>
-          </a:xfrm>
-        </p:grpSpPr>
-        <p:pic>
-          <p:nvPicPr>
-            <p:cNvPr id="67" name="図 66"/>
-            <p:cNvPicPr>
-              <a:picLocks noChangeAspect="1"/>
-            </p:cNvPicPr>
-            <p:nvPr/>
-          </p:nvPicPr>
-          <p:blipFill rotWithShape="1">
-            <a:blip r:embed="rId8" cstate="print">
-              <a:extLst>
-                <a:ext uri="{28A0092B-C50C-407E-A947-70E740481C1C}">
-                  <a14:useLocalDpi xmlns:a14="http://schemas.microsoft.com/office/drawing/2010/main" val="0"/>
-                </a:ext>
-              </a:extLst>
-            </a:blip>
-            <a:srcRect t="1706" r="3861"/>
-            <a:stretch/>
-          </p:blipFill>
-          <p:spPr>
-            <a:xfrm rot="13289933">
-              <a:off x="7006977" y="4217107"/>
-              <a:ext cx="626970" cy="1212629"/>
-            </a:xfrm>
-            <a:prstGeom prst="rect">
-              <a:avLst/>
-            </a:prstGeom>
-          </p:spPr>
-        </p:pic>
-        <p:pic>
-          <p:nvPicPr>
-            <p:cNvPr id="87" name="図 86"/>
-            <p:cNvPicPr>
-              <a:picLocks noChangeAspect="1"/>
-            </p:cNvPicPr>
-            <p:nvPr/>
-          </p:nvPicPr>
-          <p:blipFill rotWithShape="1">
-            <a:blip r:embed="rId3">
-              <a:extLst>
-                <a:ext uri="{28A0092B-C50C-407E-A947-70E740481C1C}">
-                  <a14:useLocalDpi xmlns:a14="http://schemas.microsoft.com/office/drawing/2010/main" val="0"/>
-                </a:ext>
-              </a:extLst>
-            </a:blip>
-            <a:srcRect l="7069" r="35168"/>
-            <a:stretch/>
-          </p:blipFill>
-          <p:spPr>
-            <a:xfrm>
-              <a:off x="5514470" y="4161594"/>
-              <a:ext cx="1350660" cy="1758330"/>
-            </a:xfrm>
-            <a:prstGeom prst="rect">
-              <a:avLst/>
-            </a:prstGeom>
-            <a:effectLst>
-              <a:softEdge rad="0"/>
-            </a:effectLst>
-          </p:spPr>
-        </p:pic>
-      </p:grpSp>
-      <p:pic>
-        <p:nvPicPr>
-          <p:cNvPr id="91" name="図 90"/>
-          <p:cNvPicPr>
-            <a:picLocks noChangeAspect="1"/>
-          </p:cNvPicPr>
-          <p:nvPr/>
-        </p:nvPicPr>
-        <p:blipFill rotWithShape="1">
-          <a:blip r:embed="rId8" cstate="print">
-            <a:extLst>
-              <a:ext uri="{28A0092B-C50C-407E-A947-70E740481C1C}">
-                <a14:useLocalDpi xmlns:a14="http://schemas.microsoft.com/office/drawing/2010/main" val="0"/>
-              </a:ext>
-            </a:extLst>
-          </a:blip>
-          <a:srcRect t="1706" r="3861"/>
-          <a:stretch/>
-        </p:blipFill>
-        <p:spPr>
-          <a:xfrm rot="21241475">
-            <a:off x="2437363" y="4638956"/>
-            <a:ext cx="457077" cy="884034"/>
-          </a:xfrm>
-          <a:prstGeom prst="rect">
-            <a:avLst/>
-          </a:prstGeom>
-        </p:spPr>
-      </p:pic>
-      <p:pic>
-        <p:nvPicPr>
-          <p:cNvPr id="98" name="図 97"/>
-          <p:cNvPicPr>
-            <a:picLocks noChangeAspect="1"/>
-          </p:cNvPicPr>
-          <p:nvPr/>
-        </p:nvPicPr>
-        <p:blipFill>
-          <a:blip r:embed="rId9" cstate="print">
-            <a:extLst>
-              <a:ext uri="{28A0092B-C50C-407E-A947-70E740481C1C}">
-                <a14:useLocalDpi xmlns:a14="http://schemas.microsoft.com/office/drawing/2010/main" val="0"/>
-              </a:ext>
-            </a:extLst>
-          </a:blip>
-          <a:stretch>
-            <a:fillRect/>
-          </a:stretch>
-        </p:blipFill>
-        <p:spPr>
-          <a:xfrm>
-            <a:off x="4791870" y="3663245"/>
-            <a:ext cx="3958879" cy="2272525"/>
-          </a:xfrm>
-          <a:prstGeom prst="rect">
-            <a:avLst/>
-          </a:prstGeom>
-        </p:spPr>
-      </p:pic>
-      <p:sp>
-        <p:nvSpPr>
-          <p:cNvPr id="63" name="テキスト ボックス 62"/>
-          <p:cNvSpPr txBox="1"/>
-          <p:nvPr/>
-        </p:nvSpPr>
-        <p:spPr>
-          <a:xfrm rot="21161010">
-            <a:off x="4811553" y="3583766"/>
-            <a:ext cx="1529586" cy="646331"/>
-          </a:xfrm>
-          <a:prstGeom prst="rect">
-            <a:avLst/>
-          </a:prstGeom>
-          <a:noFill/>
-        </p:spPr>
-        <p:txBody>
-          <a:bodyPr wrap="none" rtlCol="0">
-            <a:spAutoFit/>
-          </a:bodyPr>
-          <a:lstStyle/>
-          <a:p>
-            <a:r>
-              <a:rPr lang="en-US" altLang="ja-JP" sz="3600" b="1" dirty="0" smtClean="0">
-                <a:ln w="12700">
-                  <a:solidFill>
-                    <a:schemeClr val="tx1"/>
-                  </a:solidFill>
-                </a:ln>
-                <a:solidFill>
-                  <a:schemeClr val="bg1"/>
-                </a:solidFill>
-                <a:latin typeface="HGP明朝B" panose="02020800000000000000" pitchFamily="18" charset="-128"/>
-                <a:ea typeface="HGP明朝B" panose="02020800000000000000" pitchFamily="18" charset="-128"/>
-              </a:rPr>
-              <a:t>Attach</a:t>
-            </a:r>
-          </a:p>
-        </p:txBody>
-      </p:sp>
-      <p:pic>
-        <p:nvPicPr>
-          <p:cNvPr id="99" name="図 98"/>
-          <p:cNvPicPr>
-            <a:picLocks noChangeAspect="1"/>
-          </p:cNvPicPr>
-          <p:nvPr/>
-        </p:nvPicPr>
-        <p:blipFill>
-          <a:blip r:embed="rId10">
-            <a:extLst>
-              <a:ext uri="{28A0092B-C50C-407E-A947-70E740481C1C}">
-                <a14:useLocalDpi xmlns:a14="http://schemas.microsoft.com/office/drawing/2010/main" val="0"/>
-              </a:ext>
-            </a:extLst>
-          </a:blip>
-          <a:stretch>
-            <a:fillRect/>
-          </a:stretch>
-        </p:blipFill>
-        <p:spPr>
-          <a:xfrm>
-            <a:off x="5600702" y="1100508"/>
-            <a:ext cx="2301369" cy="2301369"/>
-          </a:xfrm>
-          <a:prstGeom prst="rect">
-            <a:avLst/>
-          </a:prstGeom>
-        </p:spPr>
-      </p:pic>
-    </p:spTree>
-    <p:extLst>
-      <p:ext uri="{BB962C8B-B14F-4D97-AF65-F5344CB8AC3E}">
-        <p14:creationId xmlns:p14="http://schemas.microsoft.com/office/powerpoint/2010/main" val="63800036"/>
-      </p:ext>
-    </p:extLst>
-  </p:cSld>
-  <p:clrMapOvr>
-    <a:masterClrMapping/>
-  </p:clrMapOvr>
-  <mc:AlternateContent xmlns:mc="http://schemas.openxmlformats.org/markup-compatibility/2006" xmlns:p14="http://schemas.microsoft.com/office/powerpoint/2010/main">
-    <mc:Choice Requires="p14">
-      <p:transition p14:dur="0"/>
-    </mc:Choice>
-    <mc:Fallback xmlns="">
-      <p:transition/>
-    </mc:Fallback>
-  </mc:AlternateContent>
   <p:timing>
     <p:tnLst>
       <p:par>
@@ -7587,7 +6166,7 @@
 </p:sld>
 </file>
 
-<file path=ppt/slides/slide5.xml><?xml version="1.0" encoding="utf-8"?>
+<file path=ppt/slides/slide4.xml><?xml version="1.0" encoding="utf-8"?>
 <p:sld xmlns:a="http://schemas.openxmlformats.org/drawingml/2006/main" xmlns:r="http://schemas.openxmlformats.org/officeDocument/2006/relationships" xmlns:p="http://schemas.openxmlformats.org/presentationml/2006/main">
   <p:cSld>
     <p:spTree>
@@ -9180,10 +7759,17 @@
   <p:clrMapOvr>
     <a:masterClrMapping/>
   </p:clrMapOvr>
+  <p:timing>
+    <p:tnLst>
+      <p:par>
+        <p:cTn id="1" dur="indefinite" restart="never" nodeType="tmRoot"/>
+      </p:par>
+    </p:tnLst>
+  </p:timing>
 </p:sld>
 </file>
 
-<file path=ppt/slides/slide6.xml><?xml version="1.0" encoding="utf-8"?>
+<file path=ppt/slides/slide5.xml><?xml version="1.0" encoding="utf-8"?>
 <p:sld xmlns:a="http://schemas.openxmlformats.org/drawingml/2006/main" xmlns:r="http://schemas.openxmlformats.org/officeDocument/2006/relationships" xmlns:p="http://schemas.openxmlformats.org/presentationml/2006/main">
   <p:cSld>
     <p:spTree>
@@ -10228,10 +8814,17 @@
   <p:clrMapOvr>
     <a:masterClrMapping/>
   </p:clrMapOvr>
+  <p:timing>
+    <p:tnLst>
+      <p:par>
+        <p:cTn id="1" dur="indefinite" restart="never" nodeType="tmRoot"/>
+      </p:par>
+    </p:tnLst>
+  </p:timing>
 </p:sld>
 </file>
 
-<file path=ppt/slides/slide7.xml><?xml version="1.0" encoding="utf-8"?>
+<file path=ppt/slides/slide6.xml><?xml version="1.0" encoding="utf-8"?>
 <p:sld xmlns:a="http://schemas.openxmlformats.org/drawingml/2006/main" xmlns:r="http://schemas.openxmlformats.org/officeDocument/2006/relationships" xmlns:p="http://schemas.openxmlformats.org/presentationml/2006/main">
   <p:cSld>
     <p:spTree>
@@ -11364,7 +9957,7 @@
 </p:sld>
 </file>
 
-<file path=ppt/slides/slide8.xml><?xml version="1.0" encoding="utf-8"?>
+<file path=ppt/slides/slide7.xml><?xml version="1.0" encoding="utf-8"?>
 <p:sld xmlns:a="http://schemas.openxmlformats.org/drawingml/2006/main" xmlns:r="http://schemas.openxmlformats.org/officeDocument/2006/relationships" xmlns:p="http://schemas.openxmlformats.org/presentationml/2006/main">
   <p:cSld>
     <p:spTree>
@@ -12013,7 +10606,7 @@
               <a:lstStyle/>
               <a:p>
                 <a:r>
-                  <a:rPr lang="ja-JP" altLang="en-US" sz="3600" b="1" smtClean="0">
+                  <a:rPr lang="ja-JP" altLang="en-US" sz="3600" b="1" dirty="0" smtClean="0">
                     <a:ln w="12700">
                       <a:solidFill>
                         <a:schemeClr val="tx1"/>
@@ -12453,6 +11046,583 @@
           </a:prstGeom>
         </p:spPr>
       </p:pic>
+      <p:pic>
+        <p:nvPicPr>
+          <p:cNvPr id="39" name="図 38"/>
+          <p:cNvPicPr>
+            <a:picLocks noChangeAspect="1"/>
+          </p:cNvPicPr>
+          <p:nvPr/>
+        </p:nvPicPr>
+        <p:blipFill rotWithShape="1">
+          <a:blip r:embed="rId5" cstate="print">
+            <a:extLst>
+              <a:ext uri="{28A0092B-C50C-407E-A947-70E740481C1C}">
+                <a14:useLocalDpi xmlns:a14="http://schemas.microsoft.com/office/drawing/2010/main" val="0"/>
+              </a:ext>
+            </a:extLst>
+          </a:blip>
+          <a:srcRect t="9886"/>
+          <a:stretch/>
+        </p:blipFill>
+        <p:spPr>
+          <a:xfrm rot="10800000" flipH="1">
+            <a:off x="1373083" y="1425592"/>
+            <a:ext cx="1765494" cy="1590947"/>
+          </a:xfrm>
+          <a:prstGeom prst="rect">
+            <a:avLst/>
+          </a:prstGeom>
+        </p:spPr>
+      </p:pic>
+      <p:pic>
+        <p:nvPicPr>
+          <p:cNvPr id="38" name="図 37"/>
+          <p:cNvPicPr>
+            <a:picLocks noChangeAspect="1"/>
+          </p:cNvPicPr>
+          <p:nvPr/>
+        </p:nvPicPr>
+        <p:blipFill rotWithShape="1">
+          <a:blip r:embed="rId6" cstate="print">
+            <a:extLst>
+              <a:ext uri="{28A0092B-C50C-407E-A947-70E740481C1C}">
+                <a14:useLocalDpi xmlns:a14="http://schemas.microsoft.com/office/drawing/2010/main" val="0"/>
+              </a:ext>
+            </a:extLst>
+          </a:blip>
+          <a:srcRect b="10518"/>
+          <a:stretch/>
+        </p:blipFill>
+        <p:spPr>
+          <a:xfrm>
+            <a:off x="1673109" y="1781488"/>
+            <a:ext cx="1237901" cy="1495112"/>
+          </a:xfrm>
+          <a:prstGeom prst="rect">
+            <a:avLst/>
+          </a:prstGeom>
+        </p:spPr>
+      </p:pic>
+      <p:pic>
+        <p:nvPicPr>
+          <p:cNvPr id="40" name="図 39"/>
+          <p:cNvPicPr>
+            <a:picLocks noChangeAspect="1"/>
+          </p:cNvPicPr>
+          <p:nvPr/>
+        </p:nvPicPr>
+        <p:blipFill rotWithShape="1">
+          <a:blip r:embed="rId7" cstate="print">
+            <a:extLst>
+              <a:ext uri="{28A0092B-C50C-407E-A947-70E740481C1C}">
+                <a14:useLocalDpi xmlns:a14="http://schemas.microsoft.com/office/drawing/2010/main" val="0"/>
+              </a:ext>
+            </a:extLst>
+          </a:blip>
+          <a:srcRect l="56949" t="35645" r="1" b="25274"/>
+          <a:stretch/>
+        </p:blipFill>
+        <p:spPr>
+          <a:xfrm rot="980805">
+            <a:off x="3532051" y="2702779"/>
+            <a:ext cx="293692" cy="200487"/>
+          </a:xfrm>
+          <a:prstGeom prst="rect">
+            <a:avLst/>
+          </a:prstGeom>
+        </p:spPr>
+      </p:pic>
+      <p:pic>
+        <p:nvPicPr>
+          <p:cNvPr id="41" name="図 40"/>
+          <p:cNvPicPr>
+            <a:picLocks noChangeAspect="1"/>
+          </p:cNvPicPr>
+          <p:nvPr/>
+        </p:nvPicPr>
+        <p:blipFill rotWithShape="1">
+          <a:blip r:embed="rId8" cstate="print">
+            <a:extLst>
+              <a:ext uri="{28A0092B-C50C-407E-A947-70E740481C1C}">
+                <a14:useLocalDpi xmlns:a14="http://schemas.microsoft.com/office/drawing/2010/main" val="0"/>
+              </a:ext>
+            </a:extLst>
+          </a:blip>
+          <a:srcRect l="57215" t="41407" r="5295" b="23164"/>
+          <a:stretch/>
+        </p:blipFill>
+        <p:spPr>
+          <a:xfrm rot="5762539" flipH="1">
+            <a:off x="1318565" y="1703729"/>
+            <a:ext cx="255753" cy="181755"/>
+          </a:xfrm>
+          <a:prstGeom prst="rect">
+            <a:avLst/>
+          </a:prstGeom>
+        </p:spPr>
+      </p:pic>
+      <p:pic>
+        <p:nvPicPr>
+          <p:cNvPr id="42" name="図 41"/>
+          <p:cNvPicPr>
+            <a:picLocks noChangeAspect="1"/>
+          </p:cNvPicPr>
+          <p:nvPr/>
+        </p:nvPicPr>
+        <p:blipFill rotWithShape="1">
+          <a:blip r:embed="rId9" cstate="print">
+            <a:extLst>
+              <a:ext uri="{28A0092B-C50C-407E-A947-70E740481C1C}">
+                <a14:useLocalDpi xmlns:a14="http://schemas.microsoft.com/office/drawing/2010/main" val="0"/>
+              </a:ext>
+            </a:extLst>
+          </a:blip>
+          <a:srcRect t="1706" r="3861"/>
+          <a:stretch/>
+        </p:blipFill>
+        <p:spPr>
+          <a:xfrm rot="16654556">
+            <a:off x="3277596" y="1809505"/>
+            <a:ext cx="322015" cy="622813"/>
+          </a:xfrm>
+          <a:prstGeom prst="rect">
+            <a:avLst/>
+          </a:prstGeom>
+        </p:spPr>
+      </p:pic>
+      <p:sp>
+        <p:nvSpPr>
+          <p:cNvPr id="3" name="平行四辺形 2"/>
+          <p:cNvSpPr/>
+          <p:nvPr/>
+        </p:nvSpPr>
+        <p:spPr>
+          <a:xfrm rot="18629499">
+            <a:off x="929615" y="2332929"/>
+            <a:ext cx="220135" cy="331334"/>
+          </a:xfrm>
+          <a:prstGeom prst="parallelogram">
+            <a:avLst/>
+          </a:prstGeom>
+        </p:spPr>
+        <p:style>
+          <a:lnRef idx="2">
+            <a:schemeClr val="dk1">
+              <a:shade val="50000"/>
+            </a:schemeClr>
+          </a:lnRef>
+          <a:fillRef idx="1">
+            <a:schemeClr val="dk1"/>
+          </a:fillRef>
+          <a:effectRef idx="0">
+            <a:schemeClr val="dk1"/>
+          </a:effectRef>
+          <a:fontRef idx="minor">
+            <a:schemeClr val="lt1"/>
+          </a:fontRef>
+        </p:style>
+        <p:txBody>
+          <a:bodyPr rtlCol="0" anchor="ctr"/>
+          <a:lstStyle/>
+          <a:p>
+            <a:pPr algn="ctr"/>
+            <a:endParaRPr kumimoji="1" lang="ja-JP" altLang="en-US"/>
+          </a:p>
+        </p:txBody>
+      </p:sp>
+      <p:sp>
+        <p:nvSpPr>
+          <p:cNvPr id="4" name="フローチャート: 手操作入力 3"/>
+          <p:cNvSpPr/>
+          <p:nvPr/>
+        </p:nvSpPr>
+        <p:spPr>
+          <a:xfrm rot="19347173">
+            <a:off x="1620490" y="2637988"/>
+            <a:ext cx="271306" cy="330068"/>
+          </a:xfrm>
+          <a:prstGeom prst="flowChartManualInput">
+            <a:avLst/>
+          </a:prstGeom>
+        </p:spPr>
+        <p:style>
+          <a:lnRef idx="2">
+            <a:schemeClr val="dk1">
+              <a:shade val="50000"/>
+            </a:schemeClr>
+          </a:lnRef>
+          <a:fillRef idx="1">
+            <a:schemeClr val="dk1"/>
+          </a:fillRef>
+          <a:effectRef idx="0">
+            <a:schemeClr val="dk1"/>
+          </a:effectRef>
+          <a:fontRef idx="minor">
+            <a:schemeClr val="lt1"/>
+          </a:fontRef>
+        </p:style>
+        <p:txBody>
+          <a:bodyPr rtlCol="0" anchor="ctr"/>
+          <a:lstStyle/>
+          <a:p>
+            <a:pPr algn="ctr"/>
+            <a:endParaRPr kumimoji="1" lang="ja-JP" altLang="en-US"/>
+          </a:p>
+        </p:txBody>
+      </p:sp>
+      <p:cxnSp>
+        <p:nvCxnSpPr>
+          <p:cNvPr id="43" name="直線コネクタ 42"/>
+          <p:cNvCxnSpPr/>
+          <p:nvPr/>
+        </p:nvCxnSpPr>
+        <p:spPr>
+          <a:xfrm>
+            <a:off x="1508767" y="1776165"/>
+            <a:ext cx="613119" cy="457882"/>
+          </a:xfrm>
+          <a:prstGeom prst="line">
+            <a:avLst/>
+          </a:prstGeom>
+          <a:ln w="3175">
+            <a:solidFill>
+              <a:schemeClr val="tx1"/>
+            </a:solidFill>
+          </a:ln>
+        </p:spPr>
+        <p:style>
+          <a:lnRef idx="1">
+            <a:schemeClr val="accent1"/>
+          </a:lnRef>
+          <a:fillRef idx="0">
+            <a:schemeClr val="accent1"/>
+          </a:fillRef>
+          <a:effectRef idx="0">
+            <a:schemeClr val="accent1"/>
+          </a:effectRef>
+          <a:fontRef idx="minor">
+            <a:schemeClr val="tx1"/>
+          </a:fontRef>
+        </p:style>
+      </p:cxnSp>
+      <p:cxnSp>
+        <p:nvCxnSpPr>
+          <p:cNvPr id="44" name="直線コネクタ 43"/>
+          <p:cNvCxnSpPr/>
+          <p:nvPr/>
+        </p:nvCxnSpPr>
+        <p:spPr>
+          <a:xfrm>
+            <a:off x="1524689" y="1861933"/>
+            <a:ext cx="668052" cy="411106"/>
+          </a:xfrm>
+          <a:prstGeom prst="line">
+            <a:avLst/>
+          </a:prstGeom>
+          <a:ln w="3175">
+            <a:solidFill>
+              <a:schemeClr val="tx1"/>
+            </a:solidFill>
+          </a:ln>
+        </p:spPr>
+        <p:style>
+          <a:lnRef idx="1">
+            <a:schemeClr val="accent1"/>
+          </a:lnRef>
+          <a:fillRef idx="0">
+            <a:schemeClr val="accent1"/>
+          </a:fillRef>
+          <a:effectRef idx="0">
+            <a:schemeClr val="accent1"/>
+          </a:effectRef>
+          <a:fontRef idx="minor">
+            <a:schemeClr val="tx1"/>
+          </a:fontRef>
+        </p:style>
+      </p:cxnSp>
+      <p:cxnSp>
+        <p:nvCxnSpPr>
+          <p:cNvPr id="45" name="直線コネクタ 44"/>
+          <p:cNvCxnSpPr/>
+          <p:nvPr/>
+        </p:nvCxnSpPr>
+        <p:spPr>
+          <a:xfrm flipV="1">
+            <a:off x="1335685" y="2375828"/>
+            <a:ext cx="598837" cy="123196"/>
+          </a:xfrm>
+          <a:prstGeom prst="line">
+            <a:avLst/>
+          </a:prstGeom>
+          <a:ln w="3175">
+            <a:solidFill>
+              <a:schemeClr val="tx1"/>
+            </a:solidFill>
+          </a:ln>
+        </p:spPr>
+        <p:style>
+          <a:lnRef idx="1">
+            <a:schemeClr val="accent1"/>
+          </a:lnRef>
+          <a:fillRef idx="0">
+            <a:schemeClr val="accent1"/>
+          </a:fillRef>
+          <a:effectRef idx="0">
+            <a:schemeClr val="accent1"/>
+          </a:effectRef>
+          <a:fontRef idx="minor">
+            <a:schemeClr val="tx1"/>
+          </a:fontRef>
+        </p:style>
+      </p:cxnSp>
+      <p:cxnSp>
+        <p:nvCxnSpPr>
+          <p:cNvPr id="46" name="直線コネクタ 45"/>
+          <p:cNvCxnSpPr/>
+          <p:nvPr/>
+        </p:nvCxnSpPr>
+        <p:spPr>
+          <a:xfrm flipV="1">
+            <a:off x="1098292" y="2307295"/>
+            <a:ext cx="875005" cy="73692"/>
+          </a:xfrm>
+          <a:prstGeom prst="line">
+            <a:avLst/>
+          </a:prstGeom>
+          <a:ln w="3175">
+            <a:solidFill>
+              <a:schemeClr val="tx1"/>
+            </a:solidFill>
+          </a:ln>
+        </p:spPr>
+        <p:style>
+          <a:lnRef idx="1">
+            <a:schemeClr val="accent1"/>
+          </a:lnRef>
+          <a:fillRef idx="0">
+            <a:schemeClr val="accent1"/>
+          </a:fillRef>
+          <a:effectRef idx="0">
+            <a:schemeClr val="accent1"/>
+          </a:effectRef>
+          <a:fontRef idx="minor">
+            <a:schemeClr val="tx1"/>
+          </a:fontRef>
+        </p:style>
+      </p:cxnSp>
+      <p:cxnSp>
+        <p:nvCxnSpPr>
+          <p:cNvPr id="47" name="直線コネクタ 46"/>
+          <p:cNvCxnSpPr/>
+          <p:nvPr/>
+        </p:nvCxnSpPr>
+        <p:spPr>
+          <a:xfrm flipV="1">
+            <a:off x="1934522" y="2494541"/>
+            <a:ext cx="219238" cy="331373"/>
+          </a:xfrm>
+          <a:prstGeom prst="line">
+            <a:avLst/>
+          </a:prstGeom>
+          <a:ln w="3175">
+            <a:solidFill>
+              <a:schemeClr val="tx1"/>
+            </a:solidFill>
+          </a:ln>
+        </p:spPr>
+        <p:style>
+          <a:lnRef idx="1">
+            <a:schemeClr val="accent1"/>
+          </a:lnRef>
+          <a:fillRef idx="0">
+            <a:schemeClr val="accent1"/>
+          </a:fillRef>
+          <a:effectRef idx="0">
+            <a:schemeClr val="accent1"/>
+          </a:effectRef>
+          <a:fontRef idx="minor">
+            <a:schemeClr val="tx1"/>
+          </a:fontRef>
+        </p:style>
+      </p:cxnSp>
+      <p:cxnSp>
+        <p:nvCxnSpPr>
+          <p:cNvPr id="50" name="直線コネクタ 49"/>
+          <p:cNvCxnSpPr/>
+          <p:nvPr/>
+        </p:nvCxnSpPr>
+        <p:spPr>
+          <a:xfrm flipV="1">
+            <a:off x="1822982" y="2433316"/>
+            <a:ext cx="375370" cy="176687"/>
+          </a:xfrm>
+          <a:prstGeom prst="line">
+            <a:avLst/>
+          </a:prstGeom>
+          <a:ln w="3175">
+            <a:solidFill>
+              <a:schemeClr val="tx1"/>
+            </a:solidFill>
+          </a:ln>
+        </p:spPr>
+        <p:style>
+          <a:lnRef idx="1">
+            <a:schemeClr val="accent1"/>
+          </a:lnRef>
+          <a:fillRef idx="0">
+            <a:schemeClr val="accent1"/>
+          </a:fillRef>
+          <a:effectRef idx="0">
+            <a:schemeClr val="accent1"/>
+          </a:effectRef>
+          <a:fontRef idx="minor">
+            <a:schemeClr val="tx1"/>
+          </a:fontRef>
+        </p:style>
+      </p:cxnSp>
+      <p:cxnSp>
+        <p:nvCxnSpPr>
+          <p:cNvPr id="57" name="直線コネクタ 56"/>
+          <p:cNvCxnSpPr>
+            <a:endCxn id="40" idx="1"/>
+          </p:cNvCxnSpPr>
+          <p:nvPr/>
+        </p:nvCxnSpPr>
+        <p:spPr>
+          <a:xfrm>
+            <a:off x="2681124" y="2504510"/>
+            <a:ext cx="856863" cy="257183"/>
+          </a:xfrm>
+          <a:prstGeom prst="line">
+            <a:avLst/>
+          </a:prstGeom>
+          <a:ln w="3175">
+            <a:solidFill>
+              <a:schemeClr val="tx1"/>
+            </a:solidFill>
+          </a:ln>
+        </p:spPr>
+        <p:style>
+          <a:lnRef idx="1">
+            <a:schemeClr val="accent1"/>
+          </a:lnRef>
+          <a:fillRef idx="0">
+            <a:schemeClr val="accent1"/>
+          </a:fillRef>
+          <a:effectRef idx="0">
+            <a:schemeClr val="accent1"/>
+          </a:effectRef>
+          <a:fontRef idx="minor">
+            <a:schemeClr val="tx1"/>
+          </a:fontRef>
+        </p:style>
+      </p:cxnSp>
+      <p:cxnSp>
+        <p:nvCxnSpPr>
+          <p:cNvPr id="58" name="直線コネクタ 57"/>
+          <p:cNvCxnSpPr/>
+          <p:nvPr/>
+        </p:nvCxnSpPr>
+        <p:spPr>
+          <a:xfrm>
+            <a:off x="2723965" y="2504978"/>
+            <a:ext cx="742121" cy="173202"/>
+          </a:xfrm>
+          <a:prstGeom prst="line">
+            <a:avLst/>
+          </a:prstGeom>
+          <a:ln w="3175">
+            <a:solidFill>
+              <a:schemeClr val="tx1"/>
+            </a:solidFill>
+          </a:ln>
+        </p:spPr>
+        <p:style>
+          <a:lnRef idx="1">
+            <a:schemeClr val="accent1"/>
+          </a:lnRef>
+          <a:fillRef idx="0">
+            <a:schemeClr val="accent1"/>
+          </a:fillRef>
+          <a:effectRef idx="0">
+            <a:schemeClr val="accent1"/>
+          </a:effectRef>
+          <a:fontRef idx="minor">
+            <a:schemeClr val="tx1"/>
+          </a:fontRef>
+        </p:style>
+      </p:cxnSp>
+      <p:cxnSp>
+        <p:nvCxnSpPr>
+          <p:cNvPr id="59" name="直線コネクタ 58"/>
+          <p:cNvCxnSpPr/>
+          <p:nvPr/>
+        </p:nvCxnSpPr>
+        <p:spPr>
+          <a:xfrm flipV="1">
+            <a:off x="2542563" y="1961941"/>
+            <a:ext cx="642181" cy="327357"/>
+          </a:xfrm>
+          <a:prstGeom prst="line">
+            <a:avLst/>
+          </a:prstGeom>
+          <a:ln w="3175">
+            <a:solidFill>
+              <a:schemeClr val="tx1"/>
+            </a:solidFill>
+          </a:ln>
+        </p:spPr>
+        <p:style>
+          <a:lnRef idx="1">
+            <a:schemeClr val="accent1"/>
+          </a:lnRef>
+          <a:fillRef idx="0">
+            <a:schemeClr val="accent1"/>
+          </a:fillRef>
+          <a:effectRef idx="0">
+            <a:schemeClr val="accent1"/>
+          </a:effectRef>
+          <a:fontRef idx="minor">
+            <a:schemeClr val="tx1"/>
+          </a:fontRef>
+        </p:style>
+      </p:cxnSp>
+      <p:cxnSp>
+        <p:nvCxnSpPr>
+          <p:cNvPr id="61" name="直線コネクタ 60"/>
+          <p:cNvCxnSpPr/>
+          <p:nvPr/>
+        </p:nvCxnSpPr>
+        <p:spPr>
+          <a:xfrm flipV="1">
+            <a:off x="2568682" y="2165136"/>
+            <a:ext cx="540006" cy="131858"/>
+          </a:xfrm>
+          <a:prstGeom prst="line">
+            <a:avLst/>
+          </a:prstGeom>
+          <a:ln w="3175">
+            <a:solidFill>
+              <a:schemeClr val="tx1"/>
+            </a:solidFill>
+          </a:ln>
+        </p:spPr>
+        <p:style>
+          <a:lnRef idx="1">
+            <a:schemeClr val="accent1"/>
+          </a:lnRef>
+          <a:fillRef idx="0">
+            <a:schemeClr val="accent1"/>
+          </a:fillRef>
+          <a:effectRef idx="0">
+            <a:schemeClr val="accent1"/>
+          </a:effectRef>
+          <a:fontRef idx="minor">
+            <a:schemeClr val="tx1"/>
+          </a:fontRef>
+        </p:style>
+      </p:cxnSp>
     </p:spTree>
     <p:extLst>
       <p:ext uri="{BB962C8B-B14F-4D97-AF65-F5344CB8AC3E}">
@@ -12463,6 +11633,2566 @@
   <p:clrMapOvr>
     <a:masterClrMapping/>
   </p:clrMapOvr>
+  <p:timing>
+    <p:tnLst>
+      <p:par>
+        <p:cTn id="1" dur="indefinite" restart="never" nodeType="tmRoot"/>
+      </p:par>
+    </p:tnLst>
+  </p:timing>
+</p:sld>
+</file>
+
+<file path=ppt/slides/slide8.xml><?xml version="1.0" encoding="utf-8"?>
+<p:sld xmlns:a="http://schemas.openxmlformats.org/drawingml/2006/main" xmlns:r="http://schemas.openxmlformats.org/officeDocument/2006/relationships" xmlns:p="http://schemas.openxmlformats.org/presentationml/2006/main">
+  <p:cSld>
+    <p:spTree>
+      <p:nvGrpSpPr>
+        <p:cNvPr id="1" name=""/>
+        <p:cNvGrpSpPr/>
+        <p:nvPr/>
+      </p:nvGrpSpPr>
+      <p:grpSpPr>
+        <a:xfrm>
+          <a:off x="0" y="0"/>
+          <a:ext cx="0" cy="0"/>
+          <a:chOff x="0" y="0"/>
+          <a:chExt cx="0" cy="0"/>
+        </a:xfrm>
+      </p:grpSpPr>
+      <p:sp>
+        <p:nvSpPr>
+          <p:cNvPr id="2" name="タイトル 1"/>
+          <p:cNvSpPr>
+            <a:spLocks noGrp="1"/>
+          </p:cNvSpPr>
+          <p:nvPr>
+            <p:ph type="title"/>
+          </p:nvPr>
+        </p:nvSpPr>
+        <p:spPr/>
+        <p:txBody>
+          <a:bodyPr>
+            <a:normAutofit fontScale="90000"/>
+          </a:bodyPr>
+          <a:lstStyle/>
+          <a:p>
+            <a:r>
+              <a:rPr kumimoji="1" lang="ja-JP" altLang="en-US" dirty="0" smtClean="0"/>
+              <a:t>攻撃の派生</a:t>
+            </a:r>
+            <a:endParaRPr kumimoji="1" lang="ja-JP" altLang="en-US" dirty="0"/>
+          </a:p>
+        </p:txBody>
+      </p:sp>
+      <p:grpSp>
+        <p:nvGrpSpPr>
+          <p:cNvPr id="4" name="グループ化 3"/>
+          <p:cNvGrpSpPr/>
+          <p:nvPr/>
+        </p:nvGrpSpPr>
+        <p:grpSpPr>
+          <a:xfrm>
+            <a:off x="298488" y="994568"/>
+            <a:ext cx="8480109" cy="2305117"/>
+            <a:chOff x="298488" y="994568"/>
+            <a:chExt cx="8480109" cy="2305117"/>
+          </a:xfrm>
+        </p:grpSpPr>
+        <p:sp>
+          <p:nvSpPr>
+            <p:cNvPr id="5" name="角丸四角形 4"/>
+            <p:cNvSpPr/>
+            <p:nvPr/>
+          </p:nvSpPr>
+          <p:spPr>
+            <a:xfrm>
+              <a:off x="4767866" y="1030103"/>
+              <a:ext cx="3967044" cy="2269582"/>
+            </a:xfrm>
+            <a:prstGeom prst="roundRect">
+              <a:avLst>
+                <a:gd name="adj" fmla="val 0"/>
+              </a:avLst>
+            </a:prstGeom>
+            <a:solidFill>
+              <a:schemeClr val="bg1"/>
+            </a:solidFill>
+            <a:ln w="76200">
+              <a:solidFill>
+                <a:schemeClr val="tx1"/>
+              </a:solidFill>
+            </a:ln>
+          </p:spPr>
+          <p:style>
+            <a:lnRef idx="2">
+              <a:schemeClr val="accent1">
+                <a:shade val="50000"/>
+              </a:schemeClr>
+            </a:lnRef>
+            <a:fillRef idx="1">
+              <a:schemeClr val="accent1"/>
+            </a:fillRef>
+            <a:effectRef idx="0">
+              <a:schemeClr val="accent1"/>
+            </a:effectRef>
+            <a:fontRef idx="minor">
+              <a:schemeClr val="lt1"/>
+            </a:fontRef>
+          </p:style>
+          <p:txBody>
+            <a:bodyPr rtlCol="0" anchor="ctr"/>
+            <a:lstStyle/>
+            <a:p>
+              <a:pPr algn="ctr"/>
+              <a:endParaRPr kumimoji="1" lang="ja-JP" altLang="en-US"/>
+            </a:p>
+          </p:txBody>
+        </p:sp>
+        <p:sp>
+          <p:nvSpPr>
+            <p:cNvPr id="6" name="直角三角形 5"/>
+            <p:cNvSpPr/>
+            <p:nvPr/>
+          </p:nvSpPr>
+          <p:spPr>
+            <a:xfrm rot="10800000" flipH="1">
+              <a:off x="4764023" y="1061844"/>
+              <a:ext cx="4014574" cy="577718"/>
+            </a:xfrm>
+            <a:prstGeom prst="rtTriangle">
+              <a:avLst/>
+            </a:prstGeom>
+            <a:solidFill>
+              <a:schemeClr val="tx1"/>
+            </a:solidFill>
+            <a:ln>
+              <a:noFill/>
+            </a:ln>
+          </p:spPr>
+          <p:style>
+            <a:lnRef idx="2">
+              <a:schemeClr val="accent1">
+                <a:shade val="50000"/>
+              </a:schemeClr>
+            </a:lnRef>
+            <a:fillRef idx="1">
+              <a:schemeClr val="accent1"/>
+            </a:fillRef>
+            <a:effectRef idx="0">
+              <a:schemeClr val="accent1"/>
+            </a:effectRef>
+            <a:fontRef idx="minor">
+              <a:schemeClr val="lt1"/>
+            </a:fontRef>
+          </p:style>
+          <p:txBody>
+            <a:bodyPr rtlCol="0" anchor="ctr"/>
+            <a:lstStyle/>
+            <a:p>
+              <a:pPr algn="ctr"/>
+              <a:endParaRPr kumimoji="1" lang="ja-JP" altLang="en-US"/>
+            </a:p>
+          </p:txBody>
+        </p:sp>
+        <p:grpSp>
+          <p:nvGrpSpPr>
+            <p:cNvPr id="7" name="グループ化 6"/>
+            <p:cNvGrpSpPr/>
+            <p:nvPr/>
+          </p:nvGrpSpPr>
+          <p:grpSpPr>
+            <a:xfrm>
+              <a:off x="298488" y="994568"/>
+              <a:ext cx="5998803" cy="2305117"/>
+              <a:chOff x="298488" y="994568"/>
+              <a:chExt cx="5998803" cy="2305117"/>
+            </a:xfrm>
+          </p:grpSpPr>
+          <p:grpSp>
+            <p:nvGrpSpPr>
+              <p:cNvPr id="9" name="グループ化 8"/>
+              <p:cNvGrpSpPr/>
+              <p:nvPr/>
+            </p:nvGrpSpPr>
+            <p:grpSpPr>
+              <a:xfrm>
+                <a:off x="409090" y="1030103"/>
+                <a:ext cx="4014574" cy="2269582"/>
+                <a:chOff x="409090" y="1030103"/>
+                <a:chExt cx="4014574" cy="2269582"/>
+              </a:xfrm>
+            </p:grpSpPr>
+            <p:sp>
+              <p:nvSpPr>
+                <p:cNvPr id="13" name="角丸四角形 12"/>
+                <p:cNvSpPr/>
+                <p:nvPr/>
+              </p:nvSpPr>
+              <p:spPr>
+                <a:xfrm>
+                  <a:off x="409090" y="1030103"/>
+                  <a:ext cx="3967044" cy="2269582"/>
+                </a:xfrm>
+                <a:prstGeom prst="roundRect">
+                  <a:avLst>
+                    <a:gd name="adj" fmla="val 0"/>
+                  </a:avLst>
+                </a:prstGeom>
+                <a:solidFill>
+                  <a:schemeClr val="bg1"/>
+                </a:solidFill>
+                <a:ln w="76200">
+                  <a:solidFill>
+                    <a:schemeClr val="tx1"/>
+                  </a:solidFill>
+                </a:ln>
+              </p:spPr>
+              <p:style>
+                <a:lnRef idx="2">
+                  <a:schemeClr val="accent1">
+                    <a:shade val="50000"/>
+                  </a:schemeClr>
+                </a:lnRef>
+                <a:fillRef idx="1">
+                  <a:schemeClr val="accent1"/>
+                </a:fillRef>
+                <a:effectRef idx="0">
+                  <a:schemeClr val="accent1"/>
+                </a:effectRef>
+                <a:fontRef idx="minor">
+                  <a:schemeClr val="lt1"/>
+                </a:fontRef>
+              </p:style>
+              <p:txBody>
+                <a:bodyPr rtlCol="0" anchor="ctr"/>
+                <a:lstStyle/>
+                <a:p>
+                  <a:pPr algn="ctr"/>
+                  <a:endParaRPr kumimoji="1" lang="ja-JP" altLang="en-US" dirty="0">
+                    <a:solidFill>
+                      <a:schemeClr val="tx1"/>
+                    </a:solidFill>
+                  </a:endParaRPr>
+                </a:p>
+              </p:txBody>
+            </p:sp>
+            <p:sp>
+              <p:nvSpPr>
+                <p:cNvPr id="14" name="直角三角形 13"/>
+                <p:cNvSpPr/>
+                <p:nvPr/>
+              </p:nvSpPr>
+              <p:spPr>
+                <a:xfrm rot="10800000" flipH="1">
+                  <a:off x="409090" y="1061844"/>
+                  <a:ext cx="4014574" cy="577718"/>
+                </a:xfrm>
+                <a:prstGeom prst="rtTriangle">
+                  <a:avLst/>
+                </a:prstGeom>
+                <a:solidFill>
+                  <a:schemeClr val="tx1"/>
+                </a:solidFill>
+                <a:ln>
+                  <a:noFill/>
+                </a:ln>
+              </p:spPr>
+              <p:style>
+                <a:lnRef idx="2">
+                  <a:schemeClr val="accent1">
+                    <a:shade val="50000"/>
+                  </a:schemeClr>
+                </a:lnRef>
+                <a:fillRef idx="1">
+                  <a:schemeClr val="accent1"/>
+                </a:fillRef>
+                <a:effectRef idx="0">
+                  <a:schemeClr val="accent1"/>
+                </a:effectRef>
+                <a:fontRef idx="minor">
+                  <a:schemeClr val="lt1"/>
+                </a:fontRef>
+              </p:style>
+              <p:txBody>
+                <a:bodyPr rtlCol="0" anchor="ctr"/>
+                <a:lstStyle/>
+                <a:p>
+                  <a:pPr algn="ctr"/>
+                  <a:endParaRPr kumimoji="1" lang="ja-JP" altLang="en-US"/>
+                </a:p>
+              </p:txBody>
+            </p:sp>
+          </p:grpSp>
+          <p:sp>
+            <p:nvSpPr>
+              <p:cNvPr id="10" name="テキスト ボックス 9"/>
+              <p:cNvSpPr txBox="1"/>
+              <p:nvPr/>
+            </p:nvSpPr>
+            <p:spPr>
+              <a:xfrm rot="21161010">
+                <a:off x="298488" y="994568"/>
+                <a:ext cx="1420582" cy="584775"/>
+              </a:xfrm>
+              <a:prstGeom prst="rect">
+                <a:avLst/>
+              </a:prstGeom>
+              <a:noFill/>
+            </p:spPr>
+            <p:txBody>
+              <a:bodyPr wrap="none" rtlCol="0">
+                <a:spAutoFit/>
+              </a:bodyPr>
+              <a:lstStyle/>
+              <a:p>
+                <a:r>
+                  <a:rPr lang="ja-JP" altLang="en-US" sz="3200" b="1" dirty="0" smtClean="0">
+                    <a:ln w="12700">
+                      <a:solidFill>
+                        <a:schemeClr val="tx1"/>
+                      </a:solidFill>
+                    </a:ln>
+                    <a:solidFill>
+                      <a:schemeClr val="bg1"/>
+                    </a:solidFill>
+                    <a:latin typeface="HGP明朝B" panose="02020800000000000000" pitchFamily="18" charset="-128"/>
+                    <a:ea typeface="HGP明朝B" panose="02020800000000000000" pitchFamily="18" charset="-128"/>
+                  </a:rPr>
+                  <a:t>重火器</a:t>
+                </a:r>
+                <a:endParaRPr lang="ja-JP" altLang="en-US" sz="3200" b="1" dirty="0">
+                  <a:ln w="12700">
+                    <a:solidFill>
+                      <a:schemeClr val="tx1"/>
+                    </a:solidFill>
+                  </a:ln>
+                  <a:solidFill>
+                    <a:schemeClr val="bg1"/>
+                  </a:solidFill>
+                  <a:latin typeface="HGP明朝B" panose="02020800000000000000" pitchFamily="18" charset="-128"/>
+                  <a:ea typeface="HGP明朝B" panose="02020800000000000000" pitchFamily="18" charset="-128"/>
+                </a:endParaRPr>
+              </a:p>
+            </p:txBody>
+          </p:sp>
+          <p:sp>
+            <p:nvSpPr>
+              <p:cNvPr id="11" name="テキスト ボックス 10"/>
+              <p:cNvSpPr txBox="1"/>
+              <p:nvPr/>
+            </p:nvSpPr>
+            <p:spPr>
+              <a:xfrm rot="21161010">
+                <a:off x="4875107" y="1071415"/>
+                <a:ext cx="1422184" cy="461665"/>
+              </a:xfrm>
+              <a:prstGeom prst="rect">
+                <a:avLst/>
+              </a:prstGeom>
+              <a:noFill/>
+            </p:spPr>
+            <p:txBody>
+              <a:bodyPr wrap="none" rtlCol="0">
+                <a:spAutoFit/>
+              </a:bodyPr>
+              <a:lstStyle/>
+              <a:p>
+                <a:r>
+                  <a:rPr lang="ja-JP" altLang="en-US" sz="2400" b="1" dirty="0" smtClean="0">
+                    <a:ln w="12700">
+                      <a:solidFill>
+                        <a:schemeClr val="tx1"/>
+                      </a:solidFill>
+                    </a:ln>
+                    <a:solidFill>
+                      <a:schemeClr val="bg1"/>
+                    </a:solidFill>
+                    <a:latin typeface="HGP明朝B" panose="02020800000000000000" pitchFamily="18" charset="-128"/>
+                    <a:ea typeface="HGP明朝B" panose="02020800000000000000" pitchFamily="18" charset="-128"/>
+                  </a:rPr>
+                  <a:t>射撃特化</a:t>
+                </a:r>
+                <a:endParaRPr lang="ja-JP" altLang="en-US" sz="2400" b="1" dirty="0">
+                  <a:ln w="12700">
+                    <a:solidFill>
+                      <a:schemeClr val="tx1"/>
+                    </a:solidFill>
+                  </a:ln>
+                  <a:solidFill>
+                    <a:schemeClr val="bg1"/>
+                  </a:solidFill>
+                  <a:latin typeface="HGP明朝B" panose="02020800000000000000" pitchFamily="18" charset="-128"/>
+                  <a:ea typeface="HGP明朝B" panose="02020800000000000000" pitchFamily="18" charset="-128"/>
+                </a:endParaRPr>
+              </a:p>
+            </p:txBody>
+          </p:sp>
+        </p:grpSp>
+        <p:sp>
+          <p:nvSpPr>
+            <p:cNvPr id="8" name="二等辺三角形 7"/>
+            <p:cNvSpPr/>
+            <p:nvPr/>
+          </p:nvSpPr>
+          <p:spPr>
+            <a:xfrm rot="5400000">
+              <a:off x="3831632" y="2018479"/>
+              <a:ext cx="1457843" cy="292829"/>
+            </a:xfrm>
+            <a:prstGeom prst="triangle">
+              <a:avLst/>
+            </a:prstGeom>
+            <a:solidFill>
+              <a:schemeClr val="tx1"/>
+            </a:solidFill>
+            <a:ln>
+              <a:solidFill>
+                <a:schemeClr val="tx1"/>
+              </a:solidFill>
+            </a:ln>
+          </p:spPr>
+          <p:style>
+            <a:lnRef idx="2">
+              <a:schemeClr val="accent1">
+                <a:shade val="50000"/>
+              </a:schemeClr>
+            </a:lnRef>
+            <a:fillRef idx="1">
+              <a:schemeClr val="accent1"/>
+            </a:fillRef>
+            <a:effectRef idx="0">
+              <a:schemeClr val="accent1"/>
+            </a:effectRef>
+            <a:fontRef idx="minor">
+              <a:schemeClr val="lt1"/>
+            </a:fontRef>
+          </p:style>
+          <p:txBody>
+            <a:bodyPr rtlCol="0" anchor="ctr"/>
+            <a:lstStyle/>
+            <a:p>
+              <a:pPr algn="ctr"/>
+              <a:endParaRPr kumimoji="1" lang="ja-JP" altLang="en-US"/>
+            </a:p>
+          </p:txBody>
+        </p:sp>
+      </p:grpSp>
+      <p:grpSp>
+        <p:nvGrpSpPr>
+          <p:cNvPr id="15" name="グループ化 14"/>
+          <p:cNvGrpSpPr/>
+          <p:nvPr/>
+        </p:nvGrpSpPr>
+        <p:grpSpPr>
+          <a:xfrm>
+            <a:off x="321812" y="3653127"/>
+            <a:ext cx="8456785" cy="2329326"/>
+            <a:chOff x="321812" y="970359"/>
+            <a:chExt cx="8456785" cy="2329326"/>
+          </a:xfrm>
+        </p:grpSpPr>
+        <p:grpSp>
+          <p:nvGrpSpPr>
+            <p:cNvPr id="16" name="グループ化 15"/>
+            <p:cNvGrpSpPr/>
+            <p:nvPr/>
+          </p:nvGrpSpPr>
+          <p:grpSpPr>
+            <a:xfrm>
+              <a:off x="321812" y="970359"/>
+              <a:ext cx="4101852" cy="2329326"/>
+              <a:chOff x="321812" y="970359"/>
+              <a:chExt cx="4101852" cy="2329326"/>
+            </a:xfrm>
+          </p:grpSpPr>
+          <p:grpSp>
+            <p:nvGrpSpPr>
+              <p:cNvPr id="20" name="グループ化 19"/>
+              <p:cNvGrpSpPr/>
+              <p:nvPr/>
+            </p:nvGrpSpPr>
+            <p:grpSpPr>
+              <a:xfrm>
+                <a:off x="409090" y="1030103"/>
+                <a:ext cx="4014574" cy="2269582"/>
+                <a:chOff x="409090" y="1030103"/>
+                <a:chExt cx="4014574" cy="2269582"/>
+              </a:xfrm>
+            </p:grpSpPr>
+            <p:sp>
+              <p:nvSpPr>
+                <p:cNvPr id="22" name="角丸四角形 21"/>
+                <p:cNvSpPr/>
+                <p:nvPr/>
+              </p:nvSpPr>
+              <p:spPr>
+                <a:xfrm>
+                  <a:off x="409090" y="1030103"/>
+                  <a:ext cx="3967044" cy="2269582"/>
+                </a:xfrm>
+                <a:prstGeom prst="roundRect">
+                  <a:avLst>
+                    <a:gd name="adj" fmla="val 0"/>
+                  </a:avLst>
+                </a:prstGeom>
+                <a:solidFill>
+                  <a:schemeClr val="bg1"/>
+                </a:solidFill>
+                <a:ln w="76200">
+                  <a:solidFill>
+                    <a:schemeClr val="tx1"/>
+                  </a:solidFill>
+                </a:ln>
+              </p:spPr>
+              <p:style>
+                <a:lnRef idx="2">
+                  <a:schemeClr val="accent1">
+                    <a:shade val="50000"/>
+                  </a:schemeClr>
+                </a:lnRef>
+                <a:fillRef idx="1">
+                  <a:schemeClr val="accent1"/>
+                </a:fillRef>
+                <a:effectRef idx="0">
+                  <a:schemeClr val="accent1"/>
+                </a:effectRef>
+                <a:fontRef idx="minor">
+                  <a:schemeClr val="lt1"/>
+                </a:fontRef>
+              </p:style>
+              <p:txBody>
+                <a:bodyPr rtlCol="0" anchor="ctr"/>
+                <a:lstStyle/>
+                <a:p>
+                  <a:pPr algn="ctr"/>
+                  <a:endParaRPr kumimoji="1" lang="ja-JP" altLang="en-US" dirty="0">
+                    <a:solidFill>
+                      <a:schemeClr val="tx1"/>
+                    </a:solidFill>
+                  </a:endParaRPr>
+                </a:p>
+              </p:txBody>
+            </p:sp>
+            <p:sp>
+              <p:nvSpPr>
+                <p:cNvPr id="23" name="直角三角形 22"/>
+                <p:cNvSpPr/>
+                <p:nvPr/>
+              </p:nvSpPr>
+              <p:spPr>
+                <a:xfrm rot="10800000" flipH="1">
+                  <a:off x="409090" y="1061844"/>
+                  <a:ext cx="4014574" cy="577718"/>
+                </a:xfrm>
+                <a:prstGeom prst="rtTriangle">
+                  <a:avLst/>
+                </a:prstGeom>
+                <a:solidFill>
+                  <a:schemeClr val="tx1"/>
+                </a:solidFill>
+                <a:ln>
+                  <a:noFill/>
+                </a:ln>
+              </p:spPr>
+              <p:style>
+                <a:lnRef idx="2">
+                  <a:schemeClr val="accent1">
+                    <a:shade val="50000"/>
+                  </a:schemeClr>
+                </a:lnRef>
+                <a:fillRef idx="1">
+                  <a:schemeClr val="accent1"/>
+                </a:fillRef>
+                <a:effectRef idx="0">
+                  <a:schemeClr val="accent1"/>
+                </a:effectRef>
+                <a:fontRef idx="minor">
+                  <a:schemeClr val="lt1"/>
+                </a:fontRef>
+              </p:style>
+              <p:txBody>
+                <a:bodyPr rtlCol="0" anchor="ctr"/>
+                <a:lstStyle/>
+                <a:p>
+                  <a:pPr algn="ctr"/>
+                  <a:endParaRPr kumimoji="1" lang="ja-JP" altLang="en-US"/>
+                </a:p>
+              </p:txBody>
+            </p:sp>
+          </p:grpSp>
+          <p:sp>
+            <p:nvSpPr>
+              <p:cNvPr id="21" name="テキスト ボックス 20"/>
+              <p:cNvSpPr txBox="1"/>
+              <p:nvPr/>
+            </p:nvSpPr>
+            <p:spPr>
+              <a:xfrm rot="21161010">
+                <a:off x="321812" y="970359"/>
+                <a:ext cx="1832553" cy="584775"/>
+              </a:xfrm>
+              <a:prstGeom prst="rect">
+                <a:avLst/>
+              </a:prstGeom>
+              <a:noFill/>
+            </p:spPr>
+            <p:txBody>
+              <a:bodyPr wrap="none" rtlCol="0">
+                <a:spAutoFit/>
+              </a:bodyPr>
+              <a:lstStyle/>
+              <a:p>
+                <a:r>
+                  <a:rPr lang="ja-JP" altLang="en-US" sz="3200" b="1" dirty="0" smtClean="0">
+                    <a:ln w="12700">
+                      <a:solidFill>
+                        <a:schemeClr val="tx1"/>
+                      </a:solidFill>
+                    </a:ln>
+                    <a:solidFill>
+                      <a:schemeClr val="bg1"/>
+                    </a:solidFill>
+                    <a:latin typeface="HGP明朝B" panose="02020800000000000000" pitchFamily="18" charset="-128"/>
+                    <a:ea typeface="HGP明朝B" panose="02020800000000000000" pitchFamily="18" charset="-128"/>
+                  </a:rPr>
+                  <a:t>近接武器</a:t>
+                </a:r>
+                <a:endParaRPr lang="ja-JP" altLang="en-US" sz="3200" b="1" dirty="0">
+                  <a:ln w="12700">
+                    <a:solidFill>
+                      <a:schemeClr val="tx1"/>
+                    </a:solidFill>
+                  </a:ln>
+                  <a:solidFill>
+                    <a:schemeClr val="bg1"/>
+                  </a:solidFill>
+                  <a:latin typeface="HGP明朝B" panose="02020800000000000000" pitchFamily="18" charset="-128"/>
+                  <a:ea typeface="HGP明朝B" panose="02020800000000000000" pitchFamily="18" charset="-128"/>
+                </a:endParaRPr>
+              </a:p>
+            </p:txBody>
+          </p:sp>
+        </p:grpSp>
+        <p:sp>
+          <p:nvSpPr>
+            <p:cNvPr id="17" name="角丸四角形 16"/>
+            <p:cNvSpPr/>
+            <p:nvPr/>
+          </p:nvSpPr>
+          <p:spPr>
+            <a:xfrm>
+              <a:off x="4767866" y="1030103"/>
+              <a:ext cx="3967044" cy="2269582"/>
+            </a:xfrm>
+            <a:prstGeom prst="roundRect">
+              <a:avLst>
+                <a:gd name="adj" fmla="val 0"/>
+              </a:avLst>
+            </a:prstGeom>
+            <a:solidFill>
+              <a:schemeClr val="bg1"/>
+            </a:solidFill>
+            <a:ln w="76200">
+              <a:solidFill>
+                <a:schemeClr val="tx1"/>
+              </a:solidFill>
+            </a:ln>
+          </p:spPr>
+          <p:style>
+            <a:lnRef idx="2">
+              <a:schemeClr val="accent1">
+                <a:shade val="50000"/>
+              </a:schemeClr>
+            </a:lnRef>
+            <a:fillRef idx="1">
+              <a:schemeClr val="accent1"/>
+            </a:fillRef>
+            <a:effectRef idx="0">
+              <a:schemeClr val="accent1"/>
+            </a:effectRef>
+            <a:fontRef idx="minor">
+              <a:schemeClr val="lt1"/>
+            </a:fontRef>
+          </p:style>
+          <p:txBody>
+            <a:bodyPr rtlCol="0" anchor="ctr"/>
+            <a:lstStyle/>
+            <a:p>
+              <a:pPr algn="ctr"/>
+              <a:endParaRPr kumimoji="1" lang="ja-JP" altLang="en-US"/>
+            </a:p>
+          </p:txBody>
+        </p:sp>
+        <p:sp>
+          <p:nvSpPr>
+            <p:cNvPr id="18" name="直角三角形 17"/>
+            <p:cNvSpPr/>
+            <p:nvPr/>
+          </p:nvSpPr>
+          <p:spPr>
+            <a:xfrm rot="10800000" flipH="1">
+              <a:off x="4764023" y="1061844"/>
+              <a:ext cx="4014574" cy="577718"/>
+            </a:xfrm>
+            <a:prstGeom prst="rtTriangle">
+              <a:avLst/>
+            </a:prstGeom>
+            <a:solidFill>
+              <a:schemeClr val="tx1"/>
+            </a:solidFill>
+            <a:ln>
+              <a:noFill/>
+            </a:ln>
+          </p:spPr>
+          <p:style>
+            <a:lnRef idx="2">
+              <a:schemeClr val="accent1">
+                <a:shade val="50000"/>
+              </a:schemeClr>
+            </a:lnRef>
+            <a:fillRef idx="1">
+              <a:schemeClr val="accent1"/>
+            </a:fillRef>
+            <a:effectRef idx="0">
+              <a:schemeClr val="accent1"/>
+            </a:effectRef>
+            <a:fontRef idx="minor">
+              <a:schemeClr val="lt1"/>
+            </a:fontRef>
+          </p:style>
+          <p:txBody>
+            <a:bodyPr rtlCol="0" anchor="ctr"/>
+            <a:lstStyle/>
+            <a:p>
+              <a:pPr algn="ctr"/>
+              <a:endParaRPr kumimoji="1" lang="ja-JP" altLang="en-US"/>
+            </a:p>
+          </p:txBody>
+        </p:sp>
+        <p:sp>
+          <p:nvSpPr>
+            <p:cNvPr id="19" name="二等辺三角形 18"/>
+            <p:cNvSpPr/>
+            <p:nvPr/>
+          </p:nvSpPr>
+          <p:spPr>
+            <a:xfrm rot="5400000">
+              <a:off x="3831632" y="2018479"/>
+              <a:ext cx="1457843" cy="292829"/>
+            </a:xfrm>
+            <a:prstGeom prst="triangle">
+              <a:avLst/>
+            </a:prstGeom>
+            <a:solidFill>
+              <a:schemeClr val="tx1"/>
+            </a:solidFill>
+            <a:ln>
+              <a:solidFill>
+                <a:schemeClr val="tx1"/>
+              </a:solidFill>
+            </a:ln>
+          </p:spPr>
+          <p:style>
+            <a:lnRef idx="2">
+              <a:schemeClr val="accent1">
+                <a:shade val="50000"/>
+              </a:schemeClr>
+            </a:lnRef>
+            <a:fillRef idx="1">
+              <a:schemeClr val="accent1"/>
+            </a:fillRef>
+            <a:effectRef idx="0">
+              <a:schemeClr val="accent1"/>
+            </a:effectRef>
+            <a:fontRef idx="minor">
+              <a:schemeClr val="lt1"/>
+            </a:fontRef>
+          </p:style>
+          <p:txBody>
+            <a:bodyPr rtlCol="0" anchor="ctr"/>
+            <a:lstStyle/>
+            <a:p>
+              <a:pPr algn="ctr"/>
+              <a:endParaRPr kumimoji="1" lang="ja-JP" altLang="en-US"/>
+            </a:p>
+          </p:txBody>
+        </p:sp>
+      </p:grpSp>
+      <p:sp>
+        <p:nvSpPr>
+          <p:cNvPr id="25" name="テキスト ボックス 24"/>
+          <p:cNvSpPr txBox="1"/>
+          <p:nvPr/>
+        </p:nvSpPr>
+        <p:spPr>
+          <a:xfrm rot="21161010">
+            <a:off x="4875108" y="3764063"/>
+            <a:ext cx="1422184" cy="461665"/>
+          </a:xfrm>
+          <a:prstGeom prst="rect">
+            <a:avLst/>
+          </a:prstGeom>
+          <a:noFill/>
+        </p:spPr>
+        <p:txBody>
+          <a:bodyPr wrap="none" rtlCol="0">
+            <a:spAutoFit/>
+          </a:bodyPr>
+          <a:lstStyle/>
+          <a:p>
+            <a:r>
+              <a:rPr lang="ja-JP" altLang="en-US" sz="2400" b="1" dirty="0" smtClean="0">
+                <a:ln w="12700">
+                  <a:solidFill>
+                    <a:schemeClr val="tx1"/>
+                  </a:solidFill>
+                </a:ln>
+                <a:solidFill>
+                  <a:schemeClr val="bg1"/>
+                </a:solidFill>
+                <a:latin typeface="HGP明朝B" panose="02020800000000000000" pitchFamily="18" charset="-128"/>
+                <a:ea typeface="HGP明朝B" panose="02020800000000000000" pitchFamily="18" charset="-128"/>
+              </a:rPr>
+              <a:t>近接特化</a:t>
+            </a:r>
+            <a:endParaRPr lang="ja-JP" altLang="en-US" sz="2400" b="1" dirty="0">
+              <a:ln w="12700">
+                <a:solidFill>
+                  <a:schemeClr val="tx1"/>
+                </a:solidFill>
+              </a:ln>
+              <a:solidFill>
+                <a:schemeClr val="bg1"/>
+              </a:solidFill>
+              <a:latin typeface="HGP明朝B" panose="02020800000000000000" pitchFamily="18" charset="-128"/>
+              <a:ea typeface="HGP明朝B" panose="02020800000000000000" pitchFamily="18" charset="-128"/>
+            </a:endParaRPr>
+          </a:p>
+        </p:txBody>
+      </p:sp>
+    </p:spTree>
+    <p:extLst>
+      <p:ext uri="{BB962C8B-B14F-4D97-AF65-F5344CB8AC3E}">
+        <p14:creationId xmlns:p14="http://schemas.microsoft.com/office/powerpoint/2010/main" val="3213141594"/>
+      </p:ext>
+    </p:extLst>
+  </p:cSld>
+  <p:clrMapOvr>
+    <a:masterClrMapping/>
+  </p:clrMapOvr>
+  <p:timing>
+    <p:tnLst>
+      <p:par>
+        <p:cTn id="1" dur="indefinite" restart="never" nodeType="tmRoot"/>
+      </p:par>
+    </p:tnLst>
+  </p:timing>
+</p:sld>
+</file>
+
+<file path=ppt/slides/slide9.xml><?xml version="1.0" encoding="utf-8"?>
+<p:sld xmlns:a="http://schemas.openxmlformats.org/drawingml/2006/main" xmlns:r="http://schemas.openxmlformats.org/officeDocument/2006/relationships" xmlns:p="http://schemas.openxmlformats.org/presentationml/2006/main">
+  <p:cSld>
+    <p:spTree>
+      <p:nvGrpSpPr>
+        <p:cNvPr id="1" name=""/>
+        <p:cNvGrpSpPr/>
+        <p:nvPr/>
+      </p:nvGrpSpPr>
+      <p:grpSpPr>
+        <a:xfrm>
+          <a:off x="0" y="0"/>
+          <a:ext cx="0" cy="0"/>
+          <a:chOff x="0" y="0"/>
+          <a:chExt cx="0" cy="0"/>
+        </a:xfrm>
+      </p:grpSpPr>
+      <p:sp>
+        <p:nvSpPr>
+          <p:cNvPr id="2" name="タイトル 1"/>
+          <p:cNvSpPr>
+            <a:spLocks noGrp="1"/>
+          </p:cNvSpPr>
+          <p:nvPr>
+            <p:ph type="title"/>
+          </p:nvPr>
+        </p:nvSpPr>
+        <p:spPr/>
+        <p:txBody>
+          <a:bodyPr>
+            <a:normAutofit fontScale="90000"/>
+          </a:bodyPr>
+          <a:lstStyle/>
+          <a:p>
+            <a:r>
+              <a:rPr kumimoji="1" lang="ja-JP" altLang="en-US" dirty="0" smtClean="0"/>
+              <a:t>ゲームフロー</a:t>
+            </a:r>
+            <a:endParaRPr kumimoji="1" lang="ja-JP" altLang="en-US" dirty="0"/>
+          </a:p>
+        </p:txBody>
+      </p:sp>
+      <p:grpSp>
+        <p:nvGrpSpPr>
+          <p:cNvPr id="7" name="グループ化 6"/>
+          <p:cNvGrpSpPr/>
+          <p:nvPr/>
+        </p:nvGrpSpPr>
+        <p:grpSpPr>
+          <a:xfrm>
+            <a:off x="409090" y="1030103"/>
+            <a:ext cx="8369507" cy="4913293"/>
+            <a:chOff x="409090" y="1030103"/>
+            <a:chExt cx="8369507" cy="4913293"/>
+          </a:xfrm>
+        </p:grpSpPr>
+        <p:grpSp>
+          <p:nvGrpSpPr>
+            <p:cNvPr id="48" name="グループ化 47"/>
+            <p:cNvGrpSpPr/>
+            <p:nvPr/>
+          </p:nvGrpSpPr>
+          <p:grpSpPr>
+            <a:xfrm>
+              <a:off x="409090" y="1030103"/>
+              <a:ext cx="8325820" cy="4913293"/>
+              <a:chOff x="609614" y="1223843"/>
+              <a:chExt cx="7948247" cy="4690477"/>
+            </a:xfrm>
+          </p:grpSpPr>
+          <p:sp>
+            <p:nvSpPr>
+              <p:cNvPr id="49" name="角丸四角形 48"/>
+              <p:cNvSpPr/>
+              <p:nvPr/>
+            </p:nvSpPr>
+            <p:spPr>
+              <a:xfrm>
+                <a:off x="4770721" y="1223843"/>
+                <a:ext cx="3787140" cy="2166657"/>
+              </a:xfrm>
+              <a:prstGeom prst="roundRect">
+                <a:avLst>
+                  <a:gd name="adj" fmla="val 0"/>
+                </a:avLst>
+              </a:prstGeom>
+              <a:solidFill>
+                <a:schemeClr val="bg1"/>
+              </a:solidFill>
+              <a:ln w="76200">
+                <a:solidFill>
+                  <a:schemeClr val="tx1"/>
+                </a:solidFill>
+              </a:ln>
+            </p:spPr>
+            <p:style>
+              <a:lnRef idx="2">
+                <a:schemeClr val="accent1">
+                  <a:shade val="50000"/>
+                </a:schemeClr>
+              </a:lnRef>
+              <a:fillRef idx="1">
+                <a:schemeClr val="accent1"/>
+              </a:fillRef>
+              <a:effectRef idx="0">
+                <a:schemeClr val="accent1"/>
+              </a:effectRef>
+              <a:fontRef idx="minor">
+                <a:schemeClr val="lt1"/>
+              </a:fontRef>
+            </p:style>
+            <p:txBody>
+              <a:bodyPr rtlCol="0" anchor="ctr"/>
+              <a:lstStyle/>
+              <a:p>
+                <a:pPr algn="ctr"/>
+                <a:endParaRPr kumimoji="1" lang="ja-JP" altLang="en-US"/>
+              </a:p>
+            </p:txBody>
+          </p:sp>
+          <p:sp>
+            <p:nvSpPr>
+              <p:cNvPr id="50" name="角丸四角形 49"/>
+              <p:cNvSpPr/>
+              <p:nvPr/>
+            </p:nvSpPr>
+            <p:spPr>
+              <a:xfrm>
+                <a:off x="609614" y="3747663"/>
+                <a:ext cx="3787140" cy="2166657"/>
+              </a:xfrm>
+              <a:prstGeom prst="roundRect">
+                <a:avLst>
+                  <a:gd name="adj" fmla="val 0"/>
+                </a:avLst>
+              </a:prstGeom>
+              <a:solidFill>
+                <a:schemeClr val="bg1"/>
+              </a:solidFill>
+              <a:ln w="76200">
+                <a:solidFill>
+                  <a:schemeClr val="tx1"/>
+                </a:solidFill>
+              </a:ln>
+            </p:spPr>
+            <p:style>
+              <a:lnRef idx="2">
+                <a:schemeClr val="accent1">
+                  <a:shade val="50000"/>
+                </a:schemeClr>
+              </a:lnRef>
+              <a:fillRef idx="1">
+                <a:schemeClr val="accent1"/>
+              </a:fillRef>
+              <a:effectRef idx="0">
+                <a:schemeClr val="accent1"/>
+              </a:effectRef>
+              <a:fontRef idx="minor">
+                <a:schemeClr val="lt1"/>
+              </a:fontRef>
+            </p:style>
+            <p:txBody>
+              <a:bodyPr rtlCol="0" anchor="ctr"/>
+              <a:lstStyle/>
+              <a:p>
+                <a:pPr algn="ctr"/>
+                <a:endParaRPr kumimoji="1" lang="ja-JP" altLang="en-US"/>
+              </a:p>
+            </p:txBody>
+          </p:sp>
+          <p:sp>
+            <p:nvSpPr>
+              <p:cNvPr id="51" name="角丸四角形 50"/>
+              <p:cNvSpPr/>
+              <p:nvPr/>
+            </p:nvSpPr>
+            <p:spPr>
+              <a:xfrm>
+                <a:off x="4770721" y="3746860"/>
+                <a:ext cx="3787140" cy="2166657"/>
+              </a:xfrm>
+              <a:prstGeom prst="roundRect">
+                <a:avLst>
+                  <a:gd name="adj" fmla="val 0"/>
+                </a:avLst>
+              </a:prstGeom>
+              <a:solidFill>
+                <a:schemeClr val="bg1"/>
+              </a:solidFill>
+              <a:ln w="76200">
+                <a:solidFill>
+                  <a:schemeClr val="tx1"/>
+                </a:solidFill>
+              </a:ln>
+            </p:spPr>
+            <p:style>
+              <a:lnRef idx="2">
+                <a:schemeClr val="accent1">
+                  <a:shade val="50000"/>
+                </a:schemeClr>
+              </a:lnRef>
+              <a:fillRef idx="1">
+                <a:schemeClr val="accent1"/>
+              </a:fillRef>
+              <a:effectRef idx="0">
+                <a:schemeClr val="accent1"/>
+              </a:effectRef>
+              <a:fontRef idx="minor">
+                <a:schemeClr val="lt1"/>
+              </a:fontRef>
+            </p:style>
+            <p:txBody>
+              <a:bodyPr rtlCol="0" anchor="ctr"/>
+              <a:lstStyle/>
+              <a:p>
+                <a:pPr algn="ctr"/>
+                <a:endParaRPr kumimoji="1" lang="ja-JP" altLang="en-US"/>
+              </a:p>
+            </p:txBody>
+          </p:sp>
+          <p:sp>
+            <p:nvSpPr>
+              <p:cNvPr id="52" name="角丸四角形 51"/>
+              <p:cNvSpPr/>
+              <p:nvPr/>
+            </p:nvSpPr>
+            <p:spPr>
+              <a:xfrm>
+                <a:off x="609614" y="1223843"/>
+                <a:ext cx="3787140" cy="2166657"/>
+              </a:xfrm>
+              <a:prstGeom prst="roundRect">
+                <a:avLst>
+                  <a:gd name="adj" fmla="val 0"/>
+                </a:avLst>
+              </a:prstGeom>
+              <a:solidFill>
+                <a:schemeClr val="bg1"/>
+              </a:solidFill>
+              <a:ln w="76200">
+                <a:solidFill>
+                  <a:schemeClr val="tx1"/>
+                </a:solidFill>
+              </a:ln>
+            </p:spPr>
+            <p:style>
+              <a:lnRef idx="2">
+                <a:schemeClr val="accent1">
+                  <a:shade val="50000"/>
+                </a:schemeClr>
+              </a:lnRef>
+              <a:fillRef idx="1">
+                <a:schemeClr val="accent1"/>
+              </a:fillRef>
+              <a:effectRef idx="0">
+                <a:schemeClr val="accent1"/>
+              </a:effectRef>
+              <a:fontRef idx="minor">
+                <a:schemeClr val="lt1"/>
+              </a:fontRef>
+            </p:style>
+            <p:txBody>
+              <a:bodyPr rtlCol="0" anchor="ctr"/>
+              <a:lstStyle/>
+              <a:p>
+                <a:pPr algn="ctr"/>
+                <a:endParaRPr kumimoji="1" lang="ja-JP" altLang="en-US" dirty="0">
+                  <a:solidFill>
+                    <a:schemeClr val="tx1"/>
+                  </a:solidFill>
+                </a:endParaRPr>
+              </a:p>
+            </p:txBody>
+          </p:sp>
+          <p:sp>
+            <p:nvSpPr>
+              <p:cNvPr id="53" name="二等辺三角形 52"/>
+              <p:cNvSpPr/>
+              <p:nvPr/>
+            </p:nvSpPr>
+            <p:spPr>
+              <a:xfrm rot="10800000">
+                <a:off x="1807319" y="3429456"/>
+                <a:ext cx="1391730" cy="279549"/>
+              </a:xfrm>
+              <a:prstGeom prst="triangle">
+                <a:avLst/>
+              </a:prstGeom>
+              <a:solidFill>
+                <a:schemeClr val="tx1"/>
+              </a:solidFill>
+              <a:ln>
+                <a:solidFill>
+                  <a:schemeClr val="tx1"/>
+                </a:solidFill>
+              </a:ln>
+            </p:spPr>
+            <p:style>
+              <a:lnRef idx="2">
+                <a:schemeClr val="accent1">
+                  <a:shade val="50000"/>
+                </a:schemeClr>
+              </a:lnRef>
+              <a:fillRef idx="1">
+                <a:schemeClr val="accent1"/>
+              </a:fillRef>
+              <a:effectRef idx="0">
+                <a:schemeClr val="accent1"/>
+              </a:effectRef>
+              <a:fontRef idx="minor">
+                <a:schemeClr val="lt1"/>
+              </a:fontRef>
+            </p:style>
+            <p:txBody>
+              <a:bodyPr rtlCol="0" anchor="ctr"/>
+              <a:lstStyle/>
+              <a:p>
+                <a:pPr algn="ctr"/>
+                <a:endParaRPr kumimoji="1" lang="ja-JP" altLang="en-US"/>
+              </a:p>
+            </p:txBody>
+          </p:sp>
+          <p:sp>
+            <p:nvSpPr>
+              <p:cNvPr id="54" name="二等辺三角形 53"/>
+              <p:cNvSpPr/>
+              <p:nvPr/>
+            </p:nvSpPr>
+            <p:spPr>
+              <a:xfrm rot="5400000">
+                <a:off x="3876945" y="4690414"/>
+                <a:ext cx="1391730" cy="279549"/>
+              </a:xfrm>
+              <a:prstGeom prst="triangle">
+                <a:avLst/>
+              </a:prstGeom>
+              <a:solidFill>
+                <a:schemeClr val="tx1"/>
+              </a:solidFill>
+              <a:ln>
+                <a:solidFill>
+                  <a:schemeClr val="tx1"/>
+                </a:solidFill>
+              </a:ln>
+            </p:spPr>
+            <p:style>
+              <a:lnRef idx="2">
+                <a:schemeClr val="accent1">
+                  <a:shade val="50000"/>
+                </a:schemeClr>
+              </a:lnRef>
+              <a:fillRef idx="1">
+                <a:schemeClr val="accent1"/>
+              </a:fillRef>
+              <a:effectRef idx="0">
+                <a:schemeClr val="accent1"/>
+              </a:effectRef>
+              <a:fontRef idx="minor">
+                <a:schemeClr val="lt1"/>
+              </a:fontRef>
+            </p:style>
+            <p:txBody>
+              <a:bodyPr rtlCol="0" anchor="ctr"/>
+              <a:lstStyle/>
+              <a:p>
+                <a:pPr algn="ctr"/>
+                <a:endParaRPr kumimoji="1" lang="ja-JP" altLang="en-US"/>
+              </a:p>
+            </p:txBody>
+          </p:sp>
+          <p:sp>
+            <p:nvSpPr>
+              <p:cNvPr id="55" name="二等辺三角形 54"/>
+              <p:cNvSpPr/>
+              <p:nvPr/>
+            </p:nvSpPr>
+            <p:spPr>
+              <a:xfrm>
+                <a:off x="5968425" y="3427614"/>
+                <a:ext cx="1391730" cy="279549"/>
+              </a:xfrm>
+              <a:prstGeom prst="triangle">
+                <a:avLst/>
+              </a:prstGeom>
+              <a:solidFill>
+                <a:schemeClr val="tx1"/>
+              </a:solidFill>
+              <a:ln>
+                <a:solidFill>
+                  <a:schemeClr val="tx1"/>
+                </a:solidFill>
+              </a:ln>
+            </p:spPr>
+            <p:style>
+              <a:lnRef idx="2">
+                <a:schemeClr val="accent1">
+                  <a:shade val="50000"/>
+                </a:schemeClr>
+              </a:lnRef>
+              <a:fillRef idx="1">
+                <a:schemeClr val="accent1"/>
+              </a:fillRef>
+              <a:effectRef idx="0">
+                <a:schemeClr val="accent1"/>
+              </a:effectRef>
+              <a:fontRef idx="minor">
+                <a:schemeClr val="lt1"/>
+              </a:fontRef>
+            </p:style>
+            <p:txBody>
+              <a:bodyPr rtlCol="0" anchor="ctr"/>
+              <a:lstStyle/>
+              <a:p>
+                <a:pPr algn="ctr"/>
+                <a:endParaRPr kumimoji="1" lang="ja-JP" altLang="en-US"/>
+              </a:p>
+            </p:txBody>
+          </p:sp>
+          <p:sp>
+            <p:nvSpPr>
+              <p:cNvPr id="56" name="二等辺三角形 55"/>
+              <p:cNvSpPr/>
+              <p:nvPr/>
+            </p:nvSpPr>
+            <p:spPr>
+              <a:xfrm rot="16200000">
+                <a:off x="3895131" y="2167397"/>
+                <a:ext cx="1391730" cy="279549"/>
+              </a:xfrm>
+              <a:prstGeom prst="triangle">
+                <a:avLst/>
+              </a:prstGeom>
+              <a:solidFill>
+                <a:schemeClr val="tx1"/>
+              </a:solidFill>
+              <a:ln>
+                <a:solidFill>
+                  <a:schemeClr val="tx1"/>
+                </a:solidFill>
+              </a:ln>
+            </p:spPr>
+            <p:style>
+              <a:lnRef idx="2">
+                <a:schemeClr val="accent1">
+                  <a:shade val="50000"/>
+                </a:schemeClr>
+              </a:lnRef>
+              <a:fillRef idx="1">
+                <a:schemeClr val="accent1"/>
+              </a:fillRef>
+              <a:effectRef idx="0">
+                <a:schemeClr val="accent1"/>
+              </a:effectRef>
+              <a:fontRef idx="minor">
+                <a:schemeClr val="lt1"/>
+              </a:fontRef>
+            </p:style>
+            <p:txBody>
+              <a:bodyPr rtlCol="0" anchor="ctr"/>
+              <a:lstStyle/>
+              <a:p>
+                <a:pPr algn="ctr"/>
+                <a:endParaRPr kumimoji="1" lang="ja-JP" altLang="en-US"/>
+              </a:p>
+            </p:txBody>
+          </p:sp>
+        </p:grpSp>
+        <p:sp>
+          <p:nvSpPr>
+            <p:cNvPr id="6" name="直角三角形 5"/>
+            <p:cNvSpPr/>
+            <p:nvPr/>
+          </p:nvSpPr>
+          <p:spPr>
+            <a:xfrm rot="10800000" flipH="1">
+              <a:off x="409090" y="1061844"/>
+              <a:ext cx="4014574" cy="577718"/>
+            </a:xfrm>
+            <a:prstGeom prst="rtTriangle">
+              <a:avLst/>
+            </a:prstGeom>
+            <a:solidFill>
+              <a:schemeClr val="tx1"/>
+            </a:solidFill>
+            <a:ln>
+              <a:noFill/>
+            </a:ln>
+          </p:spPr>
+          <p:style>
+            <a:lnRef idx="2">
+              <a:schemeClr val="accent1">
+                <a:shade val="50000"/>
+              </a:schemeClr>
+            </a:lnRef>
+            <a:fillRef idx="1">
+              <a:schemeClr val="accent1"/>
+            </a:fillRef>
+            <a:effectRef idx="0">
+              <a:schemeClr val="accent1"/>
+            </a:effectRef>
+            <a:fontRef idx="minor">
+              <a:schemeClr val="lt1"/>
+            </a:fontRef>
+          </p:style>
+          <p:txBody>
+            <a:bodyPr rtlCol="0" anchor="ctr"/>
+            <a:lstStyle/>
+            <a:p>
+              <a:pPr algn="ctr"/>
+              <a:endParaRPr kumimoji="1" lang="ja-JP" altLang="en-US"/>
+            </a:p>
+          </p:txBody>
+        </p:sp>
+        <p:sp>
+          <p:nvSpPr>
+            <p:cNvPr id="58" name="直角三角形 57"/>
+            <p:cNvSpPr/>
+            <p:nvPr/>
+          </p:nvSpPr>
+          <p:spPr>
+            <a:xfrm rot="10800000" flipH="1">
+              <a:off x="4764023" y="1061844"/>
+              <a:ext cx="4014574" cy="577718"/>
+            </a:xfrm>
+            <a:prstGeom prst="rtTriangle">
+              <a:avLst/>
+            </a:prstGeom>
+            <a:solidFill>
+              <a:schemeClr val="tx1"/>
+            </a:solidFill>
+            <a:ln>
+              <a:noFill/>
+            </a:ln>
+          </p:spPr>
+          <p:style>
+            <a:lnRef idx="2">
+              <a:schemeClr val="accent1">
+                <a:shade val="50000"/>
+              </a:schemeClr>
+            </a:lnRef>
+            <a:fillRef idx="1">
+              <a:schemeClr val="accent1"/>
+            </a:fillRef>
+            <a:effectRef idx="0">
+              <a:schemeClr val="accent1"/>
+            </a:effectRef>
+            <a:fontRef idx="minor">
+              <a:schemeClr val="lt1"/>
+            </a:fontRef>
+          </p:style>
+          <p:txBody>
+            <a:bodyPr rtlCol="0" anchor="ctr"/>
+            <a:lstStyle/>
+            <a:p>
+              <a:pPr algn="ctr"/>
+              <a:endParaRPr kumimoji="1" lang="ja-JP" altLang="en-US"/>
+            </a:p>
+          </p:txBody>
+        </p:sp>
+        <p:sp>
+          <p:nvSpPr>
+            <p:cNvPr id="59" name="直角三角形 58"/>
+            <p:cNvSpPr/>
+            <p:nvPr/>
+          </p:nvSpPr>
+          <p:spPr>
+            <a:xfrm rot="10800000" flipH="1">
+              <a:off x="409090" y="3705557"/>
+              <a:ext cx="4014574" cy="577718"/>
+            </a:xfrm>
+            <a:prstGeom prst="rtTriangle">
+              <a:avLst/>
+            </a:prstGeom>
+            <a:solidFill>
+              <a:schemeClr val="tx1"/>
+            </a:solidFill>
+            <a:ln>
+              <a:noFill/>
+            </a:ln>
+          </p:spPr>
+          <p:style>
+            <a:lnRef idx="2">
+              <a:schemeClr val="accent1">
+                <a:shade val="50000"/>
+              </a:schemeClr>
+            </a:lnRef>
+            <a:fillRef idx="1">
+              <a:schemeClr val="accent1"/>
+            </a:fillRef>
+            <a:effectRef idx="0">
+              <a:schemeClr val="accent1"/>
+            </a:effectRef>
+            <a:fontRef idx="minor">
+              <a:schemeClr val="lt1"/>
+            </a:fontRef>
+          </p:style>
+          <p:txBody>
+            <a:bodyPr rtlCol="0" anchor="ctr"/>
+            <a:lstStyle/>
+            <a:p>
+              <a:pPr algn="ctr"/>
+              <a:endParaRPr kumimoji="1" lang="ja-JP" altLang="en-US"/>
+            </a:p>
+          </p:txBody>
+        </p:sp>
+        <p:sp>
+          <p:nvSpPr>
+            <p:cNvPr id="60" name="直角三角形 59"/>
+            <p:cNvSpPr/>
+            <p:nvPr/>
+          </p:nvSpPr>
+          <p:spPr>
+            <a:xfrm rot="10800000" flipH="1">
+              <a:off x="4764023" y="3705557"/>
+              <a:ext cx="4014574" cy="577718"/>
+            </a:xfrm>
+            <a:prstGeom prst="rtTriangle">
+              <a:avLst/>
+            </a:prstGeom>
+            <a:solidFill>
+              <a:schemeClr val="tx1"/>
+            </a:solidFill>
+            <a:ln>
+              <a:noFill/>
+            </a:ln>
+          </p:spPr>
+          <p:style>
+            <a:lnRef idx="2">
+              <a:schemeClr val="accent1">
+                <a:shade val="50000"/>
+              </a:schemeClr>
+            </a:lnRef>
+            <a:fillRef idx="1">
+              <a:schemeClr val="accent1"/>
+            </a:fillRef>
+            <a:effectRef idx="0">
+              <a:schemeClr val="accent1"/>
+            </a:effectRef>
+            <a:fontRef idx="minor">
+              <a:schemeClr val="lt1"/>
+            </a:fontRef>
+          </p:style>
+          <p:txBody>
+            <a:bodyPr rtlCol="0" anchor="ctr"/>
+            <a:lstStyle/>
+            <a:p>
+              <a:pPr algn="ctr"/>
+              <a:endParaRPr kumimoji="1" lang="ja-JP" altLang="en-US"/>
+            </a:p>
+          </p:txBody>
+        </p:sp>
+      </p:grpSp>
+      <p:sp>
+        <p:nvSpPr>
+          <p:cNvPr id="62" name="テキスト ボックス 61"/>
+          <p:cNvSpPr txBox="1"/>
+          <p:nvPr/>
+        </p:nvSpPr>
+        <p:spPr>
+          <a:xfrm rot="21129984">
+            <a:off x="4745821" y="1008492"/>
+            <a:ext cx="1460656" cy="523220"/>
+          </a:xfrm>
+          <a:prstGeom prst="rect">
+            <a:avLst/>
+          </a:prstGeom>
+          <a:noFill/>
+        </p:spPr>
+        <p:txBody>
+          <a:bodyPr wrap="none" rtlCol="0">
+            <a:spAutoFit/>
+          </a:bodyPr>
+          <a:lstStyle/>
+          <a:p>
+            <a:r>
+              <a:rPr lang="ja-JP" altLang="en-US" sz="2800" b="1" dirty="0">
+                <a:ln w="12700">
+                  <a:solidFill>
+                    <a:schemeClr val="tx1"/>
+                  </a:solidFill>
+                </a:ln>
+                <a:solidFill>
+                  <a:schemeClr val="bg1"/>
+                </a:solidFill>
+                <a:latin typeface="HGP明朝B" panose="02020800000000000000" pitchFamily="18" charset="-128"/>
+                <a:ea typeface="HGP明朝B" panose="02020800000000000000" pitchFamily="18" charset="-128"/>
+              </a:rPr>
+              <a:t>脱</a:t>
+            </a:r>
+            <a:r>
+              <a:rPr lang="en-US" altLang="ja-JP" sz="2000" b="1" dirty="0" smtClean="0">
+                <a:ln w="12700">
+                  <a:solidFill>
+                    <a:schemeClr val="tx1"/>
+                  </a:solidFill>
+                </a:ln>
+                <a:solidFill>
+                  <a:schemeClr val="bg1"/>
+                </a:solidFill>
+                <a:latin typeface="HGP明朝B" panose="02020800000000000000" pitchFamily="18" charset="-128"/>
+                <a:ea typeface="HGP明朝B" panose="02020800000000000000" pitchFamily="18" charset="-128"/>
+              </a:rPr>
+              <a:t>-Purge-</a:t>
+            </a:r>
+            <a:endParaRPr lang="ja-JP" altLang="en-US" sz="2000" b="1" dirty="0">
+              <a:ln w="12700">
+                <a:solidFill>
+                  <a:schemeClr val="tx1"/>
+                </a:solidFill>
+              </a:ln>
+              <a:solidFill>
+                <a:schemeClr val="bg1"/>
+              </a:solidFill>
+              <a:latin typeface="HGP明朝B" panose="02020800000000000000" pitchFamily="18" charset="-128"/>
+              <a:ea typeface="HGP明朝B" panose="02020800000000000000" pitchFamily="18" charset="-128"/>
+            </a:endParaRPr>
+          </a:p>
+        </p:txBody>
+      </p:sp>
+      <p:sp>
+        <p:nvSpPr>
+          <p:cNvPr id="64" name="テキスト ボックス 63"/>
+          <p:cNvSpPr txBox="1"/>
+          <p:nvPr/>
+        </p:nvSpPr>
+        <p:spPr>
+          <a:xfrm rot="21120896">
+            <a:off x="390635" y="3648063"/>
+            <a:ext cx="1439818" cy="523220"/>
+          </a:xfrm>
+          <a:prstGeom prst="rect">
+            <a:avLst/>
+          </a:prstGeom>
+          <a:noFill/>
+        </p:spPr>
+        <p:txBody>
+          <a:bodyPr wrap="none" rtlCol="0">
+            <a:spAutoFit/>
+          </a:bodyPr>
+          <a:lstStyle/>
+          <a:p>
+            <a:r>
+              <a:rPr lang="ja-JP" altLang="en-US" sz="2800" b="1" dirty="0">
+                <a:ln w="12700">
+                  <a:solidFill>
+                    <a:schemeClr val="tx1"/>
+                  </a:solidFill>
+                </a:ln>
+                <a:solidFill>
+                  <a:schemeClr val="bg1"/>
+                </a:solidFill>
+                <a:latin typeface="HGP明朝B" panose="02020800000000000000" pitchFamily="18" charset="-128"/>
+                <a:ea typeface="HGP明朝B" panose="02020800000000000000" pitchFamily="18" charset="-128"/>
+              </a:rPr>
+              <a:t>奪</a:t>
+            </a:r>
+            <a:r>
+              <a:rPr lang="ja-JP" altLang="en-US" sz="2800" b="1" dirty="0" smtClean="0">
+                <a:ln w="12700">
+                  <a:solidFill>
+                    <a:schemeClr val="tx1"/>
+                  </a:solidFill>
+                </a:ln>
+                <a:solidFill>
+                  <a:schemeClr val="bg1"/>
+                </a:solidFill>
+                <a:latin typeface="HGP明朝B" panose="02020800000000000000" pitchFamily="18" charset="-128"/>
+                <a:ea typeface="HGP明朝B" panose="02020800000000000000" pitchFamily="18" charset="-128"/>
+              </a:rPr>
+              <a:t>う</a:t>
+            </a:r>
+            <a:r>
+              <a:rPr lang="en-US" altLang="ja-JP" sz="2000" b="1" dirty="0" smtClean="0">
+                <a:ln w="12700">
+                  <a:solidFill>
+                    <a:schemeClr val="tx1"/>
+                  </a:solidFill>
+                </a:ln>
+                <a:solidFill>
+                  <a:schemeClr val="bg1"/>
+                </a:solidFill>
+                <a:latin typeface="HGP明朝B" panose="02020800000000000000" pitchFamily="18" charset="-128"/>
+                <a:ea typeface="HGP明朝B" panose="02020800000000000000" pitchFamily="18" charset="-128"/>
+              </a:rPr>
+              <a:t>-Rod-</a:t>
+            </a:r>
+            <a:endParaRPr lang="ja-JP" altLang="en-US" sz="2000" b="1" dirty="0">
+              <a:ln w="12700">
+                <a:solidFill>
+                  <a:schemeClr val="tx1"/>
+                </a:solidFill>
+              </a:ln>
+              <a:solidFill>
+                <a:schemeClr val="bg1"/>
+              </a:solidFill>
+              <a:latin typeface="HGP明朝B" panose="02020800000000000000" pitchFamily="18" charset="-128"/>
+              <a:ea typeface="HGP明朝B" panose="02020800000000000000" pitchFamily="18" charset="-128"/>
+            </a:endParaRPr>
+          </a:p>
+        </p:txBody>
+      </p:sp>
+      <p:pic>
+        <p:nvPicPr>
+          <p:cNvPr id="8" name="図 7"/>
+          <p:cNvPicPr>
+            <a:picLocks noChangeAspect="1"/>
+          </p:cNvPicPr>
+          <p:nvPr/>
+        </p:nvPicPr>
+        <p:blipFill>
+          <a:blip r:embed="rId3" cstate="print">
+            <a:extLst>
+              <a:ext uri="{28A0092B-C50C-407E-A947-70E740481C1C}">
+                <a14:useLocalDpi xmlns:a14="http://schemas.microsoft.com/office/drawing/2010/main" val="0"/>
+              </a:ext>
+            </a:extLst>
+          </a:blip>
+          <a:stretch>
+            <a:fillRect/>
+          </a:stretch>
+        </p:blipFill>
+        <p:spPr>
+          <a:xfrm>
+            <a:off x="2409646" y="4617566"/>
+            <a:ext cx="1763164" cy="1325844"/>
+          </a:xfrm>
+          <a:prstGeom prst="rect">
+            <a:avLst/>
+          </a:prstGeom>
+        </p:spPr>
+      </p:pic>
+      <p:cxnSp>
+        <p:nvCxnSpPr>
+          <p:cNvPr id="16" name="直線コネクタ 15"/>
+          <p:cNvCxnSpPr/>
+          <p:nvPr/>
+        </p:nvCxnSpPr>
+        <p:spPr>
+          <a:xfrm>
+            <a:off x="1547348" y="4497514"/>
+            <a:ext cx="2338852" cy="782974"/>
+          </a:xfrm>
+          <a:prstGeom prst="line">
+            <a:avLst/>
+          </a:prstGeom>
+          <a:ln w="38100">
+            <a:solidFill>
+              <a:schemeClr val="tx1"/>
+            </a:solidFill>
+          </a:ln>
+        </p:spPr>
+        <p:style>
+          <a:lnRef idx="1">
+            <a:schemeClr val="accent1"/>
+          </a:lnRef>
+          <a:fillRef idx="0">
+            <a:schemeClr val="accent1"/>
+          </a:fillRef>
+          <a:effectRef idx="0">
+            <a:schemeClr val="accent1"/>
+          </a:effectRef>
+          <a:fontRef idx="minor">
+            <a:schemeClr val="tx1"/>
+          </a:fontRef>
+        </p:style>
+      </p:cxnSp>
+      <p:cxnSp>
+        <p:nvCxnSpPr>
+          <p:cNvPr id="68" name="直線コネクタ 67"/>
+          <p:cNvCxnSpPr/>
+          <p:nvPr/>
+        </p:nvCxnSpPr>
+        <p:spPr>
+          <a:xfrm>
+            <a:off x="1647368" y="4689778"/>
+            <a:ext cx="1429496" cy="1238222"/>
+          </a:xfrm>
+          <a:prstGeom prst="line">
+            <a:avLst/>
+          </a:prstGeom>
+          <a:ln w="38100">
+            <a:solidFill>
+              <a:schemeClr val="tx1"/>
+            </a:solidFill>
+          </a:ln>
+        </p:spPr>
+        <p:style>
+          <a:lnRef idx="1">
+            <a:schemeClr val="accent1"/>
+          </a:lnRef>
+          <a:fillRef idx="0">
+            <a:schemeClr val="accent1"/>
+          </a:fillRef>
+          <a:effectRef idx="0">
+            <a:schemeClr val="accent1"/>
+          </a:effectRef>
+          <a:fontRef idx="minor">
+            <a:schemeClr val="tx1"/>
+          </a:fontRef>
+        </p:style>
+      </p:cxnSp>
+      <p:cxnSp>
+        <p:nvCxnSpPr>
+          <p:cNvPr id="69" name="直線コネクタ 68"/>
+          <p:cNvCxnSpPr/>
+          <p:nvPr/>
+        </p:nvCxnSpPr>
+        <p:spPr>
+          <a:xfrm>
+            <a:off x="1647368" y="4564691"/>
+            <a:ext cx="764553" cy="324310"/>
+          </a:xfrm>
+          <a:prstGeom prst="line">
+            <a:avLst/>
+          </a:prstGeom>
+          <a:ln>
+            <a:solidFill>
+              <a:schemeClr val="tx1"/>
+            </a:solidFill>
+          </a:ln>
+        </p:spPr>
+        <p:style>
+          <a:lnRef idx="1">
+            <a:schemeClr val="accent1"/>
+          </a:lnRef>
+          <a:fillRef idx="0">
+            <a:schemeClr val="accent1"/>
+          </a:fillRef>
+          <a:effectRef idx="0">
+            <a:schemeClr val="accent1"/>
+          </a:effectRef>
+          <a:fontRef idx="minor">
+            <a:schemeClr val="tx1"/>
+          </a:fontRef>
+        </p:style>
+      </p:cxnSp>
+      <p:cxnSp>
+        <p:nvCxnSpPr>
+          <p:cNvPr id="71" name="直線コネクタ 70"/>
+          <p:cNvCxnSpPr/>
+          <p:nvPr/>
+        </p:nvCxnSpPr>
+        <p:spPr>
+          <a:xfrm>
+            <a:off x="1625228" y="4581350"/>
+            <a:ext cx="1278914" cy="852418"/>
+          </a:xfrm>
+          <a:prstGeom prst="line">
+            <a:avLst/>
+          </a:prstGeom>
+          <a:ln>
+            <a:solidFill>
+              <a:schemeClr val="tx1"/>
+            </a:solidFill>
+          </a:ln>
+        </p:spPr>
+        <p:style>
+          <a:lnRef idx="1">
+            <a:schemeClr val="accent1"/>
+          </a:lnRef>
+          <a:fillRef idx="0">
+            <a:schemeClr val="accent1"/>
+          </a:fillRef>
+          <a:effectRef idx="0">
+            <a:schemeClr val="accent1"/>
+          </a:effectRef>
+          <a:fontRef idx="minor">
+            <a:schemeClr val="tx1"/>
+          </a:fontRef>
+        </p:style>
+      </p:cxnSp>
+      <p:grpSp>
+        <p:nvGrpSpPr>
+          <p:cNvPr id="10" name="グループ化 9"/>
+          <p:cNvGrpSpPr/>
+          <p:nvPr/>
+        </p:nvGrpSpPr>
+        <p:grpSpPr>
+          <a:xfrm flipH="1">
+            <a:off x="803697" y="4145457"/>
+            <a:ext cx="1338167" cy="1401770"/>
+            <a:chOff x="1158688" y="1360185"/>
+            <a:chExt cx="1338167" cy="1401770"/>
+          </a:xfrm>
+        </p:grpSpPr>
+        <p:pic>
+          <p:nvPicPr>
+            <p:cNvPr id="66" name="図 65"/>
+            <p:cNvPicPr>
+              <a:picLocks noChangeAspect="1"/>
+            </p:cNvPicPr>
+            <p:nvPr/>
+          </p:nvPicPr>
+          <p:blipFill>
+            <a:blip r:embed="rId4" cstate="print">
+              <a:extLst>
+                <a:ext uri="{28A0092B-C50C-407E-A947-70E740481C1C}">
+                  <a14:useLocalDpi xmlns:a14="http://schemas.microsoft.com/office/drawing/2010/main" val="0"/>
+                </a:ext>
+              </a:extLst>
+            </a:blip>
+            <a:stretch>
+              <a:fillRect/>
+            </a:stretch>
+          </p:blipFill>
+          <p:spPr>
+            <a:xfrm rot="6300000">
+              <a:off x="1635880" y="1360185"/>
+              <a:ext cx="860975" cy="860975"/>
+            </a:xfrm>
+            <a:prstGeom prst="rect">
+              <a:avLst/>
+            </a:prstGeom>
+          </p:spPr>
+        </p:pic>
+        <p:pic>
+          <p:nvPicPr>
+            <p:cNvPr id="65" name="図 64"/>
+            <p:cNvPicPr>
+              <a:picLocks noChangeAspect="1"/>
+            </p:cNvPicPr>
+            <p:nvPr/>
+          </p:nvPicPr>
+          <p:blipFill>
+            <a:blip r:embed="rId5" cstate="print">
+              <a:extLst>
+                <a:ext uri="{28A0092B-C50C-407E-A947-70E740481C1C}">
+                  <a14:useLocalDpi xmlns:a14="http://schemas.microsoft.com/office/drawing/2010/main" val="0"/>
+                </a:ext>
+              </a:extLst>
+            </a:blip>
+            <a:stretch>
+              <a:fillRect/>
+            </a:stretch>
+          </p:blipFill>
+          <p:spPr>
+            <a:xfrm>
+              <a:off x="1546745" y="1517069"/>
+              <a:ext cx="713155" cy="797136"/>
+            </a:xfrm>
+            <a:prstGeom prst="rect">
+              <a:avLst/>
+            </a:prstGeom>
+          </p:spPr>
+        </p:pic>
+        <p:pic>
+          <p:nvPicPr>
+            <p:cNvPr id="9" name="図 8"/>
+            <p:cNvPicPr>
+              <a:picLocks noChangeAspect="1"/>
+            </p:cNvPicPr>
+            <p:nvPr/>
+          </p:nvPicPr>
+          <p:blipFill>
+            <a:blip r:embed="rId6" cstate="print">
+              <a:extLst>
+                <a:ext uri="{28A0092B-C50C-407E-A947-70E740481C1C}">
+                  <a14:useLocalDpi xmlns:a14="http://schemas.microsoft.com/office/drawing/2010/main" val="0"/>
+                </a:ext>
+              </a:extLst>
+            </a:blip>
+            <a:stretch>
+              <a:fillRect/>
+            </a:stretch>
+          </p:blipFill>
+          <p:spPr>
+            <a:xfrm>
+              <a:off x="1158688" y="1594820"/>
+              <a:ext cx="1167135" cy="1167135"/>
+            </a:xfrm>
+            <a:prstGeom prst="rect">
+              <a:avLst/>
+            </a:prstGeom>
+          </p:spPr>
+        </p:pic>
+      </p:grpSp>
+      <p:pic>
+        <p:nvPicPr>
+          <p:cNvPr id="78" name="図 77"/>
+          <p:cNvPicPr>
+            <a:picLocks noChangeAspect="1"/>
+          </p:cNvPicPr>
+          <p:nvPr/>
+        </p:nvPicPr>
+        <p:blipFill rotWithShape="1">
+          <a:blip r:embed="rId7" cstate="print">
+            <a:extLst>
+              <a:ext uri="{28A0092B-C50C-407E-A947-70E740481C1C}">
+                <a14:useLocalDpi xmlns:a14="http://schemas.microsoft.com/office/drawing/2010/main" val="0"/>
+              </a:ext>
+            </a:extLst>
+          </a:blip>
+          <a:srcRect t="12160" b="6394"/>
+          <a:stretch/>
+        </p:blipFill>
+        <p:spPr>
+          <a:xfrm flipH="1">
+            <a:off x="671167" y="1242060"/>
+            <a:ext cx="2234849" cy="2034540"/>
+          </a:xfrm>
+          <a:prstGeom prst="rect">
+            <a:avLst/>
+          </a:prstGeom>
+        </p:spPr>
+      </p:pic>
+      <p:sp>
+        <p:nvSpPr>
+          <p:cNvPr id="61" name="テキスト ボックス 60"/>
+          <p:cNvSpPr txBox="1"/>
+          <p:nvPr/>
+        </p:nvSpPr>
+        <p:spPr>
+          <a:xfrm rot="21118165">
+            <a:off x="384812" y="976932"/>
+            <a:ext cx="1779654" cy="523220"/>
+          </a:xfrm>
+          <a:prstGeom prst="rect">
+            <a:avLst/>
+          </a:prstGeom>
+          <a:noFill/>
+        </p:spPr>
+        <p:txBody>
+          <a:bodyPr wrap="none" rtlCol="0">
+            <a:spAutoFit/>
+          </a:bodyPr>
+          <a:lstStyle/>
+          <a:p>
+            <a:r>
+              <a:rPr lang="ja-JP" altLang="en-US" sz="2800" b="1" dirty="0" smtClean="0">
+                <a:ln w="12700">
+                  <a:solidFill>
+                    <a:schemeClr val="tx1"/>
+                  </a:solidFill>
+                </a:ln>
+                <a:solidFill>
+                  <a:schemeClr val="bg1"/>
+                </a:solidFill>
+                <a:latin typeface="HGP明朝B" panose="02020800000000000000" pitchFamily="18" charset="-128"/>
+                <a:ea typeface="HGP明朝B" panose="02020800000000000000" pitchFamily="18" charset="-128"/>
+              </a:rPr>
+              <a:t>壊す</a:t>
+            </a:r>
+            <a:r>
+              <a:rPr lang="en-US" altLang="ja-JP" sz="2000" b="1" dirty="0">
+                <a:ln w="12700">
+                  <a:solidFill>
+                    <a:schemeClr val="tx1"/>
+                  </a:solidFill>
+                </a:ln>
+                <a:solidFill>
+                  <a:schemeClr val="bg1"/>
+                </a:solidFill>
+                <a:latin typeface="HGP明朝B" panose="02020800000000000000" pitchFamily="18" charset="-128"/>
+                <a:ea typeface="HGP明朝B" panose="02020800000000000000" pitchFamily="18" charset="-128"/>
+              </a:rPr>
+              <a:t>-</a:t>
+            </a:r>
+            <a:r>
+              <a:rPr lang="en-US" altLang="ja-JP" sz="2000" b="1" dirty="0" smtClean="0">
+                <a:ln w="12700">
+                  <a:solidFill>
+                    <a:schemeClr val="tx1"/>
+                  </a:solidFill>
+                </a:ln>
+                <a:solidFill>
+                  <a:schemeClr val="bg1"/>
+                </a:solidFill>
+                <a:latin typeface="HGP明朝B" panose="02020800000000000000" pitchFamily="18" charset="-128"/>
+                <a:ea typeface="HGP明朝B" panose="02020800000000000000" pitchFamily="18" charset="-128"/>
+              </a:rPr>
+              <a:t>Break-</a:t>
+            </a:r>
+            <a:endParaRPr lang="ja-JP" altLang="en-US" sz="2000" b="1" dirty="0">
+              <a:ln w="12700">
+                <a:solidFill>
+                  <a:schemeClr val="tx1"/>
+                </a:solidFill>
+              </a:ln>
+              <a:solidFill>
+                <a:schemeClr val="bg1"/>
+              </a:solidFill>
+              <a:latin typeface="HGP明朝B" panose="02020800000000000000" pitchFamily="18" charset="-128"/>
+              <a:ea typeface="HGP明朝B" panose="02020800000000000000" pitchFamily="18" charset="-128"/>
+            </a:endParaRPr>
+          </a:p>
+        </p:txBody>
+      </p:sp>
+      <p:grpSp>
+        <p:nvGrpSpPr>
+          <p:cNvPr id="79" name="グループ化 78"/>
+          <p:cNvGrpSpPr/>
+          <p:nvPr/>
+        </p:nvGrpSpPr>
+        <p:grpSpPr>
+          <a:xfrm>
+            <a:off x="2040794" y="1415238"/>
+            <a:ext cx="1544480" cy="1544480"/>
+            <a:chOff x="2886075" y="1779588"/>
+            <a:chExt cx="1685925" cy="1685925"/>
+          </a:xfrm>
+        </p:grpSpPr>
+        <p:sp>
+          <p:nvSpPr>
+            <p:cNvPr id="80" name="楕円 79"/>
+            <p:cNvSpPr/>
+            <p:nvPr/>
+          </p:nvSpPr>
+          <p:spPr>
+            <a:xfrm>
+              <a:off x="2886075" y="1779588"/>
+              <a:ext cx="1685925" cy="1685925"/>
+            </a:xfrm>
+            <a:prstGeom prst="ellipse">
+              <a:avLst/>
+            </a:prstGeom>
+            <a:noFill/>
+            <a:ln w="76200">
+              <a:solidFill>
+                <a:schemeClr val="tx1"/>
+              </a:solidFill>
+            </a:ln>
+          </p:spPr>
+          <p:style>
+            <a:lnRef idx="2">
+              <a:schemeClr val="accent1">
+                <a:shade val="50000"/>
+              </a:schemeClr>
+            </a:lnRef>
+            <a:fillRef idx="1">
+              <a:schemeClr val="accent1"/>
+            </a:fillRef>
+            <a:effectRef idx="0">
+              <a:schemeClr val="accent1"/>
+            </a:effectRef>
+            <a:fontRef idx="minor">
+              <a:schemeClr val="lt1"/>
+            </a:fontRef>
+          </p:style>
+          <p:txBody>
+            <a:bodyPr rtlCol="0" anchor="ctr"/>
+            <a:lstStyle/>
+            <a:p>
+              <a:pPr algn="ctr"/>
+              <a:endParaRPr kumimoji="1" lang="ja-JP" altLang="en-US"/>
+            </a:p>
+          </p:txBody>
+        </p:sp>
+        <p:cxnSp>
+          <p:nvCxnSpPr>
+            <p:cNvPr id="81" name="直線コネクタ 80"/>
+            <p:cNvCxnSpPr>
+              <a:stCxn id="80" idx="0"/>
+              <a:endCxn id="80" idx="4"/>
+            </p:cNvCxnSpPr>
+            <p:nvPr/>
+          </p:nvCxnSpPr>
+          <p:spPr>
+            <a:xfrm>
+              <a:off x="3729038" y="1779588"/>
+              <a:ext cx="0" cy="1685925"/>
+            </a:xfrm>
+            <a:prstGeom prst="line">
+              <a:avLst/>
+            </a:prstGeom>
+            <a:ln w="19050">
+              <a:solidFill>
+                <a:schemeClr val="tx1"/>
+              </a:solidFill>
+            </a:ln>
+          </p:spPr>
+          <p:style>
+            <a:lnRef idx="1">
+              <a:schemeClr val="accent1"/>
+            </a:lnRef>
+            <a:fillRef idx="0">
+              <a:schemeClr val="accent1"/>
+            </a:fillRef>
+            <a:effectRef idx="0">
+              <a:schemeClr val="accent1"/>
+            </a:effectRef>
+            <a:fontRef idx="minor">
+              <a:schemeClr val="tx1"/>
+            </a:fontRef>
+          </p:style>
+        </p:cxnSp>
+        <p:cxnSp>
+          <p:nvCxnSpPr>
+            <p:cNvPr id="82" name="直線コネクタ 81"/>
+            <p:cNvCxnSpPr>
+              <a:stCxn id="80" idx="2"/>
+              <a:endCxn id="80" idx="6"/>
+            </p:cNvCxnSpPr>
+            <p:nvPr/>
+          </p:nvCxnSpPr>
+          <p:spPr>
+            <a:xfrm>
+              <a:off x="2886075" y="2622551"/>
+              <a:ext cx="1685925" cy="0"/>
+            </a:xfrm>
+            <a:prstGeom prst="line">
+              <a:avLst/>
+            </a:prstGeom>
+            <a:ln w="19050">
+              <a:solidFill>
+                <a:schemeClr val="tx1"/>
+              </a:solidFill>
+            </a:ln>
+          </p:spPr>
+          <p:style>
+            <a:lnRef idx="1">
+              <a:schemeClr val="accent1"/>
+            </a:lnRef>
+            <a:fillRef idx="0">
+              <a:schemeClr val="accent1"/>
+            </a:fillRef>
+            <a:effectRef idx="0">
+              <a:schemeClr val="accent1"/>
+            </a:effectRef>
+            <a:fontRef idx="minor">
+              <a:schemeClr val="tx1"/>
+            </a:fontRef>
+          </p:style>
+        </p:cxnSp>
+        <p:cxnSp>
+          <p:nvCxnSpPr>
+            <p:cNvPr id="83" name="直線コネクタ 82"/>
+            <p:cNvCxnSpPr/>
+            <p:nvPr/>
+          </p:nvCxnSpPr>
+          <p:spPr>
+            <a:xfrm>
+              <a:off x="3600449" y="2769870"/>
+              <a:ext cx="257175" cy="0"/>
+            </a:xfrm>
+            <a:prstGeom prst="line">
+              <a:avLst/>
+            </a:prstGeom>
+            <a:ln w="19050">
+              <a:solidFill>
+                <a:schemeClr val="tx1"/>
+              </a:solidFill>
+            </a:ln>
+          </p:spPr>
+          <p:style>
+            <a:lnRef idx="1">
+              <a:schemeClr val="accent1"/>
+            </a:lnRef>
+            <a:fillRef idx="0">
+              <a:schemeClr val="accent1"/>
+            </a:fillRef>
+            <a:effectRef idx="0">
+              <a:schemeClr val="accent1"/>
+            </a:effectRef>
+            <a:fontRef idx="minor">
+              <a:schemeClr val="tx1"/>
+            </a:fontRef>
+          </p:style>
+        </p:cxnSp>
+        <p:cxnSp>
+          <p:nvCxnSpPr>
+            <p:cNvPr id="84" name="直線コネクタ 83"/>
+            <p:cNvCxnSpPr/>
+            <p:nvPr/>
+          </p:nvCxnSpPr>
+          <p:spPr>
+            <a:xfrm>
+              <a:off x="3600449" y="2487930"/>
+              <a:ext cx="257175" cy="0"/>
+            </a:xfrm>
+            <a:prstGeom prst="line">
+              <a:avLst/>
+            </a:prstGeom>
+            <a:ln w="19050">
+              <a:solidFill>
+                <a:schemeClr val="tx1"/>
+              </a:solidFill>
+            </a:ln>
+          </p:spPr>
+          <p:style>
+            <a:lnRef idx="1">
+              <a:schemeClr val="accent1"/>
+            </a:lnRef>
+            <a:fillRef idx="0">
+              <a:schemeClr val="accent1"/>
+            </a:fillRef>
+            <a:effectRef idx="0">
+              <a:schemeClr val="accent1"/>
+            </a:effectRef>
+            <a:fontRef idx="minor">
+              <a:schemeClr val="tx1"/>
+            </a:fontRef>
+          </p:style>
+        </p:cxnSp>
+        <p:cxnSp>
+          <p:nvCxnSpPr>
+            <p:cNvPr id="85" name="直線コネクタ 84"/>
+            <p:cNvCxnSpPr/>
+            <p:nvPr/>
+          </p:nvCxnSpPr>
+          <p:spPr>
+            <a:xfrm>
+              <a:off x="3600449" y="2335530"/>
+              <a:ext cx="257175" cy="0"/>
+            </a:xfrm>
+            <a:prstGeom prst="line">
+              <a:avLst/>
+            </a:prstGeom>
+            <a:ln w="19050">
+              <a:solidFill>
+                <a:schemeClr val="tx1"/>
+              </a:solidFill>
+            </a:ln>
+          </p:spPr>
+          <p:style>
+            <a:lnRef idx="1">
+              <a:schemeClr val="accent1"/>
+            </a:lnRef>
+            <a:fillRef idx="0">
+              <a:schemeClr val="accent1"/>
+            </a:fillRef>
+            <a:effectRef idx="0">
+              <a:schemeClr val="accent1"/>
+            </a:effectRef>
+            <a:fontRef idx="minor">
+              <a:schemeClr val="tx1"/>
+            </a:fontRef>
+          </p:style>
+        </p:cxnSp>
+        <p:cxnSp>
+          <p:nvCxnSpPr>
+            <p:cNvPr id="86" name="直線コネクタ 85"/>
+            <p:cNvCxnSpPr/>
+            <p:nvPr/>
+          </p:nvCxnSpPr>
+          <p:spPr>
+            <a:xfrm>
+              <a:off x="3600449" y="2899410"/>
+              <a:ext cx="257175" cy="0"/>
+            </a:xfrm>
+            <a:prstGeom prst="line">
+              <a:avLst/>
+            </a:prstGeom>
+            <a:ln w="19050">
+              <a:solidFill>
+                <a:schemeClr val="tx1"/>
+              </a:solidFill>
+            </a:ln>
+          </p:spPr>
+          <p:style>
+            <a:lnRef idx="1">
+              <a:schemeClr val="accent1"/>
+            </a:lnRef>
+            <a:fillRef idx="0">
+              <a:schemeClr val="accent1"/>
+            </a:fillRef>
+            <a:effectRef idx="0">
+              <a:schemeClr val="accent1"/>
+            </a:effectRef>
+            <a:fontRef idx="minor">
+              <a:schemeClr val="tx1"/>
+            </a:fontRef>
+          </p:style>
+        </p:cxnSp>
+      </p:grpSp>
+      <p:grpSp>
+        <p:nvGrpSpPr>
+          <p:cNvPr id="93" name="グループ化 92"/>
+          <p:cNvGrpSpPr/>
+          <p:nvPr/>
+        </p:nvGrpSpPr>
+        <p:grpSpPr>
+          <a:xfrm>
+            <a:off x="5187108" y="4161594"/>
+            <a:ext cx="2119477" cy="1758330"/>
+            <a:chOff x="5514470" y="4161594"/>
+            <a:chExt cx="2119477" cy="1758330"/>
+          </a:xfrm>
+        </p:grpSpPr>
+        <p:pic>
+          <p:nvPicPr>
+            <p:cNvPr id="67" name="図 66"/>
+            <p:cNvPicPr>
+              <a:picLocks noChangeAspect="1"/>
+            </p:cNvPicPr>
+            <p:nvPr/>
+          </p:nvPicPr>
+          <p:blipFill rotWithShape="1">
+            <a:blip r:embed="rId8" cstate="print">
+              <a:extLst>
+                <a:ext uri="{28A0092B-C50C-407E-A947-70E740481C1C}">
+                  <a14:useLocalDpi xmlns:a14="http://schemas.microsoft.com/office/drawing/2010/main" val="0"/>
+                </a:ext>
+              </a:extLst>
+            </a:blip>
+            <a:srcRect t="1706" r="3861"/>
+            <a:stretch/>
+          </p:blipFill>
+          <p:spPr>
+            <a:xfrm rot="13289933">
+              <a:off x="7006977" y="4217107"/>
+              <a:ext cx="626970" cy="1212629"/>
+            </a:xfrm>
+            <a:prstGeom prst="rect">
+              <a:avLst/>
+            </a:prstGeom>
+          </p:spPr>
+        </p:pic>
+        <p:pic>
+          <p:nvPicPr>
+            <p:cNvPr id="87" name="図 86"/>
+            <p:cNvPicPr>
+              <a:picLocks noChangeAspect="1"/>
+            </p:cNvPicPr>
+            <p:nvPr/>
+          </p:nvPicPr>
+          <p:blipFill rotWithShape="1">
+            <a:blip r:embed="rId3">
+              <a:extLst>
+                <a:ext uri="{28A0092B-C50C-407E-A947-70E740481C1C}">
+                  <a14:useLocalDpi xmlns:a14="http://schemas.microsoft.com/office/drawing/2010/main" val="0"/>
+                </a:ext>
+              </a:extLst>
+            </a:blip>
+            <a:srcRect l="7069" r="35168"/>
+            <a:stretch/>
+          </p:blipFill>
+          <p:spPr>
+            <a:xfrm>
+              <a:off x="5514470" y="4161594"/>
+              <a:ext cx="1350660" cy="1758330"/>
+            </a:xfrm>
+            <a:prstGeom prst="rect">
+              <a:avLst/>
+            </a:prstGeom>
+            <a:effectLst>
+              <a:softEdge rad="0"/>
+            </a:effectLst>
+          </p:spPr>
+        </p:pic>
+      </p:grpSp>
+      <p:pic>
+        <p:nvPicPr>
+          <p:cNvPr id="91" name="図 90"/>
+          <p:cNvPicPr>
+            <a:picLocks noChangeAspect="1"/>
+          </p:cNvPicPr>
+          <p:nvPr/>
+        </p:nvPicPr>
+        <p:blipFill rotWithShape="1">
+          <a:blip r:embed="rId8" cstate="print">
+            <a:extLst>
+              <a:ext uri="{28A0092B-C50C-407E-A947-70E740481C1C}">
+                <a14:useLocalDpi xmlns:a14="http://schemas.microsoft.com/office/drawing/2010/main" val="0"/>
+              </a:ext>
+            </a:extLst>
+          </a:blip>
+          <a:srcRect t="1706" r="3861"/>
+          <a:stretch/>
+        </p:blipFill>
+        <p:spPr>
+          <a:xfrm rot="21241475">
+            <a:off x="2437363" y="4638956"/>
+            <a:ext cx="457077" cy="884034"/>
+          </a:xfrm>
+          <a:prstGeom prst="rect">
+            <a:avLst/>
+          </a:prstGeom>
+        </p:spPr>
+      </p:pic>
+      <p:pic>
+        <p:nvPicPr>
+          <p:cNvPr id="98" name="図 97"/>
+          <p:cNvPicPr>
+            <a:picLocks noChangeAspect="1"/>
+          </p:cNvPicPr>
+          <p:nvPr/>
+        </p:nvPicPr>
+        <p:blipFill>
+          <a:blip r:embed="rId9" cstate="print">
+            <a:extLst>
+              <a:ext uri="{28A0092B-C50C-407E-A947-70E740481C1C}">
+                <a14:useLocalDpi xmlns:a14="http://schemas.microsoft.com/office/drawing/2010/main" val="0"/>
+              </a:ext>
+            </a:extLst>
+          </a:blip>
+          <a:stretch>
+            <a:fillRect/>
+          </a:stretch>
+        </p:blipFill>
+        <p:spPr>
+          <a:xfrm>
+            <a:off x="4791870" y="3663245"/>
+            <a:ext cx="3958879" cy="2272525"/>
+          </a:xfrm>
+          <a:prstGeom prst="rect">
+            <a:avLst/>
+          </a:prstGeom>
+        </p:spPr>
+      </p:pic>
+      <p:sp>
+        <p:nvSpPr>
+          <p:cNvPr id="63" name="テキスト ボックス 62"/>
+          <p:cNvSpPr txBox="1"/>
+          <p:nvPr/>
+        </p:nvSpPr>
+        <p:spPr>
+          <a:xfrm rot="21108185">
+            <a:off x="4741958" y="3615241"/>
+            <a:ext cx="1899879" cy="523220"/>
+          </a:xfrm>
+          <a:prstGeom prst="rect">
+            <a:avLst/>
+          </a:prstGeom>
+          <a:noFill/>
+        </p:spPr>
+        <p:txBody>
+          <a:bodyPr wrap="none" rtlCol="0">
+            <a:spAutoFit/>
+          </a:bodyPr>
+          <a:lstStyle/>
+          <a:p>
+            <a:r>
+              <a:rPr lang="ja-JP" altLang="en-US" sz="2800" b="1" dirty="0" err="1">
+                <a:ln w="12700">
+                  <a:solidFill>
+                    <a:schemeClr val="tx1"/>
+                  </a:solidFill>
+                </a:ln>
+                <a:solidFill>
+                  <a:schemeClr val="bg1"/>
+                </a:solidFill>
+                <a:latin typeface="HGP明朝B" panose="02020800000000000000" pitchFamily="18" charset="-128"/>
+                <a:ea typeface="HGP明朝B" panose="02020800000000000000" pitchFamily="18" charset="-128"/>
+              </a:rPr>
+              <a:t>装着</a:t>
+            </a:r>
+            <a:r>
+              <a:rPr lang="en-US" altLang="ja-JP" sz="2000" b="1" dirty="0" smtClean="0">
+                <a:ln w="12700">
+                  <a:solidFill>
+                    <a:schemeClr val="tx1"/>
+                  </a:solidFill>
+                </a:ln>
+                <a:solidFill>
+                  <a:schemeClr val="bg1"/>
+                </a:solidFill>
+                <a:latin typeface="HGP明朝B" panose="02020800000000000000" pitchFamily="18" charset="-128"/>
+                <a:ea typeface="HGP明朝B" panose="02020800000000000000" pitchFamily="18" charset="-128"/>
+              </a:rPr>
+              <a:t>-Attach-</a:t>
+            </a:r>
+          </a:p>
+        </p:txBody>
+      </p:sp>
+      <p:pic>
+        <p:nvPicPr>
+          <p:cNvPr id="99" name="図 98"/>
+          <p:cNvPicPr>
+            <a:picLocks noChangeAspect="1"/>
+          </p:cNvPicPr>
+          <p:nvPr/>
+        </p:nvPicPr>
+        <p:blipFill>
+          <a:blip r:embed="rId10">
+            <a:extLst>
+              <a:ext uri="{28A0092B-C50C-407E-A947-70E740481C1C}">
+                <a14:useLocalDpi xmlns:a14="http://schemas.microsoft.com/office/drawing/2010/main" val="0"/>
+              </a:ext>
+            </a:extLst>
+          </a:blip>
+          <a:stretch>
+            <a:fillRect/>
+          </a:stretch>
+        </p:blipFill>
+        <p:spPr>
+          <a:xfrm>
+            <a:off x="5600702" y="1100508"/>
+            <a:ext cx="2301369" cy="2301369"/>
+          </a:xfrm>
+          <a:prstGeom prst="rect">
+            <a:avLst/>
+          </a:prstGeom>
+        </p:spPr>
+      </p:pic>
+    </p:spTree>
+    <p:extLst>
+      <p:ext uri="{BB962C8B-B14F-4D97-AF65-F5344CB8AC3E}">
+        <p14:creationId xmlns:p14="http://schemas.microsoft.com/office/powerpoint/2010/main" val="63800036"/>
+      </p:ext>
+    </p:extLst>
+  </p:cSld>
+  <p:clrMapOvr>
+    <a:masterClrMapping/>
+  </p:clrMapOvr>
+  <mc:AlternateContent xmlns:mc="http://schemas.openxmlformats.org/markup-compatibility/2006" xmlns:p14="http://schemas.microsoft.com/office/powerpoint/2010/main">
+    <mc:Choice Requires="p14">
+      <p:transition p14:dur="0"/>
+    </mc:Choice>
+    <mc:Fallback xmlns="">
+      <p:transition/>
+    </mc:Fallback>
+  </mc:AlternateContent>
   <p:timing>
     <p:tnLst>
       <p:par>

--- a/企画/企画書/PurgeVer2.pptx
+++ b/企画/企画書/PurgeVer2.pptx
@@ -5,7 +5,7 @@
     <p:sldMasterId id="2147483660" r:id="rId1"/>
   </p:sldMasterIdLst>
   <p:notesMasterIdLst>
-    <p:notesMasterId r:id="rId13"/>
+    <p:notesMasterId r:id="rId12"/>
   </p:notesMasterIdLst>
   <p:sldIdLst>
     <p:sldId id="256" r:id="rId2"/>
@@ -15,10 +15,9 @@
     <p:sldId id="265" r:id="rId6"/>
     <p:sldId id="268" r:id="rId7"/>
     <p:sldId id="267" r:id="rId8"/>
-    <p:sldId id="271" r:id="rId9"/>
-    <p:sldId id="266" r:id="rId10"/>
-    <p:sldId id="269" r:id="rId11"/>
-    <p:sldId id="270" r:id="rId12"/>
+    <p:sldId id="266" r:id="rId9"/>
+    <p:sldId id="269" r:id="rId10"/>
+    <p:sldId id="270" r:id="rId11"/>
   </p:sldIdLst>
   <p:sldSz cx="9144000" cy="6858000" type="screen4x3"/>
   <p:notesSz cx="6858000" cy="9144000"/>
@@ -218,7 +217,7 @@
           <a:p>
             <a:fld id="{3AF58804-1989-4928-AC3A-7D8C261CE1C6}" type="datetimeFigureOut">
               <a:rPr kumimoji="1" lang="ja-JP" altLang="en-US" smtClean="0"/>
-              <a:t>2017/12/8</a:t>
+              <a:t>2017/12/11</a:t>
             </a:fld>
             <a:endParaRPr kumimoji="1" lang="ja-JP" altLang="en-US"/>
           </a:p>
@@ -1453,7 +1452,7 @@
           <a:p>
             <a:fld id="{F265A846-F532-4297-9892-23519271022F}" type="slidenum">
               <a:rPr kumimoji="1" lang="ja-JP" altLang="en-US" smtClean="0"/>
-              <a:t>9</a:t>
+              <a:t>8</a:t>
             </a:fld>
             <a:endParaRPr kumimoji="1" lang="ja-JP" altLang="en-US"/>
           </a:p>
@@ -1603,7 +1602,7 @@
           <a:p>
             <a:fld id="{F37D479E-B6B9-4720-8E8B-C8A4A95AA0E5}" type="datetimeFigureOut">
               <a:rPr kumimoji="1" lang="ja-JP" altLang="en-US" smtClean="0"/>
-              <a:t>2017/12/8</a:t>
+              <a:t>2017/12/11</a:t>
             </a:fld>
             <a:endParaRPr kumimoji="1" lang="ja-JP" altLang="en-US"/>
           </a:p>
@@ -1805,7 +1804,7 @@
           <a:p>
             <a:fld id="{F37D479E-B6B9-4720-8E8B-C8A4A95AA0E5}" type="datetimeFigureOut">
               <a:rPr kumimoji="1" lang="ja-JP" altLang="en-US" smtClean="0"/>
-              <a:t>2017/12/8</a:t>
+              <a:t>2017/12/11</a:t>
             </a:fld>
             <a:endParaRPr kumimoji="1" lang="ja-JP" altLang="en-US"/>
           </a:p>
@@ -2017,7 +2016,7 @@
           <a:p>
             <a:fld id="{F37D479E-B6B9-4720-8E8B-C8A4A95AA0E5}" type="datetimeFigureOut">
               <a:rPr kumimoji="1" lang="ja-JP" altLang="en-US" smtClean="0"/>
-              <a:t>2017/12/8</a:t>
+              <a:t>2017/12/11</a:t>
             </a:fld>
             <a:endParaRPr kumimoji="1" lang="ja-JP" altLang="en-US"/>
           </a:p>
@@ -2441,7 +2440,7 @@
           <a:p>
             <a:fld id="{F37D479E-B6B9-4720-8E8B-C8A4A95AA0E5}" type="datetimeFigureOut">
               <a:rPr kumimoji="1" lang="ja-JP" altLang="en-US" smtClean="0"/>
-              <a:t>2017/12/8</a:t>
+              <a:t>2017/12/11</a:t>
             </a:fld>
             <a:endParaRPr kumimoji="1" lang="ja-JP" altLang="en-US"/>
           </a:p>
@@ -2685,7 +2684,7 @@
           <a:p>
             <a:fld id="{F37D479E-B6B9-4720-8E8B-C8A4A95AA0E5}" type="datetimeFigureOut">
               <a:rPr kumimoji="1" lang="ja-JP" altLang="en-US" smtClean="0"/>
-              <a:t>2017/12/8</a:t>
+              <a:t>2017/12/11</a:t>
             </a:fld>
             <a:endParaRPr kumimoji="1" lang="ja-JP" altLang="en-US"/>
           </a:p>
@@ -2981,7 +2980,7 @@
           <a:p>
             <a:fld id="{F37D479E-B6B9-4720-8E8B-C8A4A95AA0E5}" type="datetimeFigureOut">
               <a:rPr kumimoji="1" lang="ja-JP" altLang="en-US" smtClean="0"/>
-              <a:t>2017/12/8</a:t>
+              <a:t>2017/12/11</a:t>
             </a:fld>
             <a:endParaRPr kumimoji="1" lang="ja-JP" altLang="en-US"/>
           </a:p>
@@ -3412,7 +3411,7 @@
           <a:p>
             <a:fld id="{F37D479E-B6B9-4720-8E8B-C8A4A95AA0E5}" type="datetimeFigureOut">
               <a:rPr kumimoji="1" lang="ja-JP" altLang="en-US" smtClean="0"/>
-              <a:t>2017/12/8</a:t>
+              <a:t>2017/12/11</a:t>
             </a:fld>
             <a:endParaRPr kumimoji="1" lang="ja-JP" altLang="en-US"/>
           </a:p>
@@ -3530,7 +3529,7 @@
           <a:p>
             <a:fld id="{F37D479E-B6B9-4720-8E8B-C8A4A95AA0E5}" type="datetimeFigureOut">
               <a:rPr kumimoji="1" lang="ja-JP" altLang="en-US" smtClean="0"/>
-              <a:t>2017/12/8</a:t>
+              <a:t>2017/12/11</a:t>
             </a:fld>
             <a:endParaRPr kumimoji="1" lang="ja-JP" altLang="en-US"/>
           </a:p>
@@ -3625,7 +3624,7 @@
           <a:p>
             <a:fld id="{F37D479E-B6B9-4720-8E8B-C8A4A95AA0E5}" type="datetimeFigureOut">
               <a:rPr kumimoji="1" lang="ja-JP" altLang="en-US" smtClean="0"/>
-              <a:t>2017/12/8</a:t>
+              <a:t>2017/12/11</a:t>
             </a:fld>
             <a:endParaRPr kumimoji="1" lang="ja-JP" altLang="en-US"/>
           </a:p>
@@ -3934,7 +3933,7 @@
           <a:p>
             <a:fld id="{F37D479E-B6B9-4720-8E8B-C8A4A95AA0E5}" type="datetimeFigureOut">
               <a:rPr kumimoji="1" lang="ja-JP" altLang="en-US" smtClean="0"/>
-              <a:t>2017/12/8</a:t>
+              <a:t>2017/12/11</a:t>
             </a:fld>
             <a:endParaRPr kumimoji="1" lang="ja-JP" altLang="en-US"/>
           </a:p>
@@ -4191,7 +4190,7 @@
           <a:p>
             <a:fld id="{F37D479E-B6B9-4720-8E8B-C8A4A95AA0E5}" type="datetimeFigureOut">
               <a:rPr kumimoji="1" lang="ja-JP" altLang="en-US" smtClean="0"/>
-              <a:t>2017/12/8</a:t>
+              <a:t>2017/12/11</a:t>
             </a:fld>
             <a:endParaRPr kumimoji="1" lang="ja-JP" altLang="en-US"/>
           </a:p>
@@ -4436,7 +4435,7 @@
           <a:p>
             <a:fld id="{F37D479E-B6B9-4720-8E8B-C8A4A95AA0E5}" type="datetimeFigureOut">
               <a:rPr kumimoji="1" lang="ja-JP" altLang="en-US" smtClean="0"/>
-              <a:t>2017/12/8</a:t>
+              <a:t>2017/12/11</a:t>
             </a:fld>
             <a:endParaRPr kumimoji="1" lang="ja-JP" altLang="en-US"/>
           </a:p>
@@ -4861,12 +4860,12 @@
         <p:spPr>
           <a:xfrm>
             <a:off x="430307" y="4787901"/>
-            <a:ext cx="4141693" cy="1262098"/>
+            <a:ext cx="4606150" cy="1262098"/>
           </a:xfrm>
         </p:spPr>
         <p:txBody>
           <a:bodyPr>
-            <a:normAutofit/>
+            <a:normAutofit fontScale="92500"/>
           </a:bodyPr>
           <a:lstStyle/>
           <a:p>
@@ -4916,9 +4915,13 @@
             <a:pPr algn="l"/>
             <a:r>
               <a:rPr lang="ja-JP" altLang="en-US" sz="1400" dirty="0" smtClean="0"/>
-              <a:t>ターゲット：</a:t>
-            </a:r>
-            <a:endParaRPr lang="en-US" altLang="ja-JP" sz="1400" dirty="0"/>
+              <a:t>ターゲット</a:t>
+            </a:r>
+            <a:r>
+              <a:rPr lang="ja-JP" altLang="en-US" sz="1400" dirty="0" smtClean="0"/>
+              <a:t>：機械好きアクションシューティング初心者</a:t>
+            </a:r>
+            <a:endParaRPr lang="en-US" altLang="ja-JP" sz="1400" dirty="0" smtClean="0"/>
           </a:p>
         </p:txBody>
       </p:sp>
@@ -5295,141 +5298,6 @@
           <a:p>
             <a:r>
               <a:rPr kumimoji="1" lang="ja-JP" altLang="en-US" dirty="0" smtClean="0"/>
-              <a:t>ゲーム画面</a:t>
-            </a:r>
-            <a:endParaRPr kumimoji="1" lang="ja-JP" altLang="en-US" dirty="0"/>
-          </a:p>
-        </p:txBody>
-      </p:sp>
-      <p:sp>
-        <p:nvSpPr>
-          <p:cNvPr id="3" name="コンテンツ プレースホルダー 2"/>
-          <p:cNvSpPr>
-            <a:spLocks noGrp="1"/>
-          </p:cNvSpPr>
-          <p:nvPr>
-            <p:ph idx="1"/>
-          </p:nvPr>
-        </p:nvSpPr>
-        <p:spPr/>
-        <p:txBody>
-          <a:bodyPr/>
-          <a:lstStyle/>
-          <a:p>
-            <a:endParaRPr kumimoji="1" lang="ja-JP" altLang="en-US"/>
-          </a:p>
-        </p:txBody>
-      </p:sp>
-      <p:sp>
-        <p:nvSpPr>
-          <p:cNvPr id="4" name="角丸四角形 3"/>
-          <p:cNvSpPr/>
-          <p:nvPr/>
-        </p:nvSpPr>
-        <p:spPr>
-          <a:xfrm>
-            <a:off x="210912" y="1030103"/>
-            <a:ext cx="8722175" cy="4990036"/>
-          </a:xfrm>
-          <a:prstGeom prst="roundRect">
-            <a:avLst>
-              <a:gd name="adj" fmla="val 0"/>
-            </a:avLst>
-          </a:prstGeom>
-          <a:solidFill>
-            <a:schemeClr val="bg1"/>
-          </a:solidFill>
-          <a:ln w="76200">
-            <a:solidFill>
-              <a:schemeClr val="tx1"/>
-            </a:solidFill>
-          </a:ln>
-        </p:spPr>
-        <p:style>
-          <a:lnRef idx="2">
-            <a:schemeClr val="accent1">
-              <a:shade val="50000"/>
-            </a:schemeClr>
-          </a:lnRef>
-          <a:fillRef idx="1">
-            <a:schemeClr val="accent1"/>
-          </a:fillRef>
-          <a:effectRef idx="0">
-            <a:schemeClr val="accent1"/>
-          </a:effectRef>
-          <a:fontRef idx="minor">
-            <a:schemeClr val="lt1"/>
-          </a:fontRef>
-        </p:style>
-        <p:txBody>
-          <a:bodyPr rtlCol="0" anchor="ctr"/>
-          <a:lstStyle/>
-          <a:p>
-            <a:pPr algn="ctr"/>
-            <a:endParaRPr kumimoji="1" lang="ja-JP" altLang="en-US" dirty="0">
-              <a:solidFill>
-                <a:schemeClr val="tx1"/>
-              </a:solidFill>
-            </a:endParaRPr>
-          </a:p>
-        </p:txBody>
-      </p:sp>
-    </p:spTree>
-    <p:extLst>
-      <p:ext uri="{BB962C8B-B14F-4D97-AF65-F5344CB8AC3E}">
-        <p14:creationId xmlns:p14="http://schemas.microsoft.com/office/powerpoint/2010/main" val="1898451009"/>
-      </p:ext>
-    </p:extLst>
-  </p:cSld>
-  <p:clrMapOvr>
-    <a:masterClrMapping/>
-  </p:clrMapOvr>
-  <p:timing>
-    <p:tnLst>
-      <p:par>
-        <p:cTn id="1" dur="indefinite" restart="never" nodeType="tmRoot"/>
-      </p:par>
-    </p:tnLst>
-  </p:timing>
-</p:sld>
-</file>
-
-<file path=ppt/slides/slide11.xml><?xml version="1.0" encoding="utf-8"?>
-<p:sld xmlns:a="http://schemas.openxmlformats.org/drawingml/2006/main" xmlns:r="http://schemas.openxmlformats.org/officeDocument/2006/relationships" xmlns:p="http://schemas.openxmlformats.org/presentationml/2006/main">
-  <p:cSld>
-    <p:spTree>
-      <p:nvGrpSpPr>
-        <p:cNvPr id="1" name=""/>
-        <p:cNvGrpSpPr/>
-        <p:nvPr/>
-      </p:nvGrpSpPr>
-      <p:grpSpPr>
-        <a:xfrm>
-          <a:off x="0" y="0"/>
-          <a:ext cx="0" cy="0"/>
-          <a:chOff x="0" y="0"/>
-          <a:chExt cx="0" cy="0"/>
-        </a:xfrm>
-      </p:grpSpPr>
-      <p:sp>
-        <p:nvSpPr>
-          <p:cNvPr id="2" name="タイトル 1"/>
-          <p:cNvSpPr>
-            <a:spLocks noGrp="1"/>
-          </p:cNvSpPr>
-          <p:nvPr>
-            <p:ph type="title"/>
-          </p:nvPr>
-        </p:nvSpPr>
-        <p:spPr/>
-        <p:txBody>
-          <a:bodyPr>
-            <a:normAutofit fontScale="90000"/>
-          </a:bodyPr>
-          <a:lstStyle/>
-          <a:p>
-            <a:r>
-              <a:rPr kumimoji="1" lang="ja-JP" altLang="en-US" dirty="0" smtClean="0"/>
               <a:t>操作方法</a:t>
             </a:r>
             <a:endParaRPr kumimoji="1" lang="ja-JP" altLang="en-US" dirty="0"/>
@@ -5643,7 +5511,7 @@
         </p:blipFill>
         <p:spPr>
           <a:xfrm>
-            <a:off x="4487845" y="1193084"/>
+            <a:off x="4487845" y="1222112"/>
             <a:ext cx="4377307" cy="4493141"/>
           </a:xfrm>
           <a:prstGeom prst="rect">
@@ -5898,13 +5766,13 @@
               </a:ext>
             </a:extLst>
           </a:blip>
-          <a:srcRect b="22374"/>
+          <a:srcRect l="268" t="-2140" r="-268" b="30569"/>
           <a:stretch/>
         </p:blipFill>
         <p:spPr>
           <a:xfrm>
-            <a:off x="3214837" y="2467673"/>
-            <a:ext cx="6573830" cy="3827249"/>
+            <a:off x="3146599" y="2798353"/>
+            <a:ext cx="6573830" cy="3528681"/>
           </a:xfrm>
           <a:prstGeom prst="rect">
             <a:avLst/>
@@ -11679,854 +11547,6 @@
           <a:p>
             <a:r>
               <a:rPr kumimoji="1" lang="ja-JP" altLang="en-US" dirty="0" smtClean="0"/>
-              <a:t>攻撃の派生</a:t>
-            </a:r>
-            <a:endParaRPr kumimoji="1" lang="ja-JP" altLang="en-US" dirty="0"/>
-          </a:p>
-        </p:txBody>
-      </p:sp>
-      <p:grpSp>
-        <p:nvGrpSpPr>
-          <p:cNvPr id="4" name="グループ化 3"/>
-          <p:cNvGrpSpPr/>
-          <p:nvPr/>
-        </p:nvGrpSpPr>
-        <p:grpSpPr>
-          <a:xfrm>
-            <a:off x="298488" y="994568"/>
-            <a:ext cx="8480109" cy="2305117"/>
-            <a:chOff x="298488" y="994568"/>
-            <a:chExt cx="8480109" cy="2305117"/>
-          </a:xfrm>
-        </p:grpSpPr>
-        <p:sp>
-          <p:nvSpPr>
-            <p:cNvPr id="5" name="角丸四角形 4"/>
-            <p:cNvSpPr/>
-            <p:nvPr/>
-          </p:nvSpPr>
-          <p:spPr>
-            <a:xfrm>
-              <a:off x="4767866" y="1030103"/>
-              <a:ext cx="3967044" cy="2269582"/>
-            </a:xfrm>
-            <a:prstGeom prst="roundRect">
-              <a:avLst>
-                <a:gd name="adj" fmla="val 0"/>
-              </a:avLst>
-            </a:prstGeom>
-            <a:solidFill>
-              <a:schemeClr val="bg1"/>
-            </a:solidFill>
-            <a:ln w="76200">
-              <a:solidFill>
-                <a:schemeClr val="tx1"/>
-              </a:solidFill>
-            </a:ln>
-          </p:spPr>
-          <p:style>
-            <a:lnRef idx="2">
-              <a:schemeClr val="accent1">
-                <a:shade val="50000"/>
-              </a:schemeClr>
-            </a:lnRef>
-            <a:fillRef idx="1">
-              <a:schemeClr val="accent1"/>
-            </a:fillRef>
-            <a:effectRef idx="0">
-              <a:schemeClr val="accent1"/>
-            </a:effectRef>
-            <a:fontRef idx="minor">
-              <a:schemeClr val="lt1"/>
-            </a:fontRef>
-          </p:style>
-          <p:txBody>
-            <a:bodyPr rtlCol="0" anchor="ctr"/>
-            <a:lstStyle/>
-            <a:p>
-              <a:pPr algn="ctr"/>
-              <a:endParaRPr kumimoji="1" lang="ja-JP" altLang="en-US"/>
-            </a:p>
-          </p:txBody>
-        </p:sp>
-        <p:sp>
-          <p:nvSpPr>
-            <p:cNvPr id="6" name="直角三角形 5"/>
-            <p:cNvSpPr/>
-            <p:nvPr/>
-          </p:nvSpPr>
-          <p:spPr>
-            <a:xfrm rot="10800000" flipH="1">
-              <a:off x="4764023" y="1061844"/>
-              <a:ext cx="4014574" cy="577718"/>
-            </a:xfrm>
-            <a:prstGeom prst="rtTriangle">
-              <a:avLst/>
-            </a:prstGeom>
-            <a:solidFill>
-              <a:schemeClr val="tx1"/>
-            </a:solidFill>
-            <a:ln>
-              <a:noFill/>
-            </a:ln>
-          </p:spPr>
-          <p:style>
-            <a:lnRef idx="2">
-              <a:schemeClr val="accent1">
-                <a:shade val="50000"/>
-              </a:schemeClr>
-            </a:lnRef>
-            <a:fillRef idx="1">
-              <a:schemeClr val="accent1"/>
-            </a:fillRef>
-            <a:effectRef idx="0">
-              <a:schemeClr val="accent1"/>
-            </a:effectRef>
-            <a:fontRef idx="minor">
-              <a:schemeClr val="lt1"/>
-            </a:fontRef>
-          </p:style>
-          <p:txBody>
-            <a:bodyPr rtlCol="0" anchor="ctr"/>
-            <a:lstStyle/>
-            <a:p>
-              <a:pPr algn="ctr"/>
-              <a:endParaRPr kumimoji="1" lang="ja-JP" altLang="en-US"/>
-            </a:p>
-          </p:txBody>
-        </p:sp>
-        <p:grpSp>
-          <p:nvGrpSpPr>
-            <p:cNvPr id="7" name="グループ化 6"/>
-            <p:cNvGrpSpPr/>
-            <p:nvPr/>
-          </p:nvGrpSpPr>
-          <p:grpSpPr>
-            <a:xfrm>
-              <a:off x="298488" y="994568"/>
-              <a:ext cx="5998803" cy="2305117"/>
-              <a:chOff x="298488" y="994568"/>
-              <a:chExt cx="5998803" cy="2305117"/>
-            </a:xfrm>
-          </p:grpSpPr>
-          <p:grpSp>
-            <p:nvGrpSpPr>
-              <p:cNvPr id="9" name="グループ化 8"/>
-              <p:cNvGrpSpPr/>
-              <p:nvPr/>
-            </p:nvGrpSpPr>
-            <p:grpSpPr>
-              <a:xfrm>
-                <a:off x="409090" y="1030103"/>
-                <a:ext cx="4014574" cy="2269582"/>
-                <a:chOff x="409090" y="1030103"/>
-                <a:chExt cx="4014574" cy="2269582"/>
-              </a:xfrm>
-            </p:grpSpPr>
-            <p:sp>
-              <p:nvSpPr>
-                <p:cNvPr id="13" name="角丸四角形 12"/>
-                <p:cNvSpPr/>
-                <p:nvPr/>
-              </p:nvSpPr>
-              <p:spPr>
-                <a:xfrm>
-                  <a:off x="409090" y="1030103"/>
-                  <a:ext cx="3967044" cy="2269582"/>
-                </a:xfrm>
-                <a:prstGeom prst="roundRect">
-                  <a:avLst>
-                    <a:gd name="adj" fmla="val 0"/>
-                  </a:avLst>
-                </a:prstGeom>
-                <a:solidFill>
-                  <a:schemeClr val="bg1"/>
-                </a:solidFill>
-                <a:ln w="76200">
-                  <a:solidFill>
-                    <a:schemeClr val="tx1"/>
-                  </a:solidFill>
-                </a:ln>
-              </p:spPr>
-              <p:style>
-                <a:lnRef idx="2">
-                  <a:schemeClr val="accent1">
-                    <a:shade val="50000"/>
-                  </a:schemeClr>
-                </a:lnRef>
-                <a:fillRef idx="1">
-                  <a:schemeClr val="accent1"/>
-                </a:fillRef>
-                <a:effectRef idx="0">
-                  <a:schemeClr val="accent1"/>
-                </a:effectRef>
-                <a:fontRef idx="minor">
-                  <a:schemeClr val="lt1"/>
-                </a:fontRef>
-              </p:style>
-              <p:txBody>
-                <a:bodyPr rtlCol="0" anchor="ctr"/>
-                <a:lstStyle/>
-                <a:p>
-                  <a:pPr algn="ctr"/>
-                  <a:endParaRPr kumimoji="1" lang="ja-JP" altLang="en-US" dirty="0">
-                    <a:solidFill>
-                      <a:schemeClr val="tx1"/>
-                    </a:solidFill>
-                  </a:endParaRPr>
-                </a:p>
-              </p:txBody>
-            </p:sp>
-            <p:sp>
-              <p:nvSpPr>
-                <p:cNvPr id="14" name="直角三角形 13"/>
-                <p:cNvSpPr/>
-                <p:nvPr/>
-              </p:nvSpPr>
-              <p:spPr>
-                <a:xfrm rot="10800000" flipH="1">
-                  <a:off x="409090" y="1061844"/>
-                  <a:ext cx="4014574" cy="577718"/>
-                </a:xfrm>
-                <a:prstGeom prst="rtTriangle">
-                  <a:avLst/>
-                </a:prstGeom>
-                <a:solidFill>
-                  <a:schemeClr val="tx1"/>
-                </a:solidFill>
-                <a:ln>
-                  <a:noFill/>
-                </a:ln>
-              </p:spPr>
-              <p:style>
-                <a:lnRef idx="2">
-                  <a:schemeClr val="accent1">
-                    <a:shade val="50000"/>
-                  </a:schemeClr>
-                </a:lnRef>
-                <a:fillRef idx="1">
-                  <a:schemeClr val="accent1"/>
-                </a:fillRef>
-                <a:effectRef idx="0">
-                  <a:schemeClr val="accent1"/>
-                </a:effectRef>
-                <a:fontRef idx="minor">
-                  <a:schemeClr val="lt1"/>
-                </a:fontRef>
-              </p:style>
-              <p:txBody>
-                <a:bodyPr rtlCol="0" anchor="ctr"/>
-                <a:lstStyle/>
-                <a:p>
-                  <a:pPr algn="ctr"/>
-                  <a:endParaRPr kumimoji="1" lang="ja-JP" altLang="en-US"/>
-                </a:p>
-              </p:txBody>
-            </p:sp>
-          </p:grpSp>
-          <p:sp>
-            <p:nvSpPr>
-              <p:cNvPr id="10" name="テキスト ボックス 9"/>
-              <p:cNvSpPr txBox="1"/>
-              <p:nvPr/>
-            </p:nvSpPr>
-            <p:spPr>
-              <a:xfrm rot="21161010">
-                <a:off x="298488" y="994568"/>
-                <a:ext cx="1420582" cy="584775"/>
-              </a:xfrm>
-              <a:prstGeom prst="rect">
-                <a:avLst/>
-              </a:prstGeom>
-              <a:noFill/>
-            </p:spPr>
-            <p:txBody>
-              <a:bodyPr wrap="none" rtlCol="0">
-                <a:spAutoFit/>
-              </a:bodyPr>
-              <a:lstStyle/>
-              <a:p>
-                <a:r>
-                  <a:rPr lang="ja-JP" altLang="en-US" sz="3200" b="1" dirty="0" smtClean="0">
-                    <a:ln w="12700">
-                      <a:solidFill>
-                        <a:schemeClr val="tx1"/>
-                      </a:solidFill>
-                    </a:ln>
-                    <a:solidFill>
-                      <a:schemeClr val="bg1"/>
-                    </a:solidFill>
-                    <a:latin typeface="HGP明朝B" panose="02020800000000000000" pitchFamily="18" charset="-128"/>
-                    <a:ea typeface="HGP明朝B" panose="02020800000000000000" pitchFamily="18" charset="-128"/>
-                  </a:rPr>
-                  <a:t>重火器</a:t>
-                </a:r>
-                <a:endParaRPr lang="ja-JP" altLang="en-US" sz="3200" b="1" dirty="0">
-                  <a:ln w="12700">
-                    <a:solidFill>
-                      <a:schemeClr val="tx1"/>
-                    </a:solidFill>
-                  </a:ln>
-                  <a:solidFill>
-                    <a:schemeClr val="bg1"/>
-                  </a:solidFill>
-                  <a:latin typeface="HGP明朝B" panose="02020800000000000000" pitchFamily="18" charset="-128"/>
-                  <a:ea typeface="HGP明朝B" panose="02020800000000000000" pitchFamily="18" charset="-128"/>
-                </a:endParaRPr>
-              </a:p>
-            </p:txBody>
-          </p:sp>
-          <p:sp>
-            <p:nvSpPr>
-              <p:cNvPr id="11" name="テキスト ボックス 10"/>
-              <p:cNvSpPr txBox="1"/>
-              <p:nvPr/>
-            </p:nvSpPr>
-            <p:spPr>
-              <a:xfrm rot="21161010">
-                <a:off x="4875107" y="1071415"/>
-                <a:ext cx="1422184" cy="461665"/>
-              </a:xfrm>
-              <a:prstGeom prst="rect">
-                <a:avLst/>
-              </a:prstGeom>
-              <a:noFill/>
-            </p:spPr>
-            <p:txBody>
-              <a:bodyPr wrap="none" rtlCol="0">
-                <a:spAutoFit/>
-              </a:bodyPr>
-              <a:lstStyle/>
-              <a:p>
-                <a:r>
-                  <a:rPr lang="ja-JP" altLang="en-US" sz="2400" b="1" dirty="0" smtClean="0">
-                    <a:ln w="12700">
-                      <a:solidFill>
-                        <a:schemeClr val="tx1"/>
-                      </a:solidFill>
-                    </a:ln>
-                    <a:solidFill>
-                      <a:schemeClr val="bg1"/>
-                    </a:solidFill>
-                    <a:latin typeface="HGP明朝B" panose="02020800000000000000" pitchFamily="18" charset="-128"/>
-                    <a:ea typeface="HGP明朝B" panose="02020800000000000000" pitchFamily="18" charset="-128"/>
-                  </a:rPr>
-                  <a:t>射撃特化</a:t>
-                </a:r>
-                <a:endParaRPr lang="ja-JP" altLang="en-US" sz="2400" b="1" dirty="0">
-                  <a:ln w="12700">
-                    <a:solidFill>
-                      <a:schemeClr val="tx1"/>
-                    </a:solidFill>
-                  </a:ln>
-                  <a:solidFill>
-                    <a:schemeClr val="bg1"/>
-                  </a:solidFill>
-                  <a:latin typeface="HGP明朝B" panose="02020800000000000000" pitchFamily="18" charset="-128"/>
-                  <a:ea typeface="HGP明朝B" panose="02020800000000000000" pitchFamily="18" charset="-128"/>
-                </a:endParaRPr>
-              </a:p>
-            </p:txBody>
-          </p:sp>
-        </p:grpSp>
-        <p:sp>
-          <p:nvSpPr>
-            <p:cNvPr id="8" name="二等辺三角形 7"/>
-            <p:cNvSpPr/>
-            <p:nvPr/>
-          </p:nvSpPr>
-          <p:spPr>
-            <a:xfrm rot="5400000">
-              <a:off x="3831632" y="2018479"/>
-              <a:ext cx="1457843" cy="292829"/>
-            </a:xfrm>
-            <a:prstGeom prst="triangle">
-              <a:avLst/>
-            </a:prstGeom>
-            <a:solidFill>
-              <a:schemeClr val="tx1"/>
-            </a:solidFill>
-            <a:ln>
-              <a:solidFill>
-                <a:schemeClr val="tx1"/>
-              </a:solidFill>
-            </a:ln>
-          </p:spPr>
-          <p:style>
-            <a:lnRef idx="2">
-              <a:schemeClr val="accent1">
-                <a:shade val="50000"/>
-              </a:schemeClr>
-            </a:lnRef>
-            <a:fillRef idx="1">
-              <a:schemeClr val="accent1"/>
-            </a:fillRef>
-            <a:effectRef idx="0">
-              <a:schemeClr val="accent1"/>
-            </a:effectRef>
-            <a:fontRef idx="minor">
-              <a:schemeClr val="lt1"/>
-            </a:fontRef>
-          </p:style>
-          <p:txBody>
-            <a:bodyPr rtlCol="0" anchor="ctr"/>
-            <a:lstStyle/>
-            <a:p>
-              <a:pPr algn="ctr"/>
-              <a:endParaRPr kumimoji="1" lang="ja-JP" altLang="en-US"/>
-            </a:p>
-          </p:txBody>
-        </p:sp>
-      </p:grpSp>
-      <p:grpSp>
-        <p:nvGrpSpPr>
-          <p:cNvPr id="15" name="グループ化 14"/>
-          <p:cNvGrpSpPr/>
-          <p:nvPr/>
-        </p:nvGrpSpPr>
-        <p:grpSpPr>
-          <a:xfrm>
-            <a:off x="321812" y="3653127"/>
-            <a:ext cx="8456785" cy="2329326"/>
-            <a:chOff x="321812" y="970359"/>
-            <a:chExt cx="8456785" cy="2329326"/>
-          </a:xfrm>
-        </p:grpSpPr>
-        <p:grpSp>
-          <p:nvGrpSpPr>
-            <p:cNvPr id="16" name="グループ化 15"/>
-            <p:cNvGrpSpPr/>
-            <p:nvPr/>
-          </p:nvGrpSpPr>
-          <p:grpSpPr>
-            <a:xfrm>
-              <a:off x="321812" y="970359"/>
-              <a:ext cx="4101852" cy="2329326"/>
-              <a:chOff x="321812" y="970359"/>
-              <a:chExt cx="4101852" cy="2329326"/>
-            </a:xfrm>
-          </p:grpSpPr>
-          <p:grpSp>
-            <p:nvGrpSpPr>
-              <p:cNvPr id="20" name="グループ化 19"/>
-              <p:cNvGrpSpPr/>
-              <p:nvPr/>
-            </p:nvGrpSpPr>
-            <p:grpSpPr>
-              <a:xfrm>
-                <a:off x="409090" y="1030103"/>
-                <a:ext cx="4014574" cy="2269582"/>
-                <a:chOff x="409090" y="1030103"/>
-                <a:chExt cx="4014574" cy="2269582"/>
-              </a:xfrm>
-            </p:grpSpPr>
-            <p:sp>
-              <p:nvSpPr>
-                <p:cNvPr id="22" name="角丸四角形 21"/>
-                <p:cNvSpPr/>
-                <p:nvPr/>
-              </p:nvSpPr>
-              <p:spPr>
-                <a:xfrm>
-                  <a:off x="409090" y="1030103"/>
-                  <a:ext cx="3967044" cy="2269582"/>
-                </a:xfrm>
-                <a:prstGeom prst="roundRect">
-                  <a:avLst>
-                    <a:gd name="adj" fmla="val 0"/>
-                  </a:avLst>
-                </a:prstGeom>
-                <a:solidFill>
-                  <a:schemeClr val="bg1"/>
-                </a:solidFill>
-                <a:ln w="76200">
-                  <a:solidFill>
-                    <a:schemeClr val="tx1"/>
-                  </a:solidFill>
-                </a:ln>
-              </p:spPr>
-              <p:style>
-                <a:lnRef idx="2">
-                  <a:schemeClr val="accent1">
-                    <a:shade val="50000"/>
-                  </a:schemeClr>
-                </a:lnRef>
-                <a:fillRef idx="1">
-                  <a:schemeClr val="accent1"/>
-                </a:fillRef>
-                <a:effectRef idx="0">
-                  <a:schemeClr val="accent1"/>
-                </a:effectRef>
-                <a:fontRef idx="minor">
-                  <a:schemeClr val="lt1"/>
-                </a:fontRef>
-              </p:style>
-              <p:txBody>
-                <a:bodyPr rtlCol="0" anchor="ctr"/>
-                <a:lstStyle/>
-                <a:p>
-                  <a:pPr algn="ctr"/>
-                  <a:endParaRPr kumimoji="1" lang="ja-JP" altLang="en-US" dirty="0">
-                    <a:solidFill>
-                      <a:schemeClr val="tx1"/>
-                    </a:solidFill>
-                  </a:endParaRPr>
-                </a:p>
-              </p:txBody>
-            </p:sp>
-            <p:sp>
-              <p:nvSpPr>
-                <p:cNvPr id="23" name="直角三角形 22"/>
-                <p:cNvSpPr/>
-                <p:nvPr/>
-              </p:nvSpPr>
-              <p:spPr>
-                <a:xfrm rot="10800000" flipH="1">
-                  <a:off x="409090" y="1061844"/>
-                  <a:ext cx="4014574" cy="577718"/>
-                </a:xfrm>
-                <a:prstGeom prst="rtTriangle">
-                  <a:avLst/>
-                </a:prstGeom>
-                <a:solidFill>
-                  <a:schemeClr val="tx1"/>
-                </a:solidFill>
-                <a:ln>
-                  <a:noFill/>
-                </a:ln>
-              </p:spPr>
-              <p:style>
-                <a:lnRef idx="2">
-                  <a:schemeClr val="accent1">
-                    <a:shade val="50000"/>
-                  </a:schemeClr>
-                </a:lnRef>
-                <a:fillRef idx="1">
-                  <a:schemeClr val="accent1"/>
-                </a:fillRef>
-                <a:effectRef idx="0">
-                  <a:schemeClr val="accent1"/>
-                </a:effectRef>
-                <a:fontRef idx="minor">
-                  <a:schemeClr val="lt1"/>
-                </a:fontRef>
-              </p:style>
-              <p:txBody>
-                <a:bodyPr rtlCol="0" anchor="ctr"/>
-                <a:lstStyle/>
-                <a:p>
-                  <a:pPr algn="ctr"/>
-                  <a:endParaRPr kumimoji="1" lang="ja-JP" altLang="en-US"/>
-                </a:p>
-              </p:txBody>
-            </p:sp>
-          </p:grpSp>
-          <p:sp>
-            <p:nvSpPr>
-              <p:cNvPr id="21" name="テキスト ボックス 20"/>
-              <p:cNvSpPr txBox="1"/>
-              <p:nvPr/>
-            </p:nvSpPr>
-            <p:spPr>
-              <a:xfrm rot="21161010">
-                <a:off x="321812" y="970359"/>
-                <a:ext cx="1832553" cy="584775"/>
-              </a:xfrm>
-              <a:prstGeom prst="rect">
-                <a:avLst/>
-              </a:prstGeom>
-              <a:noFill/>
-            </p:spPr>
-            <p:txBody>
-              <a:bodyPr wrap="none" rtlCol="0">
-                <a:spAutoFit/>
-              </a:bodyPr>
-              <a:lstStyle/>
-              <a:p>
-                <a:r>
-                  <a:rPr lang="ja-JP" altLang="en-US" sz="3200" b="1" dirty="0" smtClean="0">
-                    <a:ln w="12700">
-                      <a:solidFill>
-                        <a:schemeClr val="tx1"/>
-                      </a:solidFill>
-                    </a:ln>
-                    <a:solidFill>
-                      <a:schemeClr val="bg1"/>
-                    </a:solidFill>
-                    <a:latin typeface="HGP明朝B" panose="02020800000000000000" pitchFamily="18" charset="-128"/>
-                    <a:ea typeface="HGP明朝B" panose="02020800000000000000" pitchFamily="18" charset="-128"/>
-                  </a:rPr>
-                  <a:t>近接武器</a:t>
-                </a:r>
-                <a:endParaRPr lang="ja-JP" altLang="en-US" sz="3200" b="1" dirty="0">
-                  <a:ln w="12700">
-                    <a:solidFill>
-                      <a:schemeClr val="tx1"/>
-                    </a:solidFill>
-                  </a:ln>
-                  <a:solidFill>
-                    <a:schemeClr val="bg1"/>
-                  </a:solidFill>
-                  <a:latin typeface="HGP明朝B" panose="02020800000000000000" pitchFamily="18" charset="-128"/>
-                  <a:ea typeface="HGP明朝B" panose="02020800000000000000" pitchFamily="18" charset="-128"/>
-                </a:endParaRPr>
-              </a:p>
-            </p:txBody>
-          </p:sp>
-        </p:grpSp>
-        <p:sp>
-          <p:nvSpPr>
-            <p:cNvPr id="17" name="角丸四角形 16"/>
-            <p:cNvSpPr/>
-            <p:nvPr/>
-          </p:nvSpPr>
-          <p:spPr>
-            <a:xfrm>
-              <a:off x="4767866" y="1030103"/>
-              <a:ext cx="3967044" cy="2269582"/>
-            </a:xfrm>
-            <a:prstGeom prst="roundRect">
-              <a:avLst>
-                <a:gd name="adj" fmla="val 0"/>
-              </a:avLst>
-            </a:prstGeom>
-            <a:solidFill>
-              <a:schemeClr val="bg1"/>
-            </a:solidFill>
-            <a:ln w="76200">
-              <a:solidFill>
-                <a:schemeClr val="tx1"/>
-              </a:solidFill>
-            </a:ln>
-          </p:spPr>
-          <p:style>
-            <a:lnRef idx="2">
-              <a:schemeClr val="accent1">
-                <a:shade val="50000"/>
-              </a:schemeClr>
-            </a:lnRef>
-            <a:fillRef idx="1">
-              <a:schemeClr val="accent1"/>
-            </a:fillRef>
-            <a:effectRef idx="0">
-              <a:schemeClr val="accent1"/>
-            </a:effectRef>
-            <a:fontRef idx="minor">
-              <a:schemeClr val="lt1"/>
-            </a:fontRef>
-          </p:style>
-          <p:txBody>
-            <a:bodyPr rtlCol="0" anchor="ctr"/>
-            <a:lstStyle/>
-            <a:p>
-              <a:pPr algn="ctr"/>
-              <a:endParaRPr kumimoji="1" lang="ja-JP" altLang="en-US"/>
-            </a:p>
-          </p:txBody>
-        </p:sp>
-        <p:sp>
-          <p:nvSpPr>
-            <p:cNvPr id="18" name="直角三角形 17"/>
-            <p:cNvSpPr/>
-            <p:nvPr/>
-          </p:nvSpPr>
-          <p:spPr>
-            <a:xfrm rot="10800000" flipH="1">
-              <a:off x="4764023" y="1061844"/>
-              <a:ext cx="4014574" cy="577718"/>
-            </a:xfrm>
-            <a:prstGeom prst="rtTriangle">
-              <a:avLst/>
-            </a:prstGeom>
-            <a:solidFill>
-              <a:schemeClr val="tx1"/>
-            </a:solidFill>
-            <a:ln>
-              <a:noFill/>
-            </a:ln>
-          </p:spPr>
-          <p:style>
-            <a:lnRef idx="2">
-              <a:schemeClr val="accent1">
-                <a:shade val="50000"/>
-              </a:schemeClr>
-            </a:lnRef>
-            <a:fillRef idx="1">
-              <a:schemeClr val="accent1"/>
-            </a:fillRef>
-            <a:effectRef idx="0">
-              <a:schemeClr val="accent1"/>
-            </a:effectRef>
-            <a:fontRef idx="minor">
-              <a:schemeClr val="lt1"/>
-            </a:fontRef>
-          </p:style>
-          <p:txBody>
-            <a:bodyPr rtlCol="0" anchor="ctr"/>
-            <a:lstStyle/>
-            <a:p>
-              <a:pPr algn="ctr"/>
-              <a:endParaRPr kumimoji="1" lang="ja-JP" altLang="en-US"/>
-            </a:p>
-          </p:txBody>
-        </p:sp>
-        <p:sp>
-          <p:nvSpPr>
-            <p:cNvPr id="19" name="二等辺三角形 18"/>
-            <p:cNvSpPr/>
-            <p:nvPr/>
-          </p:nvSpPr>
-          <p:spPr>
-            <a:xfrm rot="5400000">
-              <a:off x="3831632" y="2018479"/>
-              <a:ext cx="1457843" cy="292829"/>
-            </a:xfrm>
-            <a:prstGeom prst="triangle">
-              <a:avLst/>
-            </a:prstGeom>
-            <a:solidFill>
-              <a:schemeClr val="tx1"/>
-            </a:solidFill>
-            <a:ln>
-              <a:solidFill>
-                <a:schemeClr val="tx1"/>
-              </a:solidFill>
-            </a:ln>
-          </p:spPr>
-          <p:style>
-            <a:lnRef idx="2">
-              <a:schemeClr val="accent1">
-                <a:shade val="50000"/>
-              </a:schemeClr>
-            </a:lnRef>
-            <a:fillRef idx="1">
-              <a:schemeClr val="accent1"/>
-            </a:fillRef>
-            <a:effectRef idx="0">
-              <a:schemeClr val="accent1"/>
-            </a:effectRef>
-            <a:fontRef idx="minor">
-              <a:schemeClr val="lt1"/>
-            </a:fontRef>
-          </p:style>
-          <p:txBody>
-            <a:bodyPr rtlCol="0" anchor="ctr"/>
-            <a:lstStyle/>
-            <a:p>
-              <a:pPr algn="ctr"/>
-              <a:endParaRPr kumimoji="1" lang="ja-JP" altLang="en-US"/>
-            </a:p>
-          </p:txBody>
-        </p:sp>
-      </p:grpSp>
-      <p:sp>
-        <p:nvSpPr>
-          <p:cNvPr id="25" name="テキスト ボックス 24"/>
-          <p:cNvSpPr txBox="1"/>
-          <p:nvPr/>
-        </p:nvSpPr>
-        <p:spPr>
-          <a:xfrm rot="21161010">
-            <a:off x="4875108" y="3764063"/>
-            <a:ext cx="1422184" cy="461665"/>
-          </a:xfrm>
-          <a:prstGeom prst="rect">
-            <a:avLst/>
-          </a:prstGeom>
-          <a:noFill/>
-        </p:spPr>
-        <p:txBody>
-          <a:bodyPr wrap="none" rtlCol="0">
-            <a:spAutoFit/>
-          </a:bodyPr>
-          <a:lstStyle/>
-          <a:p>
-            <a:r>
-              <a:rPr lang="ja-JP" altLang="en-US" sz="2400" b="1" dirty="0" smtClean="0">
-                <a:ln w="12700">
-                  <a:solidFill>
-                    <a:schemeClr val="tx1"/>
-                  </a:solidFill>
-                </a:ln>
-                <a:solidFill>
-                  <a:schemeClr val="bg1"/>
-                </a:solidFill>
-                <a:latin typeface="HGP明朝B" panose="02020800000000000000" pitchFamily="18" charset="-128"/>
-                <a:ea typeface="HGP明朝B" panose="02020800000000000000" pitchFamily="18" charset="-128"/>
-              </a:rPr>
-              <a:t>近接特化</a:t>
-            </a:r>
-            <a:endParaRPr lang="ja-JP" altLang="en-US" sz="2400" b="1" dirty="0">
-              <a:ln w="12700">
-                <a:solidFill>
-                  <a:schemeClr val="tx1"/>
-                </a:solidFill>
-              </a:ln>
-              <a:solidFill>
-                <a:schemeClr val="bg1"/>
-              </a:solidFill>
-              <a:latin typeface="HGP明朝B" panose="02020800000000000000" pitchFamily="18" charset="-128"/>
-              <a:ea typeface="HGP明朝B" panose="02020800000000000000" pitchFamily="18" charset="-128"/>
-            </a:endParaRPr>
-          </a:p>
-        </p:txBody>
-      </p:sp>
-    </p:spTree>
-    <p:extLst>
-      <p:ext uri="{BB962C8B-B14F-4D97-AF65-F5344CB8AC3E}">
-        <p14:creationId xmlns:p14="http://schemas.microsoft.com/office/powerpoint/2010/main" val="3213141594"/>
-      </p:ext>
-    </p:extLst>
-  </p:cSld>
-  <p:clrMapOvr>
-    <a:masterClrMapping/>
-  </p:clrMapOvr>
-  <p:timing>
-    <p:tnLst>
-      <p:par>
-        <p:cTn id="1" dur="indefinite" restart="never" nodeType="tmRoot"/>
-      </p:par>
-    </p:tnLst>
-  </p:timing>
-</p:sld>
-</file>
-
-<file path=ppt/slides/slide9.xml><?xml version="1.0" encoding="utf-8"?>
-<p:sld xmlns:a="http://schemas.openxmlformats.org/drawingml/2006/main" xmlns:r="http://schemas.openxmlformats.org/officeDocument/2006/relationships" xmlns:p="http://schemas.openxmlformats.org/presentationml/2006/main">
-  <p:cSld>
-    <p:spTree>
-      <p:nvGrpSpPr>
-        <p:cNvPr id="1" name=""/>
-        <p:cNvGrpSpPr/>
-        <p:nvPr/>
-      </p:nvGrpSpPr>
-      <p:grpSpPr>
-        <a:xfrm>
-          <a:off x="0" y="0"/>
-          <a:ext cx="0" cy="0"/>
-          <a:chOff x="0" y="0"/>
-          <a:chExt cx="0" cy="0"/>
-        </a:xfrm>
-      </p:grpSpPr>
-      <p:sp>
-        <p:nvSpPr>
-          <p:cNvPr id="2" name="タイトル 1"/>
-          <p:cNvSpPr>
-            <a:spLocks noGrp="1"/>
-          </p:cNvSpPr>
-          <p:nvPr>
-            <p:ph type="title"/>
-          </p:nvPr>
-        </p:nvSpPr>
-        <p:spPr/>
-        <p:txBody>
-          <a:bodyPr>
-            <a:normAutofit fontScale="90000"/>
-          </a:bodyPr>
-          <a:lstStyle/>
-          <a:p>
-            <a:r>
-              <a:rPr kumimoji="1" lang="ja-JP" altLang="en-US" dirty="0" smtClean="0"/>
               <a:t>ゲームフロー</a:t>
             </a:r>
             <a:endParaRPr kumimoji="1" lang="ja-JP" altLang="en-US" dirty="0"/>
@@ -14203,6 +13223,323 @@
 </p:sld>
 </file>
 
+<file path=ppt/slides/slide9.xml><?xml version="1.0" encoding="utf-8"?>
+<p:sld xmlns:a="http://schemas.openxmlformats.org/drawingml/2006/main" xmlns:r="http://schemas.openxmlformats.org/officeDocument/2006/relationships" xmlns:p="http://schemas.openxmlformats.org/presentationml/2006/main">
+  <p:cSld>
+    <p:spTree>
+      <p:nvGrpSpPr>
+        <p:cNvPr id="1" name=""/>
+        <p:cNvGrpSpPr/>
+        <p:nvPr/>
+      </p:nvGrpSpPr>
+      <p:grpSpPr>
+        <a:xfrm>
+          <a:off x="0" y="0"/>
+          <a:ext cx="0" cy="0"/>
+          <a:chOff x="0" y="0"/>
+          <a:chExt cx="0" cy="0"/>
+        </a:xfrm>
+      </p:grpSpPr>
+      <p:sp>
+        <p:nvSpPr>
+          <p:cNvPr id="2" name="タイトル 1"/>
+          <p:cNvSpPr>
+            <a:spLocks noGrp="1"/>
+          </p:cNvSpPr>
+          <p:nvPr>
+            <p:ph type="title"/>
+          </p:nvPr>
+        </p:nvSpPr>
+        <p:spPr/>
+        <p:txBody>
+          <a:bodyPr>
+            <a:normAutofit fontScale="90000"/>
+          </a:bodyPr>
+          <a:lstStyle/>
+          <a:p>
+            <a:r>
+              <a:rPr kumimoji="1" lang="ja-JP" altLang="en-US" dirty="0" smtClean="0"/>
+              <a:t>ゲーム画面</a:t>
+            </a:r>
+            <a:endParaRPr kumimoji="1" lang="ja-JP" altLang="en-US" dirty="0"/>
+          </a:p>
+        </p:txBody>
+      </p:sp>
+      <p:sp>
+        <p:nvSpPr>
+          <p:cNvPr id="4" name="角丸四角形 3"/>
+          <p:cNvSpPr/>
+          <p:nvPr/>
+        </p:nvSpPr>
+        <p:spPr>
+          <a:xfrm>
+            <a:off x="1193800" y="1030819"/>
+            <a:ext cx="6760852" cy="4990036"/>
+          </a:xfrm>
+          <a:prstGeom prst="roundRect">
+            <a:avLst>
+              <a:gd name="adj" fmla="val 0"/>
+            </a:avLst>
+          </a:prstGeom>
+          <a:solidFill>
+            <a:schemeClr val="bg1"/>
+          </a:solidFill>
+          <a:ln w="76200">
+            <a:solidFill>
+              <a:schemeClr val="tx1"/>
+            </a:solidFill>
+          </a:ln>
+        </p:spPr>
+        <p:style>
+          <a:lnRef idx="2">
+            <a:schemeClr val="accent1">
+              <a:shade val="50000"/>
+            </a:schemeClr>
+          </a:lnRef>
+          <a:fillRef idx="1">
+            <a:schemeClr val="accent1"/>
+          </a:fillRef>
+          <a:effectRef idx="0">
+            <a:schemeClr val="accent1"/>
+          </a:effectRef>
+          <a:fontRef idx="minor">
+            <a:schemeClr val="lt1"/>
+          </a:fontRef>
+        </p:style>
+        <p:txBody>
+          <a:bodyPr rtlCol="0" anchor="ctr"/>
+          <a:lstStyle/>
+          <a:p>
+            <a:pPr algn="ctr"/>
+            <a:endParaRPr kumimoji="1" lang="ja-JP" altLang="en-US" dirty="0">
+              <a:solidFill>
+                <a:schemeClr val="tx1"/>
+              </a:solidFill>
+            </a:endParaRPr>
+          </a:p>
+        </p:txBody>
+      </p:sp>
+      <p:pic>
+        <p:nvPicPr>
+          <p:cNvPr id="6" name="コンテンツ プレースホルダー 5"/>
+          <p:cNvPicPr>
+            <a:picLocks noGrp="1" noChangeAspect="1"/>
+          </p:cNvPicPr>
+          <p:nvPr>
+            <p:ph idx="1"/>
+          </p:nvPr>
+        </p:nvPicPr>
+        <p:blipFill rotWithShape="1">
+          <a:blip r:embed="rId2">
+            <a:extLst>
+              <a:ext uri="{28A0092B-C50C-407E-A947-70E740481C1C}">
+                <a14:useLocalDpi xmlns:a14="http://schemas.microsoft.com/office/drawing/2010/main" val="0"/>
+              </a:ext>
+            </a:extLst>
+          </a:blip>
+          <a:srcRect t="2009"/>
+          <a:stretch/>
+        </p:blipFill>
+        <p:spPr>
+          <a:xfrm>
+            <a:off x="1227445" y="1069521"/>
+            <a:ext cx="6689107" cy="4912632"/>
+          </a:xfrm>
+        </p:spPr>
+      </p:pic>
+      <p:sp>
+        <p:nvSpPr>
+          <p:cNvPr id="7" name="テキスト ボックス 6"/>
+          <p:cNvSpPr txBox="1"/>
+          <p:nvPr/>
+        </p:nvSpPr>
+        <p:spPr>
+          <a:xfrm rot="21005449">
+            <a:off x="4741050" y="4100087"/>
+            <a:ext cx="4267947" cy="1938992"/>
+          </a:xfrm>
+          <a:prstGeom prst="rect">
+            <a:avLst/>
+          </a:prstGeom>
+          <a:noFill/>
+        </p:spPr>
+        <p:txBody>
+          <a:bodyPr wrap="square" rtlCol="0">
+            <a:spAutoFit/>
+          </a:bodyPr>
+          <a:lstStyle/>
+          <a:p>
+            <a:pPr algn="ctr"/>
+            <a:r>
+              <a:rPr lang="ja-JP" altLang="en-US" sz="5400" b="1" dirty="0" smtClean="0">
+                <a:ln w="22225">
+                  <a:solidFill>
+                    <a:schemeClr val="tx1"/>
+                  </a:solidFill>
+                </a:ln>
+                <a:solidFill>
+                  <a:schemeClr val="bg1"/>
+                </a:solidFill>
+                <a:latin typeface="HGS明朝E" panose="02020900000000000000" pitchFamily="18" charset="-128"/>
+                <a:ea typeface="HGS明朝E" panose="02020900000000000000" pitchFamily="18" charset="-128"/>
+              </a:rPr>
+              <a:t>敵</a:t>
+            </a:r>
+            <a:r>
+              <a:rPr lang="ja-JP" altLang="en-US" sz="4400" b="1" dirty="0" smtClean="0">
+                <a:ln w="22225">
+                  <a:solidFill>
+                    <a:schemeClr val="tx1"/>
+                  </a:solidFill>
+                </a:ln>
+                <a:solidFill>
+                  <a:schemeClr val="bg1"/>
+                </a:solidFill>
+                <a:latin typeface="HGS明朝E" panose="02020900000000000000" pitchFamily="18" charset="-128"/>
+                <a:ea typeface="HGS明朝E" panose="02020900000000000000" pitchFamily="18" charset="-128"/>
+              </a:rPr>
+              <a:t>から</a:t>
+            </a:r>
+            <a:r>
+              <a:rPr lang="ja-JP" altLang="en-US" sz="6000" b="1" dirty="0" smtClean="0">
+                <a:ln w="22225">
+                  <a:solidFill>
+                    <a:schemeClr val="tx1"/>
+                  </a:solidFill>
+                </a:ln>
+                <a:solidFill>
+                  <a:srgbClr val="FF0000"/>
+                </a:solidFill>
+                <a:latin typeface="HGS明朝E" panose="02020900000000000000" pitchFamily="18" charset="-128"/>
+                <a:ea typeface="HGS明朝E" panose="02020900000000000000" pitchFamily="18" charset="-128"/>
+              </a:rPr>
+              <a:t>奪</a:t>
+            </a:r>
+            <a:r>
+              <a:rPr lang="ja-JP" altLang="en-US" sz="4400" b="1" dirty="0" smtClean="0">
+                <a:ln w="22225">
+                  <a:solidFill>
+                    <a:schemeClr val="tx1"/>
+                  </a:solidFill>
+                </a:ln>
+                <a:solidFill>
+                  <a:schemeClr val="bg1"/>
+                </a:solidFill>
+                <a:latin typeface="HGS明朝E" panose="02020900000000000000" pitchFamily="18" charset="-128"/>
+                <a:ea typeface="HGS明朝E" panose="02020900000000000000" pitchFamily="18" charset="-128"/>
+              </a:rPr>
+              <a:t>い</a:t>
+            </a:r>
+            <a:endParaRPr lang="en-US" altLang="ja-JP" sz="5400" b="1" dirty="0" smtClean="0">
+              <a:ln w="22225">
+                <a:solidFill>
+                  <a:schemeClr val="tx1"/>
+                </a:solidFill>
+              </a:ln>
+              <a:solidFill>
+                <a:schemeClr val="bg1"/>
+              </a:solidFill>
+              <a:latin typeface="HGS明朝E" panose="02020900000000000000" pitchFamily="18" charset="-128"/>
+              <a:ea typeface="HGS明朝E" panose="02020900000000000000" pitchFamily="18" charset="-128"/>
+            </a:endParaRPr>
+          </a:p>
+          <a:p>
+            <a:pPr algn="ctr"/>
+            <a:r>
+              <a:rPr lang="ja-JP" altLang="en-US" sz="5400" b="1" dirty="0" smtClean="0">
+                <a:ln w="22225">
+                  <a:solidFill>
+                    <a:schemeClr val="tx1"/>
+                  </a:solidFill>
+                </a:ln>
+                <a:solidFill>
+                  <a:schemeClr val="bg1"/>
+                </a:solidFill>
+                <a:latin typeface="HGS明朝E" panose="02020900000000000000" pitchFamily="18" charset="-128"/>
+                <a:ea typeface="HGS明朝E" panose="02020900000000000000" pitchFamily="18" charset="-128"/>
+              </a:rPr>
+              <a:t>自身</a:t>
+            </a:r>
+            <a:r>
+              <a:rPr lang="ja-JP" altLang="en-US" sz="4400" b="1" dirty="0" smtClean="0">
+                <a:ln w="22225">
+                  <a:solidFill>
+                    <a:schemeClr val="tx1"/>
+                  </a:solidFill>
+                </a:ln>
+                <a:solidFill>
+                  <a:schemeClr val="bg1"/>
+                </a:solidFill>
+                <a:latin typeface="HGS明朝E" panose="02020900000000000000" pitchFamily="18" charset="-128"/>
+                <a:ea typeface="HGS明朝E" panose="02020900000000000000" pitchFamily="18" charset="-128"/>
+              </a:rPr>
+              <a:t>を</a:t>
+            </a:r>
+            <a:r>
+              <a:rPr lang="ja-JP" altLang="en-US" sz="6000" b="1" dirty="0" smtClean="0">
+                <a:ln w="22225">
+                  <a:solidFill>
+                    <a:schemeClr val="tx1"/>
+                  </a:solidFill>
+                </a:ln>
+                <a:solidFill>
+                  <a:srgbClr val="FF0000"/>
+                </a:solidFill>
+                <a:latin typeface="HGS明朝E" panose="02020900000000000000" pitchFamily="18" charset="-128"/>
+                <a:ea typeface="HGS明朝E" panose="02020900000000000000" pitchFamily="18" charset="-128"/>
+              </a:rPr>
+              <a:t>強化</a:t>
+            </a:r>
+            <a:r>
+              <a:rPr lang="en-US" altLang="ja-JP" sz="5400" b="1" dirty="0" smtClean="0">
+                <a:ln w="22225">
+                  <a:solidFill>
+                    <a:schemeClr val="tx1"/>
+                  </a:solidFill>
+                </a:ln>
+                <a:solidFill>
+                  <a:schemeClr val="bg1"/>
+                </a:solidFill>
+                <a:latin typeface="HGS明朝E" panose="02020900000000000000" pitchFamily="18" charset="-128"/>
+                <a:ea typeface="HGS明朝E" panose="02020900000000000000" pitchFamily="18" charset="-128"/>
+              </a:rPr>
+              <a:t>!!</a:t>
+            </a:r>
+            <a:endParaRPr lang="en-US" altLang="ja-JP" sz="5400" b="1" dirty="0" smtClean="0">
+              <a:ln w="22225">
+                <a:solidFill>
+                  <a:schemeClr val="tx1"/>
+                </a:solidFill>
+              </a:ln>
+              <a:solidFill>
+                <a:schemeClr val="bg1"/>
+              </a:solidFill>
+              <a:latin typeface="HGS明朝E" panose="02020900000000000000" pitchFamily="18" charset="-128"/>
+              <a:ea typeface="HGS明朝E" panose="02020900000000000000" pitchFamily="18" charset="-128"/>
+            </a:endParaRPr>
+          </a:p>
+        </p:txBody>
+      </p:sp>
+    </p:spTree>
+    <p:extLst>
+      <p:ext uri="{BB962C8B-B14F-4D97-AF65-F5344CB8AC3E}">
+        <p14:creationId xmlns:p14="http://schemas.microsoft.com/office/powerpoint/2010/main" val="1898451009"/>
+      </p:ext>
+    </p:extLst>
+  </p:cSld>
+  <p:clrMapOvr>
+    <a:masterClrMapping/>
+  </p:clrMapOvr>
+  <p:timing>
+    <p:tnLst>
+      <p:par>
+        <p:cTn id="1" dur="indefinite" restart="never" nodeType="tmRoot"/>
+      </p:par>
+    </p:tnLst>
+  </p:timing>
+</p:sld>
+</file>
+
 <file path=ppt/theme/theme1.xml><?xml version="1.0" encoding="utf-8"?>
 <a:theme xmlns:a="http://schemas.openxmlformats.org/drawingml/2006/main" name="Office テーマ">
   <a:themeElements>
